--- a/Metamorphosis.pptx
+++ b/Metamorphosis.pptx
@@ -10,11 +10,14 @@
     <p:sldId id="258" r:id="rId4"/>
     <p:sldId id="259" r:id="rId5"/>
     <p:sldId id="260" r:id="rId6"/>
-    <p:sldId id="262" r:id="rId7"/>
-    <p:sldId id="263" r:id="rId8"/>
-    <p:sldId id="264" r:id="rId9"/>
-    <p:sldId id="266" r:id="rId10"/>
-    <p:sldId id="265" r:id="rId11"/>
+    <p:sldId id="267" r:id="rId7"/>
+    <p:sldId id="262" r:id="rId8"/>
+    <p:sldId id="263" r:id="rId9"/>
+    <p:sldId id="264" r:id="rId10"/>
+    <p:sldId id="266" r:id="rId11"/>
+    <p:sldId id="268" r:id="rId12"/>
+    <p:sldId id="269" r:id="rId13"/>
+    <p:sldId id="265" r:id="rId14"/>
   </p:sldIdLst>
   <p:sldSz cx="12192000" cy="6858000"/>
   <p:notesSz cx="6858000" cy="9144000"/>
@@ -113,6 +116,11 @@
       </a:defRPr>
     </a:lvl9pPr>
   </p:defaultTextStyle>
+  <p:extLst>
+    <p:ext uri="{EFAFB233-063F-42B5-8137-9DF3F51BA10A}">
+      <p15:sldGuideLst xmlns:p15="http://schemas.microsoft.com/office/powerpoint/2012/main"/>
+    </p:ext>
+  </p:extLst>
 </p:presentation>
 </file>
 
@@ -263,7 +271,7 @@
           <a:p>
             <a:fld id="{7B4EC670-3CFC-4AB7-9DCA-0F924835C35C}" type="datetimeFigureOut">
               <a:rPr lang="en-US" smtClean="0"/>
-              <a:t>2/23/2025</a:t>
+              <a:t>2/24/2025</a:t>
             </a:fld>
             <a:endParaRPr lang="en-US"/>
           </a:p>
@@ -333,13 +341,13 @@
   <p:clrMapOvr>
     <a:masterClrMapping/>
   </p:clrMapOvr>
-  <mc:AlternateContent xmlns:mc="http://schemas.openxmlformats.org/markup-compatibility/2006">
-    <mc:Choice xmlns:p15="http://schemas.microsoft.com/office/powerpoint/2012/main" Requires="p15">
+  <mc:AlternateContent xmlns:mc="http://schemas.openxmlformats.org/markup-compatibility/2006" xmlns:p15="http://schemas.microsoft.com/office/powerpoint/2012/main">
+    <mc:Choice Requires="p15">
       <p:transition spd="slow">
         <p15:prstTrans prst="peelOff"/>
       </p:transition>
     </mc:Choice>
-    <mc:Fallback>
+    <mc:Fallback xmlns="">
       <p:transition spd="slow">
         <p:fade/>
       </p:transition>
@@ -473,7 +481,7 @@
           <a:p>
             <a:fld id="{7B4EC670-3CFC-4AB7-9DCA-0F924835C35C}" type="datetimeFigureOut">
               <a:rPr lang="en-US" smtClean="0"/>
-              <a:t>2/23/2025</a:t>
+              <a:t>2/24/2025</a:t>
             </a:fld>
             <a:endParaRPr lang="en-US"/>
           </a:p>
@@ -543,13 +551,13 @@
   <p:clrMapOvr>
     <a:masterClrMapping/>
   </p:clrMapOvr>
-  <mc:AlternateContent xmlns:mc="http://schemas.openxmlformats.org/markup-compatibility/2006">
-    <mc:Choice xmlns:p15="http://schemas.microsoft.com/office/powerpoint/2012/main" Requires="p15">
+  <mc:AlternateContent xmlns:mc="http://schemas.openxmlformats.org/markup-compatibility/2006" xmlns:p15="http://schemas.microsoft.com/office/powerpoint/2012/main">
+    <mc:Choice Requires="p15">
       <p:transition spd="slow">
         <p15:prstTrans prst="peelOff"/>
       </p:transition>
     </mc:Choice>
-    <mc:Fallback>
+    <mc:Fallback xmlns="">
       <p:transition spd="slow">
         <p:fade/>
       </p:transition>
@@ -693,7 +701,7 @@
           <a:p>
             <a:fld id="{7B4EC670-3CFC-4AB7-9DCA-0F924835C35C}" type="datetimeFigureOut">
               <a:rPr lang="en-US" smtClean="0"/>
-              <a:t>2/23/2025</a:t>
+              <a:t>2/24/2025</a:t>
             </a:fld>
             <a:endParaRPr lang="en-US"/>
           </a:p>
@@ -763,13 +771,13 @@
   <p:clrMapOvr>
     <a:masterClrMapping/>
   </p:clrMapOvr>
-  <mc:AlternateContent xmlns:mc="http://schemas.openxmlformats.org/markup-compatibility/2006">
-    <mc:Choice xmlns:p15="http://schemas.microsoft.com/office/powerpoint/2012/main" Requires="p15">
+  <mc:AlternateContent xmlns:mc="http://schemas.openxmlformats.org/markup-compatibility/2006" xmlns:p15="http://schemas.microsoft.com/office/powerpoint/2012/main">
+    <mc:Choice Requires="p15">
       <p:transition spd="slow">
         <p15:prstTrans prst="peelOff"/>
       </p:transition>
     </mc:Choice>
-    <mc:Fallback>
+    <mc:Fallback xmlns="">
       <p:transition spd="slow">
         <p:fade/>
       </p:transition>
@@ -903,7 +911,7 @@
           <a:p>
             <a:fld id="{7B4EC670-3CFC-4AB7-9DCA-0F924835C35C}" type="datetimeFigureOut">
               <a:rPr lang="en-US" smtClean="0"/>
-              <a:t>2/23/2025</a:t>
+              <a:t>2/24/2025</a:t>
             </a:fld>
             <a:endParaRPr lang="en-US"/>
           </a:p>
@@ -973,13 +981,13 @@
   <p:clrMapOvr>
     <a:masterClrMapping/>
   </p:clrMapOvr>
-  <mc:AlternateContent xmlns:mc="http://schemas.openxmlformats.org/markup-compatibility/2006">
-    <mc:Choice xmlns:p15="http://schemas.microsoft.com/office/powerpoint/2012/main" Requires="p15">
+  <mc:AlternateContent xmlns:mc="http://schemas.openxmlformats.org/markup-compatibility/2006" xmlns:p15="http://schemas.microsoft.com/office/powerpoint/2012/main">
+    <mc:Choice Requires="p15">
       <p:transition spd="slow">
         <p15:prstTrans prst="peelOff"/>
       </p:transition>
     </mc:Choice>
-    <mc:Fallback>
+    <mc:Fallback xmlns="">
       <p:transition spd="slow">
         <p:fade/>
       </p:transition>
@@ -1190,7 +1198,7 @@
           <a:p>
             <a:fld id="{7B4EC670-3CFC-4AB7-9DCA-0F924835C35C}" type="datetimeFigureOut">
               <a:rPr lang="en-US" smtClean="0"/>
-              <a:t>2/23/2025</a:t>
+              <a:t>2/24/2025</a:t>
             </a:fld>
             <a:endParaRPr lang="en-US"/>
           </a:p>
@@ -1260,13 +1268,13 @@
   <p:clrMapOvr>
     <a:masterClrMapping/>
   </p:clrMapOvr>
-  <mc:AlternateContent xmlns:mc="http://schemas.openxmlformats.org/markup-compatibility/2006">
-    <mc:Choice xmlns:p15="http://schemas.microsoft.com/office/powerpoint/2012/main" Requires="p15">
+  <mc:AlternateContent xmlns:mc="http://schemas.openxmlformats.org/markup-compatibility/2006" xmlns:p15="http://schemas.microsoft.com/office/powerpoint/2012/main">
+    <mc:Choice Requires="p15">
       <p:transition spd="slow">
         <p15:prstTrans prst="peelOff"/>
       </p:transition>
     </mc:Choice>
-    <mc:Fallback>
+    <mc:Fallback xmlns="">
       <p:transition spd="slow">
         <p:fade/>
       </p:transition>
@@ -1467,7 +1475,7 @@
           <a:p>
             <a:fld id="{7B4EC670-3CFC-4AB7-9DCA-0F924835C35C}" type="datetimeFigureOut">
               <a:rPr lang="en-US" smtClean="0"/>
-              <a:t>2/23/2025</a:t>
+              <a:t>2/24/2025</a:t>
             </a:fld>
             <a:endParaRPr lang="en-US"/>
           </a:p>
@@ -1537,13 +1545,13 @@
   <p:clrMapOvr>
     <a:masterClrMapping/>
   </p:clrMapOvr>
-  <mc:AlternateContent xmlns:mc="http://schemas.openxmlformats.org/markup-compatibility/2006">
-    <mc:Choice xmlns:p15="http://schemas.microsoft.com/office/powerpoint/2012/main" Requires="p15">
+  <mc:AlternateContent xmlns:mc="http://schemas.openxmlformats.org/markup-compatibility/2006" xmlns:p15="http://schemas.microsoft.com/office/powerpoint/2012/main">
+    <mc:Choice Requires="p15">
       <p:transition spd="slow">
         <p15:prstTrans prst="peelOff"/>
       </p:transition>
     </mc:Choice>
-    <mc:Fallback>
+    <mc:Fallback xmlns="">
       <p:transition spd="slow">
         <p:fade/>
       </p:transition>
@@ -1891,7 +1899,7 @@
           <a:p>
             <a:fld id="{7B4EC670-3CFC-4AB7-9DCA-0F924835C35C}" type="datetimeFigureOut">
               <a:rPr lang="en-US" smtClean="0"/>
-              <a:t>2/23/2025</a:t>
+              <a:t>2/24/2025</a:t>
             </a:fld>
             <a:endParaRPr lang="en-US"/>
           </a:p>
@@ -1961,13 +1969,13 @@
   <p:clrMapOvr>
     <a:masterClrMapping/>
   </p:clrMapOvr>
-  <mc:AlternateContent xmlns:mc="http://schemas.openxmlformats.org/markup-compatibility/2006">
-    <mc:Choice xmlns:p15="http://schemas.microsoft.com/office/powerpoint/2012/main" Requires="p15">
+  <mc:AlternateContent xmlns:mc="http://schemas.openxmlformats.org/markup-compatibility/2006" xmlns:p15="http://schemas.microsoft.com/office/powerpoint/2012/main">
+    <mc:Choice Requires="p15">
       <p:transition spd="slow">
         <p15:prstTrans prst="peelOff"/>
       </p:transition>
     </mc:Choice>
-    <mc:Fallback>
+    <mc:Fallback xmlns="">
       <p:transition spd="slow">
         <p:fade/>
       </p:transition>
@@ -2044,7 +2052,7 @@
           <a:p>
             <a:fld id="{7B4EC670-3CFC-4AB7-9DCA-0F924835C35C}" type="datetimeFigureOut">
               <a:rPr lang="en-US" smtClean="0"/>
-              <a:t>2/23/2025</a:t>
+              <a:t>2/24/2025</a:t>
             </a:fld>
             <a:endParaRPr lang="en-US"/>
           </a:p>
@@ -2114,13 +2122,13 @@
   <p:clrMapOvr>
     <a:masterClrMapping/>
   </p:clrMapOvr>
-  <mc:AlternateContent xmlns:mc="http://schemas.openxmlformats.org/markup-compatibility/2006">
-    <mc:Choice xmlns:p15="http://schemas.microsoft.com/office/powerpoint/2012/main" Requires="p15">
+  <mc:AlternateContent xmlns:mc="http://schemas.openxmlformats.org/markup-compatibility/2006" xmlns:p15="http://schemas.microsoft.com/office/powerpoint/2012/main">
+    <mc:Choice Requires="p15">
       <p:transition spd="slow">
         <p15:prstTrans prst="peelOff"/>
       </p:transition>
     </mc:Choice>
-    <mc:Fallback>
+    <mc:Fallback xmlns="">
       <p:transition spd="slow">
         <p:fade/>
       </p:transition>
@@ -2169,7 +2177,7 @@
           <a:p>
             <a:fld id="{7B4EC670-3CFC-4AB7-9DCA-0F924835C35C}" type="datetimeFigureOut">
               <a:rPr lang="en-US" smtClean="0"/>
-              <a:t>2/23/2025</a:t>
+              <a:t>2/24/2025</a:t>
             </a:fld>
             <a:endParaRPr lang="en-US"/>
           </a:p>
@@ -2239,13 +2247,13 @@
   <p:clrMapOvr>
     <a:masterClrMapping/>
   </p:clrMapOvr>
-  <mc:AlternateContent xmlns:mc="http://schemas.openxmlformats.org/markup-compatibility/2006">
-    <mc:Choice xmlns:p15="http://schemas.microsoft.com/office/powerpoint/2012/main" Requires="p15">
+  <mc:AlternateContent xmlns:mc="http://schemas.openxmlformats.org/markup-compatibility/2006" xmlns:p15="http://schemas.microsoft.com/office/powerpoint/2012/main">
+    <mc:Choice Requires="p15">
       <p:transition spd="slow">
         <p15:prstTrans prst="peelOff"/>
       </p:transition>
     </mc:Choice>
-    <mc:Fallback>
+    <mc:Fallback xmlns="">
       <p:transition spd="slow">
         <p:fade/>
       </p:transition>
@@ -2492,7 +2500,7 @@
           <a:p>
             <a:fld id="{7B4EC670-3CFC-4AB7-9DCA-0F924835C35C}" type="datetimeFigureOut">
               <a:rPr lang="en-US" smtClean="0"/>
-              <a:t>2/23/2025</a:t>
+              <a:t>2/24/2025</a:t>
             </a:fld>
             <a:endParaRPr lang="en-US"/>
           </a:p>
@@ -2562,13 +2570,13 @@
   <p:clrMapOvr>
     <a:masterClrMapping/>
   </p:clrMapOvr>
-  <mc:AlternateContent xmlns:mc="http://schemas.openxmlformats.org/markup-compatibility/2006">
-    <mc:Choice xmlns:p15="http://schemas.microsoft.com/office/powerpoint/2012/main" Requires="p15">
+  <mc:AlternateContent xmlns:mc="http://schemas.openxmlformats.org/markup-compatibility/2006" xmlns:p15="http://schemas.microsoft.com/office/powerpoint/2012/main">
+    <mc:Choice Requires="p15">
       <p:transition spd="slow">
         <p15:prstTrans prst="peelOff"/>
       </p:transition>
     </mc:Choice>
-    <mc:Fallback>
+    <mc:Fallback xmlns="">
       <p:transition spd="slow">
         <p:fade/>
       </p:transition>
@@ -2792,7 +2800,7 @@
           <a:p>
             <a:fld id="{7B4EC670-3CFC-4AB7-9DCA-0F924835C35C}" type="datetimeFigureOut">
               <a:rPr lang="en-US" smtClean="0"/>
-              <a:t>2/23/2025</a:t>
+              <a:t>2/24/2025</a:t>
             </a:fld>
             <a:endParaRPr lang="en-US"/>
           </a:p>
@@ -2862,13 +2870,13 @@
   <p:clrMapOvr>
     <a:masterClrMapping/>
   </p:clrMapOvr>
-  <mc:AlternateContent xmlns:mc="http://schemas.openxmlformats.org/markup-compatibility/2006">
-    <mc:Choice xmlns:p15="http://schemas.microsoft.com/office/powerpoint/2012/main" Requires="p15">
+  <mc:AlternateContent xmlns:mc="http://schemas.openxmlformats.org/markup-compatibility/2006" xmlns:p15="http://schemas.microsoft.com/office/powerpoint/2012/main">
+    <mc:Choice Requires="p15">
       <p:transition spd="slow">
         <p15:prstTrans prst="peelOff"/>
       </p:transition>
     </mc:Choice>
-    <mc:Fallback>
+    <mc:Fallback xmlns="">
       <p:transition spd="slow">
         <p:fade/>
       </p:transition>
@@ -3080,7 +3088,7 @@
             <a:fld id="{7B4EC670-3CFC-4AB7-9DCA-0F924835C35C}" type="datetimeFigureOut">
               <a:rPr lang="en-US" smtClean="0"/>
               <a:pPr/>
-              <a:t>2/23/2025</a:t>
+              <a:t>2/24/2025</a:t>
             </a:fld>
             <a:endParaRPr lang="en-US"/>
           </a:p>
@@ -3210,13 +3218,13 @@
     <p:sldLayoutId id="2147483658" r:id="rId10"/>
     <p:sldLayoutId id="2147483659" r:id="rId11"/>
   </p:sldLayoutIdLst>
-  <mc:AlternateContent xmlns:mc="http://schemas.openxmlformats.org/markup-compatibility/2006">
-    <mc:Choice xmlns:p15="http://schemas.microsoft.com/office/powerpoint/2012/main" Requires="p15">
+  <mc:AlternateContent xmlns:mc="http://schemas.openxmlformats.org/markup-compatibility/2006" xmlns:p15="http://schemas.microsoft.com/office/powerpoint/2012/main">
+    <mc:Choice Requires="p15">
       <p:transition spd="slow">
         <p15:prstTrans prst="peelOff"/>
       </p:transition>
     </mc:Choice>
-    <mc:Fallback>
+    <mc:Fallback xmlns="">
       <p:transition spd="slow">
         <p:fade/>
       </p:transition>
@@ -3606,7 +3614,7 @@
             <p:cNvSpPr/>
             <p:nvPr>
               <p:custDataLst>
-                <p:tags r:id="rId5"/>
+                <p:tags r:id="rId7"/>
               </p:custDataLst>
             </p:nvPr>
           </p:nvSpPr>
@@ -3635,7 +3643,9 @@
             </a:fontRef>
           </p:style>
           <p:txBody>
-            <a:bodyPr rtlCol="0" anchor="ctr"/>
+            <a:bodyPr wrap="square" rtlCol="0" anchor="ctr">
+              <a:noAutofit/>
+            </a:bodyPr>
             <a:lstStyle/>
             <a:p>
               <a:pPr algn="ctr"/>
@@ -3655,7 +3665,7 @@
             <p:cNvSpPr/>
             <p:nvPr>
               <p:custDataLst>
-                <p:tags r:id="rId6"/>
+                <p:tags r:id="rId8"/>
               </p:custDataLst>
             </p:nvPr>
           </p:nvSpPr>
@@ -3684,7 +3694,9 @@
             </a:fontRef>
           </p:style>
           <p:txBody>
-            <a:bodyPr rtlCol="0" anchor="ctr"/>
+            <a:bodyPr wrap="square" rtlCol="0" anchor="ctr">
+              <a:noAutofit/>
+            </a:bodyPr>
             <a:lstStyle/>
             <a:p>
               <a:pPr algn="ctr"/>
@@ -3704,7 +3716,7 @@
             <p:cNvSpPr/>
             <p:nvPr>
               <p:custDataLst>
-                <p:tags r:id="rId7"/>
+                <p:tags r:id="rId9"/>
               </p:custDataLst>
             </p:nvPr>
           </p:nvSpPr>
@@ -3733,7 +3745,9 @@
             </a:fontRef>
           </p:style>
           <p:txBody>
-            <a:bodyPr rtlCol="0" anchor="ctr"/>
+            <a:bodyPr wrap="square" rtlCol="0" anchor="ctr">
+              <a:noAutofit/>
+            </a:bodyPr>
             <a:lstStyle/>
             <a:p>
               <a:pPr algn="ctr"/>
@@ -3753,7 +3767,7 @@
             <p:cNvSpPr/>
             <p:nvPr>
               <p:custDataLst>
-                <p:tags r:id="rId8"/>
+                <p:tags r:id="rId10"/>
               </p:custDataLst>
             </p:nvPr>
           </p:nvSpPr>
@@ -3782,7 +3796,9 @@
             </a:fontRef>
           </p:style>
           <p:txBody>
-            <a:bodyPr rtlCol="0" anchor="ctr"/>
+            <a:bodyPr wrap="square" rtlCol="0" anchor="ctr">
+              <a:noAutofit/>
+            </a:bodyPr>
             <a:lstStyle/>
             <a:p>
               <a:pPr algn="ctr"/>
@@ -3802,7 +3818,7 @@
             <p:cNvSpPr/>
             <p:nvPr>
               <p:custDataLst>
-                <p:tags r:id="rId9"/>
+                <p:tags r:id="rId11"/>
               </p:custDataLst>
             </p:nvPr>
           </p:nvSpPr>
@@ -3831,7 +3847,9 @@
             </a:fontRef>
           </p:style>
           <p:txBody>
-            <a:bodyPr rtlCol="0" anchor="ctr"/>
+            <a:bodyPr wrap="square" rtlCol="0" anchor="ctr">
+              <a:noAutofit/>
+            </a:bodyPr>
             <a:lstStyle/>
             <a:p>
               <a:pPr algn="ctr"/>
@@ -3851,7 +3869,7 @@
             <p:cNvSpPr/>
             <p:nvPr>
               <p:custDataLst>
-                <p:tags r:id="rId10"/>
+                <p:tags r:id="rId12"/>
               </p:custDataLst>
             </p:nvPr>
           </p:nvSpPr>
@@ -3880,7 +3898,9 @@
             </a:fontRef>
           </p:style>
           <p:txBody>
-            <a:bodyPr rtlCol="0" anchor="ctr"/>
+            <a:bodyPr wrap="square" rtlCol="0" anchor="ctr">
+              <a:noAutofit/>
+            </a:bodyPr>
             <a:lstStyle/>
             <a:p>
               <a:pPr algn="ctr"/>
@@ -3900,7 +3920,7 @@
             <p:cNvSpPr/>
             <p:nvPr>
               <p:custDataLst>
-                <p:tags r:id="rId11"/>
+                <p:tags r:id="rId13"/>
               </p:custDataLst>
             </p:nvPr>
           </p:nvSpPr>
@@ -3929,7 +3949,9 @@
             </a:fontRef>
           </p:style>
           <p:txBody>
-            <a:bodyPr rtlCol="0" anchor="ctr"/>
+            <a:bodyPr wrap="square" rtlCol="0" anchor="ctr">
+              <a:noAutofit/>
+            </a:bodyPr>
             <a:lstStyle/>
             <a:p>
               <a:pPr algn="ctr"/>
@@ -3949,7 +3971,7 @@
             <p:cNvSpPr/>
             <p:nvPr>
               <p:custDataLst>
-                <p:tags r:id="rId12"/>
+                <p:tags r:id="rId14"/>
               </p:custDataLst>
             </p:nvPr>
           </p:nvSpPr>
@@ -3978,7 +4000,9 @@
             </a:fontRef>
           </p:style>
           <p:txBody>
-            <a:bodyPr rtlCol="0" anchor="ctr"/>
+            <a:bodyPr wrap="square" rtlCol="0" anchor="ctr">
+              <a:noAutofit/>
+            </a:bodyPr>
             <a:lstStyle/>
             <a:p>
               <a:pPr algn="ctr"/>
@@ -3998,7 +4022,7 @@
             <p:cNvSpPr/>
             <p:nvPr>
               <p:custDataLst>
-                <p:tags r:id="rId13"/>
+                <p:tags r:id="rId15"/>
               </p:custDataLst>
             </p:nvPr>
           </p:nvSpPr>
@@ -4026,7 +4050,9 @@
             </a:fontRef>
           </p:style>
           <p:txBody>
-            <a:bodyPr rtlCol="0" anchor="ctr"/>
+            <a:bodyPr wrap="square" rtlCol="0" anchor="ctr">
+              <a:noAutofit/>
+            </a:bodyPr>
             <a:lstStyle/>
             <a:p>
               <a:pPr algn="ctr"/>
@@ -4049,7 +4075,7 @@
             </p:cNvCxnSpPr>
             <p:nvPr>
               <p:custDataLst>
-                <p:tags r:id="rId14"/>
+                <p:tags r:id="rId16"/>
               </p:custDataLst>
             </p:nvPr>
           </p:nvCxnSpPr>
@@ -4094,7 +4120,7 @@
             <p:cNvSpPr/>
             <p:nvPr>
               <p:custDataLst>
-                <p:tags r:id="rId15"/>
+                <p:tags r:id="rId17"/>
               </p:custDataLst>
             </p:nvPr>
           </p:nvSpPr>
@@ -4124,7 +4150,9 @@
             </a:fontRef>
           </p:style>
           <p:txBody>
-            <a:bodyPr rtlCol="0" anchor="ctr"/>
+            <a:bodyPr wrap="square" rtlCol="0" anchor="ctr">
+              <a:noAutofit/>
+            </a:bodyPr>
             <a:lstStyle/>
             <a:p>
               <a:pPr algn="ctr"/>
@@ -4144,7 +4172,7 @@
             <p:cNvSpPr/>
             <p:nvPr>
               <p:custDataLst>
-                <p:tags r:id="rId16"/>
+                <p:tags r:id="rId18"/>
               </p:custDataLst>
             </p:nvPr>
           </p:nvSpPr>
@@ -4172,7 +4200,9 @@
             </a:fontRef>
           </p:style>
           <p:txBody>
-            <a:bodyPr rtlCol="0" anchor="ctr"/>
+            <a:bodyPr wrap="square" rtlCol="0" anchor="ctr">
+              <a:noAutofit/>
+            </a:bodyPr>
             <a:lstStyle/>
             <a:p>
               <a:pPr algn="ctr"/>
@@ -4192,7 +4222,7 @@
             <p:cNvSpPr/>
             <p:nvPr>
               <p:custDataLst>
-                <p:tags r:id="rId17"/>
+                <p:tags r:id="rId19"/>
               </p:custDataLst>
             </p:nvPr>
           </p:nvSpPr>
@@ -4220,7 +4250,9 @@
             </a:fontRef>
           </p:style>
           <p:txBody>
-            <a:bodyPr rtlCol="0" anchor="ctr"/>
+            <a:bodyPr wrap="square" rtlCol="0" anchor="ctr">
+              <a:noAutofit/>
+            </a:bodyPr>
             <a:lstStyle/>
             <a:p>
               <a:pPr algn="ctr"/>
@@ -4256,8 +4288,8 @@
           <a:noFill/>
         </p:spPr>
         <p:txBody>
-          <a:bodyPr wrap="none" lIns="91440" tIns="45720" rIns="91440" bIns="45720">
-            <a:spAutoFit/>
+          <a:bodyPr wrap="square" lIns="91440" tIns="45720" rIns="91440" bIns="45720">
+            <a:noAutofit/>
           </a:bodyPr>
           <a:lstStyle/>
           <a:p>
@@ -4308,8 +4340,8 @@
           <a:noFill/>
         </p:spPr>
         <p:txBody>
-          <a:bodyPr wrap="none" lIns="91440" tIns="45720" rIns="91440" bIns="45720">
-            <a:spAutoFit/>
+          <a:bodyPr wrap="square" lIns="91440" tIns="45720" rIns="91440" bIns="45720">
+            <a:noAutofit/>
           </a:bodyPr>
           <a:lstStyle/>
           <a:p>
@@ -4360,8 +4392,8 @@
           <a:noFill/>
         </p:spPr>
         <p:txBody>
-          <a:bodyPr wrap="none" lIns="91440" tIns="45720" rIns="91440" bIns="45720">
-            <a:spAutoFit/>
+          <a:bodyPr wrap="square" lIns="91440" tIns="45720" rIns="91440" bIns="45720">
+            <a:noAutofit/>
           </a:bodyPr>
           <a:lstStyle/>
           <a:p>
@@ -4414,6 +4446,44 @@
           </a:p>
         </p:txBody>
       </p:sp>
+      <p:pic>
+        <p:nvPicPr>
+          <p:cNvPr id="2" name="FreshStart">
+            <a:hlinkClick r:id="" action="ppaction://media"/>
+            <a:extLst>
+              <a:ext uri="{FF2B5EF4-FFF2-40B4-BE49-F238E27FC236}">
+                <a16:creationId xmlns:a16="http://schemas.microsoft.com/office/drawing/2014/main" id="{DCC13192-C6E2-68A0-4688-49A2BDBDCFB9}"/>
+              </a:ext>
+            </a:extLst>
+          </p:cNvPr>
+          <p:cNvPicPr>
+            <a:picLocks noChangeAspect="1"/>
+          </p:cNvPicPr>
+          <p:nvPr>
+            <a:audioFile r:link="rId6"/>
+            <p:extLst>
+              <p:ext uri="{DAA4B4D4-6D71-4841-9C94-3DE7FCFB9230}">
+                <p14:media xmlns:p14="http://schemas.microsoft.com/office/powerpoint/2010/main" r:embed="rId5"/>
+              </p:ext>
+            </p:extLst>
+          </p:nvPr>
+        </p:nvPicPr>
+        <p:blipFill>
+          <a:blip r:embed="rId21"/>
+          <a:stretch>
+            <a:fillRect/>
+          </a:stretch>
+        </p:blipFill>
+        <p:spPr>
+          <a:xfrm>
+            <a:off x="-609600" y="0"/>
+            <a:ext cx="609600" cy="609600"/>
+          </a:xfrm>
+          <a:prstGeom prst="rect">
+            <a:avLst/>
+          </a:prstGeom>
+        </p:spPr>
+      </p:pic>
     </p:spTree>
     <p:extLst>
       <p:ext uri="{BB962C8B-B14F-4D97-AF65-F5344CB8AC3E}">
@@ -4451,14 +4521,40 @@
                             </p:stCondLst>
                             <p:childTnLst>
                               <p:par>
-                                <p:cTn id="5" presetID="50" presetClass="entr" presetSubtype="0" decel="100000" fill="hold" grpId="0" nodeType="afterEffect">
+                                <p:cTn id="5" presetID="1" presetClass="mediacall" presetSubtype="0" fill="hold" nodeType="afterEffect">
                                   <p:stCondLst>
                                     <p:cond delay="0"/>
                                   </p:stCondLst>
                                   <p:childTnLst>
+                                    <p:cmd type="call" cmd="playFrom(0.0)">
+                                      <p:cBhvr>
+                                        <p:cTn id="6" dur="1" fill="hold"/>
+                                        <p:tgtEl>
+                                          <p:spTgt spid="2"/>
+                                        </p:tgtEl>
+                                      </p:cBhvr>
+                                    </p:cmd>
+                                  </p:childTnLst>
+                                </p:cTn>
+                              </p:par>
+                            </p:childTnLst>
+                          </p:cTn>
+                        </p:par>
+                        <p:par>
+                          <p:cTn id="7" fill="hold">
+                            <p:stCondLst>
+                              <p:cond delay="0"/>
+                            </p:stCondLst>
+                            <p:childTnLst>
+                              <p:par>
+                                <p:cTn id="8" presetID="50" presetClass="entr" presetSubtype="0" decel="100000" fill="hold" grpId="0" nodeType="afterEffect">
+                                  <p:stCondLst>
+                                    <p:cond delay="500"/>
+                                  </p:stCondLst>
+                                  <p:childTnLst>
                                     <p:set>
                                       <p:cBhvr>
-                                        <p:cTn id="6" dur="1" fill="hold">
+                                        <p:cTn id="9" dur="1" fill="hold">
                                           <p:stCondLst>
                                             <p:cond delay="0"/>
                                           </p:stCondLst>
@@ -4476,7 +4572,7 @@
                                     </p:set>
                                     <p:anim calcmode="lin" valueType="num">
                                       <p:cBhvr>
-                                        <p:cTn id="7" dur="500" fill="hold"/>
+                                        <p:cTn id="10" dur="500" fill="hold"/>
                                         <p:tgtEl>
                                           <p:spTgt spid="23"/>
                                         </p:tgtEl>
@@ -4499,7 +4595,7 @@
                                     </p:anim>
                                     <p:anim calcmode="lin" valueType="num">
                                       <p:cBhvr>
-                                        <p:cTn id="8" dur="500" fill="hold"/>
+                                        <p:cTn id="11" dur="500" fill="hold"/>
                                         <p:tgtEl>
                                           <p:spTgt spid="23"/>
                                         </p:tgtEl>
@@ -4522,7 +4618,7 @@
                                     </p:anim>
                                     <p:animEffect transition="in" filter="fade">
                                       <p:cBhvr>
-                                        <p:cTn id="9" dur="500"/>
+                                        <p:cTn id="12" dur="500"/>
                                         <p:tgtEl>
                                           <p:spTgt spid="23"/>
                                         </p:tgtEl>
@@ -4535,20 +4631,20 @@
                           </p:cTn>
                         </p:par>
                         <p:par>
-                          <p:cTn id="10" fill="hold">
+                          <p:cTn id="13" fill="hold">
                             <p:stCondLst>
-                              <p:cond delay="500"/>
+                              <p:cond delay="1000"/>
                             </p:stCondLst>
                             <p:childTnLst>
                               <p:par>
-                                <p:cTn id="11" presetID="47" presetClass="entr" presetSubtype="0" fill="hold" grpId="1" nodeType="afterEffect">
+                                <p:cTn id="14" presetID="47" presetClass="entr" presetSubtype="0" fill="hold" grpId="1" nodeType="afterEffect">
                                   <p:stCondLst>
                                     <p:cond delay="0"/>
                                   </p:stCondLst>
                                   <p:childTnLst>
                                     <p:set>
                                       <p:cBhvr>
-                                        <p:cTn id="12" dur="1" fill="hold">
+                                        <p:cTn id="15" dur="1" fill="hold">
                                           <p:stCondLst>
                                             <p:cond delay="0"/>
                                           </p:stCondLst>
@@ -4566,7 +4662,7 @@
                                     </p:set>
                                     <p:animEffect transition="in" filter="fade">
                                       <p:cBhvr>
-                                        <p:cTn id="13" dur="500"/>
+                                        <p:cTn id="16" dur="500"/>
                                         <p:tgtEl>
                                           <p:spTgt spid="25"/>
                                         </p:tgtEl>
@@ -4574,7 +4670,7 @@
                                     </p:animEffect>
                                     <p:anim calcmode="lin" valueType="num">
                                       <p:cBhvr>
-                                        <p:cTn id="14" dur="500" fill="hold"/>
+                                        <p:cTn id="17" dur="500" fill="hold"/>
                                         <p:tgtEl>
                                           <p:spTgt spid="25"/>
                                         </p:tgtEl>
@@ -4602,13 +4698,13 @@
                           </p:cTn>
                         </p:par>
                         <p:par>
-                          <p:cTn id="15" fill="hold">
+                          <p:cTn id="18" fill="hold">
                             <p:stCondLst>
-                              <p:cond delay="1000"/>
+                              <p:cond delay="1500"/>
                             </p:stCondLst>
                             <p:childTnLst>
                               <p:par>
-                                <p:cTn id="16" presetID="1" presetClass="entr" presetSubtype="0" fill="hold" grpId="0" nodeType="afterEffect">
+                                <p:cTn id="19" presetID="1" presetClass="entr" presetSubtype="0" fill="hold" grpId="0" nodeType="afterEffect">
                                   <p:stCondLst>
                                     <p:cond delay="0"/>
                                   </p:stCondLst>
@@ -4618,7 +4714,7 @@
                                   <p:childTnLst>
                                     <p:set>
                                       <p:cBhvr>
-                                        <p:cTn id="17" dur="1" fill="hold">
+                                        <p:cTn id="20" dur="1" fill="hold">
                                           <p:stCondLst>
                                             <p:cond delay="0"/>
                                           </p:stCondLst>
@@ -4638,7 +4734,7 @@
                                 </p:cTn>
                               </p:par>
                               <p:par>
-                                <p:cTn id="18" presetID="35" presetClass="path" presetSubtype="0" fill="hold" grpId="1" nodeType="withEffect">
+                                <p:cTn id="21" presetID="35" presetClass="path" presetSubtype="0" fill="hold" grpId="1" nodeType="withEffect">
                                   <p:stCondLst>
                                     <p:cond delay="0"/>
                                   </p:stCondLst>
@@ -4648,7 +4744,7 @@
                                   <p:childTnLst>
                                     <p:animMotion origin="layout" path="M 0.25794 -1.85185E-6 L 0 -1.85185E-6 " pathEditMode="relative" rAng="0" ptsTypes="AA">
                                       <p:cBhvr>
-                                        <p:cTn id="19" dur="540" fill="hold"/>
+                                        <p:cTn id="22" dur="540" fill="hold"/>
                                         <p:tgtEl>
                                           <p:spTgt spid="26"/>
                                         </p:tgtEl>
@@ -4666,26 +4762,577 @@
                           </p:cTn>
                         </p:par>
                         <p:par>
-                          <p:cTn id="20" fill="hold">
+                          <p:cTn id="23" fill="hold">
                             <p:stCondLst>
-                              <p:cond delay="1541"/>
+                              <p:cond delay="2041"/>
                             </p:stCondLst>
                             <p:childTnLst>
                               <p:par>
-                                <p:cTn id="21" presetID="42" presetClass="entr" presetSubtype="0" decel="100000" fill="hold" nodeType="afterEffect">
+                                <p:cTn id="24" presetID="42" presetClass="entr" presetSubtype="0" decel="100000" fill="hold" nodeType="afterEffect">
                                   <p:stCondLst>
                                     <p:cond delay="0"/>
                                   </p:stCondLst>
                                   <p:childTnLst>
                                     <p:set>
                                       <p:cBhvr>
+                                        <p:cTn id="25" dur="1" fill="hold">
+                                          <p:stCondLst>
+                                            <p:cond delay="0"/>
+                                          </p:stCondLst>
+                                        </p:cTn>
+                                        <p:tgtEl>
+                                          <p:spTgt spid="22"/>
+                                        </p:tgtEl>
+                                        <p:attrNameLst>
+                                          <p:attrName>style.visibility</p:attrName>
+                                        </p:attrNameLst>
+                                      </p:cBhvr>
+                                      <p:to>
+                                        <p:strVal val="visible"/>
+                                      </p:to>
+                                    </p:set>
+                                    <p:animEffect transition="in" filter="fade">
+                                      <p:cBhvr>
+                                        <p:cTn id="26" dur="1000"/>
+                                        <p:tgtEl>
+                                          <p:spTgt spid="22"/>
+                                        </p:tgtEl>
+                                      </p:cBhvr>
+                                    </p:animEffect>
+                                    <p:anim calcmode="lin" valueType="num">
+                                      <p:cBhvr>
+                                        <p:cTn id="27" dur="1000" fill="hold"/>
+                                        <p:tgtEl>
+                                          <p:spTgt spid="22"/>
+                                        </p:tgtEl>
+                                        <p:attrNameLst>
+                                          <p:attrName>ppt_x</p:attrName>
+                                        </p:attrNameLst>
+                                      </p:cBhvr>
+                                      <p:tavLst>
+                                        <p:tav tm="0">
+                                          <p:val>
+                                            <p:strVal val="#ppt_x-.2"/>
+                                          </p:val>
+                                        </p:tav>
+                                        <p:tav tm="100000">
+                                          <p:val>
+                                            <p:strVal val="#ppt_x"/>
+                                          </p:val>
+                                        </p:tav>
+                                      </p:tavLst>
+                                    </p:anim>
+                                  </p:childTnLst>
+                                </p:cTn>
+                              </p:par>
+                            </p:childTnLst>
+                          </p:cTn>
+                        </p:par>
+                      </p:childTnLst>
+                    </p:cTn>
+                  </p:par>
+                </p:childTnLst>
+              </p:cTn>
+              <p:prevCondLst>
+                <p:cond evt="onPrev" delay="0">
+                  <p:tgtEl>
+                    <p:sldTgt/>
+                  </p:tgtEl>
+                </p:cond>
+              </p:prevCondLst>
+              <p:nextCondLst>
+                <p:cond evt="onNext" delay="0">
+                  <p:tgtEl>
+                    <p:sldTgt/>
+                  </p:tgtEl>
+                </p:cond>
+              </p:nextCondLst>
+            </p:seq>
+            <p:audio>
+              <p:cMediaNode vol="80000" numSld="999" showWhenStopped="0">
+                <p:cTn id="28" fill="hold" display="0">
+                  <p:stCondLst>
+                    <p:cond delay="indefinite"/>
+                  </p:stCondLst>
+                  <p:endCondLst>
+                    <p:cond evt="onStopAudio" delay="0">
+                      <p:tgtEl>
+                        <p:sldTgt/>
+                      </p:tgtEl>
+                    </p:cond>
+                  </p:endCondLst>
+                </p:cTn>
+                <p:tgtEl>
+                  <p:spTgt spid="2"/>
+                </p:tgtEl>
+              </p:cMediaNode>
+            </p:audio>
+          </p:childTnLst>
+        </p:cTn>
+      </p:par>
+    </p:tnLst>
+    <p:bldLst>
+      <p:bldP spid="23" grpId="0"/>
+      <p:bldP spid="25" grpId="1"/>
+      <p:bldP spid="26" grpId="0"/>
+      <p:bldP spid="26" grpId="1"/>
+    </p:bldLst>
+  </p:timing>
+</p:sld>
+</file>
+
+<file path=ppt/slides/slide10.xml><?xml version="1.0" encoding="utf-8"?>
+<p:sld xmlns:a="http://schemas.openxmlformats.org/drawingml/2006/main" xmlns:r="http://schemas.openxmlformats.org/officeDocument/2006/relationships" xmlns:p="http://schemas.openxmlformats.org/presentationml/2006/main">
+  <p:cSld>
+    <p:spTree>
+      <p:nvGrpSpPr>
+        <p:cNvPr id="1" name="">
+          <a:extLst>
+            <a:ext uri="{FF2B5EF4-FFF2-40B4-BE49-F238E27FC236}">
+              <a16:creationId xmlns:a16="http://schemas.microsoft.com/office/drawing/2014/main" id="{EB82121D-2A1D-14CD-3B00-81966210DC99}"/>
+            </a:ext>
+          </a:extLst>
+        </p:cNvPr>
+        <p:cNvGrpSpPr/>
+        <p:nvPr/>
+      </p:nvGrpSpPr>
+      <p:grpSpPr>
+        <a:xfrm>
+          <a:off x="0" y="0"/>
+          <a:ext cx="0" cy="0"/>
+          <a:chOff x="0" y="0"/>
+          <a:chExt cx="0" cy="0"/>
+        </a:xfrm>
+      </p:grpSpPr>
+      <p:sp>
+        <p:nvSpPr>
+          <p:cNvPr id="3" name="MG-内容占位符 2">
+            <a:extLst>
+              <a:ext uri="{FF2B5EF4-FFF2-40B4-BE49-F238E27FC236}">
+                <a16:creationId xmlns:a16="http://schemas.microsoft.com/office/drawing/2014/main" id="{4574A921-D514-7D8E-4D5A-3D1A985A63E7}"/>
+              </a:ext>
+            </a:extLst>
+          </p:cNvPr>
+          <p:cNvSpPr>
+            <a:spLocks noGrp="1"/>
+          </p:cNvSpPr>
+          <p:nvPr>
+            <p:ph idx="1"/>
+            <p:custDataLst>
+              <p:tags r:id="rId1"/>
+            </p:custDataLst>
+          </p:nvPr>
+        </p:nvSpPr>
+        <p:spPr>
+          <a:xfrm>
+            <a:off x="838200" y="1825624"/>
+            <a:ext cx="10515600" cy="5032375"/>
+          </a:xfrm>
+        </p:spPr>
+        <p:txBody>
+          <a:bodyPr>
+            <a:noAutofit/>
+          </a:bodyPr>
+          <a:lstStyle/>
+          <a:p>
+            <a:r>
+              <a:rPr lang="en-US" dirty="0"/>
+              <a:t>The couch</a:t>
+            </a:r>
+          </a:p>
+          <a:p>
+            <a:pPr lvl="1"/>
+            <a:r>
+              <a:rPr lang="en-US" dirty="0"/>
+              <a:t>Gregor’s hiding place</a:t>
+            </a:r>
+          </a:p>
+          <a:p>
+            <a:pPr lvl="1"/>
+            <a:r>
+              <a:rPr lang="en-US" dirty="0"/>
+              <a:t>Barrier of the truth</a:t>
+            </a:r>
+          </a:p>
+          <a:p>
+            <a:pPr lvl="1"/>
+            <a:r>
+              <a:rPr lang="en-US" dirty="0"/>
+              <a:t>Hides Gregor’s appearance</a:t>
+            </a:r>
+          </a:p>
+          <a:p>
+            <a:r>
+              <a:rPr lang="en-US" dirty="0"/>
+              <a:t>The writing desk</a:t>
+            </a:r>
+          </a:p>
+          <a:p>
+            <a:pPr lvl="1"/>
+            <a:r>
+              <a:rPr lang="en-US" dirty="0"/>
+              <a:t>The place where Gregor work when he was still a human being</a:t>
+            </a:r>
+          </a:p>
+          <a:p>
+            <a:pPr lvl="1"/>
+            <a:r>
+              <a:rPr lang="en-US" dirty="0"/>
+              <a:t>A connection to his human life in the past</a:t>
+            </a:r>
+          </a:p>
+          <a:p>
+            <a:pPr lvl="1"/>
+            <a:r>
+              <a:rPr lang="en-US" dirty="0"/>
+              <a:t>The proud memory of he working for the family</a:t>
+            </a:r>
+          </a:p>
+          <a:p>
+            <a:pPr marL="0" indent="0">
+              <a:buNone/>
+            </a:pPr>
+            <a:endParaRPr lang="en-US" dirty="0"/>
+          </a:p>
+          <a:p>
+            <a:pPr marL="0" indent="0">
+              <a:buNone/>
+            </a:pPr>
+            <a:r>
+              <a:rPr lang="en-US" sz="1400" dirty="0">
+                <a:solidFill>
+                  <a:schemeClr val="accent2">
+                    <a:lumMod val="60000"/>
+                    <a:lumOff val="40000"/>
+                  </a:schemeClr>
+                </a:solidFill>
+              </a:rPr>
+              <a:t>(Probably some more I didn’t notice LOL)</a:t>
+            </a:r>
+          </a:p>
+        </p:txBody>
+      </p:sp>
+      <p:sp>
+        <p:nvSpPr>
+          <p:cNvPr id="2" name="MG-标题 1">
+            <a:extLst>
+              <a:ext uri="{FF2B5EF4-FFF2-40B4-BE49-F238E27FC236}">
+                <a16:creationId xmlns:a16="http://schemas.microsoft.com/office/drawing/2014/main" id="{A4186767-54B2-7051-1FFD-500E6601604C}"/>
+              </a:ext>
+            </a:extLst>
+          </p:cNvPr>
+          <p:cNvSpPr>
+            <a:spLocks noGrp="1"/>
+          </p:cNvSpPr>
+          <p:nvPr>
+            <p:ph type="title"/>
+            <p:custDataLst>
+              <p:tags r:id="rId2"/>
+            </p:custDataLst>
+          </p:nvPr>
+        </p:nvSpPr>
+        <p:spPr>
+          <a:xfrm>
+            <a:off x="838200" y="2766219"/>
+            <a:ext cx="10515600" cy="1325563"/>
+          </a:xfrm>
+        </p:spPr>
+        <p:txBody>
+          <a:bodyPr>
+            <a:noAutofit/>
+          </a:bodyPr>
+          <a:lstStyle/>
+          <a:p>
+            <a:pPr algn="ctr"/>
+            <a:r>
+              <a:rPr lang="en-US" dirty="0"/>
+              <a:t>Symbols</a:t>
+            </a:r>
+          </a:p>
+        </p:txBody>
+      </p:sp>
+    </p:spTree>
+    <p:extLst>
+      <p:ext uri="{BB962C8B-B14F-4D97-AF65-F5344CB8AC3E}">
+        <p14:creationId xmlns:p14="http://schemas.microsoft.com/office/powerpoint/2010/main" val="3955974803"/>
+      </p:ext>
+    </p:extLst>
+  </p:cSld>
+  <p:clrMapOvr>
+    <a:masterClrMapping/>
+  </p:clrMapOvr>
+  <mc:AlternateContent xmlns:mc="http://schemas.openxmlformats.org/markup-compatibility/2006" xmlns:p15="http://schemas.microsoft.com/office/powerpoint/2012/main">
+    <mc:Choice Requires="p15">
+      <p:transition spd="slow">
+        <p15:prstTrans prst="peelOff"/>
+      </p:transition>
+    </mc:Choice>
+    <mc:Fallback xmlns="">
+      <p:transition spd="slow">
+        <p:fade/>
+      </p:transition>
+    </mc:Fallback>
+  </mc:AlternateContent>
+  <p:timing>
+    <p:tnLst>
+      <p:par>
+        <p:cTn id="1" dur="indefinite" restart="never" nodeType="tmRoot">
+          <p:childTnLst>
+            <p:seq concurrent="1" nextAc="seek">
+              <p:cTn id="2" dur="indefinite" nodeType="mainSeq">
+                <p:childTnLst>
+                  <p:par>
+                    <p:cTn id="3" fill="hold">
+                      <p:stCondLst>
+                        <p:cond delay="indefinite"/>
+                        <p:cond evt="onBegin" delay="0">
+                          <p:tn val="2"/>
+                        </p:cond>
+                      </p:stCondLst>
+                      <p:childTnLst>
+                        <p:par>
+                          <p:cTn id="4" fill="hold">
+                            <p:stCondLst>
+                              <p:cond delay="0"/>
+                            </p:stCondLst>
+                            <p:childTnLst>
+                              <p:par>
+                                <p:cTn id="5" presetID="53" presetClass="entr" presetSubtype="16" fill="hold" grpId="0" nodeType="afterEffect">
+                                  <p:stCondLst>
+                                    <p:cond delay="0"/>
+                                  </p:stCondLst>
+                                  <p:childTnLst>
+                                    <p:set>
+                                      <p:cBhvr>
+                                        <p:cTn id="6" dur="1" fill="hold">
+                                          <p:stCondLst>
+                                            <p:cond delay="0"/>
+                                          </p:stCondLst>
+                                        </p:cTn>
+                                        <p:tgtEl>
+                                          <p:spTgt spid="2"/>
+                                        </p:tgtEl>
+                                        <p:attrNameLst>
+                                          <p:attrName>style.visibility</p:attrName>
+                                        </p:attrNameLst>
+                                      </p:cBhvr>
+                                      <p:to>
+                                        <p:strVal val="visible"/>
+                                      </p:to>
+                                    </p:set>
+                                    <p:anim calcmode="lin" valueType="num">
+                                      <p:cBhvr>
+                                        <p:cTn id="7" dur="500" decel="100000" fill="hold"/>
+                                        <p:tgtEl>
+                                          <p:spTgt spid="2"/>
+                                        </p:tgtEl>
+                                        <p:attrNameLst>
+                                          <p:attrName>ppt_w</p:attrName>
+                                        </p:attrNameLst>
+                                      </p:cBhvr>
+                                      <p:tavLst>
+                                        <p:tav tm="0">
+                                          <p:val>
+                                            <p:strVal val="#ppt_w/2"/>
+                                          </p:val>
+                                        </p:tav>
+                                        <p:tav tm="100000">
+                                          <p:val>
+                                            <p:strVal val="#ppt_w"/>
+                                          </p:val>
+                                        </p:tav>
+                                      </p:tavLst>
+                                    </p:anim>
+                                    <p:anim calcmode="lin" valueType="num">
+                                      <p:cBhvr>
+                                        <p:cTn id="8" dur="500" decel="50000" fill="hold"/>
+                                        <p:tgtEl>
+                                          <p:spTgt spid="2"/>
+                                        </p:tgtEl>
+                                        <p:attrNameLst>
+                                          <p:attrName>ppt_h</p:attrName>
+                                        </p:attrNameLst>
+                                      </p:cBhvr>
+                                      <p:tavLst>
+                                        <p:tav tm="0">
+                                          <p:val>
+                                            <p:strVal val="#ppt_h/2"/>
+                                          </p:val>
+                                        </p:tav>
+                                        <p:tav tm="100000">
+                                          <p:val>
+                                            <p:strVal val="#ppt_h"/>
+                                          </p:val>
+                                        </p:tav>
+                                      </p:tavLst>
+                                    </p:anim>
+                                    <p:animEffect transition="in" filter="fade">
+                                      <p:cBhvr>
+                                        <p:cTn id="9" dur="500"/>
+                                        <p:tgtEl>
+                                          <p:spTgt spid="2"/>
+                                        </p:tgtEl>
+                                      </p:cBhvr>
+                                    </p:animEffect>
+                                  </p:childTnLst>
+                                </p:cTn>
+                              </p:par>
+                            </p:childTnLst>
+                          </p:cTn>
+                        </p:par>
+                      </p:childTnLst>
+                    </p:cTn>
+                  </p:par>
+                  <p:par>
+                    <p:cTn id="10" fill="hold">
+                      <p:stCondLst>
+                        <p:cond delay="indefinite"/>
+                      </p:stCondLst>
+                      <p:childTnLst>
+                        <p:par>
+                          <p:cTn id="11" fill="hold">
+                            <p:stCondLst>
+                              <p:cond delay="0"/>
+                            </p:stCondLst>
+                            <p:childTnLst>
+                              <p:par>
+                                <p:cTn id="12" presetID="64" presetClass="path" presetSubtype="0" decel="100000" fill="hold" grpId="1" nodeType="clickEffect">
+                                  <p:stCondLst>
+                                    <p:cond delay="0"/>
+                                  </p:stCondLst>
+                                  <p:childTnLst>
+                                    <p:animMotion origin="layout" path="M 0 0 L 0 -0.36528 " pathEditMode="relative" rAng="0" ptsTypes="AA">
+                                      <p:cBhvr>
+                                        <p:cTn id="13" dur="500" fill="hold"/>
+                                        <p:tgtEl>
+                                          <p:spTgt spid="2"/>
+                                        </p:tgtEl>
+                                        <p:attrNameLst>
+                                          <p:attrName>ppt_x</p:attrName>
+                                          <p:attrName>ppt_y</p:attrName>
+                                        </p:attrNameLst>
+                                      </p:cBhvr>
+                                      <p:rCtr x="0" y="-18264"/>
+                                    </p:animMotion>
+                                  </p:childTnLst>
+                                </p:cTn>
+                              </p:par>
+                            </p:childTnLst>
+                          </p:cTn>
+                        </p:par>
+                        <p:par>
+                          <p:cTn id="14" fill="hold">
+                            <p:stCondLst>
+                              <p:cond delay="500"/>
+                            </p:stCondLst>
+                            <p:childTnLst>
+                              <p:par>
+                                <p:cTn id="15" presetID="42" presetClass="entr" presetSubtype="0" fill="hold" grpId="0" nodeType="afterEffect">
+                                  <p:stCondLst>
+                                    <p:cond delay="0"/>
+                                  </p:stCondLst>
+                                  <p:childTnLst>
+                                    <p:set>
+                                      <p:cBhvr>
+                                        <p:cTn id="16" dur="1" fill="hold">
+                                          <p:stCondLst>
+                                            <p:cond delay="0"/>
+                                          </p:stCondLst>
+                                        </p:cTn>
+                                        <p:tgtEl>
+                                          <p:spTgt spid="3">
+                                            <p:txEl>
+                                              <p:pRg st="0" end="0"/>
+                                            </p:txEl>
+                                          </p:spTgt>
+                                        </p:tgtEl>
+                                        <p:attrNameLst>
+                                          <p:attrName>style.visibility</p:attrName>
+                                        </p:attrNameLst>
+                                      </p:cBhvr>
+                                      <p:to>
+                                        <p:strVal val="visible"/>
+                                      </p:to>
+                                    </p:set>
+                                    <p:animEffect transition="in" filter="fade">
+                                      <p:cBhvr>
+                                        <p:cTn id="17" dur="750"/>
+                                        <p:tgtEl>
+                                          <p:spTgt spid="3">
+                                            <p:txEl>
+                                              <p:pRg st="0" end="0"/>
+                                            </p:txEl>
+                                          </p:spTgt>
+                                        </p:tgtEl>
+                                      </p:cBhvr>
+                                    </p:animEffect>
+                                    <p:anim calcmode="lin" valueType="num">
+                                      <p:cBhvr>
+                                        <p:cTn id="18" dur="750" decel="100000" fill="hold"/>
+                                        <p:tgtEl>
+                                          <p:spTgt spid="3">
+                                            <p:txEl>
+                                              <p:pRg st="0" end="0"/>
+                                            </p:txEl>
+                                          </p:spTgt>
+                                        </p:tgtEl>
+                                        <p:attrNameLst>
+                                          <p:attrName>ppt_x</p:attrName>
+                                        </p:attrNameLst>
+                                      </p:cBhvr>
+                                      <p:tavLst>
+                                        <p:tav tm="0">
+                                          <p:val>
+                                            <p:strVal val="#ppt_x-.1"/>
+                                          </p:val>
+                                        </p:tav>
+                                        <p:tav tm="100000">
+                                          <p:val>
+                                            <p:strVal val="#ppt_x"/>
+                                          </p:val>
+                                        </p:tav>
+                                      </p:tavLst>
+                                    </p:anim>
+                                  </p:childTnLst>
+                                </p:cTn>
+                              </p:par>
+                            </p:childTnLst>
+                          </p:cTn>
+                        </p:par>
+                      </p:childTnLst>
+                    </p:cTn>
+                  </p:par>
+                  <p:par>
+                    <p:cTn id="19" fill="hold">
+                      <p:stCondLst>
+                        <p:cond delay="indefinite"/>
+                      </p:stCondLst>
+                      <p:childTnLst>
+                        <p:par>
+                          <p:cTn id="20" fill="hold">
+                            <p:stCondLst>
+                              <p:cond delay="0"/>
+                            </p:stCondLst>
+                            <p:childTnLst>
+                              <p:par>
+                                <p:cTn id="21" presetID="42" presetClass="entr" presetSubtype="0" fill="hold" grpId="0" nodeType="clickEffect">
+                                  <p:stCondLst>
+                                    <p:cond delay="0"/>
+                                  </p:stCondLst>
+                                  <p:childTnLst>
+                                    <p:set>
+                                      <p:cBhvr>
                                         <p:cTn id="22" dur="1" fill="hold">
                                           <p:stCondLst>
                                             <p:cond delay="0"/>
                                           </p:stCondLst>
                                         </p:cTn>
                                         <p:tgtEl>
-                                          <p:spTgt spid="22"/>
+                                          <p:spTgt spid="3">
+                                            <p:txEl>
+                                              <p:pRg st="1" end="1"/>
+                                            </p:txEl>
+                                          </p:spTgt>
                                         </p:tgtEl>
                                         <p:attrNameLst>
                                           <p:attrName>style.visibility</p:attrName>
@@ -4697,17 +5344,25 @@
                                     </p:set>
                                     <p:animEffect transition="in" filter="fade">
                                       <p:cBhvr>
-                                        <p:cTn id="23" dur="1000"/>
-                                        <p:tgtEl>
-                                          <p:spTgt spid="22"/>
+                                        <p:cTn id="23" dur="750"/>
+                                        <p:tgtEl>
+                                          <p:spTgt spid="3">
+                                            <p:txEl>
+                                              <p:pRg st="1" end="1"/>
+                                            </p:txEl>
+                                          </p:spTgt>
                                         </p:tgtEl>
                                       </p:cBhvr>
                                     </p:animEffect>
                                     <p:anim calcmode="lin" valueType="num">
                                       <p:cBhvr>
-                                        <p:cTn id="24" dur="1000" fill="hold"/>
-                                        <p:tgtEl>
-                                          <p:spTgt spid="22"/>
+                                        <p:cTn id="24" dur="750" decel="100000" fill="hold"/>
+                                        <p:tgtEl>
+                                          <p:spTgt spid="3">
+                                            <p:txEl>
+                                              <p:pRg st="1" end="1"/>
+                                            </p:txEl>
+                                          </p:spTgt>
                                         </p:tgtEl>
                                         <p:attrNameLst>
                                           <p:attrName>ppt_x</p:attrName>
@@ -4716,12 +5371,628 @@
                                       <p:tavLst>
                                         <p:tav tm="0">
                                           <p:val>
-                                            <p:strVal val="#ppt_x-.2"/>
+                                            <p:strVal val="#ppt_x-.1"/>
                                           </p:val>
                                         </p:tav>
                                         <p:tav tm="100000">
                                           <p:val>
                                             <p:strVal val="#ppt_x"/>
+                                          </p:val>
+                                        </p:tav>
+                                      </p:tavLst>
+                                    </p:anim>
+                                  </p:childTnLst>
+                                </p:cTn>
+                              </p:par>
+                            </p:childTnLst>
+                          </p:cTn>
+                        </p:par>
+                      </p:childTnLst>
+                    </p:cTn>
+                  </p:par>
+                  <p:par>
+                    <p:cTn id="25" fill="hold">
+                      <p:stCondLst>
+                        <p:cond delay="indefinite"/>
+                      </p:stCondLst>
+                      <p:childTnLst>
+                        <p:par>
+                          <p:cTn id="26" fill="hold">
+                            <p:stCondLst>
+                              <p:cond delay="0"/>
+                            </p:stCondLst>
+                            <p:childTnLst>
+                              <p:par>
+                                <p:cTn id="27" presetID="42" presetClass="entr" presetSubtype="0" fill="hold" grpId="0" nodeType="clickEffect">
+                                  <p:stCondLst>
+                                    <p:cond delay="0"/>
+                                  </p:stCondLst>
+                                  <p:childTnLst>
+                                    <p:set>
+                                      <p:cBhvr>
+                                        <p:cTn id="28" dur="1" fill="hold">
+                                          <p:stCondLst>
+                                            <p:cond delay="0"/>
+                                          </p:stCondLst>
+                                        </p:cTn>
+                                        <p:tgtEl>
+                                          <p:spTgt spid="3">
+                                            <p:txEl>
+                                              <p:pRg st="2" end="2"/>
+                                            </p:txEl>
+                                          </p:spTgt>
+                                        </p:tgtEl>
+                                        <p:attrNameLst>
+                                          <p:attrName>style.visibility</p:attrName>
+                                        </p:attrNameLst>
+                                      </p:cBhvr>
+                                      <p:to>
+                                        <p:strVal val="visible"/>
+                                      </p:to>
+                                    </p:set>
+                                    <p:animEffect transition="in" filter="fade">
+                                      <p:cBhvr>
+                                        <p:cTn id="29" dur="750"/>
+                                        <p:tgtEl>
+                                          <p:spTgt spid="3">
+                                            <p:txEl>
+                                              <p:pRg st="2" end="2"/>
+                                            </p:txEl>
+                                          </p:spTgt>
+                                        </p:tgtEl>
+                                      </p:cBhvr>
+                                    </p:animEffect>
+                                    <p:anim calcmode="lin" valueType="num">
+                                      <p:cBhvr>
+                                        <p:cTn id="30" dur="750" decel="100000" fill="hold"/>
+                                        <p:tgtEl>
+                                          <p:spTgt spid="3">
+                                            <p:txEl>
+                                              <p:pRg st="2" end="2"/>
+                                            </p:txEl>
+                                          </p:spTgt>
+                                        </p:tgtEl>
+                                        <p:attrNameLst>
+                                          <p:attrName>ppt_x</p:attrName>
+                                        </p:attrNameLst>
+                                      </p:cBhvr>
+                                      <p:tavLst>
+                                        <p:tav tm="0">
+                                          <p:val>
+                                            <p:strVal val="#ppt_x-.1"/>
+                                          </p:val>
+                                        </p:tav>
+                                        <p:tav tm="100000">
+                                          <p:val>
+                                            <p:strVal val="#ppt_x"/>
+                                          </p:val>
+                                        </p:tav>
+                                      </p:tavLst>
+                                    </p:anim>
+                                  </p:childTnLst>
+                                </p:cTn>
+                              </p:par>
+                            </p:childTnLst>
+                          </p:cTn>
+                        </p:par>
+                      </p:childTnLst>
+                    </p:cTn>
+                  </p:par>
+                  <p:par>
+                    <p:cTn id="31" fill="hold">
+                      <p:stCondLst>
+                        <p:cond delay="indefinite"/>
+                      </p:stCondLst>
+                      <p:childTnLst>
+                        <p:par>
+                          <p:cTn id="32" fill="hold">
+                            <p:stCondLst>
+                              <p:cond delay="0"/>
+                            </p:stCondLst>
+                            <p:childTnLst>
+                              <p:par>
+                                <p:cTn id="33" presetID="42" presetClass="entr" presetSubtype="0" fill="hold" grpId="0" nodeType="clickEffect">
+                                  <p:stCondLst>
+                                    <p:cond delay="0"/>
+                                  </p:stCondLst>
+                                  <p:childTnLst>
+                                    <p:set>
+                                      <p:cBhvr>
+                                        <p:cTn id="34" dur="1" fill="hold">
+                                          <p:stCondLst>
+                                            <p:cond delay="0"/>
+                                          </p:stCondLst>
+                                        </p:cTn>
+                                        <p:tgtEl>
+                                          <p:spTgt spid="3">
+                                            <p:txEl>
+                                              <p:pRg st="3" end="3"/>
+                                            </p:txEl>
+                                          </p:spTgt>
+                                        </p:tgtEl>
+                                        <p:attrNameLst>
+                                          <p:attrName>style.visibility</p:attrName>
+                                        </p:attrNameLst>
+                                      </p:cBhvr>
+                                      <p:to>
+                                        <p:strVal val="visible"/>
+                                      </p:to>
+                                    </p:set>
+                                    <p:animEffect transition="in" filter="fade">
+                                      <p:cBhvr>
+                                        <p:cTn id="35" dur="750"/>
+                                        <p:tgtEl>
+                                          <p:spTgt spid="3">
+                                            <p:txEl>
+                                              <p:pRg st="3" end="3"/>
+                                            </p:txEl>
+                                          </p:spTgt>
+                                        </p:tgtEl>
+                                      </p:cBhvr>
+                                    </p:animEffect>
+                                    <p:anim calcmode="lin" valueType="num">
+                                      <p:cBhvr>
+                                        <p:cTn id="36" dur="750" decel="100000" fill="hold"/>
+                                        <p:tgtEl>
+                                          <p:spTgt spid="3">
+                                            <p:txEl>
+                                              <p:pRg st="3" end="3"/>
+                                            </p:txEl>
+                                          </p:spTgt>
+                                        </p:tgtEl>
+                                        <p:attrNameLst>
+                                          <p:attrName>ppt_x</p:attrName>
+                                        </p:attrNameLst>
+                                      </p:cBhvr>
+                                      <p:tavLst>
+                                        <p:tav tm="0">
+                                          <p:val>
+                                            <p:strVal val="#ppt_x-.1"/>
+                                          </p:val>
+                                        </p:tav>
+                                        <p:tav tm="100000">
+                                          <p:val>
+                                            <p:strVal val="#ppt_x"/>
+                                          </p:val>
+                                        </p:tav>
+                                      </p:tavLst>
+                                    </p:anim>
+                                  </p:childTnLst>
+                                </p:cTn>
+                              </p:par>
+                            </p:childTnLst>
+                          </p:cTn>
+                        </p:par>
+                      </p:childTnLst>
+                    </p:cTn>
+                  </p:par>
+                  <p:par>
+                    <p:cTn id="37" fill="hold">
+                      <p:stCondLst>
+                        <p:cond delay="indefinite"/>
+                      </p:stCondLst>
+                      <p:childTnLst>
+                        <p:par>
+                          <p:cTn id="38" fill="hold">
+                            <p:stCondLst>
+                              <p:cond delay="0"/>
+                            </p:stCondLst>
+                            <p:childTnLst>
+                              <p:par>
+                                <p:cTn id="39" presetID="42" presetClass="entr" presetSubtype="0" fill="hold" grpId="0" nodeType="clickEffect">
+                                  <p:stCondLst>
+                                    <p:cond delay="0"/>
+                                  </p:stCondLst>
+                                  <p:childTnLst>
+                                    <p:set>
+                                      <p:cBhvr>
+                                        <p:cTn id="40" dur="1" fill="hold">
+                                          <p:stCondLst>
+                                            <p:cond delay="0"/>
+                                          </p:stCondLst>
+                                        </p:cTn>
+                                        <p:tgtEl>
+                                          <p:spTgt spid="3">
+                                            <p:txEl>
+                                              <p:pRg st="4" end="4"/>
+                                            </p:txEl>
+                                          </p:spTgt>
+                                        </p:tgtEl>
+                                        <p:attrNameLst>
+                                          <p:attrName>style.visibility</p:attrName>
+                                        </p:attrNameLst>
+                                      </p:cBhvr>
+                                      <p:to>
+                                        <p:strVal val="visible"/>
+                                      </p:to>
+                                    </p:set>
+                                    <p:animEffect transition="in" filter="fade">
+                                      <p:cBhvr>
+                                        <p:cTn id="41" dur="750"/>
+                                        <p:tgtEl>
+                                          <p:spTgt spid="3">
+                                            <p:txEl>
+                                              <p:pRg st="4" end="4"/>
+                                            </p:txEl>
+                                          </p:spTgt>
+                                        </p:tgtEl>
+                                      </p:cBhvr>
+                                    </p:animEffect>
+                                    <p:anim calcmode="lin" valueType="num">
+                                      <p:cBhvr>
+                                        <p:cTn id="42" dur="750" decel="100000" fill="hold"/>
+                                        <p:tgtEl>
+                                          <p:spTgt spid="3">
+                                            <p:txEl>
+                                              <p:pRg st="4" end="4"/>
+                                            </p:txEl>
+                                          </p:spTgt>
+                                        </p:tgtEl>
+                                        <p:attrNameLst>
+                                          <p:attrName>ppt_x</p:attrName>
+                                        </p:attrNameLst>
+                                      </p:cBhvr>
+                                      <p:tavLst>
+                                        <p:tav tm="0">
+                                          <p:val>
+                                            <p:strVal val="#ppt_x-.1"/>
+                                          </p:val>
+                                        </p:tav>
+                                        <p:tav tm="100000">
+                                          <p:val>
+                                            <p:strVal val="#ppt_x"/>
+                                          </p:val>
+                                        </p:tav>
+                                      </p:tavLst>
+                                    </p:anim>
+                                  </p:childTnLst>
+                                </p:cTn>
+                              </p:par>
+                            </p:childTnLst>
+                          </p:cTn>
+                        </p:par>
+                      </p:childTnLst>
+                    </p:cTn>
+                  </p:par>
+                  <p:par>
+                    <p:cTn id="43" fill="hold">
+                      <p:stCondLst>
+                        <p:cond delay="indefinite"/>
+                      </p:stCondLst>
+                      <p:childTnLst>
+                        <p:par>
+                          <p:cTn id="44" fill="hold">
+                            <p:stCondLst>
+                              <p:cond delay="0"/>
+                            </p:stCondLst>
+                            <p:childTnLst>
+                              <p:par>
+                                <p:cTn id="45" presetID="42" presetClass="entr" presetSubtype="0" fill="hold" grpId="0" nodeType="clickEffect">
+                                  <p:stCondLst>
+                                    <p:cond delay="0"/>
+                                  </p:stCondLst>
+                                  <p:childTnLst>
+                                    <p:set>
+                                      <p:cBhvr>
+                                        <p:cTn id="46" dur="1" fill="hold">
+                                          <p:stCondLst>
+                                            <p:cond delay="0"/>
+                                          </p:stCondLst>
+                                        </p:cTn>
+                                        <p:tgtEl>
+                                          <p:spTgt spid="3">
+                                            <p:txEl>
+                                              <p:pRg st="5" end="5"/>
+                                            </p:txEl>
+                                          </p:spTgt>
+                                        </p:tgtEl>
+                                        <p:attrNameLst>
+                                          <p:attrName>style.visibility</p:attrName>
+                                        </p:attrNameLst>
+                                      </p:cBhvr>
+                                      <p:to>
+                                        <p:strVal val="visible"/>
+                                      </p:to>
+                                    </p:set>
+                                    <p:animEffect transition="in" filter="fade">
+                                      <p:cBhvr>
+                                        <p:cTn id="47" dur="750"/>
+                                        <p:tgtEl>
+                                          <p:spTgt spid="3">
+                                            <p:txEl>
+                                              <p:pRg st="5" end="5"/>
+                                            </p:txEl>
+                                          </p:spTgt>
+                                        </p:tgtEl>
+                                      </p:cBhvr>
+                                    </p:animEffect>
+                                    <p:anim calcmode="lin" valueType="num">
+                                      <p:cBhvr>
+                                        <p:cTn id="48" dur="750" decel="100000" fill="hold"/>
+                                        <p:tgtEl>
+                                          <p:spTgt spid="3">
+                                            <p:txEl>
+                                              <p:pRg st="5" end="5"/>
+                                            </p:txEl>
+                                          </p:spTgt>
+                                        </p:tgtEl>
+                                        <p:attrNameLst>
+                                          <p:attrName>ppt_x</p:attrName>
+                                        </p:attrNameLst>
+                                      </p:cBhvr>
+                                      <p:tavLst>
+                                        <p:tav tm="0">
+                                          <p:val>
+                                            <p:strVal val="#ppt_x-.1"/>
+                                          </p:val>
+                                        </p:tav>
+                                        <p:tav tm="100000">
+                                          <p:val>
+                                            <p:strVal val="#ppt_x"/>
+                                          </p:val>
+                                        </p:tav>
+                                      </p:tavLst>
+                                    </p:anim>
+                                  </p:childTnLst>
+                                </p:cTn>
+                              </p:par>
+                            </p:childTnLst>
+                          </p:cTn>
+                        </p:par>
+                      </p:childTnLst>
+                    </p:cTn>
+                  </p:par>
+                  <p:par>
+                    <p:cTn id="49" fill="hold">
+                      <p:stCondLst>
+                        <p:cond delay="indefinite"/>
+                      </p:stCondLst>
+                      <p:childTnLst>
+                        <p:par>
+                          <p:cTn id="50" fill="hold">
+                            <p:stCondLst>
+                              <p:cond delay="0"/>
+                            </p:stCondLst>
+                            <p:childTnLst>
+                              <p:par>
+                                <p:cTn id="51" presetID="42" presetClass="entr" presetSubtype="0" fill="hold" grpId="0" nodeType="clickEffect">
+                                  <p:stCondLst>
+                                    <p:cond delay="0"/>
+                                  </p:stCondLst>
+                                  <p:childTnLst>
+                                    <p:set>
+                                      <p:cBhvr>
+                                        <p:cTn id="52" dur="1" fill="hold">
+                                          <p:stCondLst>
+                                            <p:cond delay="0"/>
+                                          </p:stCondLst>
+                                        </p:cTn>
+                                        <p:tgtEl>
+                                          <p:spTgt spid="3">
+                                            <p:txEl>
+                                              <p:pRg st="6" end="6"/>
+                                            </p:txEl>
+                                          </p:spTgt>
+                                        </p:tgtEl>
+                                        <p:attrNameLst>
+                                          <p:attrName>style.visibility</p:attrName>
+                                        </p:attrNameLst>
+                                      </p:cBhvr>
+                                      <p:to>
+                                        <p:strVal val="visible"/>
+                                      </p:to>
+                                    </p:set>
+                                    <p:animEffect transition="in" filter="fade">
+                                      <p:cBhvr>
+                                        <p:cTn id="53" dur="750"/>
+                                        <p:tgtEl>
+                                          <p:spTgt spid="3">
+                                            <p:txEl>
+                                              <p:pRg st="6" end="6"/>
+                                            </p:txEl>
+                                          </p:spTgt>
+                                        </p:tgtEl>
+                                      </p:cBhvr>
+                                    </p:animEffect>
+                                    <p:anim calcmode="lin" valueType="num">
+                                      <p:cBhvr>
+                                        <p:cTn id="54" dur="750" decel="100000" fill="hold"/>
+                                        <p:tgtEl>
+                                          <p:spTgt spid="3">
+                                            <p:txEl>
+                                              <p:pRg st="6" end="6"/>
+                                            </p:txEl>
+                                          </p:spTgt>
+                                        </p:tgtEl>
+                                        <p:attrNameLst>
+                                          <p:attrName>ppt_x</p:attrName>
+                                        </p:attrNameLst>
+                                      </p:cBhvr>
+                                      <p:tavLst>
+                                        <p:tav tm="0">
+                                          <p:val>
+                                            <p:strVal val="#ppt_x-.1"/>
+                                          </p:val>
+                                        </p:tav>
+                                        <p:tav tm="100000">
+                                          <p:val>
+                                            <p:strVal val="#ppt_x"/>
+                                          </p:val>
+                                        </p:tav>
+                                      </p:tavLst>
+                                    </p:anim>
+                                  </p:childTnLst>
+                                </p:cTn>
+                              </p:par>
+                            </p:childTnLst>
+                          </p:cTn>
+                        </p:par>
+                      </p:childTnLst>
+                    </p:cTn>
+                  </p:par>
+                  <p:par>
+                    <p:cTn id="55" fill="hold">
+                      <p:stCondLst>
+                        <p:cond delay="indefinite"/>
+                      </p:stCondLst>
+                      <p:childTnLst>
+                        <p:par>
+                          <p:cTn id="56" fill="hold">
+                            <p:stCondLst>
+                              <p:cond delay="0"/>
+                            </p:stCondLst>
+                            <p:childTnLst>
+                              <p:par>
+                                <p:cTn id="57" presetID="42" presetClass="entr" presetSubtype="0" fill="hold" grpId="0" nodeType="clickEffect">
+                                  <p:stCondLst>
+                                    <p:cond delay="0"/>
+                                  </p:stCondLst>
+                                  <p:childTnLst>
+                                    <p:set>
+                                      <p:cBhvr>
+                                        <p:cTn id="58" dur="1" fill="hold">
+                                          <p:stCondLst>
+                                            <p:cond delay="0"/>
+                                          </p:stCondLst>
+                                        </p:cTn>
+                                        <p:tgtEl>
+                                          <p:spTgt spid="3">
+                                            <p:txEl>
+                                              <p:pRg st="7" end="7"/>
+                                            </p:txEl>
+                                          </p:spTgt>
+                                        </p:tgtEl>
+                                        <p:attrNameLst>
+                                          <p:attrName>style.visibility</p:attrName>
+                                        </p:attrNameLst>
+                                      </p:cBhvr>
+                                      <p:to>
+                                        <p:strVal val="visible"/>
+                                      </p:to>
+                                    </p:set>
+                                    <p:animEffect transition="in" filter="fade">
+                                      <p:cBhvr>
+                                        <p:cTn id="59" dur="750"/>
+                                        <p:tgtEl>
+                                          <p:spTgt spid="3">
+                                            <p:txEl>
+                                              <p:pRg st="7" end="7"/>
+                                            </p:txEl>
+                                          </p:spTgt>
+                                        </p:tgtEl>
+                                      </p:cBhvr>
+                                    </p:animEffect>
+                                    <p:anim calcmode="lin" valueType="num">
+                                      <p:cBhvr>
+                                        <p:cTn id="60" dur="750" decel="100000" fill="hold"/>
+                                        <p:tgtEl>
+                                          <p:spTgt spid="3">
+                                            <p:txEl>
+                                              <p:pRg st="7" end="7"/>
+                                            </p:txEl>
+                                          </p:spTgt>
+                                        </p:tgtEl>
+                                        <p:attrNameLst>
+                                          <p:attrName>ppt_x</p:attrName>
+                                        </p:attrNameLst>
+                                      </p:cBhvr>
+                                      <p:tavLst>
+                                        <p:tav tm="0">
+                                          <p:val>
+                                            <p:strVal val="#ppt_x-.1"/>
+                                          </p:val>
+                                        </p:tav>
+                                        <p:tav tm="100000">
+                                          <p:val>
+                                            <p:strVal val="#ppt_x"/>
+                                          </p:val>
+                                        </p:tav>
+                                      </p:tavLst>
+                                    </p:anim>
+                                  </p:childTnLst>
+                                </p:cTn>
+                              </p:par>
+                            </p:childTnLst>
+                          </p:cTn>
+                        </p:par>
+                      </p:childTnLst>
+                    </p:cTn>
+                  </p:par>
+                  <p:par>
+                    <p:cTn id="61" fill="hold">
+                      <p:stCondLst>
+                        <p:cond delay="indefinite"/>
+                      </p:stCondLst>
+                      <p:childTnLst>
+                        <p:par>
+                          <p:cTn id="62" fill="hold">
+                            <p:stCondLst>
+                              <p:cond delay="0"/>
+                            </p:stCondLst>
+                            <p:childTnLst>
+                              <p:par>
+                                <p:cTn id="63" presetID="42" presetClass="entr" presetSubtype="0" fill="hold" grpId="0" nodeType="clickEffect">
+                                  <p:stCondLst>
+                                    <p:cond delay="0"/>
+                                  </p:stCondLst>
+                                  <p:childTnLst>
+                                    <p:set>
+                                      <p:cBhvr>
+                                        <p:cTn id="64" dur="1" fill="hold">
+                                          <p:stCondLst>
+                                            <p:cond delay="0"/>
+                                          </p:stCondLst>
+                                        </p:cTn>
+                                        <p:tgtEl>
+                                          <p:spTgt spid="3">
+                                            <p:txEl>
+                                              <p:pRg st="9" end="9"/>
+                                            </p:txEl>
+                                          </p:spTgt>
+                                        </p:tgtEl>
+                                        <p:attrNameLst>
+                                          <p:attrName>style.visibility</p:attrName>
+                                        </p:attrNameLst>
+                                      </p:cBhvr>
+                                      <p:to>
+                                        <p:strVal val="visible"/>
+                                      </p:to>
+                                    </p:set>
+                                    <p:animEffect transition="in" filter="fade">
+                                      <p:cBhvr>
+                                        <p:cTn id="65" dur="750"/>
+                                        <p:tgtEl>
+                                          <p:spTgt spid="3">
+                                            <p:txEl>
+                                              <p:pRg st="9" end="9"/>
+                                            </p:txEl>
+                                          </p:spTgt>
+                                        </p:tgtEl>
+                                      </p:cBhvr>
+                                    </p:animEffect>
+                                    <p:anim calcmode="lin" valueType="num">
+                                      <p:cBhvr>
+                                        <p:cTn id="66" dur="750" decel="100000" fill="hold"/>
+                                        <p:tgtEl>
+                                          <p:spTgt spid="3">
+                                            <p:txEl>
+                                              <p:pRg st="9" end="9"/>
+                                            </p:txEl>
+                                          </p:spTgt>
+                                        </p:tgtEl>
+                                        <p:attrNameLst>
+                                          <p:attrName>ppt_y</p:attrName>
+                                        </p:attrNameLst>
+                                      </p:cBhvr>
+                                      <p:tavLst>
+                                        <p:tav tm="0">
+                                          <p:val>
+                                            <p:strVal val="#ppt_y+.1"/>
+                                          </p:val>
+                                        </p:tav>
+                                        <p:tav tm="100000">
+                                          <p:val>
+                                            <p:strVal val="#ppt_y"/>
                                           </p:val>
                                         </p:tav>
                                       </p:tavLst>
@@ -4757,16 +6028,2293 @@
       </p:par>
     </p:tnLst>
     <p:bldLst>
-      <p:bldP spid="23" grpId="0"/>
-      <p:bldP spid="25" grpId="1"/>
-      <p:bldP spid="26" grpId="0"/>
-      <p:bldP spid="26" grpId="1"/>
+      <p:bldP spid="3" grpId="0" uiExpand="1" build="p" bldLvl="2"/>
+      <p:bldP spid="2" grpId="0"/>
+      <p:bldP spid="2" grpId="1"/>
     </p:bldLst>
   </p:timing>
 </p:sld>
 </file>
 
-<file path=ppt/slides/slide10.xml><?xml version="1.0" encoding="utf-8"?>
+<file path=ppt/slides/slide11.xml><?xml version="1.0" encoding="utf-8"?>
+<p:sld xmlns:a="http://schemas.openxmlformats.org/drawingml/2006/main" xmlns:r="http://schemas.openxmlformats.org/officeDocument/2006/relationships" xmlns:p="http://schemas.openxmlformats.org/presentationml/2006/main">
+  <p:cSld>
+    <p:spTree>
+      <p:nvGrpSpPr>
+        <p:cNvPr id="1" name="">
+          <a:extLst>
+            <a:ext uri="{FF2B5EF4-FFF2-40B4-BE49-F238E27FC236}">
+              <a16:creationId xmlns:a16="http://schemas.microsoft.com/office/drawing/2014/main" id="{0CF13FFB-CD91-F296-3853-3B620B4AFA94}"/>
+            </a:ext>
+          </a:extLst>
+        </p:cNvPr>
+        <p:cNvGrpSpPr/>
+        <p:nvPr/>
+      </p:nvGrpSpPr>
+      <p:grpSpPr>
+        <a:xfrm>
+          <a:off x="0" y="0"/>
+          <a:ext cx="0" cy="0"/>
+          <a:chOff x="0" y="0"/>
+          <a:chExt cx="0" cy="0"/>
+        </a:xfrm>
+      </p:grpSpPr>
+      <p:sp>
+        <p:nvSpPr>
+          <p:cNvPr id="3" name="MG-内容占位符 2">
+            <a:extLst>
+              <a:ext uri="{FF2B5EF4-FFF2-40B4-BE49-F238E27FC236}">
+                <a16:creationId xmlns:a16="http://schemas.microsoft.com/office/drawing/2014/main" id="{EE88AA7C-9CA5-9F8E-1888-D59E899D95C5}"/>
+              </a:ext>
+            </a:extLst>
+          </p:cNvPr>
+          <p:cNvSpPr>
+            <a:spLocks noGrp="1"/>
+          </p:cNvSpPr>
+          <p:nvPr>
+            <p:ph idx="1"/>
+            <p:custDataLst>
+              <p:tags r:id="rId1"/>
+            </p:custDataLst>
+          </p:nvPr>
+        </p:nvSpPr>
+        <p:spPr>
+          <a:xfrm>
+            <a:off x="838200" y="1825624"/>
+            <a:ext cx="10515600" cy="5032375"/>
+          </a:xfrm>
+        </p:spPr>
+        <p:txBody>
+          <a:bodyPr>
+            <a:noAutofit/>
+          </a:bodyPr>
+          <a:lstStyle/>
+          <a:p>
+            <a:r>
+              <a:rPr lang="en-US" dirty="0"/>
+              <a:t>Broken family relationship</a:t>
+            </a:r>
+          </a:p>
+          <a:p>
+            <a:pPr lvl="1"/>
+            <a:r>
+              <a:rPr lang="en-US" dirty="0"/>
+              <a:t>The entire family rely on Gregor for their financial income</a:t>
+            </a:r>
+          </a:p>
+          <a:p>
+            <a:pPr lvl="1"/>
+            <a:r>
+              <a:rPr lang="en-US" dirty="0"/>
+              <a:t>Gregor has a strong feeling of duty and responsibility towards the family that he’s still thinking about his work even when he is already an insect</a:t>
+            </a:r>
+          </a:p>
+          <a:p>
+            <a:pPr lvl="1"/>
+            <a:r>
+              <a:rPr lang="en-US" dirty="0"/>
+              <a:t>The family members give little love and care to Gregor when Gregor has transformed and is unable to provide financial support to the family</a:t>
+            </a:r>
+          </a:p>
+          <a:p>
+            <a:r>
+              <a:rPr lang="en-US" dirty="0"/>
+              <a:t>Money</a:t>
+            </a:r>
+          </a:p>
+          <a:p>
+            <a:pPr lvl="1"/>
+            <a:r>
+              <a:rPr lang="en-US" dirty="0"/>
+              <a:t>The most fundamental item that ensures good life quality</a:t>
+            </a:r>
+          </a:p>
+          <a:p>
+            <a:pPr lvl="1"/>
+            <a:r>
+              <a:rPr lang="en-US" dirty="0"/>
+              <a:t>Gregor spend a large amount of time worrying about how life is going to continue without him providing financial support</a:t>
+            </a:r>
+          </a:p>
+          <a:p>
+            <a:r>
+              <a:rPr lang="en-US" dirty="0"/>
+              <a:t>Body vs mind</a:t>
+            </a:r>
+          </a:p>
+          <a:p>
+            <a:pPr lvl="1"/>
+            <a:r>
+              <a:rPr lang="en-US" dirty="0"/>
+              <a:t>Gregor’s body has changed but his mind stay the same</a:t>
+            </a:r>
+          </a:p>
+        </p:txBody>
+      </p:sp>
+      <p:sp>
+        <p:nvSpPr>
+          <p:cNvPr id="2" name="MG-标题 1">
+            <a:extLst>
+              <a:ext uri="{FF2B5EF4-FFF2-40B4-BE49-F238E27FC236}">
+                <a16:creationId xmlns:a16="http://schemas.microsoft.com/office/drawing/2014/main" id="{EC1A052E-2589-4289-C65C-A8384FCB576C}"/>
+              </a:ext>
+            </a:extLst>
+          </p:cNvPr>
+          <p:cNvSpPr>
+            <a:spLocks noGrp="1"/>
+          </p:cNvSpPr>
+          <p:nvPr>
+            <p:ph type="title"/>
+            <p:custDataLst>
+              <p:tags r:id="rId2"/>
+            </p:custDataLst>
+          </p:nvPr>
+        </p:nvSpPr>
+        <p:spPr>
+          <a:xfrm>
+            <a:off x="838200" y="2766219"/>
+            <a:ext cx="10515600" cy="1325563"/>
+          </a:xfrm>
+        </p:spPr>
+        <p:txBody>
+          <a:bodyPr>
+            <a:noAutofit/>
+          </a:bodyPr>
+          <a:lstStyle/>
+          <a:p>
+            <a:pPr algn="ctr"/>
+            <a:r>
+              <a:rPr lang="en-US" dirty="0"/>
+              <a:t>Themes</a:t>
+            </a:r>
+          </a:p>
+        </p:txBody>
+      </p:sp>
+    </p:spTree>
+    <p:extLst>
+      <p:ext uri="{BB962C8B-B14F-4D97-AF65-F5344CB8AC3E}">
+        <p14:creationId xmlns:p14="http://schemas.microsoft.com/office/powerpoint/2010/main" val="1301833624"/>
+      </p:ext>
+    </p:extLst>
+  </p:cSld>
+  <p:clrMapOvr>
+    <a:masterClrMapping/>
+  </p:clrMapOvr>
+  <mc:AlternateContent xmlns:mc="http://schemas.openxmlformats.org/markup-compatibility/2006">
+    <mc:Choice xmlns:p15="http://schemas.microsoft.com/office/powerpoint/2012/main" Requires="p15">
+      <p:transition spd="slow">
+        <p15:prstTrans prst="peelOff"/>
+      </p:transition>
+    </mc:Choice>
+    <mc:Fallback>
+      <p:transition spd="slow">
+        <p:fade/>
+      </p:transition>
+    </mc:Fallback>
+  </mc:AlternateContent>
+  <p:timing>
+    <p:tnLst>
+      <p:par>
+        <p:cTn id="1" dur="indefinite" restart="never" nodeType="tmRoot">
+          <p:childTnLst>
+            <p:seq concurrent="1" nextAc="seek">
+              <p:cTn id="2" dur="indefinite" nodeType="mainSeq">
+                <p:childTnLst>
+                  <p:par>
+                    <p:cTn id="3" fill="hold">
+                      <p:stCondLst>
+                        <p:cond delay="indefinite"/>
+                        <p:cond evt="onBegin" delay="0">
+                          <p:tn val="2"/>
+                        </p:cond>
+                      </p:stCondLst>
+                      <p:childTnLst>
+                        <p:par>
+                          <p:cTn id="4" fill="hold">
+                            <p:stCondLst>
+                              <p:cond delay="0"/>
+                            </p:stCondLst>
+                            <p:childTnLst>
+                              <p:par>
+                                <p:cTn id="5" presetID="53" presetClass="entr" presetSubtype="16" fill="hold" grpId="0" nodeType="afterEffect">
+                                  <p:stCondLst>
+                                    <p:cond delay="0"/>
+                                  </p:stCondLst>
+                                  <p:childTnLst>
+                                    <p:set>
+                                      <p:cBhvr>
+                                        <p:cTn id="6" dur="1" fill="hold">
+                                          <p:stCondLst>
+                                            <p:cond delay="0"/>
+                                          </p:stCondLst>
+                                        </p:cTn>
+                                        <p:tgtEl>
+                                          <p:spTgt spid="2"/>
+                                        </p:tgtEl>
+                                        <p:attrNameLst>
+                                          <p:attrName>style.visibility</p:attrName>
+                                        </p:attrNameLst>
+                                      </p:cBhvr>
+                                      <p:to>
+                                        <p:strVal val="visible"/>
+                                      </p:to>
+                                    </p:set>
+                                    <p:anim calcmode="lin" valueType="num">
+                                      <p:cBhvr>
+                                        <p:cTn id="7" dur="500" decel="100000" fill="hold"/>
+                                        <p:tgtEl>
+                                          <p:spTgt spid="2"/>
+                                        </p:tgtEl>
+                                        <p:attrNameLst>
+                                          <p:attrName>ppt_w</p:attrName>
+                                        </p:attrNameLst>
+                                      </p:cBhvr>
+                                      <p:tavLst>
+                                        <p:tav tm="0">
+                                          <p:val>
+                                            <p:strVal val="#ppt_w/2"/>
+                                          </p:val>
+                                        </p:tav>
+                                        <p:tav tm="100000">
+                                          <p:val>
+                                            <p:strVal val="#ppt_w"/>
+                                          </p:val>
+                                        </p:tav>
+                                      </p:tavLst>
+                                    </p:anim>
+                                    <p:anim calcmode="lin" valueType="num">
+                                      <p:cBhvr>
+                                        <p:cTn id="8" dur="500" decel="50000" fill="hold"/>
+                                        <p:tgtEl>
+                                          <p:spTgt spid="2"/>
+                                        </p:tgtEl>
+                                        <p:attrNameLst>
+                                          <p:attrName>ppt_h</p:attrName>
+                                        </p:attrNameLst>
+                                      </p:cBhvr>
+                                      <p:tavLst>
+                                        <p:tav tm="0">
+                                          <p:val>
+                                            <p:strVal val="#ppt_h/2"/>
+                                          </p:val>
+                                        </p:tav>
+                                        <p:tav tm="100000">
+                                          <p:val>
+                                            <p:strVal val="#ppt_h"/>
+                                          </p:val>
+                                        </p:tav>
+                                      </p:tavLst>
+                                    </p:anim>
+                                    <p:animEffect transition="in" filter="fade">
+                                      <p:cBhvr>
+                                        <p:cTn id="9" dur="500"/>
+                                        <p:tgtEl>
+                                          <p:spTgt spid="2"/>
+                                        </p:tgtEl>
+                                      </p:cBhvr>
+                                    </p:animEffect>
+                                  </p:childTnLst>
+                                </p:cTn>
+                              </p:par>
+                            </p:childTnLst>
+                          </p:cTn>
+                        </p:par>
+                      </p:childTnLst>
+                    </p:cTn>
+                  </p:par>
+                  <p:par>
+                    <p:cTn id="10" fill="hold">
+                      <p:stCondLst>
+                        <p:cond delay="indefinite"/>
+                      </p:stCondLst>
+                      <p:childTnLst>
+                        <p:par>
+                          <p:cTn id="11" fill="hold">
+                            <p:stCondLst>
+                              <p:cond delay="0"/>
+                            </p:stCondLst>
+                            <p:childTnLst>
+                              <p:par>
+                                <p:cTn id="12" presetID="64" presetClass="path" presetSubtype="0" decel="100000" fill="hold" grpId="1" nodeType="clickEffect">
+                                  <p:stCondLst>
+                                    <p:cond delay="0"/>
+                                  </p:stCondLst>
+                                  <p:childTnLst>
+                                    <p:animMotion origin="layout" path="M 0 0 L 0 -0.36528 " pathEditMode="relative" rAng="0" ptsTypes="AA">
+                                      <p:cBhvr>
+                                        <p:cTn id="13" dur="500" fill="hold"/>
+                                        <p:tgtEl>
+                                          <p:spTgt spid="2"/>
+                                        </p:tgtEl>
+                                        <p:attrNameLst>
+                                          <p:attrName>ppt_x</p:attrName>
+                                          <p:attrName>ppt_y</p:attrName>
+                                        </p:attrNameLst>
+                                      </p:cBhvr>
+                                      <p:rCtr x="0" y="-18264"/>
+                                    </p:animMotion>
+                                  </p:childTnLst>
+                                </p:cTn>
+                              </p:par>
+                            </p:childTnLst>
+                          </p:cTn>
+                        </p:par>
+                        <p:par>
+                          <p:cTn id="14" fill="hold">
+                            <p:stCondLst>
+                              <p:cond delay="500"/>
+                            </p:stCondLst>
+                            <p:childTnLst>
+                              <p:par>
+                                <p:cTn id="15" presetID="42" presetClass="entr" presetSubtype="0" fill="hold" grpId="0" nodeType="afterEffect">
+                                  <p:stCondLst>
+                                    <p:cond delay="0"/>
+                                  </p:stCondLst>
+                                  <p:childTnLst>
+                                    <p:set>
+                                      <p:cBhvr>
+                                        <p:cTn id="16" dur="1" fill="hold">
+                                          <p:stCondLst>
+                                            <p:cond delay="0"/>
+                                          </p:stCondLst>
+                                        </p:cTn>
+                                        <p:tgtEl>
+                                          <p:spTgt spid="3">
+                                            <p:txEl>
+                                              <p:pRg st="0" end="0"/>
+                                            </p:txEl>
+                                          </p:spTgt>
+                                        </p:tgtEl>
+                                        <p:attrNameLst>
+                                          <p:attrName>style.visibility</p:attrName>
+                                        </p:attrNameLst>
+                                      </p:cBhvr>
+                                      <p:to>
+                                        <p:strVal val="visible"/>
+                                      </p:to>
+                                    </p:set>
+                                    <p:animEffect transition="in" filter="fade">
+                                      <p:cBhvr>
+                                        <p:cTn id="17" dur="750"/>
+                                        <p:tgtEl>
+                                          <p:spTgt spid="3">
+                                            <p:txEl>
+                                              <p:pRg st="0" end="0"/>
+                                            </p:txEl>
+                                          </p:spTgt>
+                                        </p:tgtEl>
+                                      </p:cBhvr>
+                                    </p:animEffect>
+                                    <p:anim calcmode="lin" valueType="num">
+                                      <p:cBhvr>
+                                        <p:cTn id="18" dur="750" decel="100000" fill="hold"/>
+                                        <p:tgtEl>
+                                          <p:spTgt spid="3">
+                                            <p:txEl>
+                                              <p:pRg st="0" end="0"/>
+                                            </p:txEl>
+                                          </p:spTgt>
+                                        </p:tgtEl>
+                                        <p:attrNameLst>
+                                          <p:attrName>ppt_x</p:attrName>
+                                        </p:attrNameLst>
+                                      </p:cBhvr>
+                                      <p:tavLst>
+                                        <p:tav tm="0">
+                                          <p:val>
+                                            <p:strVal val="#ppt_x-.1"/>
+                                          </p:val>
+                                        </p:tav>
+                                        <p:tav tm="100000">
+                                          <p:val>
+                                            <p:strVal val="#ppt_x"/>
+                                          </p:val>
+                                        </p:tav>
+                                      </p:tavLst>
+                                    </p:anim>
+                                  </p:childTnLst>
+                                </p:cTn>
+                              </p:par>
+                            </p:childTnLst>
+                          </p:cTn>
+                        </p:par>
+                      </p:childTnLst>
+                    </p:cTn>
+                  </p:par>
+                  <p:par>
+                    <p:cTn id="19" fill="hold">
+                      <p:stCondLst>
+                        <p:cond delay="indefinite"/>
+                      </p:stCondLst>
+                      <p:childTnLst>
+                        <p:par>
+                          <p:cTn id="20" fill="hold">
+                            <p:stCondLst>
+                              <p:cond delay="0"/>
+                            </p:stCondLst>
+                            <p:childTnLst>
+                              <p:par>
+                                <p:cTn id="21" presetID="42" presetClass="entr" presetSubtype="0" fill="hold" grpId="0" nodeType="clickEffect">
+                                  <p:stCondLst>
+                                    <p:cond delay="0"/>
+                                  </p:stCondLst>
+                                  <p:childTnLst>
+                                    <p:set>
+                                      <p:cBhvr>
+                                        <p:cTn id="22" dur="1" fill="hold">
+                                          <p:stCondLst>
+                                            <p:cond delay="0"/>
+                                          </p:stCondLst>
+                                        </p:cTn>
+                                        <p:tgtEl>
+                                          <p:spTgt spid="3">
+                                            <p:txEl>
+                                              <p:pRg st="1" end="1"/>
+                                            </p:txEl>
+                                          </p:spTgt>
+                                        </p:tgtEl>
+                                        <p:attrNameLst>
+                                          <p:attrName>style.visibility</p:attrName>
+                                        </p:attrNameLst>
+                                      </p:cBhvr>
+                                      <p:to>
+                                        <p:strVal val="visible"/>
+                                      </p:to>
+                                    </p:set>
+                                    <p:animEffect transition="in" filter="fade">
+                                      <p:cBhvr>
+                                        <p:cTn id="23" dur="750"/>
+                                        <p:tgtEl>
+                                          <p:spTgt spid="3">
+                                            <p:txEl>
+                                              <p:pRg st="1" end="1"/>
+                                            </p:txEl>
+                                          </p:spTgt>
+                                        </p:tgtEl>
+                                      </p:cBhvr>
+                                    </p:animEffect>
+                                    <p:anim calcmode="lin" valueType="num">
+                                      <p:cBhvr>
+                                        <p:cTn id="24" dur="750" decel="100000" fill="hold"/>
+                                        <p:tgtEl>
+                                          <p:spTgt spid="3">
+                                            <p:txEl>
+                                              <p:pRg st="1" end="1"/>
+                                            </p:txEl>
+                                          </p:spTgt>
+                                        </p:tgtEl>
+                                        <p:attrNameLst>
+                                          <p:attrName>ppt_x</p:attrName>
+                                        </p:attrNameLst>
+                                      </p:cBhvr>
+                                      <p:tavLst>
+                                        <p:tav tm="0">
+                                          <p:val>
+                                            <p:strVal val="#ppt_x-.1"/>
+                                          </p:val>
+                                        </p:tav>
+                                        <p:tav tm="100000">
+                                          <p:val>
+                                            <p:strVal val="#ppt_x"/>
+                                          </p:val>
+                                        </p:tav>
+                                      </p:tavLst>
+                                    </p:anim>
+                                  </p:childTnLst>
+                                </p:cTn>
+                              </p:par>
+                            </p:childTnLst>
+                          </p:cTn>
+                        </p:par>
+                      </p:childTnLst>
+                    </p:cTn>
+                  </p:par>
+                  <p:par>
+                    <p:cTn id="25" fill="hold">
+                      <p:stCondLst>
+                        <p:cond delay="indefinite"/>
+                      </p:stCondLst>
+                      <p:childTnLst>
+                        <p:par>
+                          <p:cTn id="26" fill="hold">
+                            <p:stCondLst>
+                              <p:cond delay="0"/>
+                            </p:stCondLst>
+                            <p:childTnLst>
+                              <p:par>
+                                <p:cTn id="27" presetID="42" presetClass="entr" presetSubtype="0" fill="hold" grpId="0" nodeType="clickEffect">
+                                  <p:stCondLst>
+                                    <p:cond delay="0"/>
+                                  </p:stCondLst>
+                                  <p:childTnLst>
+                                    <p:set>
+                                      <p:cBhvr>
+                                        <p:cTn id="28" dur="1" fill="hold">
+                                          <p:stCondLst>
+                                            <p:cond delay="0"/>
+                                          </p:stCondLst>
+                                        </p:cTn>
+                                        <p:tgtEl>
+                                          <p:spTgt spid="3">
+                                            <p:txEl>
+                                              <p:pRg st="2" end="2"/>
+                                            </p:txEl>
+                                          </p:spTgt>
+                                        </p:tgtEl>
+                                        <p:attrNameLst>
+                                          <p:attrName>style.visibility</p:attrName>
+                                        </p:attrNameLst>
+                                      </p:cBhvr>
+                                      <p:to>
+                                        <p:strVal val="visible"/>
+                                      </p:to>
+                                    </p:set>
+                                    <p:animEffect transition="in" filter="fade">
+                                      <p:cBhvr>
+                                        <p:cTn id="29" dur="750"/>
+                                        <p:tgtEl>
+                                          <p:spTgt spid="3">
+                                            <p:txEl>
+                                              <p:pRg st="2" end="2"/>
+                                            </p:txEl>
+                                          </p:spTgt>
+                                        </p:tgtEl>
+                                      </p:cBhvr>
+                                    </p:animEffect>
+                                    <p:anim calcmode="lin" valueType="num">
+                                      <p:cBhvr>
+                                        <p:cTn id="30" dur="750" decel="100000" fill="hold"/>
+                                        <p:tgtEl>
+                                          <p:spTgt spid="3">
+                                            <p:txEl>
+                                              <p:pRg st="2" end="2"/>
+                                            </p:txEl>
+                                          </p:spTgt>
+                                        </p:tgtEl>
+                                        <p:attrNameLst>
+                                          <p:attrName>ppt_x</p:attrName>
+                                        </p:attrNameLst>
+                                      </p:cBhvr>
+                                      <p:tavLst>
+                                        <p:tav tm="0">
+                                          <p:val>
+                                            <p:strVal val="#ppt_x-.1"/>
+                                          </p:val>
+                                        </p:tav>
+                                        <p:tav tm="100000">
+                                          <p:val>
+                                            <p:strVal val="#ppt_x"/>
+                                          </p:val>
+                                        </p:tav>
+                                      </p:tavLst>
+                                    </p:anim>
+                                  </p:childTnLst>
+                                </p:cTn>
+                              </p:par>
+                            </p:childTnLst>
+                          </p:cTn>
+                        </p:par>
+                      </p:childTnLst>
+                    </p:cTn>
+                  </p:par>
+                  <p:par>
+                    <p:cTn id="31" fill="hold">
+                      <p:stCondLst>
+                        <p:cond delay="indefinite"/>
+                      </p:stCondLst>
+                      <p:childTnLst>
+                        <p:par>
+                          <p:cTn id="32" fill="hold">
+                            <p:stCondLst>
+                              <p:cond delay="0"/>
+                            </p:stCondLst>
+                            <p:childTnLst>
+                              <p:par>
+                                <p:cTn id="33" presetID="42" presetClass="entr" presetSubtype="0" fill="hold" grpId="0" nodeType="clickEffect">
+                                  <p:stCondLst>
+                                    <p:cond delay="0"/>
+                                  </p:stCondLst>
+                                  <p:childTnLst>
+                                    <p:set>
+                                      <p:cBhvr>
+                                        <p:cTn id="34" dur="1" fill="hold">
+                                          <p:stCondLst>
+                                            <p:cond delay="0"/>
+                                          </p:stCondLst>
+                                        </p:cTn>
+                                        <p:tgtEl>
+                                          <p:spTgt spid="3">
+                                            <p:txEl>
+                                              <p:pRg st="3" end="3"/>
+                                            </p:txEl>
+                                          </p:spTgt>
+                                        </p:tgtEl>
+                                        <p:attrNameLst>
+                                          <p:attrName>style.visibility</p:attrName>
+                                        </p:attrNameLst>
+                                      </p:cBhvr>
+                                      <p:to>
+                                        <p:strVal val="visible"/>
+                                      </p:to>
+                                    </p:set>
+                                    <p:animEffect transition="in" filter="fade">
+                                      <p:cBhvr>
+                                        <p:cTn id="35" dur="750"/>
+                                        <p:tgtEl>
+                                          <p:spTgt spid="3">
+                                            <p:txEl>
+                                              <p:pRg st="3" end="3"/>
+                                            </p:txEl>
+                                          </p:spTgt>
+                                        </p:tgtEl>
+                                      </p:cBhvr>
+                                    </p:animEffect>
+                                    <p:anim calcmode="lin" valueType="num">
+                                      <p:cBhvr>
+                                        <p:cTn id="36" dur="750" decel="100000" fill="hold"/>
+                                        <p:tgtEl>
+                                          <p:spTgt spid="3">
+                                            <p:txEl>
+                                              <p:pRg st="3" end="3"/>
+                                            </p:txEl>
+                                          </p:spTgt>
+                                        </p:tgtEl>
+                                        <p:attrNameLst>
+                                          <p:attrName>ppt_x</p:attrName>
+                                        </p:attrNameLst>
+                                      </p:cBhvr>
+                                      <p:tavLst>
+                                        <p:tav tm="0">
+                                          <p:val>
+                                            <p:strVal val="#ppt_x-.1"/>
+                                          </p:val>
+                                        </p:tav>
+                                        <p:tav tm="100000">
+                                          <p:val>
+                                            <p:strVal val="#ppt_x"/>
+                                          </p:val>
+                                        </p:tav>
+                                      </p:tavLst>
+                                    </p:anim>
+                                  </p:childTnLst>
+                                </p:cTn>
+                              </p:par>
+                            </p:childTnLst>
+                          </p:cTn>
+                        </p:par>
+                      </p:childTnLst>
+                    </p:cTn>
+                  </p:par>
+                  <p:par>
+                    <p:cTn id="37" fill="hold">
+                      <p:stCondLst>
+                        <p:cond delay="indefinite"/>
+                      </p:stCondLst>
+                      <p:childTnLst>
+                        <p:par>
+                          <p:cTn id="38" fill="hold">
+                            <p:stCondLst>
+                              <p:cond delay="0"/>
+                            </p:stCondLst>
+                            <p:childTnLst>
+                              <p:par>
+                                <p:cTn id="39" presetID="42" presetClass="entr" presetSubtype="0" fill="hold" grpId="0" nodeType="clickEffect">
+                                  <p:stCondLst>
+                                    <p:cond delay="0"/>
+                                  </p:stCondLst>
+                                  <p:childTnLst>
+                                    <p:set>
+                                      <p:cBhvr>
+                                        <p:cTn id="40" dur="1" fill="hold">
+                                          <p:stCondLst>
+                                            <p:cond delay="0"/>
+                                          </p:stCondLst>
+                                        </p:cTn>
+                                        <p:tgtEl>
+                                          <p:spTgt spid="3">
+                                            <p:txEl>
+                                              <p:pRg st="4" end="4"/>
+                                            </p:txEl>
+                                          </p:spTgt>
+                                        </p:tgtEl>
+                                        <p:attrNameLst>
+                                          <p:attrName>style.visibility</p:attrName>
+                                        </p:attrNameLst>
+                                      </p:cBhvr>
+                                      <p:to>
+                                        <p:strVal val="visible"/>
+                                      </p:to>
+                                    </p:set>
+                                    <p:animEffect transition="in" filter="fade">
+                                      <p:cBhvr>
+                                        <p:cTn id="41" dur="750"/>
+                                        <p:tgtEl>
+                                          <p:spTgt spid="3">
+                                            <p:txEl>
+                                              <p:pRg st="4" end="4"/>
+                                            </p:txEl>
+                                          </p:spTgt>
+                                        </p:tgtEl>
+                                      </p:cBhvr>
+                                    </p:animEffect>
+                                    <p:anim calcmode="lin" valueType="num">
+                                      <p:cBhvr>
+                                        <p:cTn id="42" dur="750" decel="100000" fill="hold"/>
+                                        <p:tgtEl>
+                                          <p:spTgt spid="3">
+                                            <p:txEl>
+                                              <p:pRg st="4" end="4"/>
+                                            </p:txEl>
+                                          </p:spTgt>
+                                        </p:tgtEl>
+                                        <p:attrNameLst>
+                                          <p:attrName>ppt_x</p:attrName>
+                                        </p:attrNameLst>
+                                      </p:cBhvr>
+                                      <p:tavLst>
+                                        <p:tav tm="0">
+                                          <p:val>
+                                            <p:strVal val="#ppt_x-.1"/>
+                                          </p:val>
+                                        </p:tav>
+                                        <p:tav tm="100000">
+                                          <p:val>
+                                            <p:strVal val="#ppt_x"/>
+                                          </p:val>
+                                        </p:tav>
+                                      </p:tavLst>
+                                    </p:anim>
+                                  </p:childTnLst>
+                                </p:cTn>
+                              </p:par>
+                            </p:childTnLst>
+                          </p:cTn>
+                        </p:par>
+                      </p:childTnLst>
+                    </p:cTn>
+                  </p:par>
+                  <p:par>
+                    <p:cTn id="43" fill="hold">
+                      <p:stCondLst>
+                        <p:cond delay="indefinite"/>
+                      </p:stCondLst>
+                      <p:childTnLst>
+                        <p:par>
+                          <p:cTn id="44" fill="hold">
+                            <p:stCondLst>
+                              <p:cond delay="0"/>
+                            </p:stCondLst>
+                            <p:childTnLst>
+                              <p:par>
+                                <p:cTn id="45" presetID="42" presetClass="entr" presetSubtype="0" fill="hold" grpId="0" nodeType="clickEffect">
+                                  <p:stCondLst>
+                                    <p:cond delay="0"/>
+                                  </p:stCondLst>
+                                  <p:childTnLst>
+                                    <p:set>
+                                      <p:cBhvr>
+                                        <p:cTn id="46" dur="1" fill="hold">
+                                          <p:stCondLst>
+                                            <p:cond delay="0"/>
+                                          </p:stCondLst>
+                                        </p:cTn>
+                                        <p:tgtEl>
+                                          <p:spTgt spid="3">
+                                            <p:txEl>
+                                              <p:pRg st="5" end="5"/>
+                                            </p:txEl>
+                                          </p:spTgt>
+                                        </p:tgtEl>
+                                        <p:attrNameLst>
+                                          <p:attrName>style.visibility</p:attrName>
+                                        </p:attrNameLst>
+                                      </p:cBhvr>
+                                      <p:to>
+                                        <p:strVal val="visible"/>
+                                      </p:to>
+                                    </p:set>
+                                    <p:animEffect transition="in" filter="fade">
+                                      <p:cBhvr>
+                                        <p:cTn id="47" dur="750"/>
+                                        <p:tgtEl>
+                                          <p:spTgt spid="3">
+                                            <p:txEl>
+                                              <p:pRg st="5" end="5"/>
+                                            </p:txEl>
+                                          </p:spTgt>
+                                        </p:tgtEl>
+                                      </p:cBhvr>
+                                    </p:animEffect>
+                                    <p:anim calcmode="lin" valueType="num">
+                                      <p:cBhvr>
+                                        <p:cTn id="48" dur="750" decel="100000" fill="hold"/>
+                                        <p:tgtEl>
+                                          <p:spTgt spid="3">
+                                            <p:txEl>
+                                              <p:pRg st="5" end="5"/>
+                                            </p:txEl>
+                                          </p:spTgt>
+                                        </p:tgtEl>
+                                        <p:attrNameLst>
+                                          <p:attrName>ppt_x</p:attrName>
+                                        </p:attrNameLst>
+                                      </p:cBhvr>
+                                      <p:tavLst>
+                                        <p:tav tm="0">
+                                          <p:val>
+                                            <p:strVal val="#ppt_x-.1"/>
+                                          </p:val>
+                                        </p:tav>
+                                        <p:tav tm="100000">
+                                          <p:val>
+                                            <p:strVal val="#ppt_x"/>
+                                          </p:val>
+                                        </p:tav>
+                                      </p:tavLst>
+                                    </p:anim>
+                                  </p:childTnLst>
+                                </p:cTn>
+                              </p:par>
+                            </p:childTnLst>
+                          </p:cTn>
+                        </p:par>
+                      </p:childTnLst>
+                    </p:cTn>
+                  </p:par>
+                  <p:par>
+                    <p:cTn id="49" fill="hold">
+                      <p:stCondLst>
+                        <p:cond delay="indefinite"/>
+                      </p:stCondLst>
+                      <p:childTnLst>
+                        <p:par>
+                          <p:cTn id="50" fill="hold">
+                            <p:stCondLst>
+                              <p:cond delay="0"/>
+                            </p:stCondLst>
+                            <p:childTnLst>
+                              <p:par>
+                                <p:cTn id="51" presetID="42" presetClass="entr" presetSubtype="0" fill="hold" grpId="0" nodeType="clickEffect">
+                                  <p:stCondLst>
+                                    <p:cond delay="0"/>
+                                  </p:stCondLst>
+                                  <p:childTnLst>
+                                    <p:set>
+                                      <p:cBhvr>
+                                        <p:cTn id="52" dur="1" fill="hold">
+                                          <p:stCondLst>
+                                            <p:cond delay="0"/>
+                                          </p:stCondLst>
+                                        </p:cTn>
+                                        <p:tgtEl>
+                                          <p:spTgt spid="3">
+                                            <p:txEl>
+                                              <p:pRg st="6" end="6"/>
+                                            </p:txEl>
+                                          </p:spTgt>
+                                        </p:tgtEl>
+                                        <p:attrNameLst>
+                                          <p:attrName>style.visibility</p:attrName>
+                                        </p:attrNameLst>
+                                      </p:cBhvr>
+                                      <p:to>
+                                        <p:strVal val="visible"/>
+                                      </p:to>
+                                    </p:set>
+                                    <p:animEffect transition="in" filter="fade">
+                                      <p:cBhvr>
+                                        <p:cTn id="53" dur="750"/>
+                                        <p:tgtEl>
+                                          <p:spTgt spid="3">
+                                            <p:txEl>
+                                              <p:pRg st="6" end="6"/>
+                                            </p:txEl>
+                                          </p:spTgt>
+                                        </p:tgtEl>
+                                      </p:cBhvr>
+                                    </p:animEffect>
+                                    <p:anim calcmode="lin" valueType="num">
+                                      <p:cBhvr>
+                                        <p:cTn id="54" dur="750" decel="100000" fill="hold"/>
+                                        <p:tgtEl>
+                                          <p:spTgt spid="3">
+                                            <p:txEl>
+                                              <p:pRg st="6" end="6"/>
+                                            </p:txEl>
+                                          </p:spTgt>
+                                        </p:tgtEl>
+                                        <p:attrNameLst>
+                                          <p:attrName>ppt_x</p:attrName>
+                                        </p:attrNameLst>
+                                      </p:cBhvr>
+                                      <p:tavLst>
+                                        <p:tav tm="0">
+                                          <p:val>
+                                            <p:strVal val="#ppt_x-.1"/>
+                                          </p:val>
+                                        </p:tav>
+                                        <p:tav tm="100000">
+                                          <p:val>
+                                            <p:strVal val="#ppt_x"/>
+                                          </p:val>
+                                        </p:tav>
+                                      </p:tavLst>
+                                    </p:anim>
+                                  </p:childTnLst>
+                                </p:cTn>
+                              </p:par>
+                            </p:childTnLst>
+                          </p:cTn>
+                        </p:par>
+                      </p:childTnLst>
+                    </p:cTn>
+                  </p:par>
+                  <p:par>
+                    <p:cTn id="55" fill="hold">
+                      <p:stCondLst>
+                        <p:cond delay="indefinite"/>
+                      </p:stCondLst>
+                      <p:childTnLst>
+                        <p:par>
+                          <p:cTn id="56" fill="hold">
+                            <p:stCondLst>
+                              <p:cond delay="0"/>
+                            </p:stCondLst>
+                            <p:childTnLst>
+                              <p:par>
+                                <p:cTn id="57" presetID="42" presetClass="entr" presetSubtype="0" fill="hold" grpId="0" nodeType="clickEffect">
+                                  <p:stCondLst>
+                                    <p:cond delay="0"/>
+                                  </p:stCondLst>
+                                  <p:childTnLst>
+                                    <p:set>
+                                      <p:cBhvr>
+                                        <p:cTn id="58" dur="1" fill="hold">
+                                          <p:stCondLst>
+                                            <p:cond delay="0"/>
+                                          </p:stCondLst>
+                                        </p:cTn>
+                                        <p:tgtEl>
+                                          <p:spTgt spid="3">
+                                            <p:txEl>
+                                              <p:pRg st="7" end="7"/>
+                                            </p:txEl>
+                                          </p:spTgt>
+                                        </p:tgtEl>
+                                        <p:attrNameLst>
+                                          <p:attrName>style.visibility</p:attrName>
+                                        </p:attrNameLst>
+                                      </p:cBhvr>
+                                      <p:to>
+                                        <p:strVal val="visible"/>
+                                      </p:to>
+                                    </p:set>
+                                    <p:animEffect transition="in" filter="fade">
+                                      <p:cBhvr>
+                                        <p:cTn id="59" dur="750"/>
+                                        <p:tgtEl>
+                                          <p:spTgt spid="3">
+                                            <p:txEl>
+                                              <p:pRg st="7" end="7"/>
+                                            </p:txEl>
+                                          </p:spTgt>
+                                        </p:tgtEl>
+                                      </p:cBhvr>
+                                    </p:animEffect>
+                                    <p:anim calcmode="lin" valueType="num">
+                                      <p:cBhvr>
+                                        <p:cTn id="60" dur="750" decel="100000" fill="hold"/>
+                                        <p:tgtEl>
+                                          <p:spTgt spid="3">
+                                            <p:txEl>
+                                              <p:pRg st="7" end="7"/>
+                                            </p:txEl>
+                                          </p:spTgt>
+                                        </p:tgtEl>
+                                        <p:attrNameLst>
+                                          <p:attrName>ppt_x</p:attrName>
+                                        </p:attrNameLst>
+                                      </p:cBhvr>
+                                      <p:tavLst>
+                                        <p:tav tm="0">
+                                          <p:val>
+                                            <p:strVal val="#ppt_x-.1"/>
+                                          </p:val>
+                                        </p:tav>
+                                        <p:tav tm="100000">
+                                          <p:val>
+                                            <p:strVal val="#ppt_x"/>
+                                          </p:val>
+                                        </p:tav>
+                                      </p:tavLst>
+                                    </p:anim>
+                                  </p:childTnLst>
+                                </p:cTn>
+                              </p:par>
+                            </p:childTnLst>
+                          </p:cTn>
+                        </p:par>
+                      </p:childTnLst>
+                    </p:cTn>
+                  </p:par>
+                  <p:par>
+                    <p:cTn id="61" fill="hold">
+                      <p:stCondLst>
+                        <p:cond delay="indefinite"/>
+                      </p:stCondLst>
+                      <p:childTnLst>
+                        <p:par>
+                          <p:cTn id="62" fill="hold">
+                            <p:stCondLst>
+                              <p:cond delay="0"/>
+                            </p:stCondLst>
+                            <p:childTnLst>
+                              <p:par>
+                                <p:cTn id="63" presetID="42" presetClass="entr" presetSubtype="0" fill="hold" grpId="0" nodeType="clickEffect">
+                                  <p:stCondLst>
+                                    <p:cond delay="0"/>
+                                  </p:stCondLst>
+                                  <p:childTnLst>
+                                    <p:set>
+                                      <p:cBhvr>
+                                        <p:cTn id="64" dur="1" fill="hold">
+                                          <p:stCondLst>
+                                            <p:cond delay="0"/>
+                                          </p:stCondLst>
+                                        </p:cTn>
+                                        <p:tgtEl>
+                                          <p:spTgt spid="3">
+                                            <p:txEl>
+                                              <p:pRg st="8" end="8"/>
+                                            </p:txEl>
+                                          </p:spTgt>
+                                        </p:tgtEl>
+                                        <p:attrNameLst>
+                                          <p:attrName>style.visibility</p:attrName>
+                                        </p:attrNameLst>
+                                      </p:cBhvr>
+                                      <p:to>
+                                        <p:strVal val="visible"/>
+                                      </p:to>
+                                    </p:set>
+                                    <p:animEffect transition="in" filter="fade">
+                                      <p:cBhvr>
+                                        <p:cTn id="65" dur="750"/>
+                                        <p:tgtEl>
+                                          <p:spTgt spid="3">
+                                            <p:txEl>
+                                              <p:pRg st="8" end="8"/>
+                                            </p:txEl>
+                                          </p:spTgt>
+                                        </p:tgtEl>
+                                      </p:cBhvr>
+                                    </p:animEffect>
+                                    <p:anim calcmode="lin" valueType="num">
+                                      <p:cBhvr>
+                                        <p:cTn id="66" dur="750" decel="100000" fill="hold"/>
+                                        <p:tgtEl>
+                                          <p:spTgt spid="3">
+                                            <p:txEl>
+                                              <p:pRg st="8" end="8"/>
+                                            </p:txEl>
+                                          </p:spTgt>
+                                        </p:tgtEl>
+                                        <p:attrNameLst>
+                                          <p:attrName>ppt_x</p:attrName>
+                                        </p:attrNameLst>
+                                      </p:cBhvr>
+                                      <p:tavLst>
+                                        <p:tav tm="0">
+                                          <p:val>
+                                            <p:strVal val="#ppt_x-.1"/>
+                                          </p:val>
+                                        </p:tav>
+                                        <p:tav tm="100000">
+                                          <p:val>
+                                            <p:strVal val="#ppt_x"/>
+                                          </p:val>
+                                        </p:tav>
+                                      </p:tavLst>
+                                    </p:anim>
+                                  </p:childTnLst>
+                                </p:cTn>
+                              </p:par>
+                            </p:childTnLst>
+                          </p:cTn>
+                        </p:par>
+                      </p:childTnLst>
+                    </p:cTn>
+                  </p:par>
+                </p:childTnLst>
+              </p:cTn>
+              <p:prevCondLst>
+                <p:cond evt="onPrev" delay="0">
+                  <p:tgtEl>
+                    <p:sldTgt/>
+                  </p:tgtEl>
+                </p:cond>
+              </p:prevCondLst>
+              <p:nextCondLst>
+                <p:cond evt="onNext" delay="0">
+                  <p:tgtEl>
+                    <p:sldTgt/>
+                  </p:tgtEl>
+                </p:cond>
+              </p:nextCondLst>
+            </p:seq>
+          </p:childTnLst>
+        </p:cTn>
+      </p:par>
+    </p:tnLst>
+    <p:bldLst>
+      <p:bldP spid="3" grpId="0" uiExpand="1" build="p" bldLvl="2"/>
+      <p:bldP spid="2" grpId="0"/>
+      <p:bldP spid="2" grpId="1"/>
+    </p:bldLst>
+  </p:timing>
+</p:sld>
+</file>
+
+<file path=ppt/slides/slide12.xml><?xml version="1.0" encoding="utf-8"?>
+<p:sld xmlns:a="http://schemas.openxmlformats.org/drawingml/2006/main" xmlns:r="http://schemas.openxmlformats.org/officeDocument/2006/relationships" xmlns:p="http://schemas.openxmlformats.org/presentationml/2006/main">
+  <p:cSld>
+    <p:spTree>
+      <p:nvGrpSpPr>
+        <p:cNvPr id="1" name="">
+          <a:extLst>
+            <a:ext uri="{FF2B5EF4-FFF2-40B4-BE49-F238E27FC236}">
+              <a16:creationId xmlns:a16="http://schemas.microsoft.com/office/drawing/2014/main" id="{5402760A-BBAE-9C9B-1437-B7F13356CCF7}"/>
+            </a:ext>
+          </a:extLst>
+        </p:cNvPr>
+        <p:cNvGrpSpPr/>
+        <p:nvPr/>
+      </p:nvGrpSpPr>
+      <p:grpSpPr>
+        <a:xfrm>
+          <a:off x="0" y="0"/>
+          <a:ext cx="0" cy="0"/>
+          <a:chOff x="0" y="0"/>
+          <a:chExt cx="0" cy="0"/>
+        </a:xfrm>
+      </p:grpSpPr>
+      <p:sp>
+        <p:nvSpPr>
+          <p:cNvPr id="3" name="MG-内容占位符 2">
+            <a:extLst>
+              <a:ext uri="{FF2B5EF4-FFF2-40B4-BE49-F238E27FC236}">
+                <a16:creationId xmlns:a16="http://schemas.microsoft.com/office/drawing/2014/main" id="{D7C5371A-AC40-3B33-15D6-995306EA7051}"/>
+              </a:ext>
+            </a:extLst>
+          </p:cNvPr>
+          <p:cNvSpPr>
+            <a:spLocks noGrp="1"/>
+          </p:cNvSpPr>
+          <p:nvPr>
+            <p:ph idx="1"/>
+            <p:custDataLst>
+              <p:tags r:id="rId1"/>
+            </p:custDataLst>
+          </p:nvPr>
+        </p:nvSpPr>
+        <p:spPr>
+          <a:xfrm>
+            <a:off x="838200" y="1825624"/>
+            <a:ext cx="10515600" cy="5032375"/>
+          </a:xfrm>
+        </p:spPr>
+        <p:txBody>
+          <a:bodyPr>
+            <a:noAutofit/>
+          </a:bodyPr>
+          <a:lstStyle/>
+          <a:p>
+            <a:r>
+              <a:rPr lang="en-US" dirty="0"/>
+              <a:t>Broken family relationship</a:t>
+            </a:r>
+          </a:p>
+          <a:p>
+            <a:pPr lvl="1"/>
+            <a:r>
+              <a:rPr lang="en-US" dirty="0"/>
+              <a:t>The entire family rely on Gregor for their financial income</a:t>
+            </a:r>
+          </a:p>
+          <a:p>
+            <a:pPr lvl="1"/>
+            <a:r>
+              <a:rPr lang="en-US" dirty="0"/>
+              <a:t>Gregor has a strong feeling of duty and responsibility towards the family that he’s still thinking about his work even when he is already an insect</a:t>
+            </a:r>
+          </a:p>
+          <a:p>
+            <a:pPr lvl="1"/>
+            <a:r>
+              <a:rPr lang="en-US" dirty="0"/>
+              <a:t>The family members give little love and care to Gregor when Gregor has transformed and is unable to provide financial support to the family</a:t>
+            </a:r>
+          </a:p>
+          <a:p>
+            <a:r>
+              <a:rPr lang="en-US" dirty="0"/>
+              <a:t>Money</a:t>
+            </a:r>
+          </a:p>
+          <a:p>
+            <a:pPr lvl="1"/>
+            <a:r>
+              <a:rPr lang="en-US" dirty="0"/>
+              <a:t>The most fundamental item that ensures good life quality</a:t>
+            </a:r>
+          </a:p>
+          <a:p>
+            <a:pPr lvl="1"/>
+            <a:r>
+              <a:rPr lang="en-US" dirty="0"/>
+              <a:t>Gregor spend a large amount of time worrying about how life is going to continue without him providing financial support</a:t>
+            </a:r>
+          </a:p>
+          <a:p>
+            <a:r>
+              <a:rPr lang="en-US" dirty="0"/>
+              <a:t>Body vs mind</a:t>
+            </a:r>
+          </a:p>
+          <a:p>
+            <a:pPr lvl="1"/>
+            <a:r>
+              <a:rPr lang="en-US" dirty="0"/>
+              <a:t>Gregor’s body has changed but his mind stay the same</a:t>
+            </a:r>
+          </a:p>
+        </p:txBody>
+      </p:sp>
+      <p:sp>
+        <p:nvSpPr>
+          <p:cNvPr id="2" name="MG-标题 1">
+            <a:extLst>
+              <a:ext uri="{FF2B5EF4-FFF2-40B4-BE49-F238E27FC236}">
+                <a16:creationId xmlns:a16="http://schemas.microsoft.com/office/drawing/2014/main" id="{85006D43-10F4-3858-96A8-2A789AAC5448}"/>
+              </a:ext>
+            </a:extLst>
+          </p:cNvPr>
+          <p:cNvSpPr>
+            <a:spLocks noGrp="1"/>
+          </p:cNvSpPr>
+          <p:nvPr>
+            <p:ph type="title"/>
+            <p:custDataLst>
+              <p:tags r:id="rId2"/>
+            </p:custDataLst>
+          </p:nvPr>
+        </p:nvSpPr>
+        <p:spPr>
+          <a:xfrm>
+            <a:off x="838200" y="2766219"/>
+            <a:ext cx="10515600" cy="1325563"/>
+          </a:xfrm>
+        </p:spPr>
+        <p:txBody>
+          <a:bodyPr>
+            <a:noAutofit/>
+          </a:bodyPr>
+          <a:lstStyle/>
+          <a:p>
+            <a:pPr algn="ctr"/>
+            <a:r>
+              <a:rPr lang="en-US" dirty="0"/>
+              <a:t>Criticizing using the psychological approach</a:t>
+            </a:r>
+          </a:p>
+        </p:txBody>
+      </p:sp>
+    </p:spTree>
+    <p:extLst>
+      <p:ext uri="{BB962C8B-B14F-4D97-AF65-F5344CB8AC3E}">
+        <p14:creationId xmlns:p14="http://schemas.microsoft.com/office/powerpoint/2010/main" val="1872521104"/>
+      </p:ext>
+    </p:extLst>
+  </p:cSld>
+  <p:clrMapOvr>
+    <a:masterClrMapping/>
+  </p:clrMapOvr>
+  <mc:AlternateContent xmlns:mc="http://schemas.openxmlformats.org/markup-compatibility/2006">
+    <mc:Choice xmlns:p15="http://schemas.microsoft.com/office/powerpoint/2012/main" Requires="p15">
+      <p:transition spd="slow">
+        <p15:prstTrans prst="peelOff"/>
+      </p:transition>
+    </mc:Choice>
+    <mc:Fallback>
+      <p:transition spd="slow">
+        <p:fade/>
+      </p:transition>
+    </mc:Fallback>
+  </mc:AlternateContent>
+  <p:timing>
+    <p:tnLst>
+      <p:par>
+        <p:cTn id="1" dur="indefinite" restart="never" nodeType="tmRoot">
+          <p:childTnLst>
+            <p:seq concurrent="1" nextAc="seek">
+              <p:cTn id="2" dur="indefinite" nodeType="mainSeq">
+                <p:childTnLst>
+                  <p:par>
+                    <p:cTn id="3" fill="hold">
+                      <p:stCondLst>
+                        <p:cond delay="indefinite"/>
+                        <p:cond evt="onBegin" delay="0">
+                          <p:tn val="2"/>
+                        </p:cond>
+                      </p:stCondLst>
+                      <p:childTnLst>
+                        <p:par>
+                          <p:cTn id="4" fill="hold">
+                            <p:stCondLst>
+                              <p:cond delay="0"/>
+                            </p:stCondLst>
+                            <p:childTnLst>
+                              <p:par>
+                                <p:cTn id="5" presetID="53" presetClass="entr" presetSubtype="16" fill="hold" grpId="0" nodeType="afterEffect">
+                                  <p:stCondLst>
+                                    <p:cond delay="0"/>
+                                  </p:stCondLst>
+                                  <p:childTnLst>
+                                    <p:set>
+                                      <p:cBhvr>
+                                        <p:cTn id="6" dur="1" fill="hold">
+                                          <p:stCondLst>
+                                            <p:cond delay="0"/>
+                                          </p:stCondLst>
+                                        </p:cTn>
+                                        <p:tgtEl>
+                                          <p:spTgt spid="2"/>
+                                        </p:tgtEl>
+                                        <p:attrNameLst>
+                                          <p:attrName>style.visibility</p:attrName>
+                                        </p:attrNameLst>
+                                      </p:cBhvr>
+                                      <p:to>
+                                        <p:strVal val="visible"/>
+                                      </p:to>
+                                    </p:set>
+                                    <p:anim calcmode="lin" valueType="num">
+                                      <p:cBhvr>
+                                        <p:cTn id="7" dur="500" decel="100000" fill="hold"/>
+                                        <p:tgtEl>
+                                          <p:spTgt spid="2"/>
+                                        </p:tgtEl>
+                                        <p:attrNameLst>
+                                          <p:attrName>ppt_w</p:attrName>
+                                        </p:attrNameLst>
+                                      </p:cBhvr>
+                                      <p:tavLst>
+                                        <p:tav tm="0">
+                                          <p:val>
+                                            <p:strVal val="#ppt_w/2"/>
+                                          </p:val>
+                                        </p:tav>
+                                        <p:tav tm="100000">
+                                          <p:val>
+                                            <p:strVal val="#ppt_w"/>
+                                          </p:val>
+                                        </p:tav>
+                                      </p:tavLst>
+                                    </p:anim>
+                                    <p:anim calcmode="lin" valueType="num">
+                                      <p:cBhvr>
+                                        <p:cTn id="8" dur="500" decel="50000" fill="hold"/>
+                                        <p:tgtEl>
+                                          <p:spTgt spid="2"/>
+                                        </p:tgtEl>
+                                        <p:attrNameLst>
+                                          <p:attrName>ppt_h</p:attrName>
+                                        </p:attrNameLst>
+                                      </p:cBhvr>
+                                      <p:tavLst>
+                                        <p:tav tm="0">
+                                          <p:val>
+                                            <p:strVal val="#ppt_h/2"/>
+                                          </p:val>
+                                        </p:tav>
+                                        <p:tav tm="100000">
+                                          <p:val>
+                                            <p:strVal val="#ppt_h"/>
+                                          </p:val>
+                                        </p:tav>
+                                      </p:tavLst>
+                                    </p:anim>
+                                    <p:animEffect transition="in" filter="fade">
+                                      <p:cBhvr>
+                                        <p:cTn id="9" dur="500"/>
+                                        <p:tgtEl>
+                                          <p:spTgt spid="2"/>
+                                        </p:tgtEl>
+                                      </p:cBhvr>
+                                    </p:animEffect>
+                                  </p:childTnLst>
+                                </p:cTn>
+                              </p:par>
+                            </p:childTnLst>
+                          </p:cTn>
+                        </p:par>
+                      </p:childTnLst>
+                    </p:cTn>
+                  </p:par>
+                  <p:par>
+                    <p:cTn id="10" fill="hold">
+                      <p:stCondLst>
+                        <p:cond delay="indefinite"/>
+                      </p:stCondLst>
+                      <p:childTnLst>
+                        <p:par>
+                          <p:cTn id="11" fill="hold">
+                            <p:stCondLst>
+                              <p:cond delay="0"/>
+                            </p:stCondLst>
+                            <p:childTnLst>
+                              <p:par>
+                                <p:cTn id="12" presetID="64" presetClass="path" presetSubtype="0" decel="100000" fill="hold" grpId="1" nodeType="clickEffect">
+                                  <p:stCondLst>
+                                    <p:cond delay="0"/>
+                                  </p:stCondLst>
+                                  <p:childTnLst>
+                                    <p:animMotion origin="layout" path="M 0 0 L 0 -0.36528 " pathEditMode="relative" rAng="0" ptsTypes="AA">
+                                      <p:cBhvr>
+                                        <p:cTn id="13" dur="500" fill="hold"/>
+                                        <p:tgtEl>
+                                          <p:spTgt spid="2"/>
+                                        </p:tgtEl>
+                                        <p:attrNameLst>
+                                          <p:attrName>ppt_x</p:attrName>
+                                          <p:attrName>ppt_y</p:attrName>
+                                        </p:attrNameLst>
+                                      </p:cBhvr>
+                                      <p:rCtr x="0" y="-18264"/>
+                                    </p:animMotion>
+                                  </p:childTnLst>
+                                </p:cTn>
+                              </p:par>
+                            </p:childTnLst>
+                          </p:cTn>
+                        </p:par>
+                        <p:par>
+                          <p:cTn id="14" fill="hold">
+                            <p:stCondLst>
+                              <p:cond delay="500"/>
+                            </p:stCondLst>
+                            <p:childTnLst>
+                              <p:par>
+                                <p:cTn id="15" presetID="42" presetClass="entr" presetSubtype="0" fill="hold" grpId="0" nodeType="afterEffect">
+                                  <p:stCondLst>
+                                    <p:cond delay="0"/>
+                                  </p:stCondLst>
+                                  <p:childTnLst>
+                                    <p:set>
+                                      <p:cBhvr>
+                                        <p:cTn id="16" dur="1" fill="hold">
+                                          <p:stCondLst>
+                                            <p:cond delay="0"/>
+                                          </p:stCondLst>
+                                        </p:cTn>
+                                        <p:tgtEl>
+                                          <p:spTgt spid="3">
+                                            <p:txEl>
+                                              <p:pRg st="0" end="0"/>
+                                            </p:txEl>
+                                          </p:spTgt>
+                                        </p:tgtEl>
+                                        <p:attrNameLst>
+                                          <p:attrName>style.visibility</p:attrName>
+                                        </p:attrNameLst>
+                                      </p:cBhvr>
+                                      <p:to>
+                                        <p:strVal val="visible"/>
+                                      </p:to>
+                                    </p:set>
+                                    <p:animEffect transition="in" filter="fade">
+                                      <p:cBhvr>
+                                        <p:cTn id="17" dur="750"/>
+                                        <p:tgtEl>
+                                          <p:spTgt spid="3">
+                                            <p:txEl>
+                                              <p:pRg st="0" end="0"/>
+                                            </p:txEl>
+                                          </p:spTgt>
+                                        </p:tgtEl>
+                                      </p:cBhvr>
+                                    </p:animEffect>
+                                    <p:anim calcmode="lin" valueType="num">
+                                      <p:cBhvr>
+                                        <p:cTn id="18" dur="750" decel="100000" fill="hold"/>
+                                        <p:tgtEl>
+                                          <p:spTgt spid="3">
+                                            <p:txEl>
+                                              <p:pRg st="0" end="0"/>
+                                            </p:txEl>
+                                          </p:spTgt>
+                                        </p:tgtEl>
+                                        <p:attrNameLst>
+                                          <p:attrName>ppt_x</p:attrName>
+                                        </p:attrNameLst>
+                                      </p:cBhvr>
+                                      <p:tavLst>
+                                        <p:tav tm="0">
+                                          <p:val>
+                                            <p:strVal val="#ppt_x-.1"/>
+                                          </p:val>
+                                        </p:tav>
+                                        <p:tav tm="100000">
+                                          <p:val>
+                                            <p:strVal val="#ppt_x"/>
+                                          </p:val>
+                                        </p:tav>
+                                      </p:tavLst>
+                                    </p:anim>
+                                  </p:childTnLst>
+                                </p:cTn>
+                              </p:par>
+                            </p:childTnLst>
+                          </p:cTn>
+                        </p:par>
+                      </p:childTnLst>
+                    </p:cTn>
+                  </p:par>
+                  <p:par>
+                    <p:cTn id="19" fill="hold">
+                      <p:stCondLst>
+                        <p:cond delay="indefinite"/>
+                      </p:stCondLst>
+                      <p:childTnLst>
+                        <p:par>
+                          <p:cTn id="20" fill="hold">
+                            <p:stCondLst>
+                              <p:cond delay="0"/>
+                            </p:stCondLst>
+                            <p:childTnLst>
+                              <p:par>
+                                <p:cTn id="21" presetID="42" presetClass="entr" presetSubtype="0" fill="hold" grpId="0" nodeType="clickEffect">
+                                  <p:stCondLst>
+                                    <p:cond delay="0"/>
+                                  </p:stCondLst>
+                                  <p:childTnLst>
+                                    <p:set>
+                                      <p:cBhvr>
+                                        <p:cTn id="22" dur="1" fill="hold">
+                                          <p:stCondLst>
+                                            <p:cond delay="0"/>
+                                          </p:stCondLst>
+                                        </p:cTn>
+                                        <p:tgtEl>
+                                          <p:spTgt spid="3">
+                                            <p:txEl>
+                                              <p:pRg st="1" end="1"/>
+                                            </p:txEl>
+                                          </p:spTgt>
+                                        </p:tgtEl>
+                                        <p:attrNameLst>
+                                          <p:attrName>style.visibility</p:attrName>
+                                        </p:attrNameLst>
+                                      </p:cBhvr>
+                                      <p:to>
+                                        <p:strVal val="visible"/>
+                                      </p:to>
+                                    </p:set>
+                                    <p:animEffect transition="in" filter="fade">
+                                      <p:cBhvr>
+                                        <p:cTn id="23" dur="750"/>
+                                        <p:tgtEl>
+                                          <p:spTgt spid="3">
+                                            <p:txEl>
+                                              <p:pRg st="1" end="1"/>
+                                            </p:txEl>
+                                          </p:spTgt>
+                                        </p:tgtEl>
+                                      </p:cBhvr>
+                                    </p:animEffect>
+                                    <p:anim calcmode="lin" valueType="num">
+                                      <p:cBhvr>
+                                        <p:cTn id="24" dur="750" decel="100000" fill="hold"/>
+                                        <p:tgtEl>
+                                          <p:spTgt spid="3">
+                                            <p:txEl>
+                                              <p:pRg st="1" end="1"/>
+                                            </p:txEl>
+                                          </p:spTgt>
+                                        </p:tgtEl>
+                                        <p:attrNameLst>
+                                          <p:attrName>ppt_x</p:attrName>
+                                        </p:attrNameLst>
+                                      </p:cBhvr>
+                                      <p:tavLst>
+                                        <p:tav tm="0">
+                                          <p:val>
+                                            <p:strVal val="#ppt_x-.1"/>
+                                          </p:val>
+                                        </p:tav>
+                                        <p:tav tm="100000">
+                                          <p:val>
+                                            <p:strVal val="#ppt_x"/>
+                                          </p:val>
+                                        </p:tav>
+                                      </p:tavLst>
+                                    </p:anim>
+                                  </p:childTnLst>
+                                </p:cTn>
+                              </p:par>
+                            </p:childTnLst>
+                          </p:cTn>
+                        </p:par>
+                      </p:childTnLst>
+                    </p:cTn>
+                  </p:par>
+                  <p:par>
+                    <p:cTn id="25" fill="hold">
+                      <p:stCondLst>
+                        <p:cond delay="indefinite"/>
+                      </p:stCondLst>
+                      <p:childTnLst>
+                        <p:par>
+                          <p:cTn id="26" fill="hold">
+                            <p:stCondLst>
+                              <p:cond delay="0"/>
+                            </p:stCondLst>
+                            <p:childTnLst>
+                              <p:par>
+                                <p:cTn id="27" presetID="42" presetClass="entr" presetSubtype="0" fill="hold" grpId="0" nodeType="clickEffect">
+                                  <p:stCondLst>
+                                    <p:cond delay="0"/>
+                                  </p:stCondLst>
+                                  <p:childTnLst>
+                                    <p:set>
+                                      <p:cBhvr>
+                                        <p:cTn id="28" dur="1" fill="hold">
+                                          <p:stCondLst>
+                                            <p:cond delay="0"/>
+                                          </p:stCondLst>
+                                        </p:cTn>
+                                        <p:tgtEl>
+                                          <p:spTgt spid="3">
+                                            <p:txEl>
+                                              <p:pRg st="2" end="2"/>
+                                            </p:txEl>
+                                          </p:spTgt>
+                                        </p:tgtEl>
+                                        <p:attrNameLst>
+                                          <p:attrName>style.visibility</p:attrName>
+                                        </p:attrNameLst>
+                                      </p:cBhvr>
+                                      <p:to>
+                                        <p:strVal val="visible"/>
+                                      </p:to>
+                                    </p:set>
+                                    <p:animEffect transition="in" filter="fade">
+                                      <p:cBhvr>
+                                        <p:cTn id="29" dur="750"/>
+                                        <p:tgtEl>
+                                          <p:spTgt spid="3">
+                                            <p:txEl>
+                                              <p:pRg st="2" end="2"/>
+                                            </p:txEl>
+                                          </p:spTgt>
+                                        </p:tgtEl>
+                                      </p:cBhvr>
+                                    </p:animEffect>
+                                    <p:anim calcmode="lin" valueType="num">
+                                      <p:cBhvr>
+                                        <p:cTn id="30" dur="750" decel="100000" fill="hold"/>
+                                        <p:tgtEl>
+                                          <p:spTgt spid="3">
+                                            <p:txEl>
+                                              <p:pRg st="2" end="2"/>
+                                            </p:txEl>
+                                          </p:spTgt>
+                                        </p:tgtEl>
+                                        <p:attrNameLst>
+                                          <p:attrName>ppt_x</p:attrName>
+                                        </p:attrNameLst>
+                                      </p:cBhvr>
+                                      <p:tavLst>
+                                        <p:tav tm="0">
+                                          <p:val>
+                                            <p:strVal val="#ppt_x-.1"/>
+                                          </p:val>
+                                        </p:tav>
+                                        <p:tav tm="100000">
+                                          <p:val>
+                                            <p:strVal val="#ppt_x"/>
+                                          </p:val>
+                                        </p:tav>
+                                      </p:tavLst>
+                                    </p:anim>
+                                  </p:childTnLst>
+                                </p:cTn>
+                              </p:par>
+                            </p:childTnLst>
+                          </p:cTn>
+                        </p:par>
+                      </p:childTnLst>
+                    </p:cTn>
+                  </p:par>
+                  <p:par>
+                    <p:cTn id="31" fill="hold">
+                      <p:stCondLst>
+                        <p:cond delay="indefinite"/>
+                      </p:stCondLst>
+                      <p:childTnLst>
+                        <p:par>
+                          <p:cTn id="32" fill="hold">
+                            <p:stCondLst>
+                              <p:cond delay="0"/>
+                            </p:stCondLst>
+                            <p:childTnLst>
+                              <p:par>
+                                <p:cTn id="33" presetID="42" presetClass="entr" presetSubtype="0" fill="hold" grpId="0" nodeType="clickEffect">
+                                  <p:stCondLst>
+                                    <p:cond delay="0"/>
+                                  </p:stCondLst>
+                                  <p:childTnLst>
+                                    <p:set>
+                                      <p:cBhvr>
+                                        <p:cTn id="34" dur="1" fill="hold">
+                                          <p:stCondLst>
+                                            <p:cond delay="0"/>
+                                          </p:stCondLst>
+                                        </p:cTn>
+                                        <p:tgtEl>
+                                          <p:spTgt spid="3">
+                                            <p:txEl>
+                                              <p:pRg st="3" end="3"/>
+                                            </p:txEl>
+                                          </p:spTgt>
+                                        </p:tgtEl>
+                                        <p:attrNameLst>
+                                          <p:attrName>style.visibility</p:attrName>
+                                        </p:attrNameLst>
+                                      </p:cBhvr>
+                                      <p:to>
+                                        <p:strVal val="visible"/>
+                                      </p:to>
+                                    </p:set>
+                                    <p:animEffect transition="in" filter="fade">
+                                      <p:cBhvr>
+                                        <p:cTn id="35" dur="750"/>
+                                        <p:tgtEl>
+                                          <p:spTgt spid="3">
+                                            <p:txEl>
+                                              <p:pRg st="3" end="3"/>
+                                            </p:txEl>
+                                          </p:spTgt>
+                                        </p:tgtEl>
+                                      </p:cBhvr>
+                                    </p:animEffect>
+                                    <p:anim calcmode="lin" valueType="num">
+                                      <p:cBhvr>
+                                        <p:cTn id="36" dur="750" decel="100000" fill="hold"/>
+                                        <p:tgtEl>
+                                          <p:spTgt spid="3">
+                                            <p:txEl>
+                                              <p:pRg st="3" end="3"/>
+                                            </p:txEl>
+                                          </p:spTgt>
+                                        </p:tgtEl>
+                                        <p:attrNameLst>
+                                          <p:attrName>ppt_x</p:attrName>
+                                        </p:attrNameLst>
+                                      </p:cBhvr>
+                                      <p:tavLst>
+                                        <p:tav tm="0">
+                                          <p:val>
+                                            <p:strVal val="#ppt_x-.1"/>
+                                          </p:val>
+                                        </p:tav>
+                                        <p:tav tm="100000">
+                                          <p:val>
+                                            <p:strVal val="#ppt_x"/>
+                                          </p:val>
+                                        </p:tav>
+                                      </p:tavLst>
+                                    </p:anim>
+                                  </p:childTnLst>
+                                </p:cTn>
+                              </p:par>
+                            </p:childTnLst>
+                          </p:cTn>
+                        </p:par>
+                      </p:childTnLst>
+                    </p:cTn>
+                  </p:par>
+                  <p:par>
+                    <p:cTn id="37" fill="hold">
+                      <p:stCondLst>
+                        <p:cond delay="indefinite"/>
+                      </p:stCondLst>
+                      <p:childTnLst>
+                        <p:par>
+                          <p:cTn id="38" fill="hold">
+                            <p:stCondLst>
+                              <p:cond delay="0"/>
+                            </p:stCondLst>
+                            <p:childTnLst>
+                              <p:par>
+                                <p:cTn id="39" presetID="42" presetClass="entr" presetSubtype="0" fill="hold" grpId="0" nodeType="clickEffect">
+                                  <p:stCondLst>
+                                    <p:cond delay="0"/>
+                                  </p:stCondLst>
+                                  <p:childTnLst>
+                                    <p:set>
+                                      <p:cBhvr>
+                                        <p:cTn id="40" dur="1" fill="hold">
+                                          <p:stCondLst>
+                                            <p:cond delay="0"/>
+                                          </p:stCondLst>
+                                        </p:cTn>
+                                        <p:tgtEl>
+                                          <p:spTgt spid="3">
+                                            <p:txEl>
+                                              <p:pRg st="4" end="4"/>
+                                            </p:txEl>
+                                          </p:spTgt>
+                                        </p:tgtEl>
+                                        <p:attrNameLst>
+                                          <p:attrName>style.visibility</p:attrName>
+                                        </p:attrNameLst>
+                                      </p:cBhvr>
+                                      <p:to>
+                                        <p:strVal val="visible"/>
+                                      </p:to>
+                                    </p:set>
+                                    <p:animEffect transition="in" filter="fade">
+                                      <p:cBhvr>
+                                        <p:cTn id="41" dur="750"/>
+                                        <p:tgtEl>
+                                          <p:spTgt spid="3">
+                                            <p:txEl>
+                                              <p:pRg st="4" end="4"/>
+                                            </p:txEl>
+                                          </p:spTgt>
+                                        </p:tgtEl>
+                                      </p:cBhvr>
+                                    </p:animEffect>
+                                    <p:anim calcmode="lin" valueType="num">
+                                      <p:cBhvr>
+                                        <p:cTn id="42" dur="750" decel="100000" fill="hold"/>
+                                        <p:tgtEl>
+                                          <p:spTgt spid="3">
+                                            <p:txEl>
+                                              <p:pRg st="4" end="4"/>
+                                            </p:txEl>
+                                          </p:spTgt>
+                                        </p:tgtEl>
+                                        <p:attrNameLst>
+                                          <p:attrName>ppt_x</p:attrName>
+                                        </p:attrNameLst>
+                                      </p:cBhvr>
+                                      <p:tavLst>
+                                        <p:tav tm="0">
+                                          <p:val>
+                                            <p:strVal val="#ppt_x-.1"/>
+                                          </p:val>
+                                        </p:tav>
+                                        <p:tav tm="100000">
+                                          <p:val>
+                                            <p:strVal val="#ppt_x"/>
+                                          </p:val>
+                                        </p:tav>
+                                      </p:tavLst>
+                                    </p:anim>
+                                  </p:childTnLst>
+                                </p:cTn>
+                              </p:par>
+                            </p:childTnLst>
+                          </p:cTn>
+                        </p:par>
+                      </p:childTnLst>
+                    </p:cTn>
+                  </p:par>
+                  <p:par>
+                    <p:cTn id="43" fill="hold">
+                      <p:stCondLst>
+                        <p:cond delay="indefinite"/>
+                      </p:stCondLst>
+                      <p:childTnLst>
+                        <p:par>
+                          <p:cTn id="44" fill="hold">
+                            <p:stCondLst>
+                              <p:cond delay="0"/>
+                            </p:stCondLst>
+                            <p:childTnLst>
+                              <p:par>
+                                <p:cTn id="45" presetID="42" presetClass="entr" presetSubtype="0" fill="hold" grpId="0" nodeType="clickEffect">
+                                  <p:stCondLst>
+                                    <p:cond delay="0"/>
+                                  </p:stCondLst>
+                                  <p:childTnLst>
+                                    <p:set>
+                                      <p:cBhvr>
+                                        <p:cTn id="46" dur="1" fill="hold">
+                                          <p:stCondLst>
+                                            <p:cond delay="0"/>
+                                          </p:stCondLst>
+                                        </p:cTn>
+                                        <p:tgtEl>
+                                          <p:spTgt spid="3">
+                                            <p:txEl>
+                                              <p:pRg st="5" end="5"/>
+                                            </p:txEl>
+                                          </p:spTgt>
+                                        </p:tgtEl>
+                                        <p:attrNameLst>
+                                          <p:attrName>style.visibility</p:attrName>
+                                        </p:attrNameLst>
+                                      </p:cBhvr>
+                                      <p:to>
+                                        <p:strVal val="visible"/>
+                                      </p:to>
+                                    </p:set>
+                                    <p:animEffect transition="in" filter="fade">
+                                      <p:cBhvr>
+                                        <p:cTn id="47" dur="750"/>
+                                        <p:tgtEl>
+                                          <p:spTgt spid="3">
+                                            <p:txEl>
+                                              <p:pRg st="5" end="5"/>
+                                            </p:txEl>
+                                          </p:spTgt>
+                                        </p:tgtEl>
+                                      </p:cBhvr>
+                                    </p:animEffect>
+                                    <p:anim calcmode="lin" valueType="num">
+                                      <p:cBhvr>
+                                        <p:cTn id="48" dur="750" decel="100000" fill="hold"/>
+                                        <p:tgtEl>
+                                          <p:spTgt spid="3">
+                                            <p:txEl>
+                                              <p:pRg st="5" end="5"/>
+                                            </p:txEl>
+                                          </p:spTgt>
+                                        </p:tgtEl>
+                                        <p:attrNameLst>
+                                          <p:attrName>ppt_x</p:attrName>
+                                        </p:attrNameLst>
+                                      </p:cBhvr>
+                                      <p:tavLst>
+                                        <p:tav tm="0">
+                                          <p:val>
+                                            <p:strVal val="#ppt_x-.1"/>
+                                          </p:val>
+                                        </p:tav>
+                                        <p:tav tm="100000">
+                                          <p:val>
+                                            <p:strVal val="#ppt_x"/>
+                                          </p:val>
+                                        </p:tav>
+                                      </p:tavLst>
+                                    </p:anim>
+                                  </p:childTnLst>
+                                </p:cTn>
+                              </p:par>
+                            </p:childTnLst>
+                          </p:cTn>
+                        </p:par>
+                      </p:childTnLst>
+                    </p:cTn>
+                  </p:par>
+                  <p:par>
+                    <p:cTn id="49" fill="hold">
+                      <p:stCondLst>
+                        <p:cond delay="indefinite"/>
+                      </p:stCondLst>
+                      <p:childTnLst>
+                        <p:par>
+                          <p:cTn id="50" fill="hold">
+                            <p:stCondLst>
+                              <p:cond delay="0"/>
+                            </p:stCondLst>
+                            <p:childTnLst>
+                              <p:par>
+                                <p:cTn id="51" presetID="42" presetClass="entr" presetSubtype="0" fill="hold" grpId="0" nodeType="clickEffect">
+                                  <p:stCondLst>
+                                    <p:cond delay="0"/>
+                                  </p:stCondLst>
+                                  <p:childTnLst>
+                                    <p:set>
+                                      <p:cBhvr>
+                                        <p:cTn id="52" dur="1" fill="hold">
+                                          <p:stCondLst>
+                                            <p:cond delay="0"/>
+                                          </p:stCondLst>
+                                        </p:cTn>
+                                        <p:tgtEl>
+                                          <p:spTgt spid="3">
+                                            <p:txEl>
+                                              <p:pRg st="6" end="6"/>
+                                            </p:txEl>
+                                          </p:spTgt>
+                                        </p:tgtEl>
+                                        <p:attrNameLst>
+                                          <p:attrName>style.visibility</p:attrName>
+                                        </p:attrNameLst>
+                                      </p:cBhvr>
+                                      <p:to>
+                                        <p:strVal val="visible"/>
+                                      </p:to>
+                                    </p:set>
+                                    <p:animEffect transition="in" filter="fade">
+                                      <p:cBhvr>
+                                        <p:cTn id="53" dur="750"/>
+                                        <p:tgtEl>
+                                          <p:spTgt spid="3">
+                                            <p:txEl>
+                                              <p:pRg st="6" end="6"/>
+                                            </p:txEl>
+                                          </p:spTgt>
+                                        </p:tgtEl>
+                                      </p:cBhvr>
+                                    </p:animEffect>
+                                    <p:anim calcmode="lin" valueType="num">
+                                      <p:cBhvr>
+                                        <p:cTn id="54" dur="750" decel="100000" fill="hold"/>
+                                        <p:tgtEl>
+                                          <p:spTgt spid="3">
+                                            <p:txEl>
+                                              <p:pRg st="6" end="6"/>
+                                            </p:txEl>
+                                          </p:spTgt>
+                                        </p:tgtEl>
+                                        <p:attrNameLst>
+                                          <p:attrName>ppt_x</p:attrName>
+                                        </p:attrNameLst>
+                                      </p:cBhvr>
+                                      <p:tavLst>
+                                        <p:tav tm="0">
+                                          <p:val>
+                                            <p:strVal val="#ppt_x-.1"/>
+                                          </p:val>
+                                        </p:tav>
+                                        <p:tav tm="100000">
+                                          <p:val>
+                                            <p:strVal val="#ppt_x"/>
+                                          </p:val>
+                                        </p:tav>
+                                      </p:tavLst>
+                                    </p:anim>
+                                  </p:childTnLst>
+                                </p:cTn>
+                              </p:par>
+                            </p:childTnLst>
+                          </p:cTn>
+                        </p:par>
+                      </p:childTnLst>
+                    </p:cTn>
+                  </p:par>
+                  <p:par>
+                    <p:cTn id="55" fill="hold">
+                      <p:stCondLst>
+                        <p:cond delay="indefinite"/>
+                      </p:stCondLst>
+                      <p:childTnLst>
+                        <p:par>
+                          <p:cTn id="56" fill="hold">
+                            <p:stCondLst>
+                              <p:cond delay="0"/>
+                            </p:stCondLst>
+                            <p:childTnLst>
+                              <p:par>
+                                <p:cTn id="57" presetID="42" presetClass="entr" presetSubtype="0" fill="hold" grpId="0" nodeType="clickEffect">
+                                  <p:stCondLst>
+                                    <p:cond delay="0"/>
+                                  </p:stCondLst>
+                                  <p:childTnLst>
+                                    <p:set>
+                                      <p:cBhvr>
+                                        <p:cTn id="58" dur="1" fill="hold">
+                                          <p:stCondLst>
+                                            <p:cond delay="0"/>
+                                          </p:stCondLst>
+                                        </p:cTn>
+                                        <p:tgtEl>
+                                          <p:spTgt spid="3">
+                                            <p:txEl>
+                                              <p:pRg st="7" end="7"/>
+                                            </p:txEl>
+                                          </p:spTgt>
+                                        </p:tgtEl>
+                                        <p:attrNameLst>
+                                          <p:attrName>style.visibility</p:attrName>
+                                        </p:attrNameLst>
+                                      </p:cBhvr>
+                                      <p:to>
+                                        <p:strVal val="visible"/>
+                                      </p:to>
+                                    </p:set>
+                                    <p:animEffect transition="in" filter="fade">
+                                      <p:cBhvr>
+                                        <p:cTn id="59" dur="750"/>
+                                        <p:tgtEl>
+                                          <p:spTgt spid="3">
+                                            <p:txEl>
+                                              <p:pRg st="7" end="7"/>
+                                            </p:txEl>
+                                          </p:spTgt>
+                                        </p:tgtEl>
+                                      </p:cBhvr>
+                                    </p:animEffect>
+                                    <p:anim calcmode="lin" valueType="num">
+                                      <p:cBhvr>
+                                        <p:cTn id="60" dur="750" decel="100000" fill="hold"/>
+                                        <p:tgtEl>
+                                          <p:spTgt spid="3">
+                                            <p:txEl>
+                                              <p:pRg st="7" end="7"/>
+                                            </p:txEl>
+                                          </p:spTgt>
+                                        </p:tgtEl>
+                                        <p:attrNameLst>
+                                          <p:attrName>ppt_x</p:attrName>
+                                        </p:attrNameLst>
+                                      </p:cBhvr>
+                                      <p:tavLst>
+                                        <p:tav tm="0">
+                                          <p:val>
+                                            <p:strVal val="#ppt_x-.1"/>
+                                          </p:val>
+                                        </p:tav>
+                                        <p:tav tm="100000">
+                                          <p:val>
+                                            <p:strVal val="#ppt_x"/>
+                                          </p:val>
+                                        </p:tav>
+                                      </p:tavLst>
+                                    </p:anim>
+                                  </p:childTnLst>
+                                </p:cTn>
+                              </p:par>
+                            </p:childTnLst>
+                          </p:cTn>
+                        </p:par>
+                      </p:childTnLst>
+                    </p:cTn>
+                  </p:par>
+                  <p:par>
+                    <p:cTn id="61" fill="hold">
+                      <p:stCondLst>
+                        <p:cond delay="indefinite"/>
+                      </p:stCondLst>
+                      <p:childTnLst>
+                        <p:par>
+                          <p:cTn id="62" fill="hold">
+                            <p:stCondLst>
+                              <p:cond delay="0"/>
+                            </p:stCondLst>
+                            <p:childTnLst>
+                              <p:par>
+                                <p:cTn id="63" presetID="42" presetClass="entr" presetSubtype="0" fill="hold" grpId="0" nodeType="clickEffect">
+                                  <p:stCondLst>
+                                    <p:cond delay="0"/>
+                                  </p:stCondLst>
+                                  <p:childTnLst>
+                                    <p:set>
+                                      <p:cBhvr>
+                                        <p:cTn id="64" dur="1" fill="hold">
+                                          <p:stCondLst>
+                                            <p:cond delay="0"/>
+                                          </p:stCondLst>
+                                        </p:cTn>
+                                        <p:tgtEl>
+                                          <p:spTgt spid="3">
+                                            <p:txEl>
+                                              <p:pRg st="8" end="8"/>
+                                            </p:txEl>
+                                          </p:spTgt>
+                                        </p:tgtEl>
+                                        <p:attrNameLst>
+                                          <p:attrName>style.visibility</p:attrName>
+                                        </p:attrNameLst>
+                                      </p:cBhvr>
+                                      <p:to>
+                                        <p:strVal val="visible"/>
+                                      </p:to>
+                                    </p:set>
+                                    <p:animEffect transition="in" filter="fade">
+                                      <p:cBhvr>
+                                        <p:cTn id="65" dur="750"/>
+                                        <p:tgtEl>
+                                          <p:spTgt spid="3">
+                                            <p:txEl>
+                                              <p:pRg st="8" end="8"/>
+                                            </p:txEl>
+                                          </p:spTgt>
+                                        </p:tgtEl>
+                                      </p:cBhvr>
+                                    </p:animEffect>
+                                    <p:anim calcmode="lin" valueType="num">
+                                      <p:cBhvr>
+                                        <p:cTn id="66" dur="750" decel="100000" fill="hold"/>
+                                        <p:tgtEl>
+                                          <p:spTgt spid="3">
+                                            <p:txEl>
+                                              <p:pRg st="8" end="8"/>
+                                            </p:txEl>
+                                          </p:spTgt>
+                                        </p:tgtEl>
+                                        <p:attrNameLst>
+                                          <p:attrName>ppt_x</p:attrName>
+                                        </p:attrNameLst>
+                                      </p:cBhvr>
+                                      <p:tavLst>
+                                        <p:tav tm="0">
+                                          <p:val>
+                                            <p:strVal val="#ppt_x-.1"/>
+                                          </p:val>
+                                        </p:tav>
+                                        <p:tav tm="100000">
+                                          <p:val>
+                                            <p:strVal val="#ppt_x"/>
+                                          </p:val>
+                                        </p:tav>
+                                      </p:tavLst>
+                                    </p:anim>
+                                  </p:childTnLst>
+                                </p:cTn>
+                              </p:par>
+                            </p:childTnLst>
+                          </p:cTn>
+                        </p:par>
+                      </p:childTnLst>
+                    </p:cTn>
+                  </p:par>
+                </p:childTnLst>
+              </p:cTn>
+              <p:prevCondLst>
+                <p:cond evt="onPrev" delay="0">
+                  <p:tgtEl>
+                    <p:sldTgt/>
+                  </p:tgtEl>
+                </p:cond>
+              </p:prevCondLst>
+              <p:nextCondLst>
+                <p:cond evt="onNext" delay="0">
+                  <p:tgtEl>
+                    <p:sldTgt/>
+                  </p:tgtEl>
+                </p:cond>
+              </p:nextCondLst>
+            </p:seq>
+          </p:childTnLst>
+        </p:cTn>
+      </p:par>
+    </p:tnLst>
+    <p:bldLst>
+      <p:bldP spid="3" grpId="0" uiExpand="1" build="p" bldLvl="2"/>
+      <p:bldP spid="2" grpId="0"/>
+      <p:bldP spid="2" grpId="1"/>
+    </p:bldLst>
+  </p:timing>
+</p:sld>
+</file>
+
+<file path=ppt/slides/slide13.xml><?xml version="1.0" encoding="utf-8"?>
 <p:sld xmlns:a="http://schemas.openxmlformats.org/drawingml/2006/main" xmlns:r="http://schemas.openxmlformats.org/officeDocument/2006/relationships" xmlns:p="http://schemas.openxmlformats.org/presentationml/2006/main">
   <p:cSld>
     <p:spTree>
@@ -4806,7 +8354,9 @@
           </a:xfrm>
         </p:spPr>
         <p:txBody>
-          <a:bodyPr/>
+          <a:bodyPr wrap="square">
+            <a:noAutofit/>
+          </a:bodyPr>
           <a:lstStyle/>
           <a:p>
             <a:pPr algn="ctr"/>
@@ -4835,7 +8385,9 @@
         </p:nvSpPr>
         <p:spPr/>
         <p:txBody>
-          <a:bodyPr/>
+          <a:bodyPr wrap="square">
+            <a:noAutofit/>
+          </a:bodyPr>
           <a:lstStyle/>
           <a:p>
             <a:r>
@@ -4882,13 +8434,13 @@
   <p:clrMapOvr>
     <a:masterClrMapping/>
   </p:clrMapOvr>
-  <mc:AlternateContent xmlns:mc="http://schemas.openxmlformats.org/markup-compatibility/2006">
-    <mc:Choice xmlns:p15="http://schemas.microsoft.com/office/powerpoint/2012/main" Requires="p15">
+  <mc:AlternateContent xmlns:mc="http://schemas.openxmlformats.org/markup-compatibility/2006" xmlns:p15="http://schemas.microsoft.com/office/powerpoint/2012/main">
+    <mc:Choice Requires="p15">
       <p:transition spd="slow">
         <p15:prstTrans prst="peelOff"/>
       </p:transition>
     </mc:Choice>
-    <mc:Fallback>
+    <mc:Fallback xmlns="">
       <p:transition spd="slow">
         <p:fade/>
       </p:transition>
@@ -5309,7 +8861,9 @@
           </a:xfrm>
         </p:spPr>
         <p:txBody>
-          <a:bodyPr/>
+          <a:bodyPr wrap="square">
+            <a:noAutofit/>
+          </a:bodyPr>
           <a:lstStyle/>
           <a:p>
             <a:r>
@@ -5338,7 +8892,7 @@
           <a:p>
             <a:r>
               <a:rPr lang="en-US" dirty="0"/>
-              <a:t>The manager leave the house</a:t>
+              <a:t>The manager leaves the house</a:t>
             </a:r>
           </a:p>
           <a:p>
@@ -5381,7 +8935,9 @@
           </a:xfrm>
         </p:spPr>
         <p:txBody>
-          <a:bodyPr/>
+          <a:bodyPr wrap="square">
+            <a:noAutofit/>
+          </a:bodyPr>
           <a:lstStyle/>
           <a:p>
             <a:pPr algn="ctr"/>
@@ -5402,13 +8958,13 @@
   <p:clrMapOvr>
     <a:masterClrMapping/>
   </p:clrMapOvr>
-  <mc:AlternateContent xmlns:mc="http://schemas.openxmlformats.org/markup-compatibility/2006">
-    <mc:Choice xmlns:p15="http://schemas.microsoft.com/office/powerpoint/2012/main" Requires="p15">
+  <mc:AlternateContent xmlns:mc="http://schemas.openxmlformats.org/markup-compatibility/2006" xmlns:p15="http://schemas.microsoft.com/office/powerpoint/2012/main">
+    <mc:Choice Requires="p15">
       <p:transition spd="slow">
         <p15:prstTrans prst="peelOff"/>
       </p:transition>
     </mc:Choice>
-    <mc:Fallback>
+    <mc:Fallback xmlns="">
       <p:transition spd="slow">
         <p:fade/>
       </p:transition>
@@ -6250,7 +9806,9 @@
           </a:xfrm>
         </p:spPr>
         <p:txBody>
-          <a:bodyPr/>
+          <a:bodyPr wrap="square">
+            <a:noAutofit/>
+          </a:bodyPr>
           <a:lstStyle/>
           <a:p>
             <a:pPr algn="ctr"/>
@@ -6287,8 +9845,8 @@
           </a:xfrm>
         </p:spPr>
         <p:txBody>
-          <a:bodyPr>
-            <a:normAutofit/>
+          <a:bodyPr wrap="square">
+            <a:noAutofit/>
           </a:bodyPr>
           <a:lstStyle/>
           <a:p>
@@ -6393,13 +9951,13 @@
   <p:clrMapOvr>
     <a:masterClrMapping/>
   </p:clrMapOvr>
-  <mc:AlternateContent xmlns:mc="http://schemas.openxmlformats.org/markup-compatibility/2006">
-    <mc:Choice xmlns:p159="http://schemas.microsoft.com/office/powerpoint/2015/09/main" Requires="p159">
+  <mc:AlternateContent xmlns:mc="http://schemas.openxmlformats.org/markup-compatibility/2006" xmlns:p159="http://schemas.microsoft.com/office/powerpoint/2015/09/main">
+    <mc:Choice Requires="p159">
       <p:transition spd="slow">
         <p159:morph option="byWord"/>
       </p:transition>
     </mc:Choice>
-    <mc:Fallback>
+    <mc:Fallback xmlns="">
       <p:transition spd="slow">
         <p:fade/>
       </p:transition>
@@ -7197,8 +10755,8 @@
           </a:xfrm>
         </p:spPr>
         <p:txBody>
-          <a:bodyPr>
-            <a:normAutofit/>
+          <a:bodyPr wrap="square">
+            <a:noAutofit/>
           </a:bodyPr>
           <a:lstStyle/>
           <a:p>
@@ -7357,13 +10915,13 @@
   <p:clrMapOvr>
     <a:masterClrMapping/>
   </p:clrMapOvr>
-  <mc:AlternateContent xmlns:mc="http://schemas.openxmlformats.org/markup-compatibility/2006">
-    <mc:Choice xmlns:p159="http://schemas.microsoft.com/office/powerpoint/2015/09/main" Requires="p159">
+  <mc:AlternateContent xmlns:mc="http://schemas.openxmlformats.org/markup-compatibility/2006" xmlns:p159="http://schemas.microsoft.com/office/powerpoint/2015/09/main">
+    <mc:Choice Requires="p159">
       <p:transition spd="slow">
         <p159:morph option="byWord"/>
       </p:transition>
     </mc:Choice>
-    <mc:Fallback>
+    <mc:Fallback xmlns="">
       <p:transition spd="slow">
         <p:fade/>
       </p:transition>
@@ -8244,13 +11802,13 @@
         </p:nvSpPr>
         <p:spPr>
           <a:xfrm>
-            <a:off x="838200" y="-11776076"/>
-            <a:ext cx="10515600" cy="15547977"/>
+            <a:off x="838200" y="-14843126"/>
+            <a:ext cx="10515600" cy="21701126"/>
           </a:xfrm>
         </p:spPr>
         <p:txBody>
-          <a:bodyPr>
-            <a:normAutofit fontScale="92500" lnSpcReduction="10000"/>
+          <a:bodyPr wrap="square">
+            <a:noAutofit/>
           </a:bodyPr>
           <a:lstStyle/>
           <a:p>
@@ -8428,7 +11986,34 @@
             </a:r>
           </a:p>
           <a:p>
-            <a:endParaRPr lang="en-US" altLang="zh-CN" dirty="0"/>
+            <a:r>
+              <a:rPr lang="en-US" altLang="zh-CN" dirty="0"/>
+              <a:t>Grete now have to work</a:t>
+            </a:r>
+          </a:p>
+          <a:p>
+            <a:r>
+              <a:rPr lang="en-US" altLang="zh-CN" dirty="0"/>
+              <a:t>Grete no longer takes care of Gregor as a result of that</a:t>
+            </a:r>
+          </a:p>
+          <a:p>
+            <a:r>
+              <a:rPr lang="en-US" altLang="zh-CN" dirty="0"/>
+              <a:t>Gregor almost completely stopped eating</a:t>
+            </a:r>
+          </a:p>
+          <a:p>
+            <a:r>
+              <a:rPr lang="en-US" altLang="zh-CN" dirty="0"/>
+              <a:t>One of the rooms in Gregor’s room has been rented by three gentlemen</a:t>
+            </a:r>
+          </a:p>
+          <a:p>
+            <a:r>
+              <a:rPr lang="en-US" altLang="zh-CN" dirty="0"/>
+              <a:t>Grete start playing her violin in the kitchen while the three gentlemen is having dinner</a:t>
+            </a:r>
           </a:p>
         </p:txBody>
       </p:sp>
@@ -8436,6 +12021,1260 @@
     <p:extLst>
       <p:ext uri="{BB962C8B-B14F-4D97-AF65-F5344CB8AC3E}">
         <p14:creationId xmlns:p14="http://schemas.microsoft.com/office/powerpoint/2010/main" val="4174285839"/>
+      </p:ext>
+    </p:extLst>
+  </p:cSld>
+  <p:clrMapOvr>
+    <a:masterClrMapping/>
+  </p:clrMapOvr>
+  <mc:AlternateContent xmlns:mc="http://schemas.openxmlformats.org/markup-compatibility/2006" xmlns:p159="http://schemas.microsoft.com/office/powerpoint/2015/09/main">
+    <mc:Choice Requires="p159">
+      <p:transition spd="slow">
+        <p159:morph option="byWord"/>
+      </p:transition>
+    </mc:Choice>
+    <mc:Fallback xmlns="">
+      <p:transition spd="slow">
+        <p:fade/>
+      </p:transition>
+    </mc:Fallback>
+  </mc:AlternateContent>
+  <p:timing>
+    <p:tnLst>
+      <p:par>
+        <p:cTn id="1" dur="indefinite" restart="never" nodeType="tmRoot">
+          <p:childTnLst>
+            <p:seq concurrent="1" nextAc="seek">
+              <p:cTn id="2" dur="indefinite" nodeType="mainSeq">
+                <p:childTnLst>
+                  <p:par>
+                    <p:cTn id="3" fill="hold">
+                      <p:stCondLst>
+                        <p:cond delay="indefinite"/>
+                        <p:cond evt="onBegin" delay="0">
+                          <p:tn val="2"/>
+                        </p:cond>
+                      </p:stCondLst>
+                      <p:childTnLst>
+                        <p:par>
+                          <p:cTn id="4" fill="hold">
+                            <p:stCondLst>
+                              <p:cond delay="0"/>
+                            </p:stCondLst>
+                            <p:childTnLst>
+                              <p:par>
+                                <p:cTn id="5" presetID="42" presetClass="entr" presetSubtype="0" fill="hold" grpId="0" nodeType="afterEffect">
+                                  <p:stCondLst>
+                                    <p:cond delay="0"/>
+                                  </p:stCondLst>
+                                  <p:childTnLst>
+                                    <p:set>
+                                      <p:cBhvr>
+                                        <p:cTn id="6" dur="1" fill="hold">
+                                          <p:stCondLst>
+                                            <p:cond delay="0"/>
+                                          </p:stCondLst>
+                                        </p:cTn>
+                                        <p:tgtEl>
+                                          <p:spTgt spid="3">
+                                            <p:txEl>
+                                              <p:pRg st="24" end="24"/>
+                                            </p:txEl>
+                                          </p:spTgt>
+                                        </p:tgtEl>
+                                        <p:attrNameLst>
+                                          <p:attrName>style.visibility</p:attrName>
+                                        </p:attrNameLst>
+                                      </p:cBhvr>
+                                      <p:to>
+                                        <p:strVal val="visible"/>
+                                      </p:to>
+                                    </p:set>
+                                    <p:animEffect transition="in" filter="fade">
+                                      <p:cBhvr>
+                                        <p:cTn id="7" dur="750"/>
+                                        <p:tgtEl>
+                                          <p:spTgt spid="3">
+                                            <p:txEl>
+                                              <p:pRg st="24" end="24"/>
+                                            </p:txEl>
+                                          </p:spTgt>
+                                        </p:tgtEl>
+                                      </p:cBhvr>
+                                    </p:animEffect>
+                                    <p:anim calcmode="lin" valueType="num">
+                                      <p:cBhvr>
+                                        <p:cTn id="8" dur="750" decel="100000" fill="hold"/>
+                                        <p:tgtEl>
+                                          <p:spTgt spid="3">
+                                            <p:txEl>
+                                              <p:pRg st="24" end="24"/>
+                                            </p:txEl>
+                                          </p:spTgt>
+                                        </p:tgtEl>
+                                        <p:attrNameLst>
+                                          <p:attrName>ppt_x</p:attrName>
+                                        </p:attrNameLst>
+                                      </p:cBhvr>
+                                      <p:tavLst>
+                                        <p:tav tm="0">
+                                          <p:val>
+                                            <p:strVal val="#ppt_x-.1"/>
+                                          </p:val>
+                                        </p:tav>
+                                        <p:tav tm="100000">
+                                          <p:val>
+                                            <p:strVal val="#ppt_x"/>
+                                          </p:val>
+                                        </p:tav>
+                                      </p:tavLst>
+                                    </p:anim>
+                                  </p:childTnLst>
+                                </p:cTn>
+                              </p:par>
+                            </p:childTnLst>
+                          </p:cTn>
+                        </p:par>
+                      </p:childTnLst>
+                    </p:cTn>
+                  </p:par>
+                  <p:par>
+                    <p:cTn id="9" fill="hold">
+                      <p:stCondLst>
+                        <p:cond delay="indefinite"/>
+                      </p:stCondLst>
+                      <p:childTnLst>
+                        <p:par>
+                          <p:cTn id="10" fill="hold">
+                            <p:stCondLst>
+                              <p:cond delay="0"/>
+                            </p:stCondLst>
+                            <p:childTnLst>
+                              <p:par>
+                                <p:cTn id="11" presetID="42" presetClass="entr" presetSubtype="0" fill="hold" grpId="0" nodeType="clickEffect">
+                                  <p:stCondLst>
+                                    <p:cond delay="0"/>
+                                  </p:stCondLst>
+                                  <p:childTnLst>
+                                    <p:set>
+                                      <p:cBhvr>
+                                        <p:cTn id="12" dur="1" fill="hold">
+                                          <p:stCondLst>
+                                            <p:cond delay="0"/>
+                                          </p:stCondLst>
+                                        </p:cTn>
+                                        <p:tgtEl>
+                                          <p:spTgt spid="3">
+                                            <p:txEl>
+                                              <p:pRg st="25" end="25"/>
+                                            </p:txEl>
+                                          </p:spTgt>
+                                        </p:tgtEl>
+                                        <p:attrNameLst>
+                                          <p:attrName>style.visibility</p:attrName>
+                                        </p:attrNameLst>
+                                      </p:cBhvr>
+                                      <p:to>
+                                        <p:strVal val="visible"/>
+                                      </p:to>
+                                    </p:set>
+                                    <p:animEffect transition="in" filter="fade">
+                                      <p:cBhvr>
+                                        <p:cTn id="13" dur="750"/>
+                                        <p:tgtEl>
+                                          <p:spTgt spid="3">
+                                            <p:txEl>
+                                              <p:pRg st="25" end="25"/>
+                                            </p:txEl>
+                                          </p:spTgt>
+                                        </p:tgtEl>
+                                      </p:cBhvr>
+                                    </p:animEffect>
+                                    <p:anim calcmode="lin" valueType="num">
+                                      <p:cBhvr>
+                                        <p:cTn id="14" dur="750" decel="100000" fill="hold"/>
+                                        <p:tgtEl>
+                                          <p:spTgt spid="3">
+                                            <p:txEl>
+                                              <p:pRg st="25" end="25"/>
+                                            </p:txEl>
+                                          </p:spTgt>
+                                        </p:tgtEl>
+                                        <p:attrNameLst>
+                                          <p:attrName>ppt_x</p:attrName>
+                                        </p:attrNameLst>
+                                      </p:cBhvr>
+                                      <p:tavLst>
+                                        <p:tav tm="0">
+                                          <p:val>
+                                            <p:strVal val="#ppt_x-.1"/>
+                                          </p:val>
+                                        </p:tav>
+                                        <p:tav tm="100000">
+                                          <p:val>
+                                            <p:strVal val="#ppt_x"/>
+                                          </p:val>
+                                        </p:tav>
+                                      </p:tavLst>
+                                    </p:anim>
+                                  </p:childTnLst>
+                                </p:cTn>
+                              </p:par>
+                            </p:childTnLst>
+                          </p:cTn>
+                        </p:par>
+                      </p:childTnLst>
+                    </p:cTn>
+                  </p:par>
+                  <p:par>
+                    <p:cTn id="15" fill="hold">
+                      <p:stCondLst>
+                        <p:cond delay="indefinite"/>
+                      </p:stCondLst>
+                      <p:childTnLst>
+                        <p:par>
+                          <p:cTn id="16" fill="hold">
+                            <p:stCondLst>
+                              <p:cond delay="0"/>
+                            </p:stCondLst>
+                            <p:childTnLst>
+                              <p:par>
+                                <p:cTn id="17" presetID="42" presetClass="entr" presetSubtype="0" fill="hold" grpId="0" nodeType="clickEffect">
+                                  <p:stCondLst>
+                                    <p:cond delay="0"/>
+                                  </p:stCondLst>
+                                  <p:childTnLst>
+                                    <p:set>
+                                      <p:cBhvr>
+                                        <p:cTn id="18" dur="1" fill="hold">
+                                          <p:stCondLst>
+                                            <p:cond delay="0"/>
+                                          </p:stCondLst>
+                                        </p:cTn>
+                                        <p:tgtEl>
+                                          <p:spTgt spid="3">
+                                            <p:txEl>
+                                              <p:pRg st="26" end="26"/>
+                                            </p:txEl>
+                                          </p:spTgt>
+                                        </p:tgtEl>
+                                        <p:attrNameLst>
+                                          <p:attrName>style.visibility</p:attrName>
+                                        </p:attrNameLst>
+                                      </p:cBhvr>
+                                      <p:to>
+                                        <p:strVal val="visible"/>
+                                      </p:to>
+                                    </p:set>
+                                    <p:animEffect transition="in" filter="fade">
+                                      <p:cBhvr>
+                                        <p:cTn id="19" dur="750"/>
+                                        <p:tgtEl>
+                                          <p:spTgt spid="3">
+                                            <p:txEl>
+                                              <p:pRg st="26" end="26"/>
+                                            </p:txEl>
+                                          </p:spTgt>
+                                        </p:tgtEl>
+                                      </p:cBhvr>
+                                    </p:animEffect>
+                                    <p:anim calcmode="lin" valueType="num">
+                                      <p:cBhvr>
+                                        <p:cTn id="20" dur="750" decel="100000" fill="hold"/>
+                                        <p:tgtEl>
+                                          <p:spTgt spid="3">
+                                            <p:txEl>
+                                              <p:pRg st="26" end="26"/>
+                                            </p:txEl>
+                                          </p:spTgt>
+                                        </p:tgtEl>
+                                        <p:attrNameLst>
+                                          <p:attrName>ppt_x</p:attrName>
+                                        </p:attrNameLst>
+                                      </p:cBhvr>
+                                      <p:tavLst>
+                                        <p:tav tm="0">
+                                          <p:val>
+                                            <p:strVal val="#ppt_x-.1"/>
+                                          </p:val>
+                                        </p:tav>
+                                        <p:tav tm="100000">
+                                          <p:val>
+                                            <p:strVal val="#ppt_x"/>
+                                          </p:val>
+                                        </p:tav>
+                                      </p:tavLst>
+                                    </p:anim>
+                                  </p:childTnLst>
+                                </p:cTn>
+                              </p:par>
+                            </p:childTnLst>
+                          </p:cTn>
+                        </p:par>
+                      </p:childTnLst>
+                    </p:cTn>
+                  </p:par>
+                  <p:par>
+                    <p:cTn id="21" fill="hold">
+                      <p:stCondLst>
+                        <p:cond delay="indefinite"/>
+                      </p:stCondLst>
+                      <p:childTnLst>
+                        <p:par>
+                          <p:cTn id="22" fill="hold">
+                            <p:stCondLst>
+                              <p:cond delay="0"/>
+                            </p:stCondLst>
+                            <p:childTnLst>
+                              <p:par>
+                                <p:cTn id="23" presetID="42" presetClass="entr" presetSubtype="0" fill="hold" grpId="0" nodeType="clickEffect">
+                                  <p:stCondLst>
+                                    <p:cond delay="0"/>
+                                  </p:stCondLst>
+                                  <p:childTnLst>
+                                    <p:set>
+                                      <p:cBhvr>
+                                        <p:cTn id="24" dur="1" fill="hold">
+                                          <p:stCondLst>
+                                            <p:cond delay="0"/>
+                                          </p:stCondLst>
+                                        </p:cTn>
+                                        <p:tgtEl>
+                                          <p:spTgt spid="3">
+                                            <p:txEl>
+                                              <p:pRg st="27" end="27"/>
+                                            </p:txEl>
+                                          </p:spTgt>
+                                        </p:tgtEl>
+                                        <p:attrNameLst>
+                                          <p:attrName>style.visibility</p:attrName>
+                                        </p:attrNameLst>
+                                      </p:cBhvr>
+                                      <p:to>
+                                        <p:strVal val="visible"/>
+                                      </p:to>
+                                    </p:set>
+                                    <p:animEffect transition="in" filter="fade">
+                                      <p:cBhvr>
+                                        <p:cTn id="25" dur="750"/>
+                                        <p:tgtEl>
+                                          <p:spTgt spid="3">
+                                            <p:txEl>
+                                              <p:pRg st="27" end="27"/>
+                                            </p:txEl>
+                                          </p:spTgt>
+                                        </p:tgtEl>
+                                      </p:cBhvr>
+                                    </p:animEffect>
+                                    <p:anim calcmode="lin" valueType="num">
+                                      <p:cBhvr>
+                                        <p:cTn id="26" dur="750" decel="100000" fill="hold"/>
+                                        <p:tgtEl>
+                                          <p:spTgt spid="3">
+                                            <p:txEl>
+                                              <p:pRg st="27" end="27"/>
+                                            </p:txEl>
+                                          </p:spTgt>
+                                        </p:tgtEl>
+                                        <p:attrNameLst>
+                                          <p:attrName>ppt_x</p:attrName>
+                                        </p:attrNameLst>
+                                      </p:cBhvr>
+                                      <p:tavLst>
+                                        <p:tav tm="0">
+                                          <p:val>
+                                            <p:strVal val="#ppt_x-.1"/>
+                                          </p:val>
+                                        </p:tav>
+                                        <p:tav tm="100000">
+                                          <p:val>
+                                            <p:strVal val="#ppt_x"/>
+                                          </p:val>
+                                        </p:tav>
+                                      </p:tavLst>
+                                    </p:anim>
+                                  </p:childTnLst>
+                                </p:cTn>
+                              </p:par>
+                            </p:childTnLst>
+                          </p:cTn>
+                        </p:par>
+                      </p:childTnLst>
+                    </p:cTn>
+                  </p:par>
+                  <p:par>
+                    <p:cTn id="27" fill="hold">
+                      <p:stCondLst>
+                        <p:cond delay="indefinite"/>
+                      </p:stCondLst>
+                      <p:childTnLst>
+                        <p:par>
+                          <p:cTn id="28" fill="hold">
+                            <p:stCondLst>
+                              <p:cond delay="0"/>
+                            </p:stCondLst>
+                            <p:childTnLst>
+                              <p:par>
+                                <p:cTn id="29" presetID="42" presetClass="entr" presetSubtype="0" fill="hold" grpId="0" nodeType="clickEffect">
+                                  <p:stCondLst>
+                                    <p:cond delay="0"/>
+                                  </p:stCondLst>
+                                  <p:childTnLst>
+                                    <p:set>
+                                      <p:cBhvr>
+                                        <p:cTn id="30" dur="1" fill="hold">
+                                          <p:stCondLst>
+                                            <p:cond delay="0"/>
+                                          </p:stCondLst>
+                                        </p:cTn>
+                                        <p:tgtEl>
+                                          <p:spTgt spid="3">
+                                            <p:txEl>
+                                              <p:pRg st="28" end="28"/>
+                                            </p:txEl>
+                                          </p:spTgt>
+                                        </p:tgtEl>
+                                        <p:attrNameLst>
+                                          <p:attrName>style.visibility</p:attrName>
+                                        </p:attrNameLst>
+                                      </p:cBhvr>
+                                      <p:to>
+                                        <p:strVal val="visible"/>
+                                      </p:to>
+                                    </p:set>
+                                    <p:animEffect transition="in" filter="fade">
+                                      <p:cBhvr>
+                                        <p:cTn id="31" dur="750"/>
+                                        <p:tgtEl>
+                                          <p:spTgt spid="3">
+                                            <p:txEl>
+                                              <p:pRg st="28" end="28"/>
+                                            </p:txEl>
+                                          </p:spTgt>
+                                        </p:tgtEl>
+                                      </p:cBhvr>
+                                    </p:animEffect>
+                                    <p:anim calcmode="lin" valueType="num">
+                                      <p:cBhvr>
+                                        <p:cTn id="32" dur="750" decel="100000" fill="hold"/>
+                                        <p:tgtEl>
+                                          <p:spTgt spid="3">
+                                            <p:txEl>
+                                              <p:pRg st="28" end="28"/>
+                                            </p:txEl>
+                                          </p:spTgt>
+                                        </p:tgtEl>
+                                        <p:attrNameLst>
+                                          <p:attrName>ppt_x</p:attrName>
+                                        </p:attrNameLst>
+                                      </p:cBhvr>
+                                      <p:tavLst>
+                                        <p:tav tm="0">
+                                          <p:val>
+                                            <p:strVal val="#ppt_x-.1"/>
+                                          </p:val>
+                                        </p:tav>
+                                        <p:tav tm="100000">
+                                          <p:val>
+                                            <p:strVal val="#ppt_x"/>
+                                          </p:val>
+                                        </p:tav>
+                                      </p:tavLst>
+                                    </p:anim>
+                                  </p:childTnLst>
+                                </p:cTn>
+                              </p:par>
+                            </p:childTnLst>
+                          </p:cTn>
+                        </p:par>
+                      </p:childTnLst>
+                    </p:cTn>
+                  </p:par>
+                  <p:par>
+                    <p:cTn id="33" fill="hold">
+                      <p:stCondLst>
+                        <p:cond delay="indefinite"/>
+                      </p:stCondLst>
+                      <p:childTnLst>
+                        <p:par>
+                          <p:cTn id="34" fill="hold">
+                            <p:stCondLst>
+                              <p:cond delay="0"/>
+                            </p:stCondLst>
+                            <p:childTnLst>
+                              <p:par>
+                                <p:cTn id="35" presetID="42" presetClass="entr" presetSubtype="0" fill="hold" grpId="0" nodeType="clickEffect">
+                                  <p:stCondLst>
+                                    <p:cond delay="0"/>
+                                  </p:stCondLst>
+                                  <p:childTnLst>
+                                    <p:set>
+                                      <p:cBhvr>
+                                        <p:cTn id="36" dur="1" fill="hold">
+                                          <p:stCondLst>
+                                            <p:cond delay="0"/>
+                                          </p:stCondLst>
+                                        </p:cTn>
+                                        <p:tgtEl>
+                                          <p:spTgt spid="3">
+                                            <p:txEl>
+                                              <p:pRg st="29" end="29"/>
+                                            </p:txEl>
+                                          </p:spTgt>
+                                        </p:tgtEl>
+                                        <p:attrNameLst>
+                                          <p:attrName>style.visibility</p:attrName>
+                                        </p:attrNameLst>
+                                      </p:cBhvr>
+                                      <p:to>
+                                        <p:strVal val="visible"/>
+                                      </p:to>
+                                    </p:set>
+                                    <p:animEffect transition="in" filter="fade">
+                                      <p:cBhvr>
+                                        <p:cTn id="37" dur="750"/>
+                                        <p:tgtEl>
+                                          <p:spTgt spid="3">
+                                            <p:txEl>
+                                              <p:pRg st="29" end="29"/>
+                                            </p:txEl>
+                                          </p:spTgt>
+                                        </p:tgtEl>
+                                      </p:cBhvr>
+                                    </p:animEffect>
+                                    <p:anim calcmode="lin" valueType="num">
+                                      <p:cBhvr>
+                                        <p:cTn id="38" dur="750" decel="100000" fill="hold"/>
+                                        <p:tgtEl>
+                                          <p:spTgt spid="3">
+                                            <p:txEl>
+                                              <p:pRg st="29" end="29"/>
+                                            </p:txEl>
+                                          </p:spTgt>
+                                        </p:tgtEl>
+                                        <p:attrNameLst>
+                                          <p:attrName>ppt_x</p:attrName>
+                                        </p:attrNameLst>
+                                      </p:cBhvr>
+                                      <p:tavLst>
+                                        <p:tav tm="0">
+                                          <p:val>
+                                            <p:strVal val="#ppt_x-.1"/>
+                                          </p:val>
+                                        </p:tav>
+                                        <p:tav tm="100000">
+                                          <p:val>
+                                            <p:strVal val="#ppt_x"/>
+                                          </p:val>
+                                        </p:tav>
+                                      </p:tavLst>
+                                    </p:anim>
+                                  </p:childTnLst>
+                                </p:cTn>
+                              </p:par>
+                            </p:childTnLst>
+                          </p:cTn>
+                        </p:par>
+                      </p:childTnLst>
+                    </p:cTn>
+                  </p:par>
+                  <p:par>
+                    <p:cTn id="39" fill="hold">
+                      <p:stCondLst>
+                        <p:cond delay="indefinite"/>
+                      </p:stCondLst>
+                      <p:childTnLst>
+                        <p:par>
+                          <p:cTn id="40" fill="hold">
+                            <p:stCondLst>
+                              <p:cond delay="0"/>
+                            </p:stCondLst>
+                            <p:childTnLst>
+                              <p:par>
+                                <p:cTn id="41" presetID="42" presetClass="entr" presetSubtype="0" fill="hold" grpId="0" nodeType="clickEffect">
+                                  <p:stCondLst>
+                                    <p:cond delay="0"/>
+                                  </p:stCondLst>
+                                  <p:childTnLst>
+                                    <p:set>
+                                      <p:cBhvr>
+                                        <p:cTn id="42" dur="1" fill="hold">
+                                          <p:stCondLst>
+                                            <p:cond delay="0"/>
+                                          </p:stCondLst>
+                                        </p:cTn>
+                                        <p:tgtEl>
+                                          <p:spTgt spid="3">
+                                            <p:txEl>
+                                              <p:pRg st="30" end="30"/>
+                                            </p:txEl>
+                                          </p:spTgt>
+                                        </p:tgtEl>
+                                        <p:attrNameLst>
+                                          <p:attrName>style.visibility</p:attrName>
+                                        </p:attrNameLst>
+                                      </p:cBhvr>
+                                      <p:to>
+                                        <p:strVal val="visible"/>
+                                      </p:to>
+                                    </p:set>
+                                    <p:animEffect transition="in" filter="fade">
+                                      <p:cBhvr>
+                                        <p:cTn id="43" dur="750"/>
+                                        <p:tgtEl>
+                                          <p:spTgt spid="3">
+                                            <p:txEl>
+                                              <p:pRg st="30" end="30"/>
+                                            </p:txEl>
+                                          </p:spTgt>
+                                        </p:tgtEl>
+                                      </p:cBhvr>
+                                    </p:animEffect>
+                                    <p:anim calcmode="lin" valueType="num">
+                                      <p:cBhvr>
+                                        <p:cTn id="44" dur="750" decel="100000" fill="hold"/>
+                                        <p:tgtEl>
+                                          <p:spTgt spid="3">
+                                            <p:txEl>
+                                              <p:pRg st="30" end="30"/>
+                                            </p:txEl>
+                                          </p:spTgt>
+                                        </p:tgtEl>
+                                        <p:attrNameLst>
+                                          <p:attrName>ppt_x</p:attrName>
+                                        </p:attrNameLst>
+                                      </p:cBhvr>
+                                      <p:tavLst>
+                                        <p:tav tm="0">
+                                          <p:val>
+                                            <p:strVal val="#ppt_x-.1"/>
+                                          </p:val>
+                                        </p:tav>
+                                        <p:tav tm="100000">
+                                          <p:val>
+                                            <p:strVal val="#ppt_x"/>
+                                          </p:val>
+                                        </p:tav>
+                                      </p:tavLst>
+                                    </p:anim>
+                                  </p:childTnLst>
+                                </p:cTn>
+                              </p:par>
+                            </p:childTnLst>
+                          </p:cTn>
+                        </p:par>
+                      </p:childTnLst>
+                    </p:cTn>
+                  </p:par>
+                  <p:par>
+                    <p:cTn id="45" fill="hold">
+                      <p:stCondLst>
+                        <p:cond delay="indefinite"/>
+                      </p:stCondLst>
+                      <p:childTnLst>
+                        <p:par>
+                          <p:cTn id="46" fill="hold">
+                            <p:stCondLst>
+                              <p:cond delay="0"/>
+                            </p:stCondLst>
+                            <p:childTnLst>
+                              <p:par>
+                                <p:cTn id="47" presetID="42" presetClass="entr" presetSubtype="0" fill="hold" grpId="0" nodeType="clickEffect">
+                                  <p:stCondLst>
+                                    <p:cond delay="0"/>
+                                  </p:stCondLst>
+                                  <p:childTnLst>
+                                    <p:set>
+                                      <p:cBhvr>
+                                        <p:cTn id="48" dur="1" fill="hold">
+                                          <p:stCondLst>
+                                            <p:cond delay="0"/>
+                                          </p:stCondLst>
+                                        </p:cTn>
+                                        <p:tgtEl>
+                                          <p:spTgt spid="3">
+                                            <p:txEl>
+                                              <p:pRg st="31" end="31"/>
+                                            </p:txEl>
+                                          </p:spTgt>
+                                        </p:tgtEl>
+                                        <p:attrNameLst>
+                                          <p:attrName>style.visibility</p:attrName>
+                                        </p:attrNameLst>
+                                      </p:cBhvr>
+                                      <p:to>
+                                        <p:strVal val="visible"/>
+                                      </p:to>
+                                    </p:set>
+                                    <p:animEffect transition="in" filter="fade">
+                                      <p:cBhvr>
+                                        <p:cTn id="49" dur="750"/>
+                                        <p:tgtEl>
+                                          <p:spTgt spid="3">
+                                            <p:txEl>
+                                              <p:pRg st="31" end="31"/>
+                                            </p:txEl>
+                                          </p:spTgt>
+                                        </p:tgtEl>
+                                      </p:cBhvr>
+                                    </p:animEffect>
+                                    <p:anim calcmode="lin" valueType="num">
+                                      <p:cBhvr>
+                                        <p:cTn id="50" dur="750" decel="100000" fill="hold"/>
+                                        <p:tgtEl>
+                                          <p:spTgt spid="3">
+                                            <p:txEl>
+                                              <p:pRg st="31" end="31"/>
+                                            </p:txEl>
+                                          </p:spTgt>
+                                        </p:tgtEl>
+                                        <p:attrNameLst>
+                                          <p:attrName>ppt_x</p:attrName>
+                                        </p:attrNameLst>
+                                      </p:cBhvr>
+                                      <p:tavLst>
+                                        <p:tav tm="0">
+                                          <p:val>
+                                            <p:strVal val="#ppt_x-.1"/>
+                                          </p:val>
+                                        </p:tav>
+                                        <p:tav tm="100000">
+                                          <p:val>
+                                            <p:strVal val="#ppt_x"/>
+                                          </p:val>
+                                        </p:tav>
+                                      </p:tavLst>
+                                    </p:anim>
+                                  </p:childTnLst>
+                                </p:cTn>
+                              </p:par>
+                            </p:childTnLst>
+                          </p:cTn>
+                        </p:par>
+                      </p:childTnLst>
+                    </p:cTn>
+                  </p:par>
+                  <p:par>
+                    <p:cTn id="51" fill="hold">
+                      <p:stCondLst>
+                        <p:cond delay="indefinite"/>
+                      </p:stCondLst>
+                      <p:childTnLst>
+                        <p:par>
+                          <p:cTn id="52" fill="hold">
+                            <p:stCondLst>
+                              <p:cond delay="0"/>
+                            </p:stCondLst>
+                            <p:childTnLst>
+                              <p:par>
+                                <p:cTn id="53" presetID="42" presetClass="entr" presetSubtype="0" fill="hold" grpId="0" nodeType="clickEffect">
+                                  <p:stCondLst>
+                                    <p:cond delay="0"/>
+                                  </p:stCondLst>
+                                  <p:childTnLst>
+                                    <p:set>
+                                      <p:cBhvr>
+                                        <p:cTn id="54" dur="1" fill="hold">
+                                          <p:stCondLst>
+                                            <p:cond delay="0"/>
+                                          </p:stCondLst>
+                                        </p:cTn>
+                                        <p:tgtEl>
+                                          <p:spTgt spid="3">
+                                            <p:txEl>
+                                              <p:pRg st="32" end="32"/>
+                                            </p:txEl>
+                                          </p:spTgt>
+                                        </p:tgtEl>
+                                        <p:attrNameLst>
+                                          <p:attrName>style.visibility</p:attrName>
+                                        </p:attrNameLst>
+                                      </p:cBhvr>
+                                      <p:to>
+                                        <p:strVal val="visible"/>
+                                      </p:to>
+                                    </p:set>
+                                    <p:animEffect transition="in" filter="fade">
+                                      <p:cBhvr>
+                                        <p:cTn id="55" dur="750"/>
+                                        <p:tgtEl>
+                                          <p:spTgt spid="3">
+                                            <p:txEl>
+                                              <p:pRg st="32" end="32"/>
+                                            </p:txEl>
+                                          </p:spTgt>
+                                        </p:tgtEl>
+                                      </p:cBhvr>
+                                    </p:animEffect>
+                                    <p:anim calcmode="lin" valueType="num">
+                                      <p:cBhvr>
+                                        <p:cTn id="56" dur="750" decel="100000" fill="hold"/>
+                                        <p:tgtEl>
+                                          <p:spTgt spid="3">
+                                            <p:txEl>
+                                              <p:pRg st="32" end="32"/>
+                                            </p:txEl>
+                                          </p:spTgt>
+                                        </p:tgtEl>
+                                        <p:attrNameLst>
+                                          <p:attrName>ppt_x</p:attrName>
+                                        </p:attrNameLst>
+                                      </p:cBhvr>
+                                      <p:tavLst>
+                                        <p:tav tm="0">
+                                          <p:val>
+                                            <p:strVal val="#ppt_x-.1"/>
+                                          </p:val>
+                                        </p:tav>
+                                        <p:tav tm="100000">
+                                          <p:val>
+                                            <p:strVal val="#ppt_x"/>
+                                          </p:val>
+                                        </p:tav>
+                                      </p:tavLst>
+                                    </p:anim>
+                                  </p:childTnLst>
+                                </p:cTn>
+                              </p:par>
+                            </p:childTnLst>
+                          </p:cTn>
+                        </p:par>
+                      </p:childTnLst>
+                    </p:cTn>
+                  </p:par>
+                  <p:par>
+                    <p:cTn id="57" fill="hold">
+                      <p:stCondLst>
+                        <p:cond delay="indefinite"/>
+                      </p:stCondLst>
+                      <p:childTnLst>
+                        <p:par>
+                          <p:cTn id="58" fill="hold">
+                            <p:stCondLst>
+                              <p:cond delay="0"/>
+                            </p:stCondLst>
+                            <p:childTnLst>
+                              <p:par>
+                                <p:cTn id="59" presetID="42" presetClass="entr" presetSubtype="0" fill="hold" grpId="0" nodeType="clickEffect">
+                                  <p:stCondLst>
+                                    <p:cond delay="0"/>
+                                  </p:stCondLst>
+                                  <p:childTnLst>
+                                    <p:set>
+                                      <p:cBhvr>
+                                        <p:cTn id="60" dur="1" fill="hold">
+                                          <p:stCondLst>
+                                            <p:cond delay="0"/>
+                                          </p:stCondLst>
+                                        </p:cTn>
+                                        <p:tgtEl>
+                                          <p:spTgt spid="3">
+                                            <p:txEl>
+                                              <p:pRg st="33" end="33"/>
+                                            </p:txEl>
+                                          </p:spTgt>
+                                        </p:tgtEl>
+                                        <p:attrNameLst>
+                                          <p:attrName>style.visibility</p:attrName>
+                                        </p:attrNameLst>
+                                      </p:cBhvr>
+                                      <p:to>
+                                        <p:strVal val="visible"/>
+                                      </p:to>
+                                    </p:set>
+                                    <p:animEffect transition="in" filter="fade">
+                                      <p:cBhvr>
+                                        <p:cTn id="61" dur="750"/>
+                                        <p:tgtEl>
+                                          <p:spTgt spid="3">
+                                            <p:txEl>
+                                              <p:pRg st="33" end="33"/>
+                                            </p:txEl>
+                                          </p:spTgt>
+                                        </p:tgtEl>
+                                      </p:cBhvr>
+                                    </p:animEffect>
+                                    <p:anim calcmode="lin" valueType="num">
+                                      <p:cBhvr>
+                                        <p:cTn id="62" dur="750" decel="100000" fill="hold"/>
+                                        <p:tgtEl>
+                                          <p:spTgt spid="3">
+                                            <p:txEl>
+                                              <p:pRg st="33" end="33"/>
+                                            </p:txEl>
+                                          </p:spTgt>
+                                        </p:tgtEl>
+                                        <p:attrNameLst>
+                                          <p:attrName>ppt_x</p:attrName>
+                                        </p:attrNameLst>
+                                      </p:cBhvr>
+                                      <p:tavLst>
+                                        <p:tav tm="0">
+                                          <p:val>
+                                            <p:strVal val="#ppt_x-.1"/>
+                                          </p:val>
+                                        </p:tav>
+                                        <p:tav tm="100000">
+                                          <p:val>
+                                            <p:strVal val="#ppt_x"/>
+                                          </p:val>
+                                        </p:tav>
+                                      </p:tavLst>
+                                    </p:anim>
+                                  </p:childTnLst>
+                                </p:cTn>
+                              </p:par>
+                            </p:childTnLst>
+                          </p:cTn>
+                        </p:par>
+                      </p:childTnLst>
+                    </p:cTn>
+                  </p:par>
+                </p:childTnLst>
+              </p:cTn>
+              <p:prevCondLst>
+                <p:cond evt="onPrev" delay="0">
+                  <p:tgtEl>
+                    <p:sldTgt/>
+                  </p:tgtEl>
+                </p:cond>
+              </p:prevCondLst>
+              <p:nextCondLst>
+                <p:cond evt="onNext" delay="0">
+                  <p:tgtEl>
+                    <p:sldTgt/>
+                  </p:tgtEl>
+                </p:cond>
+              </p:nextCondLst>
+            </p:seq>
+          </p:childTnLst>
+        </p:cTn>
+      </p:par>
+    </p:tnLst>
+    <p:bldLst>
+      <p:bldP spid="3" grpId="0" uiExpand="1" build="p"/>
+    </p:bldLst>
+  </p:timing>
+</p:sld>
+</file>
+
+<file path=ppt/slides/slide6.xml><?xml version="1.0" encoding="utf-8"?>
+<p:sld xmlns:a="http://schemas.openxmlformats.org/drawingml/2006/main" xmlns:r="http://schemas.openxmlformats.org/officeDocument/2006/relationships" xmlns:p="http://schemas.openxmlformats.org/presentationml/2006/main">
+  <p:cSld>
+    <p:spTree>
+      <p:nvGrpSpPr>
+        <p:cNvPr id="1" name="">
+          <a:extLst>
+            <a:ext uri="{FF2B5EF4-FFF2-40B4-BE49-F238E27FC236}">
+              <a16:creationId xmlns:a16="http://schemas.microsoft.com/office/drawing/2014/main" id="{7550119B-2766-BA52-F9D6-855C3345EE62}"/>
+            </a:ext>
+          </a:extLst>
+        </p:cNvPr>
+        <p:cNvGrpSpPr/>
+        <p:nvPr/>
+      </p:nvGrpSpPr>
+      <p:grpSpPr>
+        <a:xfrm>
+          <a:off x="0" y="0"/>
+          <a:ext cx="0" cy="0"/>
+          <a:chOff x="0" y="0"/>
+          <a:chExt cx="0" cy="0"/>
+        </a:xfrm>
+      </p:grpSpPr>
+      <p:sp>
+        <p:nvSpPr>
+          <p:cNvPr id="3" name="MG-内容占位符 2">
+            <a:extLst>
+              <a:ext uri="{FF2B5EF4-FFF2-40B4-BE49-F238E27FC236}">
+                <a16:creationId xmlns:a16="http://schemas.microsoft.com/office/drawing/2014/main" id="{5C1E78AE-173F-8118-0AE0-4E1661332D01}"/>
+              </a:ext>
+            </a:extLst>
+          </p:cNvPr>
+          <p:cNvSpPr>
+            <a:spLocks noGrp="1"/>
+          </p:cNvSpPr>
+          <p:nvPr>
+            <p:ph idx="1"/>
+            <p:custDataLst>
+              <p:tags r:id="rId1"/>
+            </p:custDataLst>
+          </p:nvPr>
+        </p:nvSpPr>
+        <p:spPr>
+          <a:xfrm>
+            <a:off x="838200" y="-20736941"/>
+            <a:ext cx="10515600" cy="21701126"/>
+          </a:xfrm>
+        </p:spPr>
+        <p:txBody>
+          <a:bodyPr wrap="square">
+            <a:noAutofit/>
+          </a:bodyPr>
+          <a:lstStyle/>
+          <a:p>
+            <a:r>
+              <a:rPr lang="en-US" dirty="0"/>
+              <a:t>Gregor woke up and found out that he has transformed into an insect</a:t>
+            </a:r>
+          </a:p>
+          <a:p>
+            <a:r>
+              <a:rPr lang="en-US" dirty="0"/>
+              <a:t>Still wanted to get to work. </a:t>
+            </a:r>
+          </a:p>
+          <a:p>
+            <a:r>
+              <a:rPr lang="en-US" dirty="0"/>
+              <a:t>Can’t get out of bed (physically)</a:t>
+            </a:r>
+          </a:p>
+          <a:p>
+            <a:r>
+              <a:rPr lang="en-US" dirty="0"/>
+              <a:t>Finally got out of bed and opened the door with his mouth</a:t>
+            </a:r>
+          </a:p>
+          <a:p>
+            <a:r>
+              <a:rPr lang="en-US" dirty="0"/>
+              <a:t>The manager leave the house</a:t>
+            </a:r>
+          </a:p>
+          <a:p>
+            <a:r>
+              <a:rPr lang="en-US" dirty="0"/>
+              <a:t>Gregor tried his best to let the manager stay but make no effect</a:t>
+            </a:r>
+          </a:p>
+          <a:p>
+            <a:r>
+              <a:rPr lang="en-US" dirty="0"/>
+              <a:t>Gregor’s father chased him back to his room with a roll of newspaper</a:t>
+            </a:r>
+          </a:p>
+          <a:p>
+            <a:r>
+              <a:rPr lang="en-US" dirty="0"/>
+              <a:t>Gregor’s sister, Grete, prepared his favorite food, milk and white bread, for Gregor but Gregor didn’t seem to like it</a:t>
+            </a:r>
+          </a:p>
+          <a:p>
+            <a:r>
+              <a:rPr lang="en-US" dirty="0"/>
+              <a:t>Grete discover that the milk has been left untouched</a:t>
+            </a:r>
+          </a:p>
+          <a:p>
+            <a:r>
+              <a:rPr lang="en-US" dirty="0"/>
+              <a:t>Bring in a larger variety of food to test Gregor’s taste</a:t>
+            </a:r>
+          </a:p>
+          <a:p>
+            <a:r>
+              <a:rPr lang="en-US" dirty="0"/>
+              <a:t>Gregor realize that he now like rotted food more than fresh</a:t>
+            </a:r>
+          </a:p>
+          <a:p>
+            <a:r>
+              <a:rPr lang="en-US" dirty="0"/>
+              <a:t>Gregor always listen to his family members talk</a:t>
+            </a:r>
+          </a:p>
+          <a:p>
+            <a:r>
+              <a:rPr lang="en-US" dirty="0"/>
+              <a:t>Grete always clean up Gregor’s room and provide food to him every day</a:t>
+            </a:r>
+          </a:p>
+          <a:p>
+            <a:r>
+              <a:rPr lang="en-US" dirty="0"/>
+              <a:t>Gregor wants to thank Grete but is unable to speak</a:t>
+            </a:r>
+          </a:p>
+          <a:p>
+            <a:r>
+              <a:rPr lang="en-US" altLang="zh-CN" dirty="0"/>
+              <a:t>Gregor’s sister is still shocked by Gregor’s appearance one month after his transformation</a:t>
+            </a:r>
+          </a:p>
+          <a:p>
+            <a:r>
+              <a:rPr lang="en-US" dirty="0"/>
+              <a:t>Gregor decided to hide himself completely with a sheet behind the couch</a:t>
+            </a:r>
+          </a:p>
+          <a:p>
+            <a:r>
+              <a:rPr lang="en-US" altLang="zh-CN" dirty="0"/>
+              <a:t>Grete left the sheet untouched</a:t>
+            </a:r>
+          </a:p>
+          <a:p>
+            <a:r>
+              <a:rPr lang="en-US" altLang="zh-CN" dirty="0"/>
+              <a:t>Gregor’s mother requested to visit Gregor</a:t>
+            </a:r>
+          </a:p>
+          <a:p>
+            <a:r>
+              <a:rPr lang="en-US" altLang="zh-CN" dirty="0"/>
+              <a:t>The requested is fully accepted</a:t>
+            </a:r>
+          </a:p>
+          <a:p>
+            <a:r>
+              <a:rPr lang="en-US" altLang="zh-CN" dirty="0"/>
+              <a:t>Grete would always take a look in Gregor’s room to ensure everything is looking fine before allowing Gregor’s mother to enter the room</a:t>
+            </a:r>
+          </a:p>
+          <a:p>
+            <a:r>
+              <a:rPr lang="en-US" altLang="zh-CN" dirty="0"/>
+              <a:t>Grete decided to move all of Gregor’s furniture away</a:t>
+            </a:r>
+          </a:p>
+          <a:p>
+            <a:r>
+              <a:rPr lang="en-US" altLang="zh-CN" dirty="0"/>
+              <a:t>Gregor refused to let them take the painting and the desk away</a:t>
+            </a:r>
+          </a:p>
+          <a:p>
+            <a:r>
+              <a:rPr lang="en-US" altLang="zh-CN" dirty="0"/>
+              <a:t>Gregor’s mom gets hurt and become fainted</a:t>
+            </a:r>
+          </a:p>
+          <a:p>
+            <a:r>
+              <a:rPr lang="en-US" altLang="zh-CN" dirty="0"/>
+              <a:t>Both Gregor and Grete want to help</a:t>
+            </a:r>
+          </a:p>
+          <a:p>
+            <a:r>
+              <a:rPr lang="en-US" altLang="zh-CN" dirty="0"/>
+              <a:t>Gregor get into the other room together with Grete</a:t>
+            </a:r>
+          </a:p>
+          <a:p>
+            <a:r>
+              <a:rPr lang="en-US" altLang="zh-CN" dirty="0"/>
+              <a:t>Grete closed the door of the other room and Gregor can’t open it</a:t>
+            </a:r>
+          </a:p>
+          <a:p>
+            <a:r>
+              <a:rPr lang="en-US" altLang="zh-CN" dirty="0"/>
+              <a:t>Gregor’s father come back home</a:t>
+            </a:r>
+          </a:p>
+          <a:p>
+            <a:r>
+              <a:rPr lang="en-US" altLang="zh-CN" dirty="0"/>
+              <a:t>Gregor’s father interpreted Grete’s words as something bad happened</a:t>
+            </a:r>
+          </a:p>
+          <a:p>
+            <a:r>
+              <a:rPr lang="en-US" altLang="zh-CN" dirty="0"/>
+              <a:t>Gregor’s father chased Gregor and hit Gregor with apples</a:t>
+            </a:r>
+          </a:p>
+          <a:p>
+            <a:r>
+              <a:rPr lang="en-US" altLang="zh-CN" dirty="0"/>
+              <a:t>Grete now have to work</a:t>
+            </a:r>
+          </a:p>
+          <a:p>
+            <a:r>
+              <a:rPr lang="en-US" altLang="zh-CN" dirty="0"/>
+              <a:t>Grete no longer takes care of Gregor as a result of that</a:t>
+            </a:r>
+          </a:p>
+          <a:p>
+            <a:r>
+              <a:rPr lang="en-US" altLang="zh-CN" dirty="0"/>
+              <a:t>Gregor almost completely stopped eating</a:t>
+            </a:r>
+          </a:p>
+          <a:p>
+            <a:r>
+              <a:rPr lang="en-US" altLang="zh-CN" dirty="0"/>
+              <a:t>One of the rooms in Gregor’s room has been rented by three gentlemen</a:t>
+            </a:r>
+          </a:p>
+          <a:p>
+            <a:r>
+              <a:rPr lang="en-US" altLang="zh-CN" dirty="0"/>
+              <a:t>Grete start playing her violin in the kitchen while the three gentlemen is having dinner</a:t>
+            </a:r>
+          </a:p>
+          <a:p>
+            <a:r>
+              <a:rPr lang="en-US" altLang="zh-CN" dirty="0"/>
+              <a:t>The middle gentlemen asked Grete to perform in front of them</a:t>
+            </a:r>
+          </a:p>
+          <a:p>
+            <a:r>
+              <a:rPr lang="en-US" altLang="zh-CN" dirty="0"/>
+              <a:t>Gregor climb out of his room</a:t>
+            </a:r>
+          </a:p>
+          <a:p>
+            <a:r>
+              <a:rPr lang="en-US" altLang="zh-CN" dirty="0"/>
+              <a:t>The middle gentlemen sees Gregor and immediately decided they will no longer pay anything</a:t>
+            </a:r>
+          </a:p>
+          <a:p>
+            <a:r>
+              <a:rPr lang="en-US" altLang="zh-CN" dirty="0"/>
+              <a:t>Grete suggests that they should get rid of Gregor</a:t>
+            </a:r>
+          </a:p>
+          <a:p>
+            <a:r>
+              <a:rPr lang="en-US" altLang="zh-CN" dirty="0"/>
+              <a:t>Grete no longer believes the bug is Gregor</a:t>
+            </a:r>
+          </a:p>
+          <a:p>
+            <a:r>
+              <a:rPr lang="en-US" altLang="zh-CN" dirty="0"/>
+              <a:t>Gregor climb back into his room</a:t>
+            </a:r>
+          </a:p>
+          <a:p>
+            <a:r>
+              <a:rPr lang="en-US" altLang="zh-CN" dirty="0"/>
+              <a:t>Gregor starved to death</a:t>
+            </a:r>
+          </a:p>
+          <a:p>
+            <a:r>
+              <a:rPr lang="en-US" altLang="zh-CN" dirty="0"/>
+              <a:t>The family feel relieved when they notice that Gregor’s life has ended the next day</a:t>
+            </a:r>
+          </a:p>
+          <a:p>
+            <a:r>
+              <a:rPr lang="en-US" altLang="zh-CN" dirty="0"/>
+              <a:t>They move on just like Gregor never existed</a:t>
+            </a:r>
+          </a:p>
+        </p:txBody>
+      </p:sp>
+    </p:spTree>
+    <p:extLst>
+      <p:ext uri="{BB962C8B-B14F-4D97-AF65-F5344CB8AC3E}">
+        <p14:creationId xmlns:p14="http://schemas.microsoft.com/office/powerpoint/2010/main" val="966334184"/>
       </p:ext>
     </p:extLst>
   </p:cSld>
@@ -8493,7 +13332,7 @@
                                         <p:tgtEl>
                                           <p:spTgt spid="3">
                                             <p:txEl>
-                                              <p:pRg st="24" end="24"/>
+                                              <p:pRg st="34" end="34"/>
                                             </p:txEl>
                                           </p:spTgt>
                                         </p:tgtEl>
@@ -8511,7 +13350,7 @@
                                         <p:tgtEl>
                                           <p:spTgt spid="3">
                                             <p:txEl>
-                                              <p:pRg st="24" end="24"/>
+                                              <p:pRg st="34" end="34"/>
                                             </p:txEl>
                                           </p:spTgt>
                                         </p:tgtEl>
@@ -8523,7 +13362,7 @@
                                         <p:tgtEl>
                                           <p:spTgt spid="3">
                                             <p:txEl>
-                                              <p:pRg st="24" end="24"/>
+                                              <p:pRg st="34" end="34"/>
                                             </p:txEl>
                                           </p:spTgt>
                                         </p:tgtEl>
@@ -8581,7 +13420,7 @@
                                         <p:tgtEl>
                                           <p:spTgt spid="3">
                                             <p:txEl>
-                                              <p:pRg st="25" end="25"/>
+                                              <p:pRg st="35" end="35"/>
                                             </p:txEl>
                                           </p:spTgt>
                                         </p:tgtEl>
@@ -8599,7 +13438,7 @@
                                         <p:tgtEl>
                                           <p:spTgt spid="3">
                                             <p:txEl>
-                                              <p:pRg st="25" end="25"/>
+                                              <p:pRg st="35" end="35"/>
                                             </p:txEl>
                                           </p:spTgt>
                                         </p:tgtEl>
@@ -8611,7 +13450,7 @@
                                         <p:tgtEl>
                                           <p:spTgt spid="3">
                                             <p:txEl>
-                                              <p:pRg st="25" end="25"/>
+                                              <p:pRg st="35" end="35"/>
                                             </p:txEl>
                                           </p:spTgt>
                                         </p:tgtEl>
@@ -8669,7 +13508,7 @@
                                         <p:tgtEl>
                                           <p:spTgt spid="3">
                                             <p:txEl>
-                                              <p:pRg st="26" end="26"/>
+                                              <p:pRg st="36" end="36"/>
                                             </p:txEl>
                                           </p:spTgt>
                                         </p:tgtEl>
@@ -8687,7 +13526,7 @@
                                         <p:tgtEl>
                                           <p:spTgt spid="3">
                                             <p:txEl>
-                                              <p:pRg st="26" end="26"/>
+                                              <p:pRg st="36" end="36"/>
                                             </p:txEl>
                                           </p:spTgt>
                                         </p:tgtEl>
@@ -8699,7 +13538,7 @@
                                         <p:tgtEl>
                                           <p:spTgt spid="3">
                                             <p:txEl>
-                                              <p:pRg st="26" end="26"/>
+                                              <p:pRg st="36" end="36"/>
                                             </p:txEl>
                                           </p:spTgt>
                                         </p:tgtEl>
@@ -8757,7 +13596,7 @@
                                         <p:tgtEl>
                                           <p:spTgt spid="3">
                                             <p:txEl>
-                                              <p:pRg st="27" end="27"/>
+                                              <p:pRg st="37" end="37"/>
                                             </p:txEl>
                                           </p:spTgt>
                                         </p:tgtEl>
@@ -8775,7 +13614,7 @@
                                         <p:tgtEl>
                                           <p:spTgt spid="3">
                                             <p:txEl>
-                                              <p:pRg st="27" end="27"/>
+                                              <p:pRg st="37" end="37"/>
                                             </p:txEl>
                                           </p:spTgt>
                                         </p:tgtEl>
@@ -8787,7 +13626,7 @@
                                         <p:tgtEl>
                                           <p:spTgt spid="3">
                                             <p:txEl>
-                                              <p:pRg st="27" end="27"/>
+                                              <p:pRg st="37" end="37"/>
                                             </p:txEl>
                                           </p:spTgt>
                                         </p:tgtEl>
@@ -8845,7 +13684,7 @@
                                         <p:tgtEl>
                                           <p:spTgt spid="3">
                                             <p:txEl>
-                                              <p:pRg st="28" end="28"/>
+                                              <p:pRg st="38" end="38"/>
                                             </p:txEl>
                                           </p:spTgt>
                                         </p:tgtEl>
@@ -8863,7 +13702,7 @@
                                         <p:tgtEl>
                                           <p:spTgt spid="3">
                                             <p:txEl>
-                                              <p:pRg st="28" end="28"/>
+                                              <p:pRg st="38" end="38"/>
                                             </p:txEl>
                                           </p:spTgt>
                                         </p:tgtEl>
@@ -8875,7 +13714,359 @@
                                         <p:tgtEl>
                                           <p:spTgt spid="3">
                                             <p:txEl>
-                                              <p:pRg st="28" end="28"/>
+                                              <p:pRg st="38" end="38"/>
+                                            </p:txEl>
+                                          </p:spTgt>
+                                        </p:tgtEl>
+                                        <p:attrNameLst>
+                                          <p:attrName>ppt_x</p:attrName>
+                                        </p:attrNameLst>
+                                      </p:cBhvr>
+                                      <p:tavLst>
+                                        <p:tav tm="0">
+                                          <p:val>
+                                            <p:strVal val="#ppt_x-.1"/>
+                                          </p:val>
+                                        </p:tav>
+                                        <p:tav tm="100000">
+                                          <p:val>
+                                            <p:strVal val="#ppt_x"/>
+                                          </p:val>
+                                        </p:tav>
+                                      </p:tavLst>
+                                    </p:anim>
+                                  </p:childTnLst>
+                                </p:cTn>
+                              </p:par>
+                            </p:childTnLst>
+                          </p:cTn>
+                        </p:par>
+                      </p:childTnLst>
+                    </p:cTn>
+                  </p:par>
+                  <p:par>
+                    <p:cTn id="33" fill="hold">
+                      <p:stCondLst>
+                        <p:cond delay="indefinite"/>
+                      </p:stCondLst>
+                      <p:childTnLst>
+                        <p:par>
+                          <p:cTn id="34" fill="hold">
+                            <p:stCondLst>
+                              <p:cond delay="0"/>
+                            </p:stCondLst>
+                            <p:childTnLst>
+                              <p:par>
+                                <p:cTn id="35" presetID="42" presetClass="entr" presetSubtype="0" fill="hold" grpId="0" nodeType="clickEffect">
+                                  <p:stCondLst>
+                                    <p:cond delay="0"/>
+                                  </p:stCondLst>
+                                  <p:childTnLst>
+                                    <p:set>
+                                      <p:cBhvr>
+                                        <p:cTn id="36" dur="1" fill="hold">
+                                          <p:stCondLst>
+                                            <p:cond delay="0"/>
+                                          </p:stCondLst>
+                                        </p:cTn>
+                                        <p:tgtEl>
+                                          <p:spTgt spid="3">
+                                            <p:txEl>
+                                              <p:pRg st="39" end="39"/>
+                                            </p:txEl>
+                                          </p:spTgt>
+                                        </p:tgtEl>
+                                        <p:attrNameLst>
+                                          <p:attrName>style.visibility</p:attrName>
+                                        </p:attrNameLst>
+                                      </p:cBhvr>
+                                      <p:to>
+                                        <p:strVal val="visible"/>
+                                      </p:to>
+                                    </p:set>
+                                    <p:animEffect transition="in" filter="fade">
+                                      <p:cBhvr>
+                                        <p:cTn id="37" dur="750"/>
+                                        <p:tgtEl>
+                                          <p:spTgt spid="3">
+                                            <p:txEl>
+                                              <p:pRg st="39" end="39"/>
+                                            </p:txEl>
+                                          </p:spTgt>
+                                        </p:tgtEl>
+                                      </p:cBhvr>
+                                    </p:animEffect>
+                                    <p:anim calcmode="lin" valueType="num">
+                                      <p:cBhvr>
+                                        <p:cTn id="38" dur="750" decel="100000" fill="hold"/>
+                                        <p:tgtEl>
+                                          <p:spTgt spid="3">
+                                            <p:txEl>
+                                              <p:pRg st="39" end="39"/>
+                                            </p:txEl>
+                                          </p:spTgt>
+                                        </p:tgtEl>
+                                        <p:attrNameLst>
+                                          <p:attrName>ppt_x</p:attrName>
+                                        </p:attrNameLst>
+                                      </p:cBhvr>
+                                      <p:tavLst>
+                                        <p:tav tm="0">
+                                          <p:val>
+                                            <p:strVal val="#ppt_x-.1"/>
+                                          </p:val>
+                                        </p:tav>
+                                        <p:tav tm="100000">
+                                          <p:val>
+                                            <p:strVal val="#ppt_x"/>
+                                          </p:val>
+                                        </p:tav>
+                                      </p:tavLst>
+                                    </p:anim>
+                                  </p:childTnLst>
+                                </p:cTn>
+                              </p:par>
+                            </p:childTnLst>
+                          </p:cTn>
+                        </p:par>
+                      </p:childTnLst>
+                    </p:cTn>
+                  </p:par>
+                  <p:par>
+                    <p:cTn id="39" fill="hold">
+                      <p:stCondLst>
+                        <p:cond delay="indefinite"/>
+                      </p:stCondLst>
+                      <p:childTnLst>
+                        <p:par>
+                          <p:cTn id="40" fill="hold">
+                            <p:stCondLst>
+                              <p:cond delay="0"/>
+                            </p:stCondLst>
+                            <p:childTnLst>
+                              <p:par>
+                                <p:cTn id="41" presetID="42" presetClass="entr" presetSubtype="0" fill="hold" grpId="0" nodeType="clickEffect">
+                                  <p:stCondLst>
+                                    <p:cond delay="0"/>
+                                  </p:stCondLst>
+                                  <p:childTnLst>
+                                    <p:set>
+                                      <p:cBhvr>
+                                        <p:cTn id="42" dur="1" fill="hold">
+                                          <p:stCondLst>
+                                            <p:cond delay="0"/>
+                                          </p:stCondLst>
+                                        </p:cTn>
+                                        <p:tgtEl>
+                                          <p:spTgt spid="3">
+                                            <p:txEl>
+                                              <p:pRg st="40" end="40"/>
+                                            </p:txEl>
+                                          </p:spTgt>
+                                        </p:tgtEl>
+                                        <p:attrNameLst>
+                                          <p:attrName>style.visibility</p:attrName>
+                                        </p:attrNameLst>
+                                      </p:cBhvr>
+                                      <p:to>
+                                        <p:strVal val="visible"/>
+                                      </p:to>
+                                    </p:set>
+                                    <p:animEffect transition="in" filter="fade">
+                                      <p:cBhvr>
+                                        <p:cTn id="43" dur="750"/>
+                                        <p:tgtEl>
+                                          <p:spTgt spid="3">
+                                            <p:txEl>
+                                              <p:pRg st="40" end="40"/>
+                                            </p:txEl>
+                                          </p:spTgt>
+                                        </p:tgtEl>
+                                      </p:cBhvr>
+                                    </p:animEffect>
+                                    <p:anim calcmode="lin" valueType="num">
+                                      <p:cBhvr>
+                                        <p:cTn id="44" dur="750" decel="100000" fill="hold"/>
+                                        <p:tgtEl>
+                                          <p:spTgt spid="3">
+                                            <p:txEl>
+                                              <p:pRg st="40" end="40"/>
+                                            </p:txEl>
+                                          </p:spTgt>
+                                        </p:tgtEl>
+                                        <p:attrNameLst>
+                                          <p:attrName>ppt_x</p:attrName>
+                                        </p:attrNameLst>
+                                      </p:cBhvr>
+                                      <p:tavLst>
+                                        <p:tav tm="0">
+                                          <p:val>
+                                            <p:strVal val="#ppt_x-.1"/>
+                                          </p:val>
+                                        </p:tav>
+                                        <p:tav tm="100000">
+                                          <p:val>
+                                            <p:strVal val="#ppt_x"/>
+                                          </p:val>
+                                        </p:tav>
+                                      </p:tavLst>
+                                    </p:anim>
+                                  </p:childTnLst>
+                                </p:cTn>
+                              </p:par>
+                            </p:childTnLst>
+                          </p:cTn>
+                        </p:par>
+                      </p:childTnLst>
+                    </p:cTn>
+                  </p:par>
+                  <p:par>
+                    <p:cTn id="45" fill="hold">
+                      <p:stCondLst>
+                        <p:cond delay="indefinite"/>
+                      </p:stCondLst>
+                      <p:childTnLst>
+                        <p:par>
+                          <p:cTn id="46" fill="hold">
+                            <p:stCondLst>
+                              <p:cond delay="0"/>
+                            </p:stCondLst>
+                            <p:childTnLst>
+                              <p:par>
+                                <p:cTn id="47" presetID="42" presetClass="entr" presetSubtype="0" fill="hold" grpId="0" nodeType="clickEffect">
+                                  <p:stCondLst>
+                                    <p:cond delay="0"/>
+                                  </p:stCondLst>
+                                  <p:childTnLst>
+                                    <p:set>
+                                      <p:cBhvr>
+                                        <p:cTn id="48" dur="1" fill="hold">
+                                          <p:stCondLst>
+                                            <p:cond delay="0"/>
+                                          </p:stCondLst>
+                                        </p:cTn>
+                                        <p:tgtEl>
+                                          <p:spTgt spid="3">
+                                            <p:txEl>
+                                              <p:pRg st="41" end="41"/>
+                                            </p:txEl>
+                                          </p:spTgt>
+                                        </p:tgtEl>
+                                        <p:attrNameLst>
+                                          <p:attrName>style.visibility</p:attrName>
+                                        </p:attrNameLst>
+                                      </p:cBhvr>
+                                      <p:to>
+                                        <p:strVal val="visible"/>
+                                      </p:to>
+                                    </p:set>
+                                    <p:animEffect transition="in" filter="fade">
+                                      <p:cBhvr>
+                                        <p:cTn id="49" dur="750"/>
+                                        <p:tgtEl>
+                                          <p:spTgt spid="3">
+                                            <p:txEl>
+                                              <p:pRg st="41" end="41"/>
+                                            </p:txEl>
+                                          </p:spTgt>
+                                        </p:tgtEl>
+                                      </p:cBhvr>
+                                    </p:animEffect>
+                                    <p:anim calcmode="lin" valueType="num">
+                                      <p:cBhvr>
+                                        <p:cTn id="50" dur="750" decel="100000" fill="hold"/>
+                                        <p:tgtEl>
+                                          <p:spTgt spid="3">
+                                            <p:txEl>
+                                              <p:pRg st="41" end="41"/>
+                                            </p:txEl>
+                                          </p:spTgt>
+                                        </p:tgtEl>
+                                        <p:attrNameLst>
+                                          <p:attrName>ppt_x</p:attrName>
+                                        </p:attrNameLst>
+                                      </p:cBhvr>
+                                      <p:tavLst>
+                                        <p:tav tm="0">
+                                          <p:val>
+                                            <p:strVal val="#ppt_x-.1"/>
+                                          </p:val>
+                                        </p:tav>
+                                        <p:tav tm="100000">
+                                          <p:val>
+                                            <p:strVal val="#ppt_x"/>
+                                          </p:val>
+                                        </p:tav>
+                                      </p:tavLst>
+                                    </p:anim>
+                                  </p:childTnLst>
+                                </p:cTn>
+                              </p:par>
+                            </p:childTnLst>
+                          </p:cTn>
+                        </p:par>
+                      </p:childTnLst>
+                    </p:cTn>
+                  </p:par>
+                  <p:par>
+                    <p:cTn id="51" fill="hold">
+                      <p:stCondLst>
+                        <p:cond delay="indefinite"/>
+                      </p:stCondLst>
+                      <p:childTnLst>
+                        <p:par>
+                          <p:cTn id="52" fill="hold">
+                            <p:stCondLst>
+                              <p:cond delay="0"/>
+                            </p:stCondLst>
+                            <p:childTnLst>
+                              <p:par>
+                                <p:cTn id="53" presetID="42" presetClass="entr" presetSubtype="0" fill="hold" grpId="0" nodeType="clickEffect">
+                                  <p:stCondLst>
+                                    <p:cond delay="0"/>
+                                  </p:stCondLst>
+                                  <p:childTnLst>
+                                    <p:set>
+                                      <p:cBhvr>
+                                        <p:cTn id="54" dur="1" fill="hold">
+                                          <p:stCondLst>
+                                            <p:cond delay="0"/>
+                                          </p:stCondLst>
+                                        </p:cTn>
+                                        <p:tgtEl>
+                                          <p:spTgt spid="3">
+                                            <p:txEl>
+                                              <p:pRg st="42" end="42"/>
+                                            </p:txEl>
+                                          </p:spTgt>
+                                        </p:tgtEl>
+                                        <p:attrNameLst>
+                                          <p:attrName>style.visibility</p:attrName>
+                                        </p:attrNameLst>
+                                      </p:cBhvr>
+                                      <p:to>
+                                        <p:strVal val="visible"/>
+                                      </p:to>
+                                    </p:set>
+                                    <p:animEffect transition="in" filter="fade">
+                                      <p:cBhvr>
+                                        <p:cTn id="55" dur="750"/>
+                                        <p:tgtEl>
+                                          <p:spTgt spid="3">
+                                            <p:txEl>
+                                              <p:pRg st="42" end="42"/>
+                                            </p:txEl>
+                                          </p:spTgt>
+                                        </p:tgtEl>
+                                      </p:cBhvr>
+                                    </p:animEffect>
+                                    <p:anim calcmode="lin" valueType="num">
+                                      <p:cBhvr>
+                                        <p:cTn id="56" dur="750" decel="100000" fill="hold"/>
+                                        <p:tgtEl>
+                                          <p:spTgt spid="3">
+                                            <p:txEl>
+                                              <p:pRg st="42" end="42"/>
                                             </p:txEl>
                                           </p:spTgt>
                                         </p:tgtEl>
@@ -8933,7 +14124,7 @@
 </p:sld>
 </file>
 
-<file path=ppt/slides/slide6.xml><?xml version="1.0" encoding="utf-8"?>
+<file path=ppt/slides/slide7.xml><?xml version="1.0" encoding="utf-8"?>
 <p:sld xmlns:a="http://schemas.openxmlformats.org/drawingml/2006/main" xmlns:r="http://schemas.openxmlformats.org/officeDocument/2006/relationships" xmlns:p="http://schemas.openxmlformats.org/presentationml/2006/main">
   <p:cSld>
     <p:spTree>
@@ -9023,7 +14214,7 @@
           <a:p>
             <a:r>
               <a:rPr lang="en-US" dirty="0"/>
-              <a:t>Grete Sama</a:t>
+              <a:t>Grete Samsa</a:t>
             </a:r>
           </a:p>
           <a:p>
@@ -9088,7 +14279,9 @@
           </a:xfrm>
         </p:spPr>
         <p:txBody>
-          <a:bodyPr/>
+          <a:bodyPr>
+            <a:noAutofit/>
+          </a:bodyPr>
           <a:lstStyle/>
           <a:p>
             <a:pPr algn="ctr"/>
@@ -9109,13 +14302,13 @@
   <p:clrMapOvr>
     <a:masterClrMapping/>
   </p:clrMapOvr>
-  <mc:AlternateContent xmlns:mc="http://schemas.openxmlformats.org/markup-compatibility/2006">
-    <mc:Choice xmlns:p15="http://schemas.microsoft.com/office/powerpoint/2012/main" Requires="p15">
+  <mc:AlternateContent xmlns:mc="http://schemas.openxmlformats.org/markup-compatibility/2006" xmlns:p15="http://schemas.microsoft.com/office/powerpoint/2012/main">
+    <mc:Choice Requires="p15">
       <p:transition spd="slow">
         <p15:prstTrans prst="peelOff"/>
       </p:transition>
     </mc:Choice>
-    <mc:Fallback>
+    <mc:Fallback xmlns="">
       <p:transition spd="slow">
         <p:fade/>
       </p:transition>
@@ -10260,7 +15453,7 @@
 </p:sld>
 </file>
 
-<file path=ppt/slides/slide7.xml><?xml version="1.0" encoding="utf-8"?>
+<file path=ppt/slides/slide8.xml><?xml version="1.0" encoding="utf-8"?>
 <p:sld xmlns:a="http://schemas.openxmlformats.org/drawingml/2006/main" xmlns:r="http://schemas.openxmlformats.org/officeDocument/2006/relationships" xmlns:p="http://schemas.openxmlformats.org/presentationml/2006/main">
   <p:cSld>
     <p:spTree>
@@ -10309,7 +15502,9 @@
           </a:xfrm>
         </p:spPr>
         <p:txBody>
-          <a:bodyPr/>
+          <a:bodyPr>
+            <a:noAutofit/>
+          </a:bodyPr>
           <a:lstStyle/>
           <a:p>
             <a:pPr algn="ctr"/>
@@ -10522,13 +15717,13 @@
   <p:clrMapOvr>
     <a:masterClrMapping/>
   </p:clrMapOvr>
-  <mc:AlternateContent xmlns:mc="http://schemas.openxmlformats.org/markup-compatibility/2006">
-    <mc:Choice xmlns:p159="http://schemas.microsoft.com/office/powerpoint/2015/09/main" Requires="p159">
+  <mc:AlternateContent xmlns:mc="http://schemas.openxmlformats.org/markup-compatibility/2006" xmlns:p159="http://schemas.microsoft.com/office/powerpoint/2015/09/main">
+    <mc:Choice Requires="p159">
       <p:transition spd="slow">
         <p159:morph option="byWord"/>
       </p:transition>
     </mc:Choice>
-    <mc:Fallback>
+    <mc:Fallback xmlns="">
       <p:transition spd="slow">
         <p:fade/>
       </p:transition>
@@ -11629,7 +16824,7 @@
 </p:sld>
 </file>
 
-<file path=ppt/slides/slide8.xml><?xml version="1.0" encoding="utf-8"?>
+<file path=ppt/slides/slide9.xml><?xml version="1.0" encoding="utf-8"?>
 <p:sld xmlns:a="http://schemas.openxmlformats.org/drawingml/2006/main" xmlns:r="http://schemas.openxmlformats.org/officeDocument/2006/relationships" xmlns:p="http://schemas.openxmlformats.org/presentationml/2006/main">
   <p:cSld>
     <p:spTree>
@@ -11678,7 +16873,7 @@
           </a:xfrm>
         </p:spPr>
         <p:txBody>
-          <a:bodyPr>
+          <a:bodyPr wrap="square">
             <a:noAutofit/>
           </a:bodyPr>
           <a:lstStyle/>
@@ -11875,18 +17070,6 @@
             <a:r>
               <a:rPr lang="en-US" dirty="0"/>
               <a:t>The least disgusted and frightened by Gregor</a:t>
-            </a:r>
-          </a:p>
-          <a:p>
-            <a:endParaRPr lang="en-US" dirty="0"/>
-          </a:p>
-          <a:p>
-            <a:pPr marL="0" indent="0">
-              <a:buNone/>
-            </a:pPr>
-            <a:r>
-              <a:rPr lang="en-US" dirty="0"/>
-              <a:t>========================================================</a:t>
             </a:r>
           </a:p>
         </p:txBody>
@@ -11901,13 +17084,13 @@
   <p:clrMapOvr>
     <a:masterClrMapping/>
   </p:clrMapOvr>
-  <mc:AlternateContent xmlns:mc="http://schemas.openxmlformats.org/markup-compatibility/2006">
-    <mc:Choice xmlns:p159="http://schemas.microsoft.com/office/powerpoint/2015/09/main" Requires="p159">
+  <mc:AlternateContent xmlns:mc="http://schemas.openxmlformats.org/markup-compatibility/2006" xmlns:p159="http://schemas.microsoft.com/office/powerpoint/2015/09/main">
+    <mc:Choice Requires="p159">
       <p:transition spd="slow">
         <p159:morph option="byWord"/>
       </p:transition>
     </mc:Choice>
-    <mc:Fallback>
+    <mc:Fallback xmlns="">
       <p:transition spd="slow">
         <p:fade/>
       </p:transition>
@@ -12273,85 +17456,6 @@
                             </p:childTnLst>
                           </p:cTn>
                         </p:par>
-                        <p:par>
-                          <p:cTn id="27" fill="hold">
-                            <p:stCondLst>
-                              <p:cond delay="750"/>
-                            </p:stCondLst>
-                            <p:childTnLst>
-                              <p:par>
-                                <p:cTn id="28" presetID="42" presetClass="entr" presetSubtype="0" fill="hold" grpId="0" nodeType="afterEffect">
-                                  <p:stCondLst>
-                                    <p:cond delay="0"/>
-                                  </p:stCondLst>
-                                  <p:childTnLst>
-                                    <p:set>
-                                      <p:cBhvr>
-                                        <p:cTn id="29" dur="1" fill="hold">
-                                          <p:stCondLst>
-                                            <p:cond delay="0"/>
-                                          </p:stCondLst>
-                                        </p:cTn>
-                                        <p:tgtEl>
-                                          <p:spTgt spid="3">
-                                            <p:txEl>
-                                              <p:pRg st="28" end="28"/>
-                                            </p:txEl>
-                                          </p:spTgt>
-                                        </p:tgtEl>
-                                        <p:attrNameLst>
-                                          <p:attrName>style.visibility</p:attrName>
-                                        </p:attrNameLst>
-                                      </p:cBhvr>
-                                      <p:to>
-                                        <p:strVal val="visible"/>
-                                      </p:to>
-                                    </p:set>
-                                    <p:animEffect transition="in" filter="fade">
-                                      <p:cBhvr>
-                                        <p:cTn id="30" dur="750"/>
-                                        <p:tgtEl>
-                                          <p:spTgt spid="3">
-                                            <p:txEl>
-                                              <p:pRg st="28" end="28"/>
-                                            </p:txEl>
-                                          </p:spTgt>
-                                        </p:tgtEl>
-                                      </p:cBhvr>
-                                    </p:animEffect>
-                                    <p:anim calcmode="lin" valueType="num">
-                                      <p:cBhvr>
-                                        <p:cTn id="31" dur="750" decel="100000" fill="hold"/>
-                                        <p:tgtEl>
-                                          <p:spTgt spid="3">
-                                            <p:txEl>
-                                              <p:pRg st="28" end="28"/>
-                                            </p:txEl>
-                                          </p:spTgt>
-                                        </p:tgtEl>
-                                        <p:attrNameLst>
-                                          <p:attrName>ppt_y</p:attrName>
-                                        </p:attrNameLst>
-                                      </p:cBhvr>
-                                      <p:tavLst>
-                                        <p:tav tm="0">
-                                          <p:val>
-                                            <p:strVal val="#ppt_y+.1"/>
-                                          </p:val>
-                                        </p:tav>
-                                        <p:tav tm="100000">
-                                          <p:val>
-                                            <p:strVal val="#ppt_y"/>
-                                          </p:val>
-                                        </p:tav>
-                                      </p:tavLst>
-                                    </p:anim>
-                                  </p:childTnLst>
-                                </p:cTn>
-                              </p:par>
-                            </p:childTnLst>
-                          </p:cTn>
-                        </p:par>
                       </p:childTnLst>
                     </p:cTn>
                   </p:par>
@@ -12378,1333 +17482,6 @@
     </p:tnLst>
     <p:bldLst>
       <p:bldP spid="3" grpId="0" uiExpand="1" build="p" bldLvl="2"/>
-    </p:bldLst>
-  </p:timing>
-</p:sld>
-</file>
-
-<file path=ppt/slides/slide9.xml><?xml version="1.0" encoding="utf-8"?>
-<p:sld xmlns:a="http://schemas.openxmlformats.org/drawingml/2006/main" xmlns:r="http://schemas.openxmlformats.org/officeDocument/2006/relationships" xmlns:p="http://schemas.openxmlformats.org/presentationml/2006/main">
-  <p:cSld>
-    <p:spTree>
-      <p:nvGrpSpPr>
-        <p:cNvPr id="1" name="">
-          <a:extLst>
-            <a:ext uri="{FF2B5EF4-FFF2-40B4-BE49-F238E27FC236}">
-              <a16:creationId xmlns:a16="http://schemas.microsoft.com/office/drawing/2014/main" id="{EB82121D-2A1D-14CD-3B00-81966210DC99}"/>
-            </a:ext>
-          </a:extLst>
-        </p:cNvPr>
-        <p:cNvGrpSpPr/>
-        <p:nvPr/>
-      </p:nvGrpSpPr>
-      <p:grpSpPr>
-        <a:xfrm>
-          <a:off x="0" y="0"/>
-          <a:ext cx="0" cy="0"/>
-          <a:chOff x="0" y="0"/>
-          <a:chExt cx="0" cy="0"/>
-        </a:xfrm>
-      </p:grpSpPr>
-      <p:sp>
-        <p:nvSpPr>
-          <p:cNvPr id="3" name="MG-内容占位符 2">
-            <a:extLst>
-              <a:ext uri="{FF2B5EF4-FFF2-40B4-BE49-F238E27FC236}">
-                <a16:creationId xmlns:a16="http://schemas.microsoft.com/office/drawing/2014/main" id="{4574A921-D514-7D8E-4D5A-3D1A985A63E7}"/>
-              </a:ext>
-            </a:extLst>
-          </p:cNvPr>
-          <p:cNvSpPr>
-            <a:spLocks noGrp="1"/>
-          </p:cNvSpPr>
-          <p:nvPr>
-            <p:ph idx="1"/>
-            <p:custDataLst>
-              <p:tags r:id="rId1"/>
-            </p:custDataLst>
-          </p:nvPr>
-        </p:nvSpPr>
-        <p:spPr>
-          <a:xfrm>
-            <a:off x="838200" y="1825624"/>
-            <a:ext cx="10515600" cy="5032375"/>
-          </a:xfrm>
-        </p:spPr>
-        <p:txBody>
-          <a:bodyPr>
-            <a:noAutofit/>
-          </a:bodyPr>
-          <a:lstStyle/>
-          <a:p>
-            <a:r>
-              <a:rPr lang="en-US" dirty="0"/>
-              <a:t>Gregor Samsa</a:t>
-            </a:r>
-          </a:p>
-          <a:p>
-            <a:pPr lvl="1"/>
-            <a:r>
-              <a:rPr lang="en-US" dirty="0"/>
-              <a:t>The protagonist</a:t>
-            </a:r>
-          </a:p>
-          <a:p>
-            <a:pPr lvl="1"/>
-            <a:r>
-              <a:rPr lang="en-US" dirty="0"/>
-              <a:t>A traveling salesman</a:t>
-            </a:r>
-          </a:p>
-          <a:p>
-            <a:pPr lvl="1"/>
-            <a:r>
-              <a:rPr lang="en-US" dirty="0"/>
-              <a:t>Transformed into an insect</a:t>
-            </a:r>
-          </a:p>
-          <a:p>
-            <a:pPr lvl="1"/>
-            <a:r>
-              <a:rPr lang="en-US" dirty="0"/>
-              <a:t>The only person who have a job in the family</a:t>
-            </a:r>
-          </a:p>
-          <a:p>
-            <a:r>
-              <a:rPr lang="en-US" dirty="0"/>
-              <a:t>Grete Sama</a:t>
-            </a:r>
-          </a:p>
-          <a:p>
-            <a:pPr lvl="1"/>
-            <a:r>
-              <a:rPr lang="en-US" dirty="0"/>
-              <a:t>Gregor’s sister</a:t>
-            </a:r>
-          </a:p>
-          <a:p>
-            <a:pPr lvl="1"/>
-            <a:r>
-              <a:rPr lang="en-US" dirty="0"/>
-              <a:t>The only character who take care of Gregor after he has transformed into an insect in the whole story</a:t>
-            </a:r>
-          </a:p>
-          <a:p>
-            <a:pPr lvl="1"/>
-            <a:r>
-              <a:rPr lang="en-US" dirty="0"/>
-              <a:t>Stopped taking care of Gregor after taking on a salesgirl job</a:t>
-            </a:r>
-          </a:p>
-          <a:p>
-            <a:pPr lvl="1"/>
-            <a:r>
-              <a:rPr lang="en-US" dirty="0"/>
-              <a:t>A very good violin player</a:t>
-            </a:r>
-          </a:p>
-          <a:p>
-            <a:r>
-              <a:rPr lang="en-US" dirty="0"/>
-              <a:t>Gregor’s father</a:t>
-            </a:r>
-          </a:p>
-        </p:txBody>
-      </p:sp>
-      <p:sp>
-        <p:nvSpPr>
-          <p:cNvPr id="2" name="MG-标题 1">
-            <a:extLst>
-              <a:ext uri="{FF2B5EF4-FFF2-40B4-BE49-F238E27FC236}">
-                <a16:creationId xmlns:a16="http://schemas.microsoft.com/office/drawing/2014/main" id="{A4186767-54B2-7051-1FFD-500E6601604C}"/>
-              </a:ext>
-            </a:extLst>
-          </p:cNvPr>
-          <p:cNvSpPr>
-            <a:spLocks noGrp="1"/>
-          </p:cNvSpPr>
-          <p:nvPr>
-            <p:ph type="title"/>
-            <p:custDataLst>
-              <p:tags r:id="rId2"/>
-            </p:custDataLst>
-          </p:nvPr>
-        </p:nvSpPr>
-        <p:spPr>
-          <a:xfrm>
-            <a:off x="838200" y="2766219"/>
-            <a:ext cx="10515600" cy="1325563"/>
-          </a:xfrm>
-        </p:spPr>
-        <p:txBody>
-          <a:bodyPr/>
-          <a:lstStyle/>
-          <a:p>
-            <a:pPr algn="ctr"/>
-            <a:r>
-              <a:rPr lang="en-US" dirty="0"/>
-              <a:t>Symbols</a:t>
-            </a:r>
-          </a:p>
-        </p:txBody>
-      </p:sp>
-    </p:spTree>
-    <p:extLst>
-      <p:ext uri="{BB962C8B-B14F-4D97-AF65-F5344CB8AC3E}">
-        <p14:creationId xmlns:p14="http://schemas.microsoft.com/office/powerpoint/2010/main" val="3955974803"/>
-      </p:ext>
-    </p:extLst>
-  </p:cSld>
-  <p:clrMapOvr>
-    <a:masterClrMapping/>
-  </p:clrMapOvr>
-  <mc:AlternateContent xmlns:mc="http://schemas.openxmlformats.org/markup-compatibility/2006">
-    <mc:Choice xmlns:p15="http://schemas.microsoft.com/office/powerpoint/2012/main" Requires="p15">
-      <p:transition spd="slow">
-        <p15:prstTrans prst="peelOff"/>
-      </p:transition>
-    </mc:Choice>
-    <mc:Fallback>
-      <p:transition spd="slow">
-        <p:fade/>
-      </p:transition>
-    </mc:Fallback>
-  </mc:AlternateContent>
-  <p:timing>
-    <p:tnLst>
-      <p:par>
-        <p:cTn id="1" dur="indefinite" restart="never" nodeType="tmRoot">
-          <p:childTnLst>
-            <p:seq concurrent="1" nextAc="seek">
-              <p:cTn id="2" dur="indefinite" nodeType="mainSeq">
-                <p:childTnLst>
-                  <p:par>
-                    <p:cTn id="3" fill="hold">
-                      <p:stCondLst>
-                        <p:cond delay="indefinite"/>
-                        <p:cond evt="onBegin" delay="0">
-                          <p:tn val="2"/>
-                        </p:cond>
-                      </p:stCondLst>
-                      <p:childTnLst>
-                        <p:par>
-                          <p:cTn id="4" fill="hold">
-                            <p:stCondLst>
-                              <p:cond delay="0"/>
-                            </p:stCondLst>
-                            <p:childTnLst>
-                              <p:par>
-                                <p:cTn id="5" presetID="53" presetClass="entr" presetSubtype="16" fill="hold" grpId="0" nodeType="afterEffect">
-                                  <p:stCondLst>
-                                    <p:cond delay="0"/>
-                                  </p:stCondLst>
-                                  <p:childTnLst>
-                                    <p:set>
-                                      <p:cBhvr>
-                                        <p:cTn id="6" dur="1" fill="hold">
-                                          <p:stCondLst>
-                                            <p:cond delay="0"/>
-                                          </p:stCondLst>
-                                        </p:cTn>
-                                        <p:tgtEl>
-                                          <p:spTgt spid="2"/>
-                                        </p:tgtEl>
-                                        <p:attrNameLst>
-                                          <p:attrName>style.visibility</p:attrName>
-                                        </p:attrNameLst>
-                                      </p:cBhvr>
-                                      <p:to>
-                                        <p:strVal val="visible"/>
-                                      </p:to>
-                                    </p:set>
-                                    <p:anim calcmode="lin" valueType="num">
-                                      <p:cBhvr>
-                                        <p:cTn id="7" dur="500" decel="100000" fill="hold"/>
-                                        <p:tgtEl>
-                                          <p:spTgt spid="2"/>
-                                        </p:tgtEl>
-                                        <p:attrNameLst>
-                                          <p:attrName>ppt_w</p:attrName>
-                                        </p:attrNameLst>
-                                      </p:cBhvr>
-                                      <p:tavLst>
-                                        <p:tav tm="0">
-                                          <p:val>
-                                            <p:strVal val="#ppt_w/2"/>
-                                          </p:val>
-                                        </p:tav>
-                                        <p:tav tm="100000">
-                                          <p:val>
-                                            <p:strVal val="#ppt_w"/>
-                                          </p:val>
-                                        </p:tav>
-                                      </p:tavLst>
-                                    </p:anim>
-                                    <p:anim calcmode="lin" valueType="num">
-                                      <p:cBhvr>
-                                        <p:cTn id="8" dur="500" decel="50000" fill="hold"/>
-                                        <p:tgtEl>
-                                          <p:spTgt spid="2"/>
-                                        </p:tgtEl>
-                                        <p:attrNameLst>
-                                          <p:attrName>ppt_h</p:attrName>
-                                        </p:attrNameLst>
-                                      </p:cBhvr>
-                                      <p:tavLst>
-                                        <p:tav tm="0">
-                                          <p:val>
-                                            <p:strVal val="#ppt_h/2"/>
-                                          </p:val>
-                                        </p:tav>
-                                        <p:tav tm="100000">
-                                          <p:val>
-                                            <p:strVal val="#ppt_h"/>
-                                          </p:val>
-                                        </p:tav>
-                                      </p:tavLst>
-                                    </p:anim>
-                                    <p:animEffect transition="in" filter="fade">
-                                      <p:cBhvr>
-                                        <p:cTn id="9" dur="500"/>
-                                        <p:tgtEl>
-                                          <p:spTgt spid="2"/>
-                                        </p:tgtEl>
-                                      </p:cBhvr>
-                                    </p:animEffect>
-                                  </p:childTnLst>
-                                </p:cTn>
-                              </p:par>
-                            </p:childTnLst>
-                          </p:cTn>
-                        </p:par>
-                      </p:childTnLst>
-                    </p:cTn>
-                  </p:par>
-                  <p:par>
-                    <p:cTn id="10" fill="hold">
-                      <p:stCondLst>
-                        <p:cond delay="indefinite"/>
-                      </p:stCondLst>
-                      <p:childTnLst>
-                        <p:par>
-                          <p:cTn id="11" fill="hold">
-                            <p:stCondLst>
-                              <p:cond delay="0"/>
-                            </p:stCondLst>
-                            <p:childTnLst>
-                              <p:par>
-                                <p:cTn id="12" presetID="64" presetClass="path" presetSubtype="0" decel="100000" fill="hold" grpId="1" nodeType="clickEffect">
-                                  <p:stCondLst>
-                                    <p:cond delay="0"/>
-                                  </p:stCondLst>
-                                  <p:childTnLst>
-                                    <p:animMotion origin="layout" path="M 0 0 L 0 -0.36528 " pathEditMode="relative" rAng="0" ptsTypes="AA">
-                                      <p:cBhvr>
-                                        <p:cTn id="13" dur="500" fill="hold"/>
-                                        <p:tgtEl>
-                                          <p:spTgt spid="2"/>
-                                        </p:tgtEl>
-                                        <p:attrNameLst>
-                                          <p:attrName>ppt_x</p:attrName>
-                                          <p:attrName>ppt_y</p:attrName>
-                                        </p:attrNameLst>
-                                      </p:cBhvr>
-                                      <p:rCtr x="0" y="-18264"/>
-                                    </p:animMotion>
-                                  </p:childTnLst>
-                                </p:cTn>
-                              </p:par>
-                            </p:childTnLst>
-                          </p:cTn>
-                        </p:par>
-                        <p:par>
-                          <p:cTn id="14" fill="hold">
-                            <p:stCondLst>
-                              <p:cond delay="500"/>
-                            </p:stCondLst>
-                            <p:childTnLst>
-                              <p:par>
-                                <p:cTn id="15" presetID="42" presetClass="entr" presetSubtype="0" fill="hold" grpId="0" nodeType="afterEffect">
-                                  <p:stCondLst>
-                                    <p:cond delay="0"/>
-                                  </p:stCondLst>
-                                  <p:childTnLst>
-                                    <p:set>
-                                      <p:cBhvr>
-                                        <p:cTn id="16" dur="1" fill="hold">
-                                          <p:stCondLst>
-                                            <p:cond delay="0"/>
-                                          </p:stCondLst>
-                                        </p:cTn>
-                                        <p:tgtEl>
-                                          <p:spTgt spid="3">
-                                            <p:txEl>
-                                              <p:pRg st="0" end="0"/>
-                                            </p:txEl>
-                                          </p:spTgt>
-                                        </p:tgtEl>
-                                        <p:attrNameLst>
-                                          <p:attrName>style.visibility</p:attrName>
-                                        </p:attrNameLst>
-                                      </p:cBhvr>
-                                      <p:to>
-                                        <p:strVal val="visible"/>
-                                      </p:to>
-                                    </p:set>
-                                    <p:animEffect transition="in" filter="fade">
-                                      <p:cBhvr>
-                                        <p:cTn id="17" dur="750"/>
-                                        <p:tgtEl>
-                                          <p:spTgt spid="3">
-                                            <p:txEl>
-                                              <p:pRg st="0" end="0"/>
-                                            </p:txEl>
-                                          </p:spTgt>
-                                        </p:tgtEl>
-                                      </p:cBhvr>
-                                    </p:animEffect>
-                                    <p:anim calcmode="lin" valueType="num">
-                                      <p:cBhvr>
-                                        <p:cTn id="18" dur="750" decel="100000" fill="hold"/>
-                                        <p:tgtEl>
-                                          <p:spTgt spid="3">
-                                            <p:txEl>
-                                              <p:pRg st="0" end="0"/>
-                                            </p:txEl>
-                                          </p:spTgt>
-                                        </p:tgtEl>
-                                        <p:attrNameLst>
-                                          <p:attrName>ppt_x</p:attrName>
-                                        </p:attrNameLst>
-                                      </p:cBhvr>
-                                      <p:tavLst>
-                                        <p:tav tm="0">
-                                          <p:val>
-                                            <p:strVal val="#ppt_x-.1"/>
-                                          </p:val>
-                                        </p:tav>
-                                        <p:tav tm="100000">
-                                          <p:val>
-                                            <p:strVal val="#ppt_x"/>
-                                          </p:val>
-                                        </p:tav>
-                                      </p:tavLst>
-                                    </p:anim>
-                                  </p:childTnLst>
-                                </p:cTn>
-                              </p:par>
-                            </p:childTnLst>
-                          </p:cTn>
-                        </p:par>
-                      </p:childTnLst>
-                    </p:cTn>
-                  </p:par>
-                  <p:par>
-                    <p:cTn id="19" fill="hold">
-                      <p:stCondLst>
-                        <p:cond delay="indefinite"/>
-                      </p:stCondLst>
-                      <p:childTnLst>
-                        <p:par>
-                          <p:cTn id="20" fill="hold">
-                            <p:stCondLst>
-                              <p:cond delay="0"/>
-                            </p:stCondLst>
-                            <p:childTnLst>
-                              <p:par>
-                                <p:cTn id="21" presetID="42" presetClass="entr" presetSubtype="0" fill="hold" grpId="0" nodeType="clickEffect">
-                                  <p:stCondLst>
-                                    <p:cond delay="0"/>
-                                  </p:stCondLst>
-                                  <p:childTnLst>
-                                    <p:set>
-                                      <p:cBhvr>
-                                        <p:cTn id="22" dur="1" fill="hold">
-                                          <p:stCondLst>
-                                            <p:cond delay="0"/>
-                                          </p:stCondLst>
-                                        </p:cTn>
-                                        <p:tgtEl>
-                                          <p:spTgt spid="3">
-                                            <p:txEl>
-                                              <p:pRg st="1" end="1"/>
-                                            </p:txEl>
-                                          </p:spTgt>
-                                        </p:tgtEl>
-                                        <p:attrNameLst>
-                                          <p:attrName>style.visibility</p:attrName>
-                                        </p:attrNameLst>
-                                      </p:cBhvr>
-                                      <p:to>
-                                        <p:strVal val="visible"/>
-                                      </p:to>
-                                    </p:set>
-                                    <p:animEffect transition="in" filter="fade">
-                                      <p:cBhvr>
-                                        <p:cTn id="23" dur="750"/>
-                                        <p:tgtEl>
-                                          <p:spTgt spid="3">
-                                            <p:txEl>
-                                              <p:pRg st="1" end="1"/>
-                                            </p:txEl>
-                                          </p:spTgt>
-                                        </p:tgtEl>
-                                      </p:cBhvr>
-                                    </p:animEffect>
-                                    <p:anim calcmode="lin" valueType="num">
-                                      <p:cBhvr>
-                                        <p:cTn id="24" dur="750" decel="100000" fill="hold"/>
-                                        <p:tgtEl>
-                                          <p:spTgt spid="3">
-                                            <p:txEl>
-                                              <p:pRg st="1" end="1"/>
-                                            </p:txEl>
-                                          </p:spTgt>
-                                        </p:tgtEl>
-                                        <p:attrNameLst>
-                                          <p:attrName>ppt_x</p:attrName>
-                                        </p:attrNameLst>
-                                      </p:cBhvr>
-                                      <p:tavLst>
-                                        <p:tav tm="0">
-                                          <p:val>
-                                            <p:strVal val="#ppt_x-.1"/>
-                                          </p:val>
-                                        </p:tav>
-                                        <p:tav tm="100000">
-                                          <p:val>
-                                            <p:strVal val="#ppt_x"/>
-                                          </p:val>
-                                        </p:tav>
-                                      </p:tavLst>
-                                    </p:anim>
-                                  </p:childTnLst>
-                                </p:cTn>
-                              </p:par>
-                            </p:childTnLst>
-                          </p:cTn>
-                        </p:par>
-                      </p:childTnLst>
-                    </p:cTn>
-                  </p:par>
-                  <p:par>
-                    <p:cTn id="25" fill="hold">
-                      <p:stCondLst>
-                        <p:cond delay="indefinite"/>
-                      </p:stCondLst>
-                      <p:childTnLst>
-                        <p:par>
-                          <p:cTn id="26" fill="hold">
-                            <p:stCondLst>
-                              <p:cond delay="0"/>
-                            </p:stCondLst>
-                            <p:childTnLst>
-                              <p:par>
-                                <p:cTn id="27" presetID="42" presetClass="entr" presetSubtype="0" fill="hold" grpId="0" nodeType="clickEffect">
-                                  <p:stCondLst>
-                                    <p:cond delay="0"/>
-                                  </p:stCondLst>
-                                  <p:childTnLst>
-                                    <p:set>
-                                      <p:cBhvr>
-                                        <p:cTn id="28" dur="1" fill="hold">
-                                          <p:stCondLst>
-                                            <p:cond delay="0"/>
-                                          </p:stCondLst>
-                                        </p:cTn>
-                                        <p:tgtEl>
-                                          <p:spTgt spid="3">
-                                            <p:txEl>
-                                              <p:pRg st="2" end="2"/>
-                                            </p:txEl>
-                                          </p:spTgt>
-                                        </p:tgtEl>
-                                        <p:attrNameLst>
-                                          <p:attrName>style.visibility</p:attrName>
-                                        </p:attrNameLst>
-                                      </p:cBhvr>
-                                      <p:to>
-                                        <p:strVal val="visible"/>
-                                      </p:to>
-                                    </p:set>
-                                    <p:animEffect transition="in" filter="fade">
-                                      <p:cBhvr>
-                                        <p:cTn id="29" dur="750"/>
-                                        <p:tgtEl>
-                                          <p:spTgt spid="3">
-                                            <p:txEl>
-                                              <p:pRg st="2" end="2"/>
-                                            </p:txEl>
-                                          </p:spTgt>
-                                        </p:tgtEl>
-                                      </p:cBhvr>
-                                    </p:animEffect>
-                                    <p:anim calcmode="lin" valueType="num">
-                                      <p:cBhvr>
-                                        <p:cTn id="30" dur="750" decel="100000" fill="hold"/>
-                                        <p:tgtEl>
-                                          <p:spTgt spid="3">
-                                            <p:txEl>
-                                              <p:pRg st="2" end="2"/>
-                                            </p:txEl>
-                                          </p:spTgt>
-                                        </p:tgtEl>
-                                        <p:attrNameLst>
-                                          <p:attrName>ppt_x</p:attrName>
-                                        </p:attrNameLst>
-                                      </p:cBhvr>
-                                      <p:tavLst>
-                                        <p:tav tm="0">
-                                          <p:val>
-                                            <p:strVal val="#ppt_x-.1"/>
-                                          </p:val>
-                                        </p:tav>
-                                        <p:tav tm="100000">
-                                          <p:val>
-                                            <p:strVal val="#ppt_x"/>
-                                          </p:val>
-                                        </p:tav>
-                                      </p:tavLst>
-                                    </p:anim>
-                                  </p:childTnLst>
-                                </p:cTn>
-                              </p:par>
-                            </p:childTnLst>
-                          </p:cTn>
-                        </p:par>
-                      </p:childTnLst>
-                    </p:cTn>
-                  </p:par>
-                  <p:par>
-                    <p:cTn id="31" fill="hold">
-                      <p:stCondLst>
-                        <p:cond delay="indefinite"/>
-                      </p:stCondLst>
-                      <p:childTnLst>
-                        <p:par>
-                          <p:cTn id="32" fill="hold">
-                            <p:stCondLst>
-                              <p:cond delay="0"/>
-                            </p:stCondLst>
-                            <p:childTnLst>
-                              <p:par>
-                                <p:cTn id="33" presetID="42" presetClass="entr" presetSubtype="0" fill="hold" grpId="0" nodeType="clickEffect">
-                                  <p:stCondLst>
-                                    <p:cond delay="0"/>
-                                  </p:stCondLst>
-                                  <p:childTnLst>
-                                    <p:set>
-                                      <p:cBhvr>
-                                        <p:cTn id="34" dur="1" fill="hold">
-                                          <p:stCondLst>
-                                            <p:cond delay="0"/>
-                                          </p:stCondLst>
-                                        </p:cTn>
-                                        <p:tgtEl>
-                                          <p:spTgt spid="3">
-                                            <p:txEl>
-                                              <p:pRg st="3" end="3"/>
-                                            </p:txEl>
-                                          </p:spTgt>
-                                        </p:tgtEl>
-                                        <p:attrNameLst>
-                                          <p:attrName>style.visibility</p:attrName>
-                                        </p:attrNameLst>
-                                      </p:cBhvr>
-                                      <p:to>
-                                        <p:strVal val="visible"/>
-                                      </p:to>
-                                    </p:set>
-                                    <p:animEffect transition="in" filter="fade">
-                                      <p:cBhvr>
-                                        <p:cTn id="35" dur="750"/>
-                                        <p:tgtEl>
-                                          <p:spTgt spid="3">
-                                            <p:txEl>
-                                              <p:pRg st="3" end="3"/>
-                                            </p:txEl>
-                                          </p:spTgt>
-                                        </p:tgtEl>
-                                      </p:cBhvr>
-                                    </p:animEffect>
-                                    <p:anim calcmode="lin" valueType="num">
-                                      <p:cBhvr>
-                                        <p:cTn id="36" dur="750" decel="100000" fill="hold"/>
-                                        <p:tgtEl>
-                                          <p:spTgt spid="3">
-                                            <p:txEl>
-                                              <p:pRg st="3" end="3"/>
-                                            </p:txEl>
-                                          </p:spTgt>
-                                        </p:tgtEl>
-                                        <p:attrNameLst>
-                                          <p:attrName>ppt_x</p:attrName>
-                                        </p:attrNameLst>
-                                      </p:cBhvr>
-                                      <p:tavLst>
-                                        <p:tav tm="0">
-                                          <p:val>
-                                            <p:strVal val="#ppt_x-.1"/>
-                                          </p:val>
-                                        </p:tav>
-                                        <p:tav tm="100000">
-                                          <p:val>
-                                            <p:strVal val="#ppt_x"/>
-                                          </p:val>
-                                        </p:tav>
-                                      </p:tavLst>
-                                    </p:anim>
-                                  </p:childTnLst>
-                                </p:cTn>
-                              </p:par>
-                            </p:childTnLst>
-                          </p:cTn>
-                        </p:par>
-                      </p:childTnLst>
-                    </p:cTn>
-                  </p:par>
-                  <p:par>
-                    <p:cTn id="37" fill="hold">
-                      <p:stCondLst>
-                        <p:cond delay="indefinite"/>
-                      </p:stCondLst>
-                      <p:childTnLst>
-                        <p:par>
-                          <p:cTn id="38" fill="hold">
-                            <p:stCondLst>
-                              <p:cond delay="0"/>
-                            </p:stCondLst>
-                            <p:childTnLst>
-                              <p:par>
-                                <p:cTn id="39" presetID="42" presetClass="entr" presetSubtype="0" fill="hold" grpId="0" nodeType="clickEffect">
-                                  <p:stCondLst>
-                                    <p:cond delay="0"/>
-                                  </p:stCondLst>
-                                  <p:childTnLst>
-                                    <p:set>
-                                      <p:cBhvr>
-                                        <p:cTn id="40" dur="1" fill="hold">
-                                          <p:stCondLst>
-                                            <p:cond delay="0"/>
-                                          </p:stCondLst>
-                                        </p:cTn>
-                                        <p:tgtEl>
-                                          <p:spTgt spid="3">
-                                            <p:txEl>
-                                              <p:pRg st="4" end="4"/>
-                                            </p:txEl>
-                                          </p:spTgt>
-                                        </p:tgtEl>
-                                        <p:attrNameLst>
-                                          <p:attrName>style.visibility</p:attrName>
-                                        </p:attrNameLst>
-                                      </p:cBhvr>
-                                      <p:to>
-                                        <p:strVal val="visible"/>
-                                      </p:to>
-                                    </p:set>
-                                    <p:animEffect transition="in" filter="fade">
-                                      <p:cBhvr>
-                                        <p:cTn id="41" dur="750"/>
-                                        <p:tgtEl>
-                                          <p:spTgt spid="3">
-                                            <p:txEl>
-                                              <p:pRg st="4" end="4"/>
-                                            </p:txEl>
-                                          </p:spTgt>
-                                        </p:tgtEl>
-                                      </p:cBhvr>
-                                    </p:animEffect>
-                                    <p:anim calcmode="lin" valueType="num">
-                                      <p:cBhvr>
-                                        <p:cTn id="42" dur="750" decel="100000" fill="hold"/>
-                                        <p:tgtEl>
-                                          <p:spTgt spid="3">
-                                            <p:txEl>
-                                              <p:pRg st="4" end="4"/>
-                                            </p:txEl>
-                                          </p:spTgt>
-                                        </p:tgtEl>
-                                        <p:attrNameLst>
-                                          <p:attrName>ppt_x</p:attrName>
-                                        </p:attrNameLst>
-                                      </p:cBhvr>
-                                      <p:tavLst>
-                                        <p:tav tm="0">
-                                          <p:val>
-                                            <p:strVal val="#ppt_x-.1"/>
-                                          </p:val>
-                                        </p:tav>
-                                        <p:tav tm="100000">
-                                          <p:val>
-                                            <p:strVal val="#ppt_x"/>
-                                          </p:val>
-                                        </p:tav>
-                                      </p:tavLst>
-                                    </p:anim>
-                                  </p:childTnLst>
-                                </p:cTn>
-                              </p:par>
-                            </p:childTnLst>
-                          </p:cTn>
-                        </p:par>
-                      </p:childTnLst>
-                    </p:cTn>
-                  </p:par>
-                  <p:par>
-                    <p:cTn id="43" fill="hold">
-                      <p:stCondLst>
-                        <p:cond delay="indefinite"/>
-                      </p:stCondLst>
-                      <p:childTnLst>
-                        <p:par>
-                          <p:cTn id="44" fill="hold">
-                            <p:stCondLst>
-                              <p:cond delay="0"/>
-                            </p:stCondLst>
-                            <p:childTnLst>
-                              <p:par>
-                                <p:cTn id="45" presetID="42" presetClass="entr" presetSubtype="0" fill="hold" grpId="0" nodeType="clickEffect">
-                                  <p:stCondLst>
-                                    <p:cond delay="0"/>
-                                  </p:stCondLst>
-                                  <p:childTnLst>
-                                    <p:set>
-                                      <p:cBhvr>
-                                        <p:cTn id="46" dur="1" fill="hold">
-                                          <p:stCondLst>
-                                            <p:cond delay="0"/>
-                                          </p:stCondLst>
-                                        </p:cTn>
-                                        <p:tgtEl>
-                                          <p:spTgt spid="3">
-                                            <p:txEl>
-                                              <p:pRg st="5" end="5"/>
-                                            </p:txEl>
-                                          </p:spTgt>
-                                        </p:tgtEl>
-                                        <p:attrNameLst>
-                                          <p:attrName>style.visibility</p:attrName>
-                                        </p:attrNameLst>
-                                      </p:cBhvr>
-                                      <p:to>
-                                        <p:strVal val="visible"/>
-                                      </p:to>
-                                    </p:set>
-                                    <p:animEffect transition="in" filter="fade">
-                                      <p:cBhvr>
-                                        <p:cTn id="47" dur="750"/>
-                                        <p:tgtEl>
-                                          <p:spTgt spid="3">
-                                            <p:txEl>
-                                              <p:pRg st="5" end="5"/>
-                                            </p:txEl>
-                                          </p:spTgt>
-                                        </p:tgtEl>
-                                      </p:cBhvr>
-                                    </p:animEffect>
-                                    <p:anim calcmode="lin" valueType="num">
-                                      <p:cBhvr>
-                                        <p:cTn id="48" dur="750" decel="100000" fill="hold"/>
-                                        <p:tgtEl>
-                                          <p:spTgt spid="3">
-                                            <p:txEl>
-                                              <p:pRg st="5" end="5"/>
-                                            </p:txEl>
-                                          </p:spTgt>
-                                        </p:tgtEl>
-                                        <p:attrNameLst>
-                                          <p:attrName>ppt_x</p:attrName>
-                                        </p:attrNameLst>
-                                      </p:cBhvr>
-                                      <p:tavLst>
-                                        <p:tav tm="0">
-                                          <p:val>
-                                            <p:strVal val="#ppt_x-.1"/>
-                                          </p:val>
-                                        </p:tav>
-                                        <p:tav tm="100000">
-                                          <p:val>
-                                            <p:strVal val="#ppt_x"/>
-                                          </p:val>
-                                        </p:tav>
-                                      </p:tavLst>
-                                    </p:anim>
-                                  </p:childTnLst>
-                                </p:cTn>
-                              </p:par>
-                            </p:childTnLst>
-                          </p:cTn>
-                        </p:par>
-                      </p:childTnLst>
-                    </p:cTn>
-                  </p:par>
-                  <p:par>
-                    <p:cTn id="49" fill="hold">
-                      <p:stCondLst>
-                        <p:cond delay="indefinite"/>
-                      </p:stCondLst>
-                      <p:childTnLst>
-                        <p:par>
-                          <p:cTn id="50" fill="hold">
-                            <p:stCondLst>
-                              <p:cond delay="0"/>
-                            </p:stCondLst>
-                            <p:childTnLst>
-                              <p:par>
-                                <p:cTn id="51" presetID="42" presetClass="entr" presetSubtype="0" fill="hold" grpId="0" nodeType="clickEffect">
-                                  <p:stCondLst>
-                                    <p:cond delay="0"/>
-                                  </p:stCondLst>
-                                  <p:childTnLst>
-                                    <p:set>
-                                      <p:cBhvr>
-                                        <p:cTn id="52" dur="1" fill="hold">
-                                          <p:stCondLst>
-                                            <p:cond delay="0"/>
-                                          </p:stCondLst>
-                                        </p:cTn>
-                                        <p:tgtEl>
-                                          <p:spTgt spid="3">
-                                            <p:txEl>
-                                              <p:pRg st="6" end="6"/>
-                                            </p:txEl>
-                                          </p:spTgt>
-                                        </p:tgtEl>
-                                        <p:attrNameLst>
-                                          <p:attrName>style.visibility</p:attrName>
-                                        </p:attrNameLst>
-                                      </p:cBhvr>
-                                      <p:to>
-                                        <p:strVal val="visible"/>
-                                      </p:to>
-                                    </p:set>
-                                    <p:animEffect transition="in" filter="fade">
-                                      <p:cBhvr>
-                                        <p:cTn id="53" dur="750"/>
-                                        <p:tgtEl>
-                                          <p:spTgt spid="3">
-                                            <p:txEl>
-                                              <p:pRg st="6" end="6"/>
-                                            </p:txEl>
-                                          </p:spTgt>
-                                        </p:tgtEl>
-                                      </p:cBhvr>
-                                    </p:animEffect>
-                                    <p:anim calcmode="lin" valueType="num">
-                                      <p:cBhvr>
-                                        <p:cTn id="54" dur="750" decel="100000" fill="hold"/>
-                                        <p:tgtEl>
-                                          <p:spTgt spid="3">
-                                            <p:txEl>
-                                              <p:pRg st="6" end="6"/>
-                                            </p:txEl>
-                                          </p:spTgt>
-                                        </p:tgtEl>
-                                        <p:attrNameLst>
-                                          <p:attrName>ppt_x</p:attrName>
-                                        </p:attrNameLst>
-                                      </p:cBhvr>
-                                      <p:tavLst>
-                                        <p:tav tm="0">
-                                          <p:val>
-                                            <p:strVal val="#ppt_x-.1"/>
-                                          </p:val>
-                                        </p:tav>
-                                        <p:tav tm="100000">
-                                          <p:val>
-                                            <p:strVal val="#ppt_x"/>
-                                          </p:val>
-                                        </p:tav>
-                                      </p:tavLst>
-                                    </p:anim>
-                                  </p:childTnLst>
-                                </p:cTn>
-                              </p:par>
-                            </p:childTnLst>
-                          </p:cTn>
-                        </p:par>
-                      </p:childTnLst>
-                    </p:cTn>
-                  </p:par>
-                  <p:par>
-                    <p:cTn id="55" fill="hold">
-                      <p:stCondLst>
-                        <p:cond delay="indefinite"/>
-                      </p:stCondLst>
-                      <p:childTnLst>
-                        <p:par>
-                          <p:cTn id="56" fill="hold">
-                            <p:stCondLst>
-                              <p:cond delay="0"/>
-                            </p:stCondLst>
-                            <p:childTnLst>
-                              <p:par>
-                                <p:cTn id="57" presetID="42" presetClass="entr" presetSubtype="0" fill="hold" grpId="0" nodeType="clickEffect">
-                                  <p:stCondLst>
-                                    <p:cond delay="0"/>
-                                  </p:stCondLst>
-                                  <p:childTnLst>
-                                    <p:set>
-                                      <p:cBhvr>
-                                        <p:cTn id="58" dur="1" fill="hold">
-                                          <p:stCondLst>
-                                            <p:cond delay="0"/>
-                                          </p:stCondLst>
-                                        </p:cTn>
-                                        <p:tgtEl>
-                                          <p:spTgt spid="3">
-                                            <p:txEl>
-                                              <p:pRg st="7" end="7"/>
-                                            </p:txEl>
-                                          </p:spTgt>
-                                        </p:tgtEl>
-                                        <p:attrNameLst>
-                                          <p:attrName>style.visibility</p:attrName>
-                                        </p:attrNameLst>
-                                      </p:cBhvr>
-                                      <p:to>
-                                        <p:strVal val="visible"/>
-                                      </p:to>
-                                    </p:set>
-                                    <p:animEffect transition="in" filter="fade">
-                                      <p:cBhvr>
-                                        <p:cTn id="59" dur="750"/>
-                                        <p:tgtEl>
-                                          <p:spTgt spid="3">
-                                            <p:txEl>
-                                              <p:pRg st="7" end="7"/>
-                                            </p:txEl>
-                                          </p:spTgt>
-                                        </p:tgtEl>
-                                      </p:cBhvr>
-                                    </p:animEffect>
-                                    <p:anim calcmode="lin" valueType="num">
-                                      <p:cBhvr>
-                                        <p:cTn id="60" dur="750" decel="100000" fill="hold"/>
-                                        <p:tgtEl>
-                                          <p:spTgt spid="3">
-                                            <p:txEl>
-                                              <p:pRg st="7" end="7"/>
-                                            </p:txEl>
-                                          </p:spTgt>
-                                        </p:tgtEl>
-                                        <p:attrNameLst>
-                                          <p:attrName>ppt_x</p:attrName>
-                                        </p:attrNameLst>
-                                      </p:cBhvr>
-                                      <p:tavLst>
-                                        <p:tav tm="0">
-                                          <p:val>
-                                            <p:strVal val="#ppt_x-.1"/>
-                                          </p:val>
-                                        </p:tav>
-                                        <p:tav tm="100000">
-                                          <p:val>
-                                            <p:strVal val="#ppt_x"/>
-                                          </p:val>
-                                        </p:tav>
-                                      </p:tavLst>
-                                    </p:anim>
-                                  </p:childTnLst>
-                                </p:cTn>
-                              </p:par>
-                            </p:childTnLst>
-                          </p:cTn>
-                        </p:par>
-                      </p:childTnLst>
-                    </p:cTn>
-                  </p:par>
-                  <p:par>
-                    <p:cTn id="61" fill="hold">
-                      <p:stCondLst>
-                        <p:cond delay="indefinite"/>
-                      </p:stCondLst>
-                      <p:childTnLst>
-                        <p:par>
-                          <p:cTn id="62" fill="hold">
-                            <p:stCondLst>
-                              <p:cond delay="0"/>
-                            </p:stCondLst>
-                            <p:childTnLst>
-                              <p:par>
-                                <p:cTn id="63" presetID="42" presetClass="entr" presetSubtype="0" fill="hold" grpId="0" nodeType="clickEffect">
-                                  <p:stCondLst>
-                                    <p:cond delay="0"/>
-                                  </p:stCondLst>
-                                  <p:childTnLst>
-                                    <p:set>
-                                      <p:cBhvr>
-                                        <p:cTn id="64" dur="1" fill="hold">
-                                          <p:stCondLst>
-                                            <p:cond delay="0"/>
-                                          </p:stCondLst>
-                                        </p:cTn>
-                                        <p:tgtEl>
-                                          <p:spTgt spid="3">
-                                            <p:txEl>
-                                              <p:pRg st="8" end="8"/>
-                                            </p:txEl>
-                                          </p:spTgt>
-                                        </p:tgtEl>
-                                        <p:attrNameLst>
-                                          <p:attrName>style.visibility</p:attrName>
-                                        </p:attrNameLst>
-                                      </p:cBhvr>
-                                      <p:to>
-                                        <p:strVal val="visible"/>
-                                      </p:to>
-                                    </p:set>
-                                    <p:animEffect transition="in" filter="fade">
-                                      <p:cBhvr>
-                                        <p:cTn id="65" dur="750"/>
-                                        <p:tgtEl>
-                                          <p:spTgt spid="3">
-                                            <p:txEl>
-                                              <p:pRg st="8" end="8"/>
-                                            </p:txEl>
-                                          </p:spTgt>
-                                        </p:tgtEl>
-                                      </p:cBhvr>
-                                    </p:animEffect>
-                                    <p:anim calcmode="lin" valueType="num">
-                                      <p:cBhvr>
-                                        <p:cTn id="66" dur="750" decel="100000" fill="hold"/>
-                                        <p:tgtEl>
-                                          <p:spTgt spid="3">
-                                            <p:txEl>
-                                              <p:pRg st="8" end="8"/>
-                                            </p:txEl>
-                                          </p:spTgt>
-                                        </p:tgtEl>
-                                        <p:attrNameLst>
-                                          <p:attrName>ppt_x</p:attrName>
-                                        </p:attrNameLst>
-                                      </p:cBhvr>
-                                      <p:tavLst>
-                                        <p:tav tm="0">
-                                          <p:val>
-                                            <p:strVal val="#ppt_x-.1"/>
-                                          </p:val>
-                                        </p:tav>
-                                        <p:tav tm="100000">
-                                          <p:val>
-                                            <p:strVal val="#ppt_x"/>
-                                          </p:val>
-                                        </p:tav>
-                                      </p:tavLst>
-                                    </p:anim>
-                                  </p:childTnLst>
-                                </p:cTn>
-                              </p:par>
-                            </p:childTnLst>
-                          </p:cTn>
-                        </p:par>
-                      </p:childTnLst>
-                    </p:cTn>
-                  </p:par>
-                  <p:par>
-                    <p:cTn id="67" fill="hold">
-                      <p:stCondLst>
-                        <p:cond delay="indefinite"/>
-                      </p:stCondLst>
-                      <p:childTnLst>
-                        <p:par>
-                          <p:cTn id="68" fill="hold">
-                            <p:stCondLst>
-                              <p:cond delay="0"/>
-                            </p:stCondLst>
-                            <p:childTnLst>
-                              <p:par>
-                                <p:cTn id="69" presetID="42" presetClass="entr" presetSubtype="0" fill="hold" grpId="0" nodeType="clickEffect">
-                                  <p:stCondLst>
-                                    <p:cond delay="0"/>
-                                  </p:stCondLst>
-                                  <p:childTnLst>
-                                    <p:set>
-                                      <p:cBhvr>
-                                        <p:cTn id="70" dur="1" fill="hold">
-                                          <p:stCondLst>
-                                            <p:cond delay="0"/>
-                                          </p:stCondLst>
-                                        </p:cTn>
-                                        <p:tgtEl>
-                                          <p:spTgt spid="3">
-                                            <p:txEl>
-                                              <p:pRg st="9" end="9"/>
-                                            </p:txEl>
-                                          </p:spTgt>
-                                        </p:tgtEl>
-                                        <p:attrNameLst>
-                                          <p:attrName>style.visibility</p:attrName>
-                                        </p:attrNameLst>
-                                      </p:cBhvr>
-                                      <p:to>
-                                        <p:strVal val="visible"/>
-                                      </p:to>
-                                    </p:set>
-                                    <p:animEffect transition="in" filter="fade">
-                                      <p:cBhvr>
-                                        <p:cTn id="71" dur="750"/>
-                                        <p:tgtEl>
-                                          <p:spTgt spid="3">
-                                            <p:txEl>
-                                              <p:pRg st="9" end="9"/>
-                                            </p:txEl>
-                                          </p:spTgt>
-                                        </p:tgtEl>
-                                      </p:cBhvr>
-                                    </p:animEffect>
-                                    <p:anim calcmode="lin" valueType="num">
-                                      <p:cBhvr>
-                                        <p:cTn id="72" dur="750" decel="100000" fill="hold"/>
-                                        <p:tgtEl>
-                                          <p:spTgt spid="3">
-                                            <p:txEl>
-                                              <p:pRg st="9" end="9"/>
-                                            </p:txEl>
-                                          </p:spTgt>
-                                        </p:tgtEl>
-                                        <p:attrNameLst>
-                                          <p:attrName>ppt_x</p:attrName>
-                                        </p:attrNameLst>
-                                      </p:cBhvr>
-                                      <p:tavLst>
-                                        <p:tav tm="0">
-                                          <p:val>
-                                            <p:strVal val="#ppt_x-.1"/>
-                                          </p:val>
-                                        </p:tav>
-                                        <p:tav tm="100000">
-                                          <p:val>
-                                            <p:strVal val="#ppt_x"/>
-                                          </p:val>
-                                        </p:tav>
-                                      </p:tavLst>
-                                    </p:anim>
-                                  </p:childTnLst>
-                                </p:cTn>
-                              </p:par>
-                            </p:childTnLst>
-                          </p:cTn>
-                        </p:par>
-                      </p:childTnLst>
-                    </p:cTn>
-                  </p:par>
-                  <p:par>
-                    <p:cTn id="73" fill="hold">
-                      <p:stCondLst>
-                        <p:cond delay="indefinite"/>
-                      </p:stCondLst>
-                      <p:childTnLst>
-                        <p:par>
-                          <p:cTn id="74" fill="hold">
-                            <p:stCondLst>
-                              <p:cond delay="0"/>
-                            </p:stCondLst>
-                            <p:childTnLst>
-                              <p:par>
-                                <p:cTn id="75" presetID="42" presetClass="entr" presetSubtype="0" fill="hold" grpId="0" nodeType="clickEffect">
-                                  <p:stCondLst>
-                                    <p:cond delay="0"/>
-                                  </p:stCondLst>
-                                  <p:childTnLst>
-                                    <p:set>
-                                      <p:cBhvr>
-                                        <p:cTn id="76" dur="1" fill="hold">
-                                          <p:stCondLst>
-                                            <p:cond delay="0"/>
-                                          </p:stCondLst>
-                                        </p:cTn>
-                                        <p:tgtEl>
-                                          <p:spTgt spid="3">
-                                            <p:txEl>
-                                              <p:pRg st="10" end="10"/>
-                                            </p:txEl>
-                                          </p:spTgt>
-                                        </p:tgtEl>
-                                        <p:attrNameLst>
-                                          <p:attrName>style.visibility</p:attrName>
-                                        </p:attrNameLst>
-                                      </p:cBhvr>
-                                      <p:to>
-                                        <p:strVal val="visible"/>
-                                      </p:to>
-                                    </p:set>
-                                    <p:animEffect transition="in" filter="fade">
-                                      <p:cBhvr>
-                                        <p:cTn id="77" dur="750"/>
-                                        <p:tgtEl>
-                                          <p:spTgt spid="3">
-                                            <p:txEl>
-                                              <p:pRg st="10" end="10"/>
-                                            </p:txEl>
-                                          </p:spTgt>
-                                        </p:tgtEl>
-                                      </p:cBhvr>
-                                    </p:animEffect>
-                                    <p:anim calcmode="lin" valueType="num">
-                                      <p:cBhvr>
-                                        <p:cTn id="78" dur="750" decel="100000" fill="hold"/>
-                                        <p:tgtEl>
-                                          <p:spTgt spid="3">
-                                            <p:txEl>
-                                              <p:pRg st="10" end="10"/>
-                                            </p:txEl>
-                                          </p:spTgt>
-                                        </p:tgtEl>
-                                        <p:attrNameLst>
-                                          <p:attrName>ppt_x</p:attrName>
-                                        </p:attrNameLst>
-                                      </p:cBhvr>
-                                      <p:tavLst>
-                                        <p:tav tm="0">
-                                          <p:val>
-                                            <p:strVal val="#ppt_x-.1"/>
-                                          </p:val>
-                                        </p:tav>
-                                        <p:tav tm="100000">
-                                          <p:val>
-                                            <p:strVal val="#ppt_x"/>
-                                          </p:val>
-                                        </p:tav>
-                                      </p:tavLst>
-                                    </p:anim>
-                                  </p:childTnLst>
-                                </p:cTn>
-                              </p:par>
-                            </p:childTnLst>
-                          </p:cTn>
-                        </p:par>
-                      </p:childTnLst>
-                    </p:cTn>
-                  </p:par>
-                </p:childTnLst>
-              </p:cTn>
-              <p:prevCondLst>
-                <p:cond evt="onPrev" delay="0">
-                  <p:tgtEl>
-                    <p:sldTgt/>
-                  </p:tgtEl>
-                </p:cond>
-              </p:prevCondLst>
-              <p:nextCondLst>
-                <p:cond evt="onNext" delay="0">
-                  <p:tgtEl>
-                    <p:sldTgt/>
-                  </p:tgtEl>
-                </p:cond>
-              </p:nextCondLst>
-            </p:seq>
-          </p:childTnLst>
-        </p:cTn>
-      </p:par>
-    </p:tnLst>
-    <p:bldLst>
-      <p:bldP spid="3" grpId="0" uiExpand="1" build="p" bldLvl="2"/>
-      <p:bldP spid="2" grpId="0"/>
-      <p:bldP spid="2" grpId="1"/>
     </p:bldLst>
   </p:timing>
 </p:sld>
@@ -13849,6 +17626,36 @@
 </file>
 
 <file path=ppt/tags/tag30.xml><?xml version="1.0" encoding="utf-8"?>
+<p:tagLst xmlns:a="http://schemas.openxmlformats.org/drawingml/2006/main" xmlns:r="http://schemas.openxmlformats.org/officeDocument/2006/relationships" xmlns:p="http://schemas.openxmlformats.org/presentationml/2006/main">
+  <p:tag name="MD-PA" val="v1.0.0"/>
+</p:tagLst>
+</file>
+
+<file path=ppt/tags/tag31.xml><?xml version="1.0" encoding="utf-8"?>
+<p:tagLst xmlns:a="http://schemas.openxmlformats.org/drawingml/2006/main" xmlns:r="http://schemas.openxmlformats.org/officeDocument/2006/relationships" xmlns:p="http://schemas.openxmlformats.org/presentationml/2006/main">
+  <p:tag name="MD-PA" val="v1.0.0"/>
+</p:tagLst>
+</file>
+
+<file path=ppt/tags/tag32.xml><?xml version="1.0" encoding="utf-8"?>
+<p:tagLst xmlns:a="http://schemas.openxmlformats.org/drawingml/2006/main" xmlns:r="http://schemas.openxmlformats.org/officeDocument/2006/relationships" xmlns:p="http://schemas.openxmlformats.org/presentationml/2006/main">
+  <p:tag name="MD-PA" val="v1.0.0"/>
+</p:tagLst>
+</file>
+
+<file path=ppt/tags/tag33.xml><?xml version="1.0" encoding="utf-8"?>
+<p:tagLst xmlns:a="http://schemas.openxmlformats.org/drawingml/2006/main" xmlns:r="http://schemas.openxmlformats.org/officeDocument/2006/relationships" xmlns:p="http://schemas.openxmlformats.org/presentationml/2006/main">
+  <p:tag name="MD-PA" val="v1.0.0"/>
+</p:tagLst>
+</file>
+
+<file path=ppt/tags/tag34.xml><?xml version="1.0" encoding="utf-8"?>
+<p:tagLst xmlns:a="http://schemas.openxmlformats.org/drawingml/2006/main" xmlns:r="http://schemas.openxmlformats.org/officeDocument/2006/relationships" xmlns:p="http://schemas.openxmlformats.org/presentationml/2006/main">
+  <p:tag name="MD-PA" val="v1.0.0"/>
+</p:tagLst>
+</file>
+
+<file path=ppt/tags/tag35.xml><?xml version="1.0" encoding="utf-8"?>
 <p:tagLst xmlns:a="http://schemas.openxmlformats.org/drawingml/2006/main" xmlns:r="http://schemas.openxmlformats.org/officeDocument/2006/relationships" xmlns:p="http://schemas.openxmlformats.org/presentationml/2006/main">
   <p:tag name="MD-PA" val="v1.0.0"/>
 </p:tagLst>

--- a/Metamorphosis.pptx
+++ b/Metamorphosis.pptx
@@ -4,6 +4,9 @@
   <p:sldMasterIdLst>
     <p:sldMasterId id="2147483648" r:id="rId1"/>
   </p:sldMasterIdLst>
+  <p:notesMasterIdLst>
+    <p:notesMasterId r:id="rId19"/>
+  </p:notesMasterIdLst>
   <p:sldIdLst>
     <p:sldId id="256" r:id="rId2"/>
     <p:sldId id="257" r:id="rId3"/>
@@ -13,11 +16,15 @@
     <p:sldId id="267" r:id="rId7"/>
     <p:sldId id="262" r:id="rId8"/>
     <p:sldId id="263" r:id="rId9"/>
-    <p:sldId id="264" r:id="rId10"/>
-    <p:sldId id="266" r:id="rId11"/>
-    <p:sldId id="268" r:id="rId12"/>
-    <p:sldId id="269" r:id="rId13"/>
-    <p:sldId id="265" r:id="rId14"/>
+    <p:sldId id="272" r:id="rId10"/>
+    <p:sldId id="264" r:id="rId11"/>
+    <p:sldId id="266" r:id="rId12"/>
+    <p:sldId id="268" r:id="rId13"/>
+    <p:sldId id="269" r:id="rId14"/>
+    <p:sldId id="273" r:id="rId15"/>
+    <p:sldId id="265" r:id="rId16"/>
+    <p:sldId id="270" r:id="rId17"/>
+    <p:sldId id="271" r:id="rId18"/>
   </p:sldIdLst>
   <p:sldSz cx="12192000" cy="6858000"/>
   <p:notesSz cx="6858000" cy="9144000"/>
@@ -124,6 +131,547 @@
 </p:presentation>
 </file>
 
+<file path=ppt/notesMasters/notesMaster1.xml><?xml version="1.0" encoding="utf-8"?>
+<p:notesMaster xmlns:a="http://schemas.openxmlformats.org/drawingml/2006/main" xmlns:r="http://schemas.openxmlformats.org/officeDocument/2006/relationships" xmlns:p="http://schemas.openxmlformats.org/presentationml/2006/main">
+  <p:cSld>
+    <p:bg>
+      <p:bgRef idx="1001">
+        <a:schemeClr val="bg1"/>
+      </p:bgRef>
+    </p:bg>
+    <p:spTree>
+      <p:nvGrpSpPr>
+        <p:cNvPr id="1" name=""/>
+        <p:cNvGrpSpPr/>
+        <p:nvPr/>
+      </p:nvGrpSpPr>
+      <p:grpSpPr>
+        <a:xfrm>
+          <a:off x="0" y="0"/>
+          <a:ext cx="0" cy="0"/>
+          <a:chOff x="0" y="0"/>
+          <a:chExt cx="0" cy="0"/>
+        </a:xfrm>
+      </p:grpSpPr>
+      <p:sp>
+        <p:nvSpPr>
+          <p:cNvPr id="2" name="Header Placeholder 1"/>
+          <p:cNvSpPr>
+            <a:spLocks noGrp="1"/>
+          </p:cNvSpPr>
+          <p:nvPr>
+            <p:ph type="hdr" sz="quarter"/>
+          </p:nvPr>
+        </p:nvSpPr>
+        <p:spPr>
+          <a:xfrm>
+            <a:off x="0" y="0"/>
+            <a:ext cx="2971800" cy="458788"/>
+          </a:xfrm>
+          <a:prstGeom prst="rect">
+            <a:avLst/>
+          </a:prstGeom>
+        </p:spPr>
+        <p:txBody>
+          <a:bodyPr vert="horz" lIns="91440" tIns="45720" rIns="91440" bIns="45720" rtlCol="0"/>
+          <a:lstStyle>
+            <a:lvl1pPr algn="l">
+              <a:defRPr sz="1200"/>
+            </a:lvl1pPr>
+          </a:lstStyle>
+          <a:p>
+            <a:endParaRPr lang="en-US"/>
+          </a:p>
+        </p:txBody>
+      </p:sp>
+      <p:sp>
+        <p:nvSpPr>
+          <p:cNvPr id="3" name="Date Placeholder 2"/>
+          <p:cNvSpPr>
+            <a:spLocks noGrp="1"/>
+          </p:cNvSpPr>
+          <p:nvPr>
+            <p:ph type="dt" idx="1"/>
+          </p:nvPr>
+        </p:nvSpPr>
+        <p:spPr>
+          <a:xfrm>
+            <a:off x="3884613" y="0"/>
+            <a:ext cx="2971800" cy="458788"/>
+          </a:xfrm>
+          <a:prstGeom prst="rect">
+            <a:avLst/>
+          </a:prstGeom>
+        </p:spPr>
+        <p:txBody>
+          <a:bodyPr vert="horz" lIns="91440" tIns="45720" rIns="91440" bIns="45720" rtlCol="0"/>
+          <a:lstStyle>
+            <a:lvl1pPr algn="r">
+              <a:defRPr sz="1200"/>
+            </a:lvl1pPr>
+          </a:lstStyle>
+          <a:p>
+            <a:fld id="{4DCF616F-5CE8-4DDD-ACCC-703D09B28319}" type="datetimeFigureOut">
+              <a:rPr lang="en-US" smtClean="0"/>
+              <a:t>2/24/2025</a:t>
+            </a:fld>
+            <a:endParaRPr lang="en-US"/>
+          </a:p>
+        </p:txBody>
+      </p:sp>
+      <p:sp>
+        <p:nvSpPr>
+          <p:cNvPr id="4" name="Slide Image Placeholder 3"/>
+          <p:cNvSpPr>
+            <a:spLocks noGrp="1" noRot="1" noChangeAspect="1"/>
+          </p:cNvSpPr>
+          <p:nvPr>
+            <p:ph type="sldImg" idx="2"/>
+          </p:nvPr>
+        </p:nvSpPr>
+        <p:spPr>
+          <a:xfrm>
+            <a:off x="685800" y="1143000"/>
+            <a:ext cx="5486400" cy="3086100"/>
+          </a:xfrm>
+          <a:prstGeom prst="rect">
+            <a:avLst/>
+          </a:prstGeom>
+          <a:noFill/>
+          <a:ln w="12700">
+            <a:solidFill>
+              <a:prstClr val="black"/>
+            </a:solidFill>
+          </a:ln>
+        </p:spPr>
+        <p:txBody>
+          <a:bodyPr vert="horz" lIns="91440" tIns="45720" rIns="91440" bIns="45720" rtlCol="0" anchor="ctr"/>
+          <a:lstStyle/>
+          <a:p>
+            <a:endParaRPr lang="en-US"/>
+          </a:p>
+        </p:txBody>
+      </p:sp>
+      <p:sp>
+        <p:nvSpPr>
+          <p:cNvPr id="5" name="Notes Placeholder 4"/>
+          <p:cNvSpPr>
+            <a:spLocks noGrp="1"/>
+          </p:cNvSpPr>
+          <p:nvPr>
+            <p:ph type="body" sz="quarter" idx="3"/>
+          </p:nvPr>
+        </p:nvSpPr>
+        <p:spPr>
+          <a:xfrm>
+            <a:off x="685800" y="4400550"/>
+            <a:ext cx="5486400" cy="3600450"/>
+          </a:xfrm>
+          <a:prstGeom prst="rect">
+            <a:avLst/>
+          </a:prstGeom>
+        </p:spPr>
+        <p:txBody>
+          <a:bodyPr vert="horz" lIns="91440" tIns="45720" rIns="91440" bIns="45720" rtlCol="0"/>
+          <a:lstStyle/>
+          <a:p>
+            <a:pPr lvl="0"/>
+            <a:r>
+              <a:rPr lang="en-US"/>
+              <a:t>Click to edit Master text styles</a:t>
+            </a:r>
+          </a:p>
+          <a:p>
+            <a:pPr lvl="1"/>
+            <a:r>
+              <a:rPr lang="en-US"/>
+              <a:t>Second level</a:t>
+            </a:r>
+          </a:p>
+          <a:p>
+            <a:pPr lvl="2"/>
+            <a:r>
+              <a:rPr lang="en-US"/>
+              <a:t>Third level</a:t>
+            </a:r>
+          </a:p>
+          <a:p>
+            <a:pPr lvl="3"/>
+            <a:r>
+              <a:rPr lang="en-US"/>
+              <a:t>Fourth level</a:t>
+            </a:r>
+          </a:p>
+          <a:p>
+            <a:pPr lvl="4"/>
+            <a:r>
+              <a:rPr lang="en-US"/>
+              <a:t>Fifth level</a:t>
+            </a:r>
+          </a:p>
+        </p:txBody>
+      </p:sp>
+      <p:sp>
+        <p:nvSpPr>
+          <p:cNvPr id="6" name="Footer Placeholder 5"/>
+          <p:cNvSpPr>
+            <a:spLocks noGrp="1"/>
+          </p:cNvSpPr>
+          <p:nvPr>
+            <p:ph type="ftr" sz="quarter" idx="4"/>
+          </p:nvPr>
+        </p:nvSpPr>
+        <p:spPr>
+          <a:xfrm>
+            <a:off x="0" y="8685213"/>
+            <a:ext cx="2971800" cy="458787"/>
+          </a:xfrm>
+          <a:prstGeom prst="rect">
+            <a:avLst/>
+          </a:prstGeom>
+        </p:spPr>
+        <p:txBody>
+          <a:bodyPr vert="horz" lIns="91440" tIns="45720" rIns="91440" bIns="45720" rtlCol="0" anchor="b"/>
+          <a:lstStyle>
+            <a:lvl1pPr algn="l">
+              <a:defRPr sz="1200"/>
+            </a:lvl1pPr>
+          </a:lstStyle>
+          <a:p>
+            <a:endParaRPr lang="en-US"/>
+          </a:p>
+        </p:txBody>
+      </p:sp>
+      <p:sp>
+        <p:nvSpPr>
+          <p:cNvPr id="7" name="Slide Number Placeholder 6"/>
+          <p:cNvSpPr>
+            <a:spLocks noGrp="1"/>
+          </p:cNvSpPr>
+          <p:nvPr>
+            <p:ph type="sldNum" sz="quarter" idx="5"/>
+          </p:nvPr>
+        </p:nvSpPr>
+        <p:spPr>
+          <a:xfrm>
+            <a:off x="3884613" y="8685213"/>
+            <a:ext cx="2971800" cy="458787"/>
+          </a:xfrm>
+          <a:prstGeom prst="rect">
+            <a:avLst/>
+          </a:prstGeom>
+        </p:spPr>
+        <p:txBody>
+          <a:bodyPr vert="horz" lIns="91440" tIns="45720" rIns="91440" bIns="45720" rtlCol="0" anchor="b"/>
+          <a:lstStyle>
+            <a:lvl1pPr algn="r">
+              <a:defRPr sz="1200"/>
+            </a:lvl1pPr>
+          </a:lstStyle>
+          <a:p>
+            <a:fld id="{6A41BF52-3BA7-4B06-90F9-F6F7DCDB6870}" type="slidenum">
+              <a:rPr lang="en-US" smtClean="0"/>
+              <a:t>‹#›</a:t>
+            </a:fld>
+            <a:endParaRPr lang="en-US"/>
+          </a:p>
+        </p:txBody>
+      </p:sp>
+    </p:spTree>
+    <p:extLst>
+      <p:ext uri="{BB962C8B-B14F-4D97-AF65-F5344CB8AC3E}">
+        <p14:creationId xmlns:p14="http://schemas.microsoft.com/office/powerpoint/2010/main" val="2548061928"/>
+      </p:ext>
+    </p:extLst>
+  </p:cSld>
+  <p:clrMap bg1="lt1" tx1="dk1" bg2="lt2" tx2="dk2" accent1="accent1" accent2="accent2" accent3="accent3" accent4="accent4" accent5="accent5" accent6="accent6" hlink="hlink" folHlink="folHlink"/>
+  <p:notesStyle>
+    <a:lvl1pPr marL="0" algn="l" defTabSz="914400" rtl="0" eaLnBrk="1" latinLnBrk="0" hangingPunct="1">
+      <a:defRPr sz="1200" kern="1200">
+        <a:solidFill>
+          <a:schemeClr val="tx1"/>
+        </a:solidFill>
+        <a:latin typeface="+mn-lt"/>
+        <a:ea typeface="+mn-ea"/>
+        <a:cs typeface="+mn-cs"/>
+      </a:defRPr>
+    </a:lvl1pPr>
+    <a:lvl2pPr marL="457200" algn="l" defTabSz="914400" rtl="0" eaLnBrk="1" latinLnBrk="0" hangingPunct="1">
+      <a:defRPr sz="1200" kern="1200">
+        <a:solidFill>
+          <a:schemeClr val="tx1"/>
+        </a:solidFill>
+        <a:latin typeface="+mn-lt"/>
+        <a:ea typeface="+mn-ea"/>
+        <a:cs typeface="+mn-cs"/>
+      </a:defRPr>
+    </a:lvl2pPr>
+    <a:lvl3pPr marL="914400" algn="l" defTabSz="914400" rtl="0" eaLnBrk="1" latinLnBrk="0" hangingPunct="1">
+      <a:defRPr sz="1200" kern="1200">
+        <a:solidFill>
+          <a:schemeClr val="tx1"/>
+        </a:solidFill>
+        <a:latin typeface="+mn-lt"/>
+        <a:ea typeface="+mn-ea"/>
+        <a:cs typeface="+mn-cs"/>
+      </a:defRPr>
+    </a:lvl3pPr>
+    <a:lvl4pPr marL="1371600" algn="l" defTabSz="914400" rtl="0" eaLnBrk="1" latinLnBrk="0" hangingPunct="1">
+      <a:defRPr sz="1200" kern="1200">
+        <a:solidFill>
+          <a:schemeClr val="tx1"/>
+        </a:solidFill>
+        <a:latin typeface="+mn-lt"/>
+        <a:ea typeface="+mn-ea"/>
+        <a:cs typeface="+mn-cs"/>
+      </a:defRPr>
+    </a:lvl4pPr>
+    <a:lvl5pPr marL="1828800" algn="l" defTabSz="914400" rtl="0" eaLnBrk="1" latinLnBrk="0" hangingPunct="1">
+      <a:defRPr sz="1200" kern="1200">
+        <a:solidFill>
+          <a:schemeClr val="tx1"/>
+        </a:solidFill>
+        <a:latin typeface="+mn-lt"/>
+        <a:ea typeface="+mn-ea"/>
+        <a:cs typeface="+mn-cs"/>
+      </a:defRPr>
+    </a:lvl5pPr>
+    <a:lvl6pPr marL="2286000" algn="l" defTabSz="914400" rtl="0" eaLnBrk="1" latinLnBrk="0" hangingPunct="1">
+      <a:defRPr sz="1200" kern="1200">
+        <a:solidFill>
+          <a:schemeClr val="tx1"/>
+        </a:solidFill>
+        <a:latin typeface="+mn-lt"/>
+        <a:ea typeface="+mn-ea"/>
+        <a:cs typeface="+mn-cs"/>
+      </a:defRPr>
+    </a:lvl6pPr>
+    <a:lvl7pPr marL="2743200" algn="l" defTabSz="914400" rtl="0" eaLnBrk="1" latinLnBrk="0" hangingPunct="1">
+      <a:defRPr sz="1200" kern="1200">
+        <a:solidFill>
+          <a:schemeClr val="tx1"/>
+        </a:solidFill>
+        <a:latin typeface="+mn-lt"/>
+        <a:ea typeface="+mn-ea"/>
+        <a:cs typeface="+mn-cs"/>
+      </a:defRPr>
+    </a:lvl7pPr>
+    <a:lvl8pPr marL="3200400" algn="l" defTabSz="914400" rtl="0" eaLnBrk="1" latinLnBrk="0" hangingPunct="1">
+      <a:defRPr sz="1200" kern="1200">
+        <a:solidFill>
+          <a:schemeClr val="tx1"/>
+        </a:solidFill>
+        <a:latin typeface="+mn-lt"/>
+        <a:ea typeface="+mn-ea"/>
+        <a:cs typeface="+mn-cs"/>
+      </a:defRPr>
+    </a:lvl8pPr>
+    <a:lvl9pPr marL="3657600" algn="l" defTabSz="914400" rtl="0" eaLnBrk="1" latinLnBrk="0" hangingPunct="1">
+      <a:defRPr sz="1200" kern="1200">
+        <a:solidFill>
+          <a:schemeClr val="tx1"/>
+        </a:solidFill>
+        <a:latin typeface="+mn-lt"/>
+        <a:ea typeface="+mn-ea"/>
+        <a:cs typeface="+mn-cs"/>
+      </a:defRPr>
+    </a:lvl9pPr>
+  </p:notesStyle>
+</p:notesMaster>
+</file>
+
+<file path=ppt/notesSlides/notesSlide1.xml><?xml version="1.0" encoding="utf-8"?>
+<p:notes xmlns:a="http://schemas.openxmlformats.org/drawingml/2006/main" xmlns:r="http://schemas.openxmlformats.org/officeDocument/2006/relationships" xmlns:p="http://schemas.openxmlformats.org/presentationml/2006/main">
+  <p:cSld>
+    <p:spTree>
+      <p:nvGrpSpPr>
+        <p:cNvPr id="1" name=""/>
+        <p:cNvGrpSpPr/>
+        <p:nvPr/>
+      </p:nvGrpSpPr>
+      <p:grpSpPr>
+        <a:xfrm>
+          <a:off x="0" y="0"/>
+          <a:ext cx="0" cy="0"/>
+          <a:chOff x="0" y="0"/>
+          <a:chExt cx="0" cy="0"/>
+        </a:xfrm>
+      </p:grpSpPr>
+      <p:sp>
+        <p:nvSpPr>
+          <p:cNvPr id="2" name="Slide Image Placeholder 1"/>
+          <p:cNvSpPr>
+            <a:spLocks noGrp="1" noRot="1" noChangeAspect="1"/>
+          </p:cNvSpPr>
+          <p:nvPr>
+            <p:ph type="sldImg"/>
+          </p:nvPr>
+        </p:nvSpPr>
+        <p:spPr/>
+      </p:sp>
+      <p:sp>
+        <p:nvSpPr>
+          <p:cNvPr id="3" name="Notes Placeholder 2"/>
+          <p:cNvSpPr>
+            <a:spLocks noGrp="1"/>
+          </p:cNvSpPr>
+          <p:nvPr>
+            <p:ph type="body" idx="1"/>
+          </p:nvPr>
+        </p:nvSpPr>
+        <p:spPr/>
+        <p:txBody>
+          <a:bodyPr/>
+          <a:lstStyle/>
+          <a:p>
+            <a:endParaRPr lang="en-US" dirty="0"/>
+          </a:p>
+        </p:txBody>
+      </p:sp>
+      <p:sp>
+        <p:nvSpPr>
+          <p:cNvPr id="4" name="Slide Number Placeholder 3"/>
+          <p:cNvSpPr>
+            <a:spLocks noGrp="1"/>
+          </p:cNvSpPr>
+          <p:nvPr>
+            <p:ph type="sldNum" sz="quarter" idx="5"/>
+          </p:nvPr>
+        </p:nvSpPr>
+        <p:spPr/>
+        <p:txBody>
+          <a:bodyPr/>
+          <a:lstStyle/>
+          <a:p>
+            <a:fld id="{6A41BF52-3BA7-4B06-90F9-F6F7DCDB6870}" type="slidenum">
+              <a:rPr lang="en-US" smtClean="0"/>
+              <a:t>8</a:t>
+            </a:fld>
+            <a:endParaRPr lang="en-US"/>
+          </a:p>
+        </p:txBody>
+      </p:sp>
+    </p:spTree>
+    <p:extLst>
+      <p:ext uri="{BB962C8B-B14F-4D97-AF65-F5344CB8AC3E}">
+        <p14:creationId xmlns:p14="http://schemas.microsoft.com/office/powerpoint/2010/main" val="3171103267"/>
+      </p:ext>
+    </p:extLst>
+  </p:cSld>
+  <p:clrMapOvr>
+    <a:masterClrMapping/>
+  </p:clrMapOvr>
+</p:notes>
+</file>
+
+<file path=ppt/notesSlides/notesSlide2.xml><?xml version="1.0" encoding="utf-8"?>
+<p:notes xmlns:a="http://schemas.openxmlformats.org/drawingml/2006/main" xmlns:r="http://schemas.openxmlformats.org/officeDocument/2006/relationships" xmlns:p="http://schemas.openxmlformats.org/presentationml/2006/main">
+  <p:cSld>
+    <p:spTree>
+      <p:nvGrpSpPr>
+        <p:cNvPr id="1" name="">
+          <a:extLst>
+            <a:ext uri="{FF2B5EF4-FFF2-40B4-BE49-F238E27FC236}">
+              <a16:creationId xmlns:a16="http://schemas.microsoft.com/office/drawing/2014/main" id="{EE4256AA-B6FB-DDE6-E9E0-9695EC983663}"/>
+            </a:ext>
+          </a:extLst>
+        </p:cNvPr>
+        <p:cNvGrpSpPr/>
+        <p:nvPr/>
+      </p:nvGrpSpPr>
+      <p:grpSpPr>
+        <a:xfrm>
+          <a:off x="0" y="0"/>
+          <a:ext cx="0" cy="0"/>
+          <a:chOff x="0" y="0"/>
+          <a:chExt cx="0" cy="0"/>
+        </a:xfrm>
+      </p:grpSpPr>
+      <p:sp>
+        <p:nvSpPr>
+          <p:cNvPr id="2" name="Slide Image Placeholder 1">
+            <a:extLst>
+              <a:ext uri="{FF2B5EF4-FFF2-40B4-BE49-F238E27FC236}">
+                <a16:creationId xmlns:a16="http://schemas.microsoft.com/office/drawing/2014/main" id="{8C753555-FDB7-7140-699D-1F7B90C982D4}"/>
+              </a:ext>
+            </a:extLst>
+          </p:cNvPr>
+          <p:cNvSpPr>
+            <a:spLocks noGrp="1" noRot="1" noChangeAspect="1"/>
+          </p:cNvSpPr>
+          <p:nvPr>
+            <p:ph type="sldImg"/>
+          </p:nvPr>
+        </p:nvSpPr>
+        <p:spPr/>
+      </p:sp>
+      <p:sp>
+        <p:nvSpPr>
+          <p:cNvPr id="3" name="Notes Placeholder 2">
+            <a:extLst>
+              <a:ext uri="{FF2B5EF4-FFF2-40B4-BE49-F238E27FC236}">
+                <a16:creationId xmlns:a16="http://schemas.microsoft.com/office/drawing/2014/main" id="{D985A247-ACC6-D1A0-CC1E-D17580EEE26D}"/>
+              </a:ext>
+            </a:extLst>
+          </p:cNvPr>
+          <p:cNvSpPr>
+            <a:spLocks noGrp="1"/>
+          </p:cNvSpPr>
+          <p:nvPr>
+            <p:ph type="body" idx="1"/>
+          </p:nvPr>
+        </p:nvSpPr>
+        <p:spPr/>
+        <p:txBody>
+          <a:bodyPr/>
+          <a:lstStyle/>
+          <a:p>
+            <a:endParaRPr lang="en-US" dirty="0"/>
+          </a:p>
+        </p:txBody>
+      </p:sp>
+      <p:sp>
+        <p:nvSpPr>
+          <p:cNvPr id="4" name="Slide Number Placeholder 3">
+            <a:extLst>
+              <a:ext uri="{FF2B5EF4-FFF2-40B4-BE49-F238E27FC236}">
+                <a16:creationId xmlns:a16="http://schemas.microsoft.com/office/drawing/2014/main" id="{3723C5AA-E89A-3922-5AC3-874975659407}"/>
+              </a:ext>
+            </a:extLst>
+          </p:cNvPr>
+          <p:cNvSpPr>
+            <a:spLocks noGrp="1"/>
+          </p:cNvSpPr>
+          <p:nvPr>
+            <p:ph type="sldNum" sz="quarter" idx="5"/>
+          </p:nvPr>
+        </p:nvSpPr>
+        <p:spPr/>
+        <p:txBody>
+          <a:bodyPr/>
+          <a:lstStyle/>
+          <a:p>
+            <a:fld id="{6A41BF52-3BA7-4B06-90F9-F6F7DCDB6870}" type="slidenum">
+              <a:rPr lang="en-US" smtClean="0"/>
+              <a:t>9</a:t>
+            </a:fld>
+            <a:endParaRPr lang="en-US"/>
+          </a:p>
+        </p:txBody>
+      </p:sp>
+    </p:spTree>
+    <p:extLst>
+      <p:ext uri="{BB962C8B-B14F-4D97-AF65-F5344CB8AC3E}">
+        <p14:creationId xmlns:p14="http://schemas.microsoft.com/office/powerpoint/2010/main" val="211539106"/>
+      </p:ext>
+    </p:extLst>
+  </p:cSld>
+  <p:clrMapOvr>
+    <a:masterClrMapping/>
+  </p:clrMapOvr>
+</p:notes>
+</file>
+
 <file path=ppt/slideLayouts/slideLayout1.xml><?xml version="1.0" encoding="utf-8"?>
 <p:sldLayout xmlns:a="http://schemas.openxmlformats.org/drawingml/2006/main" xmlns:r="http://schemas.openxmlformats.org/officeDocument/2006/relationships" xmlns:p="http://schemas.openxmlformats.org/presentationml/2006/main" type="title" preserve="1">
   <p:cSld name="Title Slide">
@@ -341,14 +889,14 @@
   <p:clrMapOvr>
     <a:masterClrMapping/>
   </p:clrMapOvr>
-  <mc:AlternateContent xmlns:mc="http://schemas.openxmlformats.org/markup-compatibility/2006" xmlns:p15="http://schemas.microsoft.com/office/powerpoint/2012/main">
-    <mc:Choice Requires="p15">
-      <p:transition spd="slow">
+  <mc:AlternateContent xmlns:mc="http://schemas.openxmlformats.org/markup-compatibility/2006">
+    <mc:Choice xmlns:p15="http://schemas.microsoft.com/office/powerpoint/2012/main" Requires="p15">
+      <p:transition spd="med">
         <p15:prstTrans prst="peelOff"/>
       </p:transition>
     </mc:Choice>
-    <mc:Fallback xmlns="">
-      <p:transition spd="slow">
+    <mc:Fallback>
+      <p:transition spd="med">
         <p:fade/>
       </p:transition>
     </mc:Fallback>
@@ -551,14 +1099,14 @@
   <p:clrMapOvr>
     <a:masterClrMapping/>
   </p:clrMapOvr>
-  <mc:AlternateContent xmlns:mc="http://schemas.openxmlformats.org/markup-compatibility/2006" xmlns:p15="http://schemas.microsoft.com/office/powerpoint/2012/main">
-    <mc:Choice Requires="p15">
-      <p:transition spd="slow">
+  <mc:AlternateContent xmlns:mc="http://schemas.openxmlformats.org/markup-compatibility/2006">
+    <mc:Choice xmlns:p15="http://schemas.microsoft.com/office/powerpoint/2012/main" Requires="p15">
+      <p:transition spd="med">
         <p15:prstTrans prst="peelOff"/>
       </p:transition>
     </mc:Choice>
-    <mc:Fallback xmlns="">
-      <p:transition spd="slow">
+    <mc:Fallback>
+      <p:transition spd="med">
         <p:fade/>
       </p:transition>
     </mc:Fallback>
@@ -771,14 +1319,14 @@
   <p:clrMapOvr>
     <a:masterClrMapping/>
   </p:clrMapOvr>
-  <mc:AlternateContent xmlns:mc="http://schemas.openxmlformats.org/markup-compatibility/2006" xmlns:p15="http://schemas.microsoft.com/office/powerpoint/2012/main">
-    <mc:Choice Requires="p15">
-      <p:transition spd="slow">
+  <mc:AlternateContent xmlns:mc="http://schemas.openxmlformats.org/markup-compatibility/2006">
+    <mc:Choice xmlns:p15="http://schemas.microsoft.com/office/powerpoint/2012/main" Requires="p15">
+      <p:transition spd="med">
         <p15:prstTrans prst="peelOff"/>
       </p:transition>
     </mc:Choice>
-    <mc:Fallback xmlns="">
-      <p:transition spd="slow">
+    <mc:Fallback>
+      <p:transition spd="med">
         <p:fade/>
       </p:transition>
     </mc:Fallback>
@@ -981,14 +1529,14 @@
   <p:clrMapOvr>
     <a:masterClrMapping/>
   </p:clrMapOvr>
-  <mc:AlternateContent xmlns:mc="http://schemas.openxmlformats.org/markup-compatibility/2006" xmlns:p15="http://schemas.microsoft.com/office/powerpoint/2012/main">
-    <mc:Choice Requires="p15">
-      <p:transition spd="slow">
+  <mc:AlternateContent xmlns:mc="http://schemas.openxmlformats.org/markup-compatibility/2006">
+    <mc:Choice xmlns:p15="http://schemas.microsoft.com/office/powerpoint/2012/main" Requires="p15">
+      <p:transition spd="med">
         <p15:prstTrans prst="peelOff"/>
       </p:transition>
     </mc:Choice>
-    <mc:Fallback xmlns="">
-      <p:transition spd="slow">
+    <mc:Fallback>
+      <p:transition spd="med">
         <p:fade/>
       </p:transition>
     </mc:Fallback>
@@ -1268,14 +1816,14 @@
   <p:clrMapOvr>
     <a:masterClrMapping/>
   </p:clrMapOvr>
-  <mc:AlternateContent xmlns:mc="http://schemas.openxmlformats.org/markup-compatibility/2006" xmlns:p15="http://schemas.microsoft.com/office/powerpoint/2012/main">
-    <mc:Choice Requires="p15">
-      <p:transition spd="slow">
+  <mc:AlternateContent xmlns:mc="http://schemas.openxmlformats.org/markup-compatibility/2006">
+    <mc:Choice xmlns:p15="http://schemas.microsoft.com/office/powerpoint/2012/main" Requires="p15">
+      <p:transition spd="med">
         <p15:prstTrans prst="peelOff"/>
       </p:transition>
     </mc:Choice>
-    <mc:Fallback xmlns="">
-      <p:transition spd="slow">
+    <mc:Fallback>
+      <p:transition spd="med">
         <p:fade/>
       </p:transition>
     </mc:Fallback>
@@ -1545,14 +2093,14 @@
   <p:clrMapOvr>
     <a:masterClrMapping/>
   </p:clrMapOvr>
-  <mc:AlternateContent xmlns:mc="http://schemas.openxmlformats.org/markup-compatibility/2006" xmlns:p15="http://schemas.microsoft.com/office/powerpoint/2012/main">
-    <mc:Choice Requires="p15">
-      <p:transition spd="slow">
+  <mc:AlternateContent xmlns:mc="http://schemas.openxmlformats.org/markup-compatibility/2006">
+    <mc:Choice xmlns:p15="http://schemas.microsoft.com/office/powerpoint/2012/main" Requires="p15">
+      <p:transition spd="med">
         <p15:prstTrans prst="peelOff"/>
       </p:transition>
     </mc:Choice>
-    <mc:Fallback xmlns="">
-      <p:transition spd="slow">
+    <mc:Fallback>
+      <p:transition spd="med">
         <p:fade/>
       </p:transition>
     </mc:Fallback>
@@ -1969,14 +2517,14 @@
   <p:clrMapOvr>
     <a:masterClrMapping/>
   </p:clrMapOvr>
-  <mc:AlternateContent xmlns:mc="http://schemas.openxmlformats.org/markup-compatibility/2006" xmlns:p15="http://schemas.microsoft.com/office/powerpoint/2012/main">
-    <mc:Choice Requires="p15">
-      <p:transition spd="slow">
+  <mc:AlternateContent xmlns:mc="http://schemas.openxmlformats.org/markup-compatibility/2006">
+    <mc:Choice xmlns:p15="http://schemas.microsoft.com/office/powerpoint/2012/main" Requires="p15">
+      <p:transition spd="med">
         <p15:prstTrans prst="peelOff"/>
       </p:transition>
     </mc:Choice>
-    <mc:Fallback xmlns="">
-      <p:transition spd="slow">
+    <mc:Fallback>
+      <p:transition spd="med">
         <p:fade/>
       </p:transition>
     </mc:Fallback>
@@ -2122,14 +2670,14 @@
   <p:clrMapOvr>
     <a:masterClrMapping/>
   </p:clrMapOvr>
-  <mc:AlternateContent xmlns:mc="http://schemas.openxmlformats.org/markup-compatibility/2006" xmlns:p15="http://schemas.microsoft.com/office/powerpoint/2012/main">
-    <mc:Choice Requires="p15">
-      <p:transition spd="slow">
+  <mc:AlternateContent xmlns:mc="http://schemas.openxmlformats.org/markup-compatibility/2006">
+    <mc:Choice xmlns:p15="http://schemas.microsoft.com/office/powerpoint/2012/main" Requires="p15">
+      <p:transition spd="med">
         <p15:prstTrans prst="peelOff"/>
       </p:transition>
     </mc:Choice>
-    <mc:Fallback xmlns="">
-      <p:transition spd="slow">
+    <mc:Fallback>
+      <p:transition spd="med">
         <p:fade/>
       </p:transition>
     </mc:Fallback>
@@ -2247,14 +2795,14 @@
   <p:clrMapOvr>
     <a:masterClrMapping/>
   </p:clrMapOvr>
-  <mc:AlternateContent xmlns:mc="http://schemas.openxmlformats.org/markup-compatibility/2006" xmlns:p15="http://schemas.microsoft.com/office/powerpoint/2012/main">
-    <mc:Choice Requires="p15">
-      <p:transition spd="slow">
+  <mc:AlternateContent xmlns:mc="http://schemas.openxmlformats.org/markup-compatibility/2006">
+    <mc:Choice xmlns:p15="http://schemas.microsoft.com/office/powerpoint/2012/main" Requires="p15">
+      <p:transition spd="med">
         <p15:prstTrans prst="peelOff"/>
       </p:transition>
     </mc:Choice>
-    <mc:Fallback xmlns="">
-      <p:transition spd="slow">
+    <mc:Fallback>
+      <p:transition spd="med">
         <p:fade/>
       </p:transition>
     </mc:Fallback>
@@ -2570,14 +3118,14 @@
   <p:clrMapOvr>
     <a:masterClrMapping/>
   </p:clrMapOvr>
-  <mc:AlternateContent xmlns:mc="http://schemas.openxmlformats.org/markup-compatibility/2006" xmlns:p15="http://schemas.microsoft.com/office/powerpoint/2012/main">
-    <mc:Choice Requires="p15">
-      <p:transition spd="slow">
+  <mc:AlternateContent xmlns:mc="http://schemas.openxmlformats.org/markup-compatibility/2006">
+    <mc:Choice xmlns:p15="http://schemas.microsoft.com/office/powerpoint/2012/main" Requires="p15">
+      <p:transition spd="med">
         <p15:prstTrans prst="peelOff"/>
       </p:transition>
     </mc:Choice>
-    <mc:Fallback xmlns="">
-      <p:transition spd="slow">
+    <mc:Fallback>
+      <p:transition spd="med">
         <p:fade/>
       </p:transition>
     </mc:Fallback>
@@ -2870,14 +3418,14 @@
   <p:clrMapOvr>
     <a:masterClrMapping/>
   </p:clrMapOvr>
-  <mc:AlternateContent xmlns:mc="http://schemas.openxmlformats.org/markup-compatibility/2006" xmlns:p15="http://schemas.microsoft.com/office/powerpoint/2012/main">
-    <mc:Choice Requires="p15">
-      <p:transition spd="slow">
+  <mc:AlternateContent xmlns:mc="http://schemas.openxmlformats.org/markup-compatibility/2006">
+    <mc:Choice xmlns:p15="http://schemas.microsoft.com/office/powerpoint/2012/main" Requires="p15">
+      <p:transition spd="med">
         <p15:prstTrans prst="peelOff"/>
       </p:transition>
     </mc:Choice>
-    <mc:Fallback xmlns="">
-      <p:transition spd="slow">
+    <mc:Fallback>
+      <p:transition spd="med">
         <p:fade/>
       </p:transition>
     </mc:Fallback>
@@ -3218,14 +3766,14 @@
     <p:sldLayoutId id="2147483658" r:id="rId10"/>
     <p:sldLayoutId id="2147483659" r:id="rId11"/>
   </p:sldLayoutIdLst>
-  <mc:AlternateContent xmlns:mc="http://schemas.openxmlformats.org/markup-compatibility/2006" xmlns:p15="http://schemas.microsoft.com/office/powerpoint/2012/main">
-    <mc:Choice Requires="p15">
-      <p:transition spd="slow">
+  <mc:AlternateContent xmlns:mc="http://schemas.openxmlformats.org/markup-compatibility/2006">
+    <mc:Choice xmlns:p15="http://schemas.microsoft.com/office/powerpoint/2012/main" Requires="p15">
+      <p:transition spd="med">
         <p15:prstTrans prst="peelOff"/>
       </p:transition>
     </mc:Choice>
-    <mc:Fallback xmlns="">
-      <p:transition spd="slow">
+    <mc:Fallback>
+      <p:transition spd="med">
         <p:fade/>
       </p:transition>
     </mc:Fallback>
@@ -4494,9 +5042,18 @@
   <p:clrMapOvr>
     <a:masterClrMapping/>
   </p:clrMapOvr>
-  <p:transition spd="slow">
-    <p:circle/>
-  </p:transition>
+  <mc:AlternateContent xmlns:mc="http://schemas.openxmlformats.org/markup-compatibility/2006">
+    <mc:Choice xmlns:p15="http://schemas.microsoft.com/office/powerpoint/2012/main" Requires="p15">
+      <p:transition spd="med">
+        <p15:prstTrans prst="peelOff"/>
+      </p:transition>
+    </mc:Choice>
+    <mc:Fallback>
+      <p:transition spd="med">
+        <p:fade/>
+      </p:transition>
+    </mc:Fallback>
+  </mc:AlternateContent>
   <p:timing>
     <p:tnLst>
       <p:par>
@@ -4889,6 +5446,669 @@
         <p:cNvPr id="1" name="">
           <a:extLst>
             <a:ext uri="{FF2B5EF4-FFF2-40B4-BE49-F238E27FC236}">
+              <a16:creationId xmlns:a16="http://schemas.microsoft.com/office/drawing/2014/main" id="{598E7476-50BE-9485-2DF5-52D3B4BACF09}"/>
+            </a:ext>
+          </a:extLst>
+        </p:cNvPr>
+        <p:cNvGrpSpPr/>
+        <p:nvPr/>
+      </p:nvGrpSpPr>
+      <p:grpSpPr>
+        <a:xfrm>
+          <a:off x="0" y="0"/>
+          <a:ext cx="0" cy="0"/>
+          <a:chOff x="0" y="0"/>
+          <a:chExt cx="0" cy="0"/>
+        </a:xfrm>
+      </p:grpSpPr>
+      <p:sp>
+        <p:nvSpPr>
+          <p:cNvPr id="3" name="MG-内容占位符 2">
+            <a:extLst>
+              <a:ext uri="{FF2B5EF4-FFF2-40B4-BE49-F238E27FC236}">
+                <a16:creationId xmlns:a16="http://schemas.microsoft.com/office/drawing/2014/main" id="{040E246E-8F81-DA6B-552B-EEA420A10BA0}"/>
+              </a:ext>
+            </a:extLst>
+          </p:cNvPr>
+          <p:cNvSpPr>
+            <a:spLocks noGrp="1"/>
+          </p:cNvSpPr>
+          <p:nvPr>
+            <p:ph idx="1"/>
+            <p:custDataLst>
+              <p:tags r:id="rId1"/>
+            </p:custDataLst>
+          </p:nvPr>
+        </p:nvSpPr>
+        <p:spPr>
+          <a:xfrm>
+            <a:off x="838200" y="-10633076"/>
+            <a:ext cx="10515600" cy="17491076"/>
+          </a:xfrm>
+        </p:spPr>
+        <p:txBody>
+          <a:bodyPr wrap="square">
+            <a:noAutofit/>
+          </a:bodyPr>
+          <a:lstStyle/>
+          <a:p>
+            <a:r>
+              <a:rPr lang="en-US" dirty="0"/>
+              <a:t>Gregor Samsa</a:t>
+            </a:r>
+          </a:p>
+          <a:p>
+            <a:pPr lvl="1"/>
+            <a:r>
+              <a:rPr lang="en-US" dirty="0"/>
+              <a:t>The protagonist</a:t>
+            </a:r>
+          </a:p>
+          <a:p>
+            <a:pPr lvl="1"/>
+            <a:r>
+              <a:rPr lang="en-US" dirty="0"/>
+              <a:t>A traveling salesman</a:t>
+            </a:r>
+          </a:p>
+          <a:p>
+            <a:pPr lvl="1"/>
+            <a:r>
+              <a:rPr lang="en-US" dirty="0"/>
+              <a:t>Transformed into an insect</a:t>
+            </a:r>
+          </a:p>
+          <a:p>
+            <a:pPr lvl="1"/>
+            <a:r>
+              <a:rPr lang="en-US" dirty="0"/>
+              <a:t>The only person who have a job in the family</a:t>
+            </a:r>
+          </a:p>
+          <a:p>
+            <a:r>
+              <a:rPr lang="en-US" dirty="0"/>
+              <a:t>Grete Samsa</a:t>
+            </a:r>
+          </a:p>
+          <a:p>
+            <a:pPr lvl="1"/>
+            <a:r>
+              <a:rPr lang="en-US" dirty="0"/>
+              <a:t>Gregor’s sister</a:t>
+            </a:r>
+          </a:p>
+          <a:p>
+            <a:pPr lvl="1"/>
+            <a:r>
+              <a:rPr lang="en-US" dirty="0"/>
+              <a:t>The only character who take care of Gregor after he has transformed into an insect in the whole story</a:t>
+            </a:r>
+          </a:p>
+          <a:p>
+            <a:pPr lvl="1"/>
+            <a:r>
+              <a:rPr lang="en-US" dirty="0"/>
+              <a:t>Stopped taking care of Gregor after taking on a salesgirl job</a:t>
+            </a:r>
+          </a:p>
+          <a:p>
+            <a:pPr lvl="1"/>
+            <a:r>
+              <a:rPr lang="en-US" dirty="0"/>
+              <a:t>A very good violin player</a:t>
+            </a:r>
+          </a:p>
+          <a:p>
+            <a:r>
+              <a:rPr lang="en-US" dirty="0"/>
+              <a:t>Gregor’s father</a:t>
+            </a:r>
+          </a:p>
+          <a:p>
+            <a:pPr lvl="1"/>
+            <a:r>
+              <a:rPr lang="en-US" dirty="0"/>
+              <a:t>Is mistrustful and unsympathetic towards Gregor after the transformation</a:t>
+            </a:r>
+          </a:p>
+          <a:p>
+            <a:pPr lvl="1"/>
+            <a:r>
+              <a:rPr lang="en-US" dirty="0"/>
+              <a:t>Is exhausted and emotionally broken because of the failure of his business</a:t>
+            </a:r>
+          </a:p>
+          <a:p>
+            <a:pPr lvl="1"/>
+            <a:r>
+              <a:rPr lang="en-US" dirty="0"/>
+              <a:t>Attacked Gregor with apples</a:t>
+            </a:r>
+          </a:p>
+          <a:p>
+            <a:r>
+              <a:rPr lang="en-US" dirty="0"/>
+              <a:t>Gregor’s mother</a:t>
+            </a:r>
+          </a:p>
+          <a:p>
+            <a:pPr lvl="1"/>
+            <a:r>
+              <a:rPr lang="en-US" dirty="0"/>
+              <a:t>Is suffering from asthma</a:t>
+            </a:r>
+          </a:p>
+          <a:p>
+            <a:pPr lvl="1"/>
+            <a:r>
+              <a:rPr lang="en-US" dirty="0"/>
+              <a:t>Being overall neutral throughout the story</a:t>
+            </a:r>
+          </a:p>
+          <a:p>
+            <a:pPr lvl="1"/>
+            <a:r>
+              <a:rPr lang="en-US" dirty="0"/>
+              <a:t>The attitude towards Gregor is both horrifying and loving</a:t>
+            </a:r>
+          </a:p>
+          <a:p>
+            <a:r>
+              <a:rPr lang="en-US" dirty="0"/>
+              <a:t>The manager</a:t>
+            </a:r>
+          </a:p>
+          <a:p>
+            <a:pPr lvl="1"/>
+            <a:r>
+              <a:rPr lang="en-US" dirty="0"/>
+              <a:t>Gregor’s boss before the transformation</a:t>
+            </a:r>
+          </a:p>
+          <a:p>
+            <a:pPr lvl="1"/>
+            <a:r>
+              <a:rPr lang="en-US" dirty="0"/>
+              <a:t>Immediately leave Gregor’s house when he discovered that Gregor has transformed</a:t>
+            </a:r>
+          </a:p>
+          <a:p>
+            <a:r>
+              <a:rPr lang="en-US" dirty="0"/>
+              <a:t>The </a:t>
+            </a:r>
+            <a:r>
+              <a:rPr lang="en-US" dirty="0" err="1"/>
+              <a:t>loadgers</a:t>
+            </a:r>
+            <a:endParaRPr lang="en-US" dirty="0"/>
+          </a:p>
+          <a:p>
+            <a:pPr lvl="1"/>
+            <a:r>
+              <a:rPr lang="en-US" dirty="0"/>
+              <a:t>Three people who rent one of the rooms in Gregor’s house</a:t>
+            </a:r>
+          </a:p>
+          <a:p>
+            <a:pPr lvl="1"/>
+            <a:r>
+              <a:rPr lang="en-US" dirty="0"/>
+              <a:t>Immediately declares that he won't pay for the </a:t>
+            </a:r>
+            <a:r>
+              <a:rPr lang="en-US" dirty="0" err="1"/>
+              <a:t>Samsas'</a:t>
+            </a:r>
+            <a:r>
+              <a:rPr lang="en-US" dirty="0"/>
+              <a:t> services after seeing the insect (Gregor)</a:t>
+            </a:r>
+          </a:p>
+          <a:p>
+            <a:r>
+              <a:rPr lang="en-US" dirty="0"/>
+              <a:t>Charwoman</a:t>
+            </a:r>
+          </a:p>
+          <a:p>
+            <a:pPr lvl="1"/>
+            <a:r>
+              <a:rPr lang="en-US" dirty="0"/>
+              <a:t>Hired by the family few months after Gregor’s transformation to replace the servant girl and the cook</a:t>
+            </a:r>
+          </a:p>
+          <a:p>
+            <a:pPr lvl="1"/>
+            <a:r>
+              <a:rPr lang="en-US" dirty="0"/>
+              <a:t>The least disgusted and frightened by Gregor</a:t>
+            </a:r>
+          </a:p>
+        </p:txBody>
+      </p:sp>
+    </p:spTree>
+    <p:extLst>
+      <p:ext uri="{BB962C8B-B14F-4D97-AF65-F5344CB8AC3E}">
+        <p14:creationId xmlns:p14="http://schemas.microsoft.com/office/powerpoint/2010/main" val="2880207696"/>
+      </p:ext>
+    </p:extLst>
+  </p:cSld>
+  <p:clrMapOvr>
+    <a:masterClrMapping/>
+  </p:clrMapOvr>
+  <mc:AlternateContent xmlns:mc="http://schemas.openxmlformats.org/markup-compatibility/2006">
+    <mc:Choice xmlns:p159="http://schemas.microsoft.com/office/powerpoint/2015/09/main" Requires="p159">
+      <p:transition spd="med">
+        <p159:morph option="byWord"/>
+      </p:transition>
+    </mc:Choice>
+    <mc:Fallback>
+      <p:transition spd="med">
+        <p:fade/>
+      </p:transition>
+    </mc:Fallback>
+  </mc:AlternateContent>
+  <p:timing>
+    <p:tnLst>
+      <p:par>
+        <p:cTn id="1" dur="indefinite" restart="never" nodeType="tmRoot">
+          <p:childTnLst>
+            <p:seq concurrent="1" nextAc="seek">
+              <p:cTn id="2" dur="indefinite" nodeType="mainSeq">
+                <p:childTnLst>
+                  <p:par>
+                    <p:cTn id="3" fill="hold">
+                      <p:stCondLst>
+                        <p:cond delay="indefinite"/>
+                        <p:cond evt="onBegin" delay="0">
+                          <p:tn val="2"/>
+                        </p:cond>
+                      </p:stCondLst>
+                      <p:childTnLst>
+                        <p:par>
+                          <p:cTn id="4" fill="hold">
+                            <p:stCondLst>
+                              <p:cond delay="0"/>
+                            </p:stCondLst>
+                            <p:childTnLst>
+                              <p:par>
+                                <p:cTn id="5" presetID="42" presetClass="entr" presetSubtype="0" fill="hold" grpId="0" nodeType="afterEffect">
+                                  <p:stCondLst>
+                                    <p:cond delay="0"/>
+                                  </p:stCondLst>
+                                  <p:childTnLst>
+                                    <p:set>
+                                      <p:cBhvr>
+                                        <p:cTn id="6" dur="1" fill="hold">
+                                          <p:stCondLst>
+                                            <p:cond delay="0"/>
+                                          </p:stCondLst>
+                                        </p:cTn>
+                                        <p:tgtEl>
+                                          <p:spTgt spid="3">
+                                            <p:txEl>
+                                              <p:pRg st="23" end="23"/>
+                                            </p:txEl>
+                                          </p:spTgt>
+                                        </p:tgtEl>
+                                        <p:attrNameLst>
+                                          <p:attrName>style.visibility</p:attrName>
+                                        </p:attrNameLst>
+                                      </p:cBhvr>
+                                      <p:to>
+                                        <p:strVal val="visible"/>
+                                      </p:to>
+                                    </p:set>
+                                    <p:animEffect transition="in" filter="fade">
+                                      <p:cBhvr>
+                                        <p:cTn id="7" dur="750"/>
+                                        <p:tgtEl>
+                                          <p:spTgt spid="3">
+                                            <p:txEl>
+                                              <p:pRg st="23" end="23"/>
+                                            </p:txEl>
+                                          </p:spTgt>
+                                        </p:tgtEl>
+                                      </p:cBhvr>
+                                    </p:animEffect>
+                                    <p:anim calcmode="lin" valueType="num">
+                                      <p:cBhvr>
+                                        <p:cTn id="8" dur="750" decel="100000" fill="hold"/>
+                                        <p:tgtEl>
+                                          <p:spTgt spid="3">
+                                            <p:txEl>
+                                              <p:pRg st="23" end="23"/>
+                                            </p:txEl>
+                                          </p:spTgt>
+                                        </p:tgtEl>
+                                        <p:attrNameLst>
+                                          <p:attrName>ppt_x</p:attrName>
+                                        </p:attrNameLst>
+                                      </p:cBhvr>
+                                      <p:tavLst>
+                                        <p:tav tm="0">
+                                          <p:val>
+                                            <p:strVal val="#ppt_x-.1"/>
+                                          </p:val>
+                                        </p:tav>
+                                        <p:tav tm="100000">
+                                          <p:val>
+                                            <p:strVal val="#ppt_x"/>
+                                          </p:val>
+                                        </p:tav>
+                                      </p:tavLst>
+                                    </p:anim>
+                                  </p:childTnLst>
+                                </p:cTn>
+                              </p:par>
+                            </p:childTnLst>
+                          </p:cTn>
+                        </p:par>
+                      </p:childTnLst>
+                    </p:cTn>
+                  </p:par>
+                  <p:par>
+                    <p:cTn id="9" fill="hold">
+                      <p:stCondLst>
+                        <p:cond delay="indefinite"/>
+                      </p:stCondLst>
+                      <p:childTnLst>
+                        <p:par>
+                          <p:cTn id="10" fill="hold">
+                            <p:stCondLst>
+                              <p:cond delay="0"/>
+                            </p:stCondLst>
+                            <p:childTnLst>
+                              <p:par>
+                                <p:cTn id="11" presetID="42" presetClass="entr" presetSubtype="0" fill="hold" grpId="0" nodeType="clickEffect">
+                                  <p:stCondLst>
+                                    <p:cond delay="0"/>
+                                  </p:stCondLst>
+                                  <p:childTnLst>
+                                    <p:set>
+                                      <p:cBhvr>
+                                        <p:cTn id="12" dur="1" fill="hold">
+                                          <p:stCondLst>
+                                            <p:cond delay="0"/>
+                                          </p:stCondLst>
+                                        </p:cTn>
+                                        <p:tgtEl>
+                                          <p:spTgt spid="3">
+                                            <p:txEl>
+                                              <p:pRg st="24" end="24"/>
+                                            </p:txEl>
+                                          </p:spTgt>
+                                        </p:tgtEl>
+                                        <p:attrNameLst>
+                                          <p:attrName>style.visibility</p:attrName>
+                                        </p:attrNameLst>
+                                      </p:cBhvr>
+                                      <p:to>
+                                        <p:strVal val="visible"/>
+                                      </p:to>
+                                    </p:set>
+                                    <p:animEffect transition="in" filter="fade">
+                                      <p:cBhvr>
+                                        <p:cTn id="13" dur="750"/>
+                                        <p:tgtEl>
+                                          <p:spTgt spid="3">
+                                            <p:txEl>
+                                              <p:pRg st="24" end="24"/>
+                                            </p:txEl>
+                                          </p:spTgt>
+                                        </p:tgtEl>
+                                      </p:cBhvr>
+                                    </p:animEffect>
+                                    <p:anim calcmode="lin" valueType="num">
+                                      <p:cBhvr>
+                                        <p:cTn id="14" dur="750" decel="100000" fill="hold"/>
+                                        <p:tgtEl>
+                                          <p:spTgt spid="3">
+                                            <p:txEl>
+                                              <p:pRg st="24" end="24"/>
+                                            </p:txEl>
+                                          </p:spTgt>
+                                        </p:tgtEl>
+                                        <p:attrNameLst>
+                                          <p:attrName>ppt_x</p:attrName>
+                                        </p:attrNameLst>
+                                      </p:cBhvr>
+                                      <p:tavLst>
+                                        <p:tav tm="0">
+                                          <p:val>
+                                            <p:strVal val="#ppt_x-.1"/>
+                                          </p:val>
+                                        </p:tav>
+                                        <p:tav tm="100000">
+                                          <p:val>
+                                            <p:strVal val="#ppt_x"/>
+                                          </p:val>
+                                        </p:tav>
+                                      </p:tavLst>
+                                    </p:anim>
+                                  </p:childTnLst>
+                                </p:cTn>
+                              </p:par>
+                            </p:childTnLst>
+                          </p:cTn>
+                        </p:par>
+                      </p:childTnLst>
+                    </p:cTn>
+                  </p:par>
+                  <p:par>
+                    <p:cTn id="15" fill="hold">
+                      <p:stCondLst>
+                        <p:cond delay="indefinite"/>
+                      </p:stCondLst>
+                      <p:childTnLst>
+                        <p:par>
+                          <p:cTn id="16" fill="hold">
+                            <p:stCondLst>
+                              <p:cond delay="0"/>
+                            </p:stCondLst>
+                            <p:childTnLst>
+                              <p:par>
+                                <p:cTn id="17" presetID="42" presetClass="entr" presetSubtype="0" fill="hold" grpId="0" nodeType="clickEffect">
+                                  <p:stCondLst>
+                                    <p:cond delay="0"/>
+                                  </p:stCondLst>
+                                  <p:childTnLst>
+                                    <p:set>
+                                      <p:cBhvr>
+                                        <p:cTn id="18" dur="1" fill="hold">
+                                          <p:stCondLst>
+                                            <p:cond delay="0"/>
+                                          </p:stCondLst>
+                                        </p:cTn>
+                                        <p:tgtEl>
+                                          <p:spTgt spid="3">
+                                            <p:txEl>
+                                              <p:pRg st="25" end="25"/>
+                                            </p:txEl>
+                                          </p:spTgt>
+                                        </p:tgtEl>
+                                        <p:attrNameLst>
+                                          <p:attrName>style.visibility</p:attrName>
+                                        </p:attrNameLst>
+                                      </p:cBhvr>
+                                      <p:to>
+                                        <p:strVal val="visible"/>
+                                      </p:to>
+                                    </p:set>
+                                    <p:animEffect transition="in" filter="fade">
+                                      <p:cBhvr>
+                                        <p:cTn id="19" dur="750"/>
+                                        <p:tgtEl>
+                                          <p:spTgt spid="3">
+                                            <p:txEl>
+                                              <p:pRg st="25" end="25"/>
+                                            </p:txEl>
+                                          </p:spTgt>
+                                        </p:tgtEl>
+                                      </p:cBhvr>
+                                    </p:animEffect>
+                                    <p:anim calcmode="lin" valueType="num">
+                                      <p:cBhvr>
+                                        <p:cTn id="20" dur="750" decel="100000" fill="hold"/>
+                                        <p:tgtEl>
+                                          <p:spTgt spid="3">
+                                            <p:txEl>
+                                              <p:pRg st="25" end="25"/>
+                                            </p:txEl>
+                                          </p:spTgt>
+                                        </p:tgtEl>
+                                        <p:attrNameLst>
+                                          <p:attrName>ppt_x</p:attrName>
+                                        </p:attrNameLst>
+                                      </p:cBhvr>
+                                      <p:tavLst>
+                                        <p:tav tm="0">
+                                          <p:val>
+                                            <p:strVal val="#ppt_x-.1"/>
+                                          </p:val>
+                                        </p:tav>
+                                        <p:tav tm="100000">
+                                          <p:val>
+                                            <p:strVal val="#ppt_x"/>
+                                          </p:val>
+                                        </p:tav>
+                                      </p:tavLst>
+                                    </p:anim>
+                                  </p:childTnLst>
+                                </p:cTn>
+                              </p:par>
+                            </p:childTnLst>
+                          </p:cTn>
+                        </p:par>
+                      </p:childTnLst>
+                    </p:cTn>
+                  </p:par>
+                  <p:par>
+                    <p:cTn id="21" fill="hold">
+                      <p:stCondLst>
+                        <p:cond delay="indefinite"/>
+                      </p:stCondLst>
+                      <p:childTnLst>
+                        <p:par>
+                          <p:cTn id="22" fill="hold">
+                            <p:stCondLst>
+                              <p:cond delay="0"/>
+                            </p:stCondLst>
+                            <p:childTnLst>
+                              <p:par>
+                                <p:cTn id="23" presetID="42" presetClass="entr" presetSubtype="0" fill="hold" grpId="0" nodeType="clickEffect">
+                                  <p:stCondLst>
+                                    <p:cond delay="0"/>
+                                  </p:stCondLst>
+                                  <p:childTnLst>
+                                    <p:set>
+                                      <p:cBhvr>
+                                        <p:cTn id="24" dur="1" fill="hold">
+                                          <p:stCondLst>
+                                            <p:cond delay="0"/>
+                                          </p:stCondLst>
+                                        </p:cTn>
+                                        <p:tgtEl>
+                                          <p:spTgt spid="3">
+                                            <p:txEl>
+                                              <p:pRg st="26" end="26"/>
+                                            </p:txEl>
+                                          </p:spTgt>
+                                        </p:tgtEl>
+                                        <p:attrNameLst>
+                                          <p:attrName>style.visibility</p:attrName>
+                                        </p:attrNameLst>
+                                      </p:cBhvr>
+                                      <p:to>
+                                        <p:strVal val="visible"/>
+                                      </p:to>
+                                    </p:set>
+                                    <p:animEffect transition="in" filter="fade">
+                                      <p:cBhvr>
+                                        <p:cTn id="25" dur="750"/>
+                                        <p:tgtEl>
+                                          <p:spTgt spid="3">
+                                            <p:txEl>
+                                              <p:pRg st="26" end="26"/>
+                                            </p:txEl>
+                                          </p:spTgt>
+                                        </p:tgtEl>
+                                      </p:cBhvr>
+                                    </p:animEffect>
+                                    <p:anim calcmode="lin" valueType="num">
+                                      <p:cBhvr>
+                                        <p:cTn id="26" dur="750" decel="100000" fill="hold"/>
+                                        <p:tgtEl>
+                                          <p:spTgt spid="3">
+                                            <p:txEl>
+                                              <p:pRg st="26" end="26"/>
+                                            </p:txEl>
+                                          </p:spTgt>
+                                        </p:tgtEl>
+                                        <p:attrNameLst>
+                                          <p:attrName>ppt_x</p:attrName>
+                                        </p:attrNameLst>
+                                      </p:cBhvr>
+                                      <p:tavLst>
+                                        <p:tav tm="0">
+                                          <p:val>
+                                            <p:strVal val="#ppt_x-.1"/>
+                                          </p:val>
+                                        </p:tav>
+                                        <p:tav tm="100000">
+                                          <p:val>
+                                            <p:strVal val="#ppt_x"/>
+                                          </p:val>
+                                        </p:tav>
+                                      </p:tavLst>
+                                    </p:anim>
+                                  </p:childTnLst>
+                                </p:cTn>
+                              </p:par>
+                            </p:childTnLst>
+                          </p:cTn>
+                        </p:par>
+                      </p:childTnLst>
+                    </p:cTn>
+                  </p:par>
+                </p:childTnLst>
+              </p:cTn>
+              <p:prevCondLst>
+                <p:cond evt="onPrev" delay="0">
+                  <p:tgtEl>
+                    <p:sldTgt/>
+                  </p:tgtEl>
+                </p:cond>
+              </p:prevCondLst>
+              <p:nextCondLst>
+                <p:cond evt="onNext" delay="0">
+                  <p:tgtEl>
+                    <p:sldTgt/>
+                  </p:tgtEl>
+                </p:cond>
+              </p:nextCondLst>
+            </p:seq>
+          </p:childTnLst>
+        </p:cTn>
+      </p:par>
+    </p:tnLst>
+    <p:bldLst>
+      <p:bldP spid="3" grpId="0" uiExpand="1" build="p" bldLvl="2"/>
+    </p:bldLst>
+  </p:timing>
+</p:sld>
+</file>
+
+<file path=ppt/slides/slide11.xml><?xml version="1.0" encoding="utf-8"?>
+<p:sld xmlns:a="http://schemas.openxmlformats.org/drawingml/2006/main" xmlns:r="http://schemas.openxmlformats.org/officeDocument/2006/relationships" xmlns:p="http://schemas.openxmlformats.org/presentationml/2006/main">
+  <p:cSld>
+    <p:spTree>
+      <p:nvGrpSpPr>
+        <p:cNvPr id="1" name="">
+          <a:extLst>
+            <a:ext uri="{FF2B5EF4-FFF2-40B4-BE49-F238E27FC236}">
               <a16:creationId xmlns:a16="http://schemas.microsoft.com/office/drawing/2014/main" id="{EB82121D-2A1D-14CD-3B00-81966210DC99}"/>
             </a:ext>
           </a:extLst>
@@ -5061,14 +6281,14 @@
   <p:clrMapOvr>
     <a:masterClrMapping/>
   </p:clrMapOvr>
-  <mc:AlternateContent xmlns:mc="http://schemas.openxmlformats.org/markup-compatibility/2006" xmlns:p15="http://schemas.microsoft.com/office/powerpoint/2012/main">
-    <mc:Choice Requires="p15">
-      <p:transition spd="slow">
+  <mc:AlternateContent xmlns:mc="http://schemas.openxmlformats.org/markup-compatibility/2006">
+    <mc:Choice xmlns:p15="http://schemas.microsoft.com/office/powerpoint/2012/main" Requires="p15">
+      <p:transition spd="med">
         <p15:prstTrans prst="peelOff"/>
       </p:transition>
     </mc:Choice>
-    <mc:Fallback xmlns="">
-      <p:transition spd="slow">
+    <mc:Fallback>
+      <p:transition spd="med">
         <p:fade/>
       </p:transition>
     </mc:Fallback>
@@ -6036,7 +7256,7 @@
 </p:sld>
 </file>
 
-<file path=ppt/slides/slide11.xml><?xml version="1.0" encoding="utf-8"?>
+<file path=ppt/slides/slide12.xml><?xml version="1.0" encoding="utf-8"?>
 <p:sld xmlns:a="http://schemas.openxmlformats.org/drawingml/2006/main" xmlns:r="http://schemas.openxmlformats.org/officeDocument/2006/relationships" xmlns:p="http://schemas.openxmlformats.org/presentationml/2006/main">
   <p:cSld>
     <p:spTree>
@@ -6202,12 +7422,12 @@
   </p:clrMapOvr>
   <mc:AlternateContent xmlns:mc="http://schemas.openxmlformats.org/markup-compatibility/2006">
     <mc:Choice xmlns:p15="http://schemas.microsoft.com/office/powerpoint/2012/main" Requires="p15">
-      <p:transition spd="slow">
+      <p:transition spd="med">
         <p15:prstTrans prst="peelOff"/>
       </p:transition>
     </mc:Choice>
     <mc:Fallback>
-      <p:transition spd="slow">
+      <p:transition spd="med">
         <p:fade/>
       </p:transition>
     </mc:Fallback>
@@ -7175,7 +8395,7 @@
 </p:sld>
 </file>
 
-<file path=ppt/slides/slide12.xml><?xml version="1.0" encoding="utf-8"?>
+<file path=ppt/slides/slide13.xml><?xml version="1.0" encoding="utf-8"?>
 <p:sld xmlns:a="http://schemas.openxmlformats.org/drawingml/2006/main" xmlns:r="http://schemas.openxmlformats.org/officeDocument/2006/relationships" xmlns:p="http://schemas.openxmlformats.org/presentationml/2006/main">
   <p:cSld>
     <p:spTree>
@@ -7231,61 +8451,68 @@
           <a:p>
             <a:r>
               <a:rPr lang="en-US" dirty="0"/>
-              <a:t>Broken family relationship</a:t>
+              <a:t>Unconscious motivations</a:t>
             </a:r>
           </a:p>
           <a:p>
             <a:pPr lvl="1"/>
             <a:r>
               <a:rPr lang="en-US" dirty="0"/>
-              <a:t>The entire family rely on Gregor for their financial income</a:t>
+              <a:t>Gregor is willing to sacrifice himself for the family</a:t>
             </a:r>
           </a:p>
           <a:p>
             <a:pPr lvl="1"/>
             <a:r>
               <a:rPr lang="en-US" dirty="0"/>
-              <a:t>Gregor has a strong feeling of duty and responsibility towards the family that he’s still thinking about his work even when he is already an insect</a:t>
+              <a:t>Greger need some rest from the tiring work</a:t>
             </a:r>
           </a:p>
           <a:p>
             <a:pPr lvl="1"/>
             <a:r>
               <a:rPr lang="en-US" dirty="0"/>
-              <a:t>The family members give little love and care to Gregor when Gregor has transformed and is unable to provide financial support to the family</a:t>
-            </a:r>
-          </a:p>
-          <a:p>
+              <a:t>Gregor’s family used him as a machine that produce money for them</a:t>
+            </a:r>
+          </a:p>
+          <a:p>
+            <a:pPr lvl="1"/>
             <a:r>
               <a:rPr lang="en-US" dirty="0"/>
-              <a:t>Money</a:t>
+              <a:t>Grete still think one day Gregor would transform back to a human being</a:t>
+            </a:r>
+          </a:p>
+          <a:p>
+            <a:r>
+              <a:rPr lang="en-US" dirty="0"/>
+              <a:t>Psychological conflicts</a:t>
             </a:r>
           </a:p>
           <a:p>
             <a:pPr lvl="1"/>
             <a:r>
               <a:rPr lang="en-US" dirty="0"/>
-              <a:t>The most fundamental item that ensures good life quality</a:t>
+              <a:t>Gregor doesn’t like his job but also don’t want to lose it because his entire family depend on it</a:t>
             </a:r>
           </a:p>
           <a:p>
             <a:pPr lvl="1"/>
             <a:r>
               <a:rPr lang="en-US" dirty="0"/>
-              <a:t>Gregor spend a large amount of time worrying about how life is going to continue without him providing financial support</a:t>
+              <a:t>Grete wants to take care of Gregor but her new busy job prevents her from doing so</a:t>
             </a:r>
           </a:p>
           <a:p>
             <a:r>
               <a:rPr lang="en-US" dirty="0"/>
-              <a:t>Body vs mind</a:t>
+              <a:t>Human psyches</a:t>
             </a:r>
           </a:p>
           <a:p>
             <a:pPr lvl="1"/>
             <a:r>
               <a:rPr lang="en-US" dirty="0"/>
-              <a:t>Gregor’s body has changed but his mind stay the same</a:t>
+              <a:t>Gregor’s father wants nothing else but money</a:t>
             </a:r>
           </a:p>
         </p:txBody>
@@ -7329,6 +8556,115 @@
           </a:p>
         </p:txBody>
       </p:sp>
+      <mc:AlternateContent xmlns:mc="http://schemas.openxmlformats.org/markup-compatibility/2006">
+        <mc:Choice xmlns:pslz="http://schemas.microsoft.com/office/powerpoint/2016/slidezoom" Requires="pslz">
+          <p:graphicFrame>
+            <p:nvGraphicFramePr>
+              <p:cNvPr id="5" name="Slide Zoom 4">
+                <a:extLst>
+                  <a:ext uri="{FF2B5EF4-FFF2-40B4-BE49-F238E27FC236}">
+                    <a16:creationId xmlns:a16="http://schemas.microsoft.com/office/drawing/2014/main" id="{7677E112-320E-6C98-36CA-0FE440C3BF02}"/>
+                  </a:ext>
+                </a:extLst>
+              </p:cNvPr>
+              <p:cNvGraphicFramePr>
+                <a:graphicFrameLocks noChangeAspect="1"/>
+              </p:cNvGraphicFramePr>
+              <p:nvPr>
+                <p:extLst>
+                  <p:ext uri="{D42A27DB-BD31-4B8C-83A1-F6EECF244321}">
+                    <p14:modId xmlns:p14="http://schemas.microsoft.com/office/powerpoint/2010/main" val="303276853"/>
+                  </p:ext>
+                </p:extLst>
+              </p:nvPr>
+            </p:nvGraphicFramePr>
+            <p:xfrm>
+              <a:off x="5713490" y="3069690"/>
+              <a:ext cx="5367952" cy="705605"/>
+            </p:xfrm>
+            <a:graphic>
+              <a:graphicData uri="http://schemas.microsoft.com/office/powerpoint/2016/slidezoom">
+                <pslz:sldZm>
+                  <pslz:sldZmObj sldId="271" cId="4001655074">
+                    <pslz:zmPr id="{EFC8C853-BAF1-4E50-8610-DA36215DD559}" imageType="cover" transitionDur="500">
+                      <p166:blipFill xmlns:p166="http://schemas.microsoft.com/office/powerpoint/2016/6/main">
+                        <a:blip r:embed="rId4">
+                          <a:extLst>
+                            <a:ext uri="{28A0092B-C50C-407E-A947-70E740481C1C}">
+                              <a14:useLocalDpi xmlns:a14="http://schemas.microsoft.com/office/drawing/2010/main" val="0"/>
+                            </a:ext>
+                          </a:extLst>
+                        </a:blip>
+                        <a:stretch>
+                          <a:fillRect/>
+                        </a:stretch>
+                      </p166:blipFill>
+                      <p166:spPr xmlns:p166="http://schemas.microsoft.com/office/powerpoint/2016/6/main">
+                        <a:xfrm>
+                          <a:off x="0" y="0"/>
+                          <a:ext cx="5367952" cy="705605"/>
+                        </a:xfrm>
+                        <a:prstGeom prst="rect">
+                          <a:avLst/>
+                        </a:prstGeom>
+                        <a:ln w="12700">
+                          <a:solidFill>
+                            <a:schemeClr val="bg1"/>
+                          </a:solidFill>
+                        </a:ln>
+                      </p166:spPr>
+                    </pslz:zmPr>
+                  </pslz:sldZmObj>
+                </pslz:sldZm>
+              </a:graphicData>
+            </a:graphic>
+          </p:graphicFrame>
+        </mc:Choice>
+        <mc:Fallback>
+          <p:pic>
+            <p:nvPicPr>
+              <p:cNvPr id="5" name="Slide Zoom 4">
+                <a:hlinkClick r:id="rId5" action="ppaction://hlinksldjump"/>
+                <a:extLst>
+                  <a:ext uri="{FF2B5EF4-FFF2-40B4-BE49-F238E27FC236}">
+                    <a16:creationId xmlns:a16="http://schemas.microsoft.com/office/drawing/2014/main" id="{7677E112-320E-6C98-36CA-0FE440C3BF02}"/>
+                  </a:ext>
+                </a:extLst>
+              </p:cNvPr>
+              <p:cNvPicPr>
+                <a:picLocks noGrp="1" noRot="1" noChangeAspect="1" noMove="1" noResize="1" noEditPoints="1" noAdjustHandles="1" noChangeArrowheads="1" noChangeShapeType="1"/>
+              </p:cNvPicPr>
+              <p:nvPr/>
+            </p:nvPicPr>
+            <p:blipFill>
+              <a:blip r:embed="rId4">
+                <a:extLst>
+                  <a:ext uri="{28A0092B-C50C-407E-A947-70E740481C1C}">
+                    <a14:useLocalDpi xmlns:a14="http://schemas.microsoft.com/office/drawing/2010/main" val="0"/>
+                  </a:ext>
+                </a:extLst>
+              </a:blip>
+              <a:stretch>
+                <a:fillRect/>
+              </a:stretch>
+            </p:blipFill>
+            <p:spPr>
+              <a:xfrm>
+                <a:off x="5713490" y="3069690"/>
+                <a:ext cx="5367952" cy="705605"/>
+              </a:xfrm>
+              <a:prstGeom prst="rect">
+                <a:avLst/>
+              </a:prstGeom>
+              <a:ln w="12700">
+                <a:solidFill>
+                  <a:schemeClr val="bg1"/>
+                </a:solidFill>
+              </a:ln>
+            </p:spPr>
+          </p:pic>
+        </mc:Fallback>
+      </mc:AlternateContent>
     </p:spTree>
     <p:extLst>
       <p:ext uri="{BB962C8B-B14F-4D97-AF65-F5344CB8AC3E}">
@@ -7341,12 +8677,12 @@
   </p:clrMapOvr>
   <mc:AlternateContent xmlns:mc="http://schemas.openxmlformats.org/markup-compatibility/2006">
     <mc:Choice xmlns:p15="http://schemas.microsoft.com/office/powerpoint/2012/main" Requires="p15">
-      <p:transition spd="slow">
+      <p:transition spd="med">
         <p15:prstTrans prst="peelOff"/>
       </p:transition>
     </mc:Choice>
     <mc:Fallback>
-      <p:transition spd="slow">
+      <p:transition spd="med">
         <p:fade/>
       </p:transition>
     </mc:Fallback>
@@ -7458,30 +8794,66 @@
                             </p:childTnLst>
                           </p:cTn>
                         </p:par>
+                        <p:par>
+                          <p:cTn id="10" fill="hold">
+                            <p:stCondLst>
+                              <p:cond delay="500"/>
+                            </p:stCondLst>
+                            <p:childTnLst>
+                              <p:par>
+                                <p:cTn id="11" presetID="1" presetClass="entr" presetSubtype="0" fill="hold" nodeType="afterEffect">
+                                  <p:stCondLst>
+                                    <p:cond delay="0"/>
+                                  </p:stCondLst>
+                                  <p:childTnLst>
+                                    <p:set>
+                                      <p:cBhvr>
+                                        <p:cTn id="12" dur="1" fill="hold">
+                                          <p:stCondLst>
+                                            <p:cond delay="0"/>
+                                          </p:stCondLst>
+                                        </p:cTn>
+                                        <p:tgtEl>
+                                          <p:spTgt spid="5"/>
+                                        </p:tgtEl>
+                                        <p:attrNameLst>
+                                          <p:attrName>style.visibility</p:attrName>
+                                        </p:attrNameLst>
+                                      </p:cBhvr>
+                                      <p:to>
+                                        <p:strVal val="visible"/>
+                                      </p:to>
+                                    </p:set>
+                                  </p:childTnLst>
+                                </p:cTn>
+                              </p:par>
+                            </p:childTnLst>
+                          </p:cTn>
+                        </p:par>
                       </p:childTnLst>
                     </p:cTn>
                   </p:par>
                   <p:par>
-                    <p:cTn id="10" fill="hold">
+                    <p:cTn id="13" fill="hold">
                       <p:stCondLst>
                         <p:cond delay="indefinite"/>
                       </p:stCondLst>
                       <p:childTnLst>
                         <p:par>
-                          <p:cTn id="11" fill="hold">
+                          <p:cTn id="14" fill="hold">
                             <p:stCondLst>
                               <p:cond delay="0"/>
                             </p:stCondLst>
                             <p:childTnLst>
                               <p:par>
-                                <p:cTn id="12" presetID="64" presetClass="path" presetSubtype="0" decel="100000" fill="hold" grpId="1" nodeType="clickEffect">
+                                <p:cTn id="15" presetID="64" presetClass="path" presetSubtype="0" decel="100000" fill="hold" grpId="1" nodeType="clickEffect">
                                   <p:stCondLst>
                                     <p:cond delay="0"/>
                                   </p:stCondLst>
                                   <p:childTnLst>
                                     <p:animMotion origin="layout" path="M 0 0 L 0 -0.36528 " pathEditMode="relative" rAng="0" ptsTypes="AA">
                                       <p:cBhvr>
-                                        <p:cTn id="13" dur="500" fill="hold"/>
+                                        <p:cTn id="16" dur="500" fill="hold"/>
                                         <p:tgtEl>
                                           <p:spTgt spid="2"/>
                                         </p:tgtEl>
@@ -7492,6 +8864,33 @@
                                       </p:cBhvr>
                                       <p:rCtr x="0" y="-18264"/>
                                     </p:animMotion>
+                                  </p:childTnLst>
+                                </p:cTn>
+                              </p:par>
+                              <p:par>
+                                <p:cTn id="17" presetID="1" presetClass="exit" presetSubtype="0" fill="hold" nodeType="withEffect">
+                                  <p:stCondLst>
+                                    <p:cond delay="0"/>
+                                  </p:stCondLst>
+                                  <p:childTnLst>
+                                    <p:set>
+                                      <p:cBhvr>
+                                        <p:cTn id="18" dur="1" fill="hold">
+                                          <p:stCondLst>
+                                            <p:cond delay="0"/>
+                                          </p:stCondLst>
+                                        </p:cTn>
+                                        <p:tgtEl>
+                                          <p:spTgt spid="5"/>
+                                        </p:tgtEl>
+                                        <p:attrNameLst>
+                                          <p:attrName>style.visibility</p:attrName>
+                                        </p:attrNameLst>
+                                      </p:cBhvr>
+                                      <p:to>
+                                        <p:strVal val="hidden"/>
+                                      </p:to>
+                                    </p:set>
                                   </p:childTnLst>
                                 </p:cTn>
                               </p:par>
@@ -7499,20 +8898,20 @@
                           </p:cTn>
                         </p:par>
                         <p:par>
-                          <p:cTn id="14" fill="hold">
+                          <p:cTn id="19" fill="hold">
                             <p:stCondLst>
                               <p:cond delay="500"/>
                             </p:stCondLst>
                             <p:childTnLst>
                               <p:par>
-                                <p:cTn id="15" presetID="42" presetClass="entr" presetSubtype="0" fill="hold" grpId="0" nodeType="afterEffect">
+                                <p:cTn id="20" presetID="42" presetClass="entr" presetSubtype="0" fill="hold" grpId="0" nodeType="afterEffect">
                                   <p:stCondLst>
                                     <p:cond delay="0"/>
                                   </p:stCondLst>
                                   <p:childTnLst>
                                     <p:set>
                                       <p:cBhvr>
-                                        <p:cTn id="16" dur="1" fill="hold">
+                                        <p:cTn id="21" dur="1" fill="hold">
                                           <p:stCondLst>
                                             <p:cond delay="0"/>
                                           </p:stCondLst>
@@ -7534,7 +8933,7 @@
                                     </p:set>
                                     <p:animEffect transition="in" filter="fade">
                                       <p:cBhvr>
-                                        <p:cTn id="17" dur="750"/>
+                                        <p:cTn id="22" dur="750"/>
                                         <p:tgtEl>
                                           <p:spTgt spid="3">
                                             <p:txEl>
@@ -7546,7 +8945,7 @@
                                     </p:animEffect>
                                     <p:anim calcmode="lin" valueType="num">
                                       <p:cBhvr>
-                                        <p:cTn id="18" dur="750" decel="100000" fill="hold"/>
+                                        <p:cTn id="23" dur="750" decel="100000" fill="hold"/>
                                         <p:tgtEl>
                                           <p:spTgt spid="3">
                                             <p:txEl>
@@ -7581,26 +8980,26 @@
                     </p:cTn>
                   </p:par>
                   <p:par>
-                    <p:cTn id="19" fill="hold">
+                    <p:cTn id="24" fill="hold">
                       <p:stCondLst>
                         <p:cond delay="indefinite"/>
                       </p:stCondLst>
                       <p:childTnLst>
                         <p:par>
-                          <p:cTn id="20" fill="hold">
+                          <p:cTn id="25" fill="hold">
                             <p:stCondLst>
                               <p:cond delay="0"/>
                             </p:stCondLst>
                             <p:childTnLst>
                               <p:par>
-                                <p:cTn id="21" presetID="42" presetClass="entr" presetSubtype="0" fill="hold" grpId="0" nodeType="clickEffect">
+                                <p:cTn id="26" presetID="42" presetClass="entr" presetSubtype="0" fill="hold" grpId="0" nodeType="clickEffect">
                                   <p:stCondLst>
                                     <p:cond delay="0"/>
                                   </p:stCondLst>
                                   <p:childTnLst>
                                     <p:set>
                                       <p:cBhvr>
-                                        <p:cTn id="22" dur="1" fill="hold">
+                                        <p:cTn id="27" dur="1" fill="hold">
                                           <p:stCondLst>
                                             <p:cond delay="0"/>
                                           </p:stCondLst>
@@ -7622,7 +9021,7 @@
                                     </p:set>
                                     <p:animEffect transition="in" filter="fade">
                                       <p:cBhvr>
-                                        <p:cTn id="23" dur="750"/>
+                                        <p:cTn id="28" dur="750"/>
                                         <p:tgtEl>
                                           <p:spTgt spid="3">
                                             <p:txEl>
@@ -7634,7 +9033,7 @@
                                     </p:animEffect>
                                     <p:anim calcmode="lin" valueType="num">
                                       <p:cBhvr>
-                                        <p:cTn id="24" dur="750" decel="100000" fill="hold"/>
+                                        <p:cTn id="29" dur="750" decel="100000" fill="hold"/>
                                         <p:tgtEl>
                                           <p:spTgt spid="3">
                                             <p:txEl>
@@ -7669,26 +9068,26 @@
                     </p:cTn>
                   </p:par>
                   <p:par>
-                    <p:cTn id="25" fill="hold">
+                    <p:cTn id="30" fill="hold">
                       <p:stCondLst>
                         <p:cond delay="indefinite"/>
                       </p:stCondLst>
                       <p:childTnLst>
                         <p:par>
-                          <p:cTn id="26" fill="hold">
+                          <p:cTn id="31" fill="hold">
                             <p:stCondLst>
                               <p:cond delay="0"/>
                             </p:stCondLst>
                             <p:childTnLst>
                               <p:par>
-                                <p:cTn id="27" presetID="42" presetClass="entr" presetSubtype="0" fill="hold" grpId="0" nodeType="clickEffect">
+                                <p:cTn id="32" presetID="42" presetClass="entr" presetSubtype="0" fill="hold" grpId="0" nodeType="clickEffect">
                                   <p:stCondLst>
                                     <p:cond delay="0"/>
                                   </p:stCondLst>
                                   <p:childTnLst>
                                     <p:set>
                                       <p:cBhvr>
-                                        <p:cTn id="28" dur="1" fill="hold">
+                                        <p:cTn id="33" dur="1" fill="hold">
                                           <p:stCondLst>
                                             <p:cond delay="0"/>
                                           </p:stCondLst>
@@ -7710,7 +9109,7 @@
                                     </p:set>
                                     <p:animEffect transition="in" filter="fade">
                                       <p:cBhvr>
-                                        <p:cTn id="29" dur="750"/>
+                                        <p:cTn id="34" dur="750"/>
                                         <p:tgtEl>
                                           <p:spTgt spid="3">
                                             <p:txEl>
@@ -7722,7 +9121,7 @@
                                     </p:animEffect>
                                     <p:anim calcmode="lin" valueType="num">
                                       <p:cBhvr>
-                                        <p:cTn id="30" dur="750" decel="100000" fill="hold"/>
+                                        <p:cTn id="35" dur="750" decel="100000" fill="hold"/>
                                         <p:tgtEl>
                                           <p:spTgt spid="3">
                                             <p:txEl>
@@ -7757,26 +9156,26 @@
                     </p:cTn>
                   </p:par>
                   <p:par>
-                    <p:cTn id="31" fill="hold">
+                    <p:cTn id="36" fill="hold">
                       <p:stCondLst>
                         <p:cond delay="indefinite"/>
                       </p:stCondLst>
                       <p:childTnLst>
                         <p:par>
-                          <p:cTn id="32" fill="hold">
+                          <p:cTn id="37" fill="hold">
                             <p:stCondLst>
                               <p:cond delay="0"/>
                             </p:stCondLst>
                             <p:childTnLst>
                               <p:par>
-                                <p:cTn id="33" presetID="42" presetClass="entr" presetSubtype="0" fill="hold" grpId="0" nodeType="clickEffect">
+                                <p:cTn id="38" presetID="42" presetClass="entr" presetSubtype="0" fill="hold" grpId="0" nodeType="clickEffect">
                                   <p:stCondLst>
                                     <p:cond delay="0"/>
                                   </p:stCondLst>
                                   <p:childTnLst>
                                     <p:set>
                                       <p:cBhvr>
-                                        <p:cTn id="34" dur="1" fill="hold">
+                                        <p:cTn id="39" dur="1" fill="hold">
                                           <p:stCondLst>
                                             <p:cond delay="0"/>
                                           </p:stCondLst>
@@ -7798,7 +9197,7 @@
                                     </p:set>
                                     <p:animEffect transition="in" filter="fade">
                                       <p:cBhvr>
-                                        <p:cTn id="35" dur="750"/>
+                                        <p:cTn id="40" dur="750"/>
                                         <p:tgtEl>
                                           <p:spTgt spid="3">
                                             <p:txEl>
@@ -7810,7 +9209,7 @@
                                     </p:animEffect>
                                     <p:anim calcmode="lin" valueType="num">
                                       <p:cBhvr>
-                                        <p:cTn id="36" dur="750" decel="100000" fill="hold"/>
+                                        <p:cTn id="41" dur="750" decel="100000" fill="hold"/>
                                         <p:tgtEl>
                                           <p:spTgt spid="3">
                                             <p:txEl>
@@ -7845,26 +9244,26 @@
                     </p:cTn>
                   </p:par>
                   <p:par>
-                    <p:cTn id="37" fill="hold">
+                    <p:cTn id="42" fill="hold">
                       <p:stCondLst>
                         <p:cond delay="indefinite"/>
                       </p:stCondLst>
                       <p:childTnLst>
                         <p:par>
-                          <p:cTn id="38" fill="hold">
+                          <p:cTn id="43" fill="hold">
                             <p:stCondLst>
                               <p:cond delay="0"/>
                             </p:stCondLst>
                             <p:childTnLst>
                               <p:par>
-                                <p:cTn id="39" presetID="42" presetClass="entr" presetSubtype="0" fill="hold" grpId="0" nodeType="clickEffect">
+                                <p:cTn id="44" presetID="42" presetClass="entr" presetSubtype="0" fill="hold" grpId="0" nodeType="clickEffect">
                                   <p:stCondLst>
                                     <p:cond delay="0"/>
                                   </p:stCondLst>
                                   <p:childTnLst>
                                     <p:set>
                                       <p:cBhvr>
-                                        <p:cTn id="40" dur="1" fill="hold">
+                                        <p:cTn id="45" dur="1" fill="hold">
                                           <p:stCondLst>
                                             <p:cond delay="0"/>
                                           </p:stCondLst>
@@ -7886,7 +9285,7 @@
                                     </p:set>
                                     <p:animEffect transition="in" filter="fade">
                                       <p:cBhvr>
-                                        <p:cTn id="41" dur="750"/>
+                                        <p:cTn id="46" dur="750"/>
                                         <p:tgtEl>
                                           <p:spTgt spid="3">
                                             <p:txEl>
@@ -7898,7 +9297,7 @@
                                     </p:animEffect>
                                     <p:anim calcmode="lin" valueType="num">
                                       <p:cBhvr>
-                                        <p:cTn id="42" dur="750" decel="100000" fill="hold"/>
+                                        <p:cTn id="47" dur="750" decel="100000" fill="hold"/>
                                         <p:tgtEl>
                                           <p:spTgt spid="3">
                                             <p:txEl>
@@ -7933,26 +9332,26 @@
                     </p:cTn>
                   </p:par>
                   <p:par>
-                    <p:cTn id="43" fill="hold">
+                    <p:cTn id="48" fill="hold">
                       <p:stCondLst>
                         <p:cond delay="indefinite"/>
                       </p:stCondLst>
                       <p:childTnLst>
                         <p:par>
-                          <p:cTn id="44" fill="hold">
+                          <p:cTn id="49" fill="hold">
                             <p:stCondLst>
                               <p:cond delay="0"/>
                             </p:stCondLst>
                             <p:childTnLst>
                               <p:par>
-                                <p:cTn id="45" presetID="42" presetClass="entr" presetSubtype="0" fill="hold" grpId="0" nodeType="clickEffect">
+                                <p:cTn id="50" presetID="42" presetClass="entr" presetSubtype="0" fill="hold" grpId="0" nodeType="clickEffect">
                                   <p:stCondLst>
                                     <p:cond delay="0"/>
                                   </p:stCondLst>
                                   <p:childTnLst>
                                     <p:set>
                                       <p:cBhvr>
-                                        <p:cTn id="46" dur="1" fill="hold">
+                                        <p:cTn id="51" dur="1" fill="hold">
                                           <p:stCondLst>
                                             <p:cond delay="0"/>
                                           </p:stCondLst>
@@ -7974,7 +9373,7 @@
                                     </p:set>
                                     <p:animEffect transition="in" filter="fade">
                                       <p:cBhvr>
-                                        <p:cTn id="47" dur="750"/>
+                                        <p:cTn id="52" dur="750"/>
                                         <p:tgtEl>
                                           <p:spTgt spid="3">
                                             <p:txEl>
@@ -7986,7 +9385,7 @@
                                     </p:animEffect>
                                     <p:anim calcmode="lin" valueType="num">
                                       <p:cBhvr>
-                                        <p:cTn id="48" dur="750" decel="100000" fill="hold"/>
+                                        <p:cTn id="53" dur="750" decel="100000" fill="hold"/>
                                         <p:tgtEl>
                                           <p:spTgt spid="3">
                                             <p:txEl>
@@ -8021,26 +9420,26 @@
                     </p:cTn>
                   </p:par>
                   <p:par>
-                    <p:cTn id="49" fill="hold">
+                    <p:cTn id="54" fill="hold">
                       <p:stCondLst>
                         <p:cond delay="indefinite"/>
                       </p:stCondLst>
                       <p:childTnLst>
                         <p:par>
-                          <p:cTn id="50" fill="hold">
+                          <p:cTn id="55" fill="hold">
                             <p:stCondLst>
                               <p:cond delay="0"/>
                             </p:stCondLst>
                             <p:childTnLst>
                               <p:par>
-                                <p:cTn id="51" presetID="42" presetClass="entr" presetSubtype="0" fill="hold" grpId="0" nodeType="clickEffect">
+                                <p:cTn id="56" presetID="42" presetClass="entr" presetSubtype="0" fill="hold" grpId="0" nodeType="clickEffect">
                                   <p:stCondLst>
                                     <p:cond delay="0"/>
                                   </p:stCondLst>
                                   <p:childTnLst>
                                     <p:set>
                                       <p:cBhvr>
-                                        <p:cTn id="52" dur="1" fill="hold">
+                                        <p:cTn id="57" dur="1" fill="hold">
                                           <p:stCondLst>
                                             <p:cond delay="0"/>
                                           </p:stCondLst>
@@ -8062,7 +9461,7 @@
                                     </p:set>
                                     <p:animEffect transition="in" filter="fade">
                                       <p:cBhvr>
-                                        <p:cTn id="53" dur="750"/>
+                                        <p:cTn id="58" dur="750"/>
                                         <p:tgtEl>
                                           <p:spTgt spid="3">
                                             <p:txEl>
@@ -8074,7 +9473,7 @@
                                     </p:animEffect>
                                     <p:anim calcmode="lin" valueType="num">
                                       <p:cBhvr>
-                                        <p:cTn id="54" dur="750" decel="100000" fill="hold"/>
+                                        <p:cTn id="59" dur="750" decel="100000" fill="hold"/>
                                         <p:tgtEl>
                                           <p:spTgt spid="3">
                                             <p:txEl>
@@ -8109,26 +9508,26 @@
                     </p:cTn>
                   </p:par>
                   <p:par>
-                    <p:cTn id="55" fill="hold">
+                    <p:cTn id="60" fill="hold">
                       <p:stCondLst>
                         <p:cond delay="indefinite"/>
                       </p:stCondLst>
                       <p:childTnLst>
                         <p:par>
-                          <p:cTn id="56" fill="hold">
+                          <p:cTn id="61" fill="hold">
                             <p:stCondLst>
                               <p:cond delay="0"/>
                             </p:stCondLst>
                             <p:childTnLst>
                               <p:par>
-                                <p:cTn id="57" presetID="42" presetClass="entr" presetSubtype="0" fill="hold" grpId="0" nodeType="clickEffect">
+                                <p:cTn id="62" presetID="42" presetClass="entr" presetSubtype="0" fill="hold" grpId="0" nodeType="clickEffect">
                                   <p:stCondLst>
                                     <p:cond delay="0"/>
                                   </p:stCondLst>
                                   <p:childTnLst>
                                     <p:set>
                                       <p:cBhvr>
-                                        <p:cTn id="58" dur="1" fill="hold">
+                                        <p:cTn id="63" dur="1" fill="hold">
                                           <p:stCondLst>
                                             <p:cond delay="0"/>
                                           </p:stCondLst>
@@ -8150,7 +9549,7 @@
                                     </p:set>
                                     <p:animEffect transition="in" filter="fade">
                                       <p:cBhvr>
-                                        <p:cTn id="59" dur="750"/>
+                                        <p:cTn id="64" dur="750"/>
                                         <p:tgtEl>
                                           <p:spTgt spid="3">
                                             <p:txEl>
@@ -8162,7 +9561,7 @@
                                     </p:animEffect>
                                     <p:anim calcmode="lin" valueType="num">
                                       <p:cBhvr>
-                                        <p:cTn id="60" dur="750" decel="100000" fill="hold"/>
+                                        <p:cTn id="65" dur="750" decel="100000" fill="hold"/>
                                         <p:tgtEl>
                                           <p:spTgt spid="3">
                                             <p:txEl>
@@ -8197,26 +9596,26 @@
                     </p:cTn>
                   </p:par>
                   <p:par>
-                    <p:cTn id="61" fill="hold">
+                    <p:cTn id="66" fill="hold">
                       <p:stCondLst>
                         <p:cond delay="indefinite"/>
                       </p:stCondLst>
                       <p:childTnLst>
                         <p:par>
-                          <p:cTn id="62" fill="hold">
+                          <p:cTn id="67" fill="hold">
                             <p:stCondLst>
                               <p:cond delay="0"/>
                             </p:stCondLst>
                             <p:childTnLst>
                               <p:par>
-                                <p:cTn id="63" presetID="42" presetClass="entr" presetSubtype="0" fill="hold" grpId="0" nodeType="clickEffect">
+                                <p:cTn id="68" presetID="42" presetClass="entr" presetSubtype="0" fill="hold" grpId="0" nodeType="clickEffect">
                                   <p:stCondLst>
                                     <p:cond delay="0"/>
                                   </p:stCondLst>
                                   <p:childTnLst>
                                     <p:set>
                                       <p:cBhvr>
-                                        <p:cTn id="64" dur="1" fill="hold">
+                                        <p:cTn id="69" dur="1" fill="hold">
                                           <p:stCondLst>
                                             <p:cond delay="0"/>
                                           </p:stCondLst>
@@ -8238,7 +9637,7 @@
                                     </p:set>
                                     <p:animEffect transition="in" filter="fade">
                                       <p:cBhvr>
-                                        <p:cTn id="65" dur="750"/>
+                                        <p:cTn id="70" dur="750"/>
                                         <p:tgtEl>
                                           <p:spTgt spid="3">
                                             <p:txEl>
@@ -8250,11 +9649,99 @@
                                     </p:animEffect>
                                     <p:anim calcmode="lin" valueType="num">
                                       <p:cBhvr>
-                                        <p:cTn id="66" dur="750" decel="100000" fill="hold"/>
+                                        <p:cTn id="71" dur="750" decel="100000" fill="hold"/>
                                         <p:tgtEl>
                                           <p:spTgt spid="3">
                                             <p:txEl>
                                               <p:pRg st="8" end="8"/>
+                                            </p:txEl>
+                                          </p:spTgt>
+                                        </p:tgtEl>
+                                        <p:attrNameLst>
+                                          <p:attrName>ppt_x</p:attrName>
+                                        </p:attrNameLst>
+                                      </p:cBhvr>
+                                      <p:tavLst>
+                                        <p:tav tm="0">
+                                          <p:val>
+                                            <p:strVal val="#ppt_x-.1"/>
+                                          </p:val>
+                                        </p:tav>
+                                        <p:tav tm="100000">
+                                          <p:val>
+                                            <p:strVal val="#ppt_x"/>
+                                          </p:val>
+                                        </p:tav>
+                                      </p:tavLst>
+                                    </p:anim>
+                                  </p:childTnLst>
+                                </p:cTn>
+                              </p:par>
+                            </p:childTnLst>
+                          </p:cTn>
+                        </p:par>
+                      </p:childTnLst>
+                    </p:cTn>
+                  </p:par>
+                  <p:par>
+                    <p:cTn id="72" fill="hold">
+                      <p:stCondLst>
+                        <p:cond delay="indefinite"/>
+                      </p:stCondLst>
+                      <p:childTnLst>
+                        <p:par>
+                          <p:cTn id="73" fill="hold">
+                            <p:stCondLst>
+                              <p:cond delay="0"/>
+                            </p:stCondLst>
+                            <p:childTnLst>
+                              <p:par>
+                                <p:cTn id="74" presetID="42" presetClass="entr" presetSubtype="0" fill="hold" grpId="0" nodeType="clickEffect">
+                                  <p:stCondLst>
+                                    <p:cond delay="0"/>
+                                  </p:stCondLst>
+                                  <p:childTnLst>
+                                    <p:set>
+                                      <p:cBhvr>
+                                        <p:cTn id="75" dur="1" fill="hold">
+                                          <p:stCondLst>
+                                            <p:cond delay="0"/>
+                                          </p:stCondLst>
+                                        </p:cTn>
+                                        <p:tgtEl>
+                                          <p:spTgt spid="3">
+                                            <p:txEl>
+                                              <p:pRg st="9" end="9"/>
+                                            </p:txEl>
+                                          </p:spTgt>
+                                        </p:tgtEl>
+                                        <p:attrNameLst>
+                                          <p:attrName>style.visibility</p:attrName>
+                                        </p:attrNameLst>
+                                      </p:cBhvr>
+                                      <p:to>
+                                        <p:strVal val="visible"/>
+                                      </p:to>
+                                    </p:set>
+                                    <p:animEffect transition="in" filter="fade">
+                                      <p:cBhvr>
+                                        <p:cTn id="76" dur="750"/>
+                                        <p:tgtEl>
+                                          <p:spTgt spid="3">
+                                            <p:txEl>
+                                              <p:pRg st="9" end="9"/>
+                                            </p:txEl>
+                                          </p:spTgt>
+                                        </p:tgtEl>
+                                      </p:cBhvr>
+                                    </p:animEffect>
+                                    <p:anim calcmode="lin" valueType="num">
+                                      <p:cBhvr>
+                                        <p:cTn id="77" dur="750" decel="100000" fill="hold"/>
+                                        <p:tgtEl>
+                                          <p:spTgt spid="3">
+                                            <p:txEl>
+                                              <p:pRg st="9" end="9"/>
                                             </p:txEl>
                                           </p:spTgt>
                                         </p:tgtEl>
@@ -8314,7 +9801,573 @@
 </p:sld>
 </file>
 
-<file path=ppt/slides/slide13.xml><?xml version="1.0" encoding="utf-8"?>
+<file path=ppt/slides/slide14.xml><?xml version="1.0" encoding="utf-8"?>
+<p:sld xmlns:a="http://schemas.openxmlformats.org/drawingml/2006/main" xmlns:r="http://schemas.openxmlformats.org/officeDocument/2006/relationships" xmlns:p="http://schemas.openxmlformats.org/presentationml/2006/main">
+  <p:cSld>
+    <p:spTree>
+      <p:nvGrpSpPr>
+        <p:cNvPr id="1" name="">
+          <a:extLst>
+            <a:ext uri="{FF2B5EF4-FFF2-40B4-BE49-F238E27FC236}">
+              <a16:creationId xmlns:a16="http://schemas.microsoft.com/office/drawing/2014/main" id="{472BBB4F-3C12-C531-EBBA-2C908ACB9089}"/>
+            </a:ext>
+          </a:extLst>
+        </p:cNvPr>
+        <p:cNvGrpSpPr/>
+        <p:nvPr/>
+      </p:nvGrpSpPr>
+      <p:grpSpPr>
+        <a:xfrm>
+          <a:off x="0" y="0"/>
+          <a:ext cx="0" cy="0"/>
+          <a:chOff x="0" y="0"/>
+          <a:chExt cx="0" cy="0"/>
+        </a:xfrm>
+      </p:grpSpPr>
+      <p:sp>
+        <p:nvSpPr>
+          <p:cNvPr id="2" name="MG-标题 1">
+            <a:extLst>
+              <a:ext uri="{FF2B5EF4-FFF2-40B4-BE49-F238E27FC236}">
+                <a16:creationId xmlns:a16="http://schemas.microsoft.com/office/drawing/2014/main" id="{652D03C6-454A-0AAB-157D-B12483FFA429}"/>
+              </a:ext>
+            </a:extLst>
+          </p:cNvPr>
+          <p:cNvSpPr>
+            <a:spLocks noGrp="1"/>
+          </p:cNvSpPr>
+          <p:nvPr>
+            <p:ph type="title"/>
+            <p:custDataLst>
+              <p:tags r:id="rId1"/>
+            </p:custDataLst>
+          </p:nvPr>
+        </p:nvSpPr>
+        <p:spPr>
+          <a:xfrm>
+            <a:off x="838200" y="-6068577"/>
+            <a:ext cx="10515600" cy="1325563"/>
+          </a:xfrm>
+        </p:spPr>
+        <p:txBody>
+          <a:bodyPr wrap="square">
+            <a:noAutofit/>
+          </a:bodyPr>
+          <a:lstStyle/>
+          <a:p>
+            <a:pPr algn="ctr"/>
+            <a:r>
+              <a:rPr lang="en-US" dirty="0"/>
+              <a:t>Criticizing using the psychological approach</a:t>
+            </a:r>
+          </a:p>
+        </p:txBody>
+      </p:sp>
+      <p:sp>
+        <p:nvSpPr>
+          <p:cNvPr id="3" name="MG-内容占位符 2">
+            <a:extLst>
+              <a:ext uri="{FF2B5EF4-FFF2-40B4-BE49-F238E27FC236}">
+                <a16:creationId xmlns:a16="http://schemas.microsoft.com/office/drawing/2014/main" id="{2959B1CF-9A4E-5C2E-216E-BBF5B68D0131}"/>
+              </a:ext>
+            </a:extLst>
+          </p:cNvPr>
+          <p:cNvSpPr>
+            <a:spLocks noGrp="1"/>
+          </p:cNvSpPr>
+          <p:nvPr>
+            <p:ph idx="1"/>
+            <p:custDataLst>
+              <p:tags r:id="rId2"/>
+            </p:custDataLst>
+          </p:nvPr>
+        </p:nvSpPr>
+        <p:spPr>
+          <a:xfrm>
+            <a:off x="838200" y="-4512828"/>
+            <a:ext cx="10515600" cy="11370828"/>
+          </a:xfrm>
+        </p:spPr>
+        <p:txBody>
+          <a:bodyPr wrap="square">
+            <a:noAutofit/>
+          </a:bodyPr>
+          <a:lstStyle/>
+          <a:p>
+            <a:r>
+              <a:rPr lang="en-US" dirty="0"/>
+              <a:t>Unconscious motivations</a:t>
+            </a:r>
+          </a:p>
+          <a:p>
+            <a:pPr lvl="1"/>
+            <a:r>
+              <a:rPr lang="en-US" dirty="0"/>
+              <a:t>Gregor is willing to sacrifice himself for the family</a:t>
+            </a:r>
+          </a:p>
+          <a:p>
+            <a:pPr lvl="1"/>
+            <a:r>
+              <a:rPr lang="en-US" dirty="0"/>
+              <a:t>Greger need some rest from the tiring work</a:t>
+            </a:r>
+          </a:p>
+          <a:p>
+            <a:pPr lvl="1"/>
+            <a:r>
+              <a:rPr lang="en-US" dirty="0"/>
+              <a:t>Gregor’s family used him as a machine that produce money for them</a:t>
+            </a:r>
+          </a:p>
+          <a:p>
+            <a:pPr lvl="1"/>
+            <a:r>
+              <a:rPr lang="en-US" dirty="0"/>
+              <a:t>Grete still think one day Gregor would transform back to a human being</a:t>
+            </a:r>
+          </a:p>
+          <a:p>
+            <a:r>
+              <a:rPr lang="en-US" dirty="0"/>
+              <a:t>Psychological conflicts</a:t>
+            </a:r>
+          </a:p>
+          <a:p>
+            <a:pPr lvl="1"/>
+            <a:r>
+              <a:rPr lang="en-US" dirty="0"/>
+              <a:t>Gregor doesn’t like his job but also don’t want to lose it because his entire family depend on it</a:t>
+            </a:r>
+          </a:p>
+          <a:p>
+            <a:pPr lvl="1"/>
+            <a:r>
+              <a:rPr lang="en-US" dirty="0"/>
+              <a:t>Grete wants to take care of Gregor but her new busy job prevents her from doing so</a:t>
+            </a:r>
+          </a:p>
+          <a:p>
+            <a:r>
+              <a:rPr lang="en-US" dirty="0"/>
+              <a:t>Human psyches</a:t>
+            </a:r>
+          </a:p>
+          <a:p>
+            <a:pPr lvl="1"/>
+            <a:r>
+              <a:rPr lang="en-US" dirty="0"/>
+              <a:t>Gregor’s father wants nothing else but money</a:t>
+            </a:r>
+          </a:p>
+          <a:p>
+            <a:pPr lvl="1"/>
+            <a:r>
+              <a:rPr lang="en-US" dirty="0"/>
+              <a:t>Gregor’s father would do anything to get more money</a:t>
+            </a:r>
+          </a:p>
+          <a:p>
+            <a:pPr lvl="1"/>
+            <a:r>
+              <a:rPr lang="en-US" dirty="0"/>
+              <a:t>The family used Gregor as a machine that produces money rather than a human being</a:t>
+            </a:r>
+          </a:p>
+          <a:p>
+            <a:pPr lvl="1"/>
+            <a:r>
+              <a:rPr lang="en-US" dirty="0"/>
+              <a:t>None of the family members were sad about Gregor’s death not even slightly</a:t>
+            </a:r>
+          </a:p>
+          <a:p>
+            <a:pPr lvl="1"/>
+            <a:r>
+              <a:rPr lang="en-US" dirty="0"/>
+              <a:t>Majority of the family members are self oriented and extremely selfish especially Gregor’s father</a:t>
+            </a:r>
+          </a:p>
+        </p:txBody>
+      </p:sp>
+    </p:spTree>
+    <p:extLst>
+      <p:ext uri="{BB962C8B-B14F-4D97-AF65-F5344CB8AC3E}">
+        <p14:creationId xmlns:p14="http://schemas.microsoft.com/office/powerpoint/2010/main" val="4234487288"/>
+      </p:ext>
+    </p:extLst>
+  </p:cSld>
+  <p:clrMapOvr>
+    <a:masterClrMapping/>
+  </p:clrMapOvr>
+  <mc:AlternateContent xmlns:mc="http://schemas.openxmlformats.org/markup-compatibility/2006">
+    <mc:Choice xmlns:p159="http://schemas.microsoft.com/office/powerpoint/2015/09/main" Requires="p159">
+      <p:transition xmlns:p14="http://schemas.microsoft.com/office/powerpoint/2010/main" spd="slow" p14:dur="2000">
+        <p159:morph option="byWord"/>
+      </p:transition>
+    </mc:Choice>
+    <mc:Fallback>
+      <p:transition spd="slow">
+        <p:fade/>
+      </p:transition>
+    </mc:Fallback>
+  </mc:AlternateContent>
+  <p:timing>
+    <p:tnLst>
+      <p:par>
+        <p:cTn id="1" dur="indefinite" restart="never" nodeType="tmRoot">
+          <p:childTnLst>
+            <p:seq concurrent="1" nextAc="seek">
+              <p:cTn id="2" dur="indefinite" nodeType="mainSeq">
+                <p:childTnLst>
+                  <p:par>
+                    <p:cTn id="3" fill="hold">
+                      <p:stCondLst>
+                        <p:cond delay="indefinite"/>
+                        <p:cond evt="onBegin" delay="0">
+                          <p:tn val="2"/>
+                        </p:cond>
+                      </p:stCondLst>
+                      <p:childTnLst>
+                        <p:par>
+                          <p:cTn id="4" fill="hold">
+                            <p:stCondLst>
+                              <p:cond delay="0"/>
+                            </p:stCondLst>
+                            <p:childTnLst>
+                              <p:par>
+                                <p:cTn id="5" presetID="42" presetClass="entr" presetSubtype="0" fill="hold" grpId="0" nodeType="afterEffect">
+                                  <p:stCondLst>
+                                    <p:cond delay="0"/>
+                                  </p:stCondLst>
+                                  <p:childTnLst>
+                                    <p:set>
+                                      <p:cBhvr>
+                                        <p:cTn id="6" dur="1" fill="hold">
+                                          <p:stCondLst>
+                                            <p:cond delay="0"/>
+                                          </p:stCondLst>
+                                        </p:cTn>
+                                        <p:tgtEl>
+                                          <p:spTgt spid="3">
+                                            <p:txEl>
+                                              <p:pRg st="10" end="10"/>
+                                            </p:txEl>
+                                          </p:spTgt>
+                                        </p:tgtEl>
+                                        <p:attrNameLst>
+                                          <p:attrName>style.visibility</p:attrName>
+                                        </p:attrNameLst>
+                                      </p:cBhvr>
+                                      <p:to>
+                                        <p:strVal val="visible"/>
+                                      </p:to>
+                                    </p:set>
+                                    <p:animEffect transition="in" filter="fade">
+                                      <p:cBhvr>
+                                        <p:cTn id="7" dur="750"/>
+                                        <p:tgtEl>
+                                          <p:spTgt spid="3">
+                                            <p:txEl>
+                                              <p:pRg st="10" end="10"/>
+                                            </p:txEl>
+                                          </p:spTgt>
+                                        </p:tgtEl>
+                                      </p:cBhvr>
+                                    </p:animEffect>
+                                    <p:anim calcmode="lin" valueType="num">
+                                      <p:cBhvr>
+                                        <p:cTn id="8" dur="750" decel="100000" fill="hold"/>
+                                        <p:tgtEl>
+                                          <p:spTgt spid="3">
+                                            <p:txEl>
+                                              <p:pRg st="10" end="10"/>
+                                            </p:txEl>
+                                          </p:spTgt>
+                                        </p:tgtEl>
+                                        <p:attrNameLst>
+                                          <p:attrName>ppt_x</p:attrName>
+                                        </p:attrNameLst>
+                                      </p:cBhvr>
+                                      <p:tavLst>
+                                        <p:tav tm="0">
+                                          <p:val>
+                                            <p:strVal val="#ppt_x-.1"/>
+                                          </p:val>
+                                        </p:tav>
+                                        <p:tav tm="100000">
+                                          <p:val>
+                                            <p:strVal val="#ppt_x"/>
+                                          </p:val>
+                                        </p:tav>
+                                      </p:tavLst>
+                                    </p:anim>
+                                  </p:childTnLst>
+                                </p:cTn>
+                              </p:par>
+                            </p:childTnLst>
+                          </p:cTn>
+                        </p:par>
+                      </p:childTnLst>
+                    </p:cTn>
+                  </p:par>
+                  <p:par>
+                    <p:cTn id="9" fill="hold">
+                      <p:stCondLst>
+                        <p:cond delay="indefinite"/>
+                      </p:stCondLst>
+                      <p:childTnLst>
+                        <p:par>
+                          <p:cTn id="10" fill="hold">
+                            <p:stCondLst>
+                              <p:cond delay="0"/>
+                            </p:stCondLst>
+                            <p:childTnLst>
+                              <p:par>
+                                <p:cTn id="11" presetID="42" presetClass="entr" presetSubtype="0" fill="hold" grpId="0" nodeType="clickEffect">
+                                  <p:stCondLst>
+                                    <p:cond delay="0"/>
+                                  </p:stCondLst>
+                                  <p:childTnLst>
+                                    <p:set>
+                                      <p:cBhvr>
+                                        <p:cTn id="12" dur="1" fill="hold">
+                                          <p:stCondLst>
+                                            <p:cond delay="0"/>
+                                          </p:stCondLst>
+                                        </p:cTn>
+                                        <p:tgtEl>
+                                          <p:spTgt spid="3">
+                                            <p:txEl>
+                                              <p:pRg st="11" end="11"/>
+                                            </p:txEl>
+                                          </p:spTgt>
+                                        </p:tgtEl>
+                                        <p:attrNameLst>
+                                          <p:attrName>style.visibility</p:attrName>
+                                        </p:attrNameLst>
+                                      </p:cBhvr>
+                                      <p:to>
+                                        <p:strVal val="visible"/>
+                                      </p:to>
+                                    </p:set>
+                                    <p:animEffect transition="in" filter="fade">
+                                      <p:cBhvr>
+                                        <p:cTn id="13" dur="750"/>
+                                        <p:tgtEl>
+                                          <p:spTgt spid="3">
+                                            <p:txEl>
+                                              <p:pRg st="11" end="11"/>
+                                            </p:txEl>
+                                          </p:spTgt>
+                                        </p:tgtEl>
+                                      </p:cBhvr>
+                                    </p:animEffect>
+                                    <p:anim calcmode="lin" valueType="num">
+                                      <p:cBhvr>
+                                        <p:cTn id="14" dur="750" decel="100000" fill="hold"/>
+                                        <p:tgtEl>
+                                          <p:spTgt spid="3">
+                                            <p:txEl>
+                                              <p:pRg st="11" end="11"/>
+                                            </p:txEl>
+                                          </p:spTgt>
+                                        </p:tgtEl>
+                                        <p:attrNameLst>
+                                          <p:attrName>ppt_x</p:attrName>
+                                        </p:attrNameLst>
+                                      </p:cBhvr>
+                                      <p:tavLst>
+                                        <p:tav tm="0">
+                                          <p:val>
+                                            <p:strVal val="#ppt_x-.1"/>
+                                          </p:val>
+                                        </p:tav>
+                                        <p:tav tm="100000">
+                                          <p:val>
+                                            <p:strVal val="#ppt_x"/>
+                                          </p:val>
+                                        </p:tav>
+                                      </p:tavLst>
+                                    </p:anim>
+                                  </p:childTnLst>
+                                </p:cTn>
+                              </p:par>
+                              <p:par>
+                                <p:cTn id="15" presetID="42" presetClass="entr" presetSubtype="0" fill="hold" grpId="0" nodeType="withEffect">
+                                  <p:stCondLst>
+                                    <p:cond delay="0"/>
+                                  </p:stCondLst>
+                                  <p:childTnLst>
+                                    <p:set>
+                                      <p:cBhvr>
+                                        <p:cTn id="16" dur="1" fill="hold">
+                                          <p:stCondLst>
+                                            <p:cond delay="0"/>
+                                          </p:stCondLst>
+                                        </p:cTn>
+                                        <p:tgtEl>
+                                          <p:spTgt spid="3">
+                                            <p:txEl>
+                                              <p:pRg st="12" end="12"/>
+                                            </p:txEl>
+                                          </p:spTgt>
+                                        </p:tgtEl>
+                                        <p:attrNameLst>
+                                          <p:attrName>style.visibility</p:attrName>
+                                        </p:attrNameLst>
+                                      </p:cBhvr>
+                                      <p:to>
+                                        <p:strVal val="visible"/>
+                                      </p:to>
+                                    </p:set>
+                                    <p:animEffect transition="in" filter="fade">
+                                      <p:cBhvr>
+                                        <p:cTn id="17" dur="750"/>
+                                        <p:tgtEl>
+                                          <p:spTgt spid="3">
+                                            <p:txEl>
+                                              <p:pRg st="12" end="12"/>
+                                            </p:txEl>
+                                          </p:spTgt>
+                                        </p:tgtEl>
+                                      </p:cBhvr>
+                                    </p:animEffect>
+                                    <p:anim calcmode="lin" valueType="num">
+                                      <p:cBhvr>
+                                        <p:cTn id="18" dur="750" decel="100000" fill="hold"/>
+                                        <p:tgtEl>
+                                          <p:spTgt spid="3">
+                                            <p:txEl>
+                                              <p:pRg st="12" end="12"/>
+                                            </p:txEl>
+                                          </p:spTgt>
+                                        </p:tgtEl>
+                                        <p:attrNameLst>
+                                          <p:attrName>ppt_x</p:attrName>
+                                        </p:attrNameLst>
+                                      </p:cBhvr>
+                                      <p:tavLst>
+                                        <p:tav tm="0">
+                                          <p:val>
+                                            <p:strVal val="#ppt_x-.1"/>
+                                          </p:val>
+                                        </p:tav>
+                                        <p:tav tm="100000">
+                                          <p:val>
+                                            <p:strVal val="#ppt_x"/>
+                                          </p:val>
+                                        </p:tav>
+                                      </p:tavLst>
+                                    </p:anim>
+                                  </p:childTnLst>
+                                </p:cTn>
+                              </p:par>
+                              <p:par>
+                                <p:cTn id="19" presetID="42" presetClass="entr" presetSubtype="0" fill="hold" grpId="0" nodeType="withEffect">
+                                  <p:stCondLst>
+                                    <p:cond delay="0"/>
+                                  </p:stCondLst>
+                                  <p:childTnLst>
+                                    <p:set>
+                                      <p:cBhvr>
+                                        <p:cTn id="20" dur="1" fill="hold">
+                                          <p:stCondLst>
+                                            <p:cond delay="0"/>
+                                          </p:stCondLst>
+                                        </p:cTn>
+                                        <p:tgtEl>
+                                          <p:spTgt spid="3">
+                                            <p:txEl>
+                                              <p:pRg st="13" end="13"/>
+                                            </p:txEl>
+                                          </p:spTgt>
+                                        </p:tgtEl>
+                                        <p:attrNameLst>
+                                          <p:attrName>style.visibility</p:attrName>
+                                        </p:attrNameLst>
+                                      </p:cBhvr>
+                                      <p:to>
+                                        <p:strVal val="visible"/>
+                                      </p:to>
+                                    </p:set>
+                                    <p:animEffect transition="in" filter="fade">
+                                      <p:cBhvr>
+                                        <p:cTn id="21" dur="750"/>
+                                        <p:tgtEl>
+                                          <p:spTgt spid="3">
+                                            <p:txEl>
+                                              <p:pRg st="13" end="13"/>
+                                            </p:txEl>
+                                          </p:spTgt>
+                                        </p:tgtEl>
+                                      </p:cBhvr>
+                                    </p:animEffect>
+                                    <p:anim calcmode="lin" valueType="num">
+                                      <p:cBhvr>
+                                        <p:cTn id="22" dur="750" decel="100000" fill="hold"/>
+                                        <p:tgtEl>
+                                          <p:spTgt spid="3">
+                                            <p:txEl>
+                                              <p:pRg st="13" end="13"/>
+                                            </p:txEl>
+                                          </p:spTgt>
+                                        </p:tgtEl>
+                                        <p:attrNameLst>
+                                          <p:attrName>ppt_x</p:attrName>
+                                        </p:attrNameLst>
+                                      </p:cBhvr>
+                                      <p:tavLst>
+                                        <p:tav tm="0">
+                                          <p:val>
+                                            <p:strVal val="#ppt_x-.1"/>
+                                          </p:val>
+                                        </p:tav>
+                                        <p:tav tm="100000">
+                                          <p:val>
+                                            <p:strVal val="#ppt_x"/>
+                                          </p:val>
+                                        </p:tav>
+                                      </p:tavLst>
+                                    </p:anim>
+                                  </p:childTnLst>
+                                </p:cTn>
+                              </p:par>
+                            </p:childTnLst>
+                          </p:cTn>
+                        </p:par>
+                      </p:childTnLst>
+                    </p:cTn>
+                  </p:par>
+                </p:childTnLst>
+              </p:cTn>
+              <p:prevCondLst>
+                <p:cond evt="onPrev" delay="0">
+                  <p:tgtEl>
+                    <p:sldTgt/>
+                  </p:tgtEl>
+                </p:cond>
+              </p:prevCondLst>
+              <p:nextCondLst>
+                <p:cond evt="onNext" delay="0">
+                  <p:tgtEl>
+                    <p:sldTgt/>
+                  </p:tgtEl>
+                </p:cond>
+              </p:nextCondLst>
+            </p:seq>
+          </p:childTnLst>
+        </p:cTn>
+      </p:par>
+    </p:tnLst>
+    <p:bldLst>
+      <p:bldP spid="3" grpId="0" uiExpand="1" build="p"/>
+    </p:bldLst>
+  </p:timing>
+</p:sld>
+</file>
+
+<file path=ppt/slides/slide15.xml><?xml version="1.0" encoding="utf-8"?>
 <p:sld xmlns:a="http://schemas.openxmlformats.org/drawingml/2006/main" xmlns:r="http://schemas.openxmlformats.org/officeDocument/2006/relationships" xmlns:p="http://schemas.openxmlformats.org/presentationml/2006/main">
   <p:cSld>
     <p:spTree>
@@ -8392,7 +10445,7 @@
           <a:p>
             <a:r>
               <a:rPr lang="en-US" dirty="0">
-                <a:hlinkClick r:id="rId2"/>
+                <a:hlinkClick r:id="rId4"/>
               </a:rPr>
               <a:t>https://www.litcharts.com/lit/the-metamorphosis</a:t>
             </a:r>
@@ -8401,7 +10454,7 @@
           <a:p>
             <a:r>
               <a:rPr lang="en-US" dirty="0">
-                <a:hlinkClick r:id="rId3"/>
+                <a:hlinkClick r:id="rId5"/>
               </a:rPr>
               <a:t>https://freeclassicebooks.com/2019%20New%20Free%20Classic%20ebooks/I-R/Kafka%20Franz/pdf%20Files/Metamorphosis.pdf</a:t>
             </a:r>
@@ -8410,20 +10463,61 @@
           <a:p>
             <a:r>
               <a:rPr lang="en-US" dirty="0">
-                <a:hlinkClick r:id="rId4"/>
+                <a:hlinkClick r:id="rId6"/>
               </a:rPr>
               <a:t>https://www.sparknotes.com/lit/metamorph/</a:t>
             </a:r>
             <a:endParaRPr lang="en-US" dirty="0"/>
           </a:p>
           <a:p>
-            <a:pPr marL="0" indent="0">
-              <a:buNone/>
-            </a:pPr>
+            <a:r>
+              <a:rPr lang="en-US" dirty="0">
+                <a:hlinkClick r:id="rId7"/>
+              </a:rPr>
+              <a:t>https://en.wikipedia.org/wiki/Asthma</a:t>
+            </a:r>
             <a:endParaRPr lang="en-US" dirty="0"/>
           </a:p>
         </p:txBody>
       </p:sp>
+      <p:pic>
+        <p:nvPicPr>
+          <p:cNvPr id="5" name="FreshStartReversed">
+            <a:hlinkClick r:id="" action="ppaction://media"/>
+            <a:extLst>
+              <a:ext uri="{FF2B5EF4-FFF2-40B4-BE49-F238E27FC236}">
+                <a16:creationId xmlns:a16="http://schemas.microsoft.com/office/drawing/2014/main" id="{E32E16CE-9DFA-61B0-3036-AB6108EAD27D}"/>
+              </a:ext>
+            </a:extLst>
+          </p:cNvPr>
+          <p:cNvPicPr>
+            <a:picLocks noChangeAspect="1"/>
+          </p:cNvPicPr>
+          <p:nvPr>
+            <a:audioFile r:link="rId2"/>
+            <p:extLst>
+              <p:ext uri="{DAA4B4D4-6D71-4841-9C94-3DE7FCFB9230}">
+                <p14:media xmlns:p14="http://schemas.microsoft.com/office/powerpoint/2010/main" r:embed="rId1"/>
+              </p:ext>
+            </p:extLst>
+          </p:nvPr>
+        </p:nvPicPr>
+        <p:blipFill>
+          <a:blip r:embed="rId8"/>
+          <a:stretch>
+            <a:fillRect/>
+          </a:stretch>
+        </p:blipFill>
+        <p:spPr>
+          <a:xfrm>
+            <a:off x="-609600" y="0"/>
+            <a:ext cx="609600" cy="609600"/>
+          </a:xfrm>
+          <a:prstGeom prst="rect">
+            <a:avLst/>
+          </a:prstGeom>
+        </p:spPr>
+      </p:pic>
     </p:spTree>
     <p:extLst>
       <p:ext uri="{BB962C8B-B14F-4D97-AF65-F5344CB8AC3E}">
@@ -8434,14 +10528,14 @@
   <p:clrMapOvr>
     <a:masterClrMapping/>
   </p:clrMapOvr>
-  <mc:AlternateContent xmlns:mc="http://schemas.openxmlformats.org/markup-compatibility/2006" xmlns:p15="http://schemas.microsoft.com/office/powerpoint/2012/main">
-    <mc:Choice Requires="p15">
-      <p:transition spd="slow">
+  <mc:AlternateContent xmlns:mc="http://schemas.openxmlformats.org/markup-compatibility/2006">
+    <mc:Choice xmlns:p15="http://schemas.microsoft.com/office/powerpoint/2012/main" Requires="p15">
+      <p:transition spd="med">
         <p15:prstTrans prst="peelOff"/>
       </p:transition>
     </mc:Choice>
-    <mc:Fallback xmlns="">
-      <p:transition spd="slow">
+    <mc:Fallback>
+      <p:transition spd="med">
         <p:fade/>
       </p:transition>
     </mc:Fallback>
@@ -8470,14 +10564,40 @@
                             </p:stCondLst>
                             <p:childTnLst>
                               <p:par>
-                                <p:cTn id="5" presetID="53" presetClass="entr" presetSubtype="16" fill="hold" grpId="0" nodeType="afterEffect">
+                                <p:cTn id="5" presetID="1" presetClass="mediacall" presetSubtype="0" fill="hold" nodeType="afterEffect">
+                                  <p:stCondLst>
+                                    <p:cond delay="0"/>
+                                  </p:stCondLst>
+                                  <p:childTnLst>
+                                    <p:cmd type="call" cmd="playFrom(0.0)">
+                                      <p:cBhvr>
+                                        <p:cTn id="6" dur="1" fill="hold"/>
+                                        <p:tgtEl>
+                                          <p:spTgt spid="5"/>
+                                        </p:tgtEl>
+                                      </p:cBhvr>
+                                    </p:cmd>
+                                  </p:childTnLst>
+                                </p:cTn>
+                              </p:par>
+                            </p:childTnLst>
+                          </p:cTn>
+                        </p:par>
+                        <p:par>
+                          <p:cTn id="7" fill="hold">
+                            <p:stCondLst>
+                              <p:cond delay="0"/>
+                            </p:stCondLst>
+                            <p:childTnLst>
+                              <p:par>
+                                <p:cTn id="8" presetID="53" presetClass="entr" presetSubtype="16" fill="hold" grpId="0" nodeType="afterEffect">
                                   <p:stCondLst>
                                     <p:cond delay="0"/>
                                   </p:stCondLst>
                                   <p:childTnLst>
                                     <p:set>
                                       <p:cBhvr>
-                                        <p:cTn id="6" dur="1" fill="hold">
+                                        <p:cTn id="9" dur="1" fill="hold">
                                           <p:stCondLst>
                                             <p:cond delay="0"/>
                                           </p:stCondLst>
@@ -8495,7 +10615,7 @@
                                     </p:set>
                                     <p:anim calcmode="lin" valueType="num">
                                       <p:cBhvr>
-                                        <p:cTn id="7" dur="750" decel="100000" fill="hold"/>
+                                        <p:cTn id="10" dur="750" decel="100000" fill="hold"/>
                                         <p:tgtEl>
                                           <p:spTgt spid="2"/>
                                         </p:tgtEl>
@@ -8518,7 +10638,7 @@
                                     </p:anim>
                                     <p:anim calcmode="lin" valueType="num">
                                       <p:cBhvr>
-                                        <p:cTn id="8" dur="750" decel="50000" fill="hold"/>
+                                        <p:cTn id="11" dur="750" decel="50000" fill="hold"/>
                                         <p:tgtEl>
                                           <p:spTgt spid="2"/>
                                         </p:tgtEl>
@@ -8541,7 +10661,7 @@
                                     </p:anim>
                                     <p:animEffect transition="in" filter="fade">
                                       <p:cBhvr>
-                                        <p:cTn id="9" dur="750"/>
+                                        <p:cTn id="12" dur="750"/>
                                         <p:tgtEl>
                                           <p:spTgt spid="2"/>
                                         </p:tgtEl>
@@ -8551,14 +10671,14 @@
                                 </p:cTn>
                               </p:par>
                               <p:par>
-                                <p:cTn id="10" presetID="64" presetClass="path" presetSubtype="0" decel="100000" fill="hold" grpId="1" nodeType="withEffect">
+                                <p:cTn id="13" presetID="64" presetClass="path" presetSubtype="0" decel="100000" fill="hold" grpId="1" nodeType="withEffect">
                                   <p:stCondLst>
                                     <p:cond delay="0"/>
                                   </p:stCondLst>
                                   <p:childTnLst>
                                     <p:animMotion origin="layout" path="M 0 0 L 0 -0.36528 " pathEditMode="relative" rAng="0" ptsTypes="AA">
                                       <p:cBhvr>
-                                        <p:cTn id="11" dur="1000" fill="hold"/>
+                                        <p:cTn id="14" dur="1000" fill="hold"/>
                                         <p:tgtEl>
                                           <p:spTgt spid="2"/>
                                         </p:tgtEl>
@@ -8573,14 +10693,14 @@
                                 </p:cTn>
                               </p:par>
                               <p:par>
-                                <p:cTn id="12" presetID="42" presetClass="entr" presetSubtype="0" fill="hold" grpId="0" nodeType="withEffect">
+                                <p:cTn id="15" presetID="42" presetClass="entr" presetSubtype="0" fill="hold" grpId="0" nodeType="withEffect">
                                   <p:stCondLst>
                                     <p:cond delay="750"/>
                                   </p:stCondLst>
                                   <p:childTnLst>
                                     <p:set>
                                       <p:cBhvr>
-                                        <p:cTn id="13" dur="1" fill="hold">
+                                        <p:cTn id="16" dur="1" fill="hold">
                                           <p:stCondLst>
                                             <p:cond delay="0"/>
                                           </p:stCondLst>
@@ -8602,7 +10722,7 @@
                                     </p:set>
                                     <p:animEffect transition="in" filter="fade">
                                       <p:cBhvr>
-                                        <p:cTn id="14" dur="750"/>
+                                        <p:cTn id="17" dur="750"/>
                                         <p:tgtEl>
                                           <p:spTgt spid="3">
                                             <p:txEl>
@@ -8614,7 +10734,7 @@
                                     </p:animEffect>
                                     <p:anim calcmode="lin" valueType="num">
                                       <p:cBhvr>
-                                        <p:cTn id="15" dur="750" decel="100000" fill="hold"/>
+                                        <p:cTn id="18" dur="750" decel="100000" fill="hold"/>
                                         <p:tgtEl>
                                           <p:spTgt spid="3">
                                             <p:txEl>
@@ -8643,14 +10763,14 @@
                                 </p:cTn>
                               </p:par>
                               <p:par>
-                                <p:cTn id="16" presetID="42" presetClass="entr" presetSubtype="0" fill="hold" grpId="0" nodeType="withEffect">
+                                <p:cTn id="19" presetID="42" presetClass="entr" presetSubtype="0" fill="hold" grpId="0" nodeType="withEffect">
                                   <p:stCondLst>
                                     <p:cond delay="1000"/>
                                   </p:stCondLst>
                                   <p:childTnLst>
                                     <p:set>
                                       <p:cBhvr>
-                                        <p:cTn id="17" dur="1" fill="hold">
+                                        <p:cTn id="20" dur="1" fill="hold">
                                           <p:stCondLst>
                                             <p:cond delay="0"/>
                                           </p:stCondLst>
@@ -8672,7 +10792,7 @@
                                     </p:set>
                                     <p:animEffect transition="in" filter="fade">
                                       <p:cBhvr>
-                                        <p:cTn id="18" dur="750"/>
+                                        <p:cTn id="21" dur="750"/>
                                         <p:tgtEl>
                                           <p:spTgt spid="3">
                                             <p:txEl>
@@ -8684,7 +10804,7 @@
                                     </p:animEffect>
                                     <p:anim calcmode="lin" valueType="num">
                                       <p:cBhvr>
-                                        <p:cTn id="19" dur="750" decel="100000" fill="hold"/>
+                                        <p:cTn id="22" dur="750" decel="100000" fill="hold"/>
                                         <p:tgtEl>
                                           <p:spTgt spid="3">
                                             <p:txEl>
@@ -8713,14 +10833,14 @@
                                 </p:cTn>
                               </p:par>
                               <p:par>
-                                <p:cTn id="20" presetID="42" presetClass="entr" presetSubtype="0" fill="hold" grpId="0" nodeType="withEffect">
+                                <p:cTn id="23" presetID="42" presetClass="entr" presetSubtype="0" fill="hold" grpId="0" nodeType="withEffect">
                                   <p:stCondLst>
                                     <p:cond delay="1250"/>
                                   </p:stCondLst>
                                   <p:childTnLst>
                                     <p:set>
                                       <p:cBhvr>
-                                        <p:cTn id="21" dur="1" fill="hold">
+                                        <p:cTn id="24" dur="1" fill="hold">
                                           <p:stCondLst>
                                             <p:cond delay="0"/>
                                           </p:stCondLst>
@@ -8742,7 +10862,7 @@
                                     </p:set>
                                     <p:animEffect transition="in" filter="fade">
                                       <p:cBhvr>
-                                        <p:cTn id="22" dur="750"/>
+                                        <p:cTn id="25" dur="750"/>
                                         <p:tgtEl>
                                           <p:spTgt spid="3">
                                             <p:txEl>
@@ -8754,7 +10874,7 @@
                                     </p:animEffect>
                                     <p:anim calcmode="lin" valueType="num">
                                       <p:cBhvr>
-                                        <p:cTn id="23" dur="750" decel="100000" fill="hold"/>
+                                        <p:cTn id="26" dur="750" decel="100000" fill="hold"/>
                                         <p:tgtEl>
                                           <p:spTgt spid="3">
                                             <p:txEl>
@@ -8770,6 +10890,389 @@
                                         <p:tav tm="0">
                                           <p:val>
                                             <p:strVal val="#ppt_x-.1"/>
+                                          </p:val>
+                                        </p:tav>
+                                        <p:tav tm="100000">
+                                          <p:val>
+                                            <p:strVal val="#ppt_x"/>
+                                          </p:val>
+                                        </p:tav>
+                                      </p:tavLst>
+                                    </p:anim>
+                                  </p:childTnLst>
+                                </p:cTn>
+                              </p:par>
+                              <p:par>
+                                <p:cTn id="27" presetID="42" presetClass="entr" presetSubtype="0" fill="hold" grpId="0" nodeType="withEffect">
+                                  <p:stCondLst>
+                                    <p:cond delay="1500"/>
+                                  </p:stCondLst>
+                                  <p:childTnLst>
+                                    <p:set>
+                                      <p:cBhvr>
+                                        <p:cTn id="28" dur="1" fill="hold">
+                                          <p:stCondLst>
+                                            <p:cond delay="0"/>
+                                          </p:stCondLst>
+                                        </p:cTn>
+                                        <p:tgtEl>
+                                          <p:spTgt spid="3">
+                                            <p:txEl>
+                                              <p:pRg st="3" end="3"/>
+                                            </p:txEl>
+                                          </p:spTgt>
+                                        </p:tgtEl>
+                                        <p:attrNameLst>
+                                          <p:attrName>style.visibility</p:attrName>
+                                        </p:attrNameLst>
+                                      </p:cBhvr>
+                                      <p:to>
+                                        <p:strVal val="visible"/>
+                                      </p:to>
+                                    </p:set>
+                                    <p:animEffect transition="in" filter="fade">
+                                      <p:cBhvr>
+                                        <p:cTn id="29" dur="750"/>
+                                        <p:tgtEl>
+                                          <p:spTgt spid="3">
+                                            <p:txEl>
+                                              <p:pRg st="3" end="3"/>
+                                            </p:txEl>
+                                          </p:spTgt>
+                                        </p:tgtEl>
+                                      </p:cBhvr>
+                                    </p:animEffect>
+                                    <p:anim calcmode="lin" valueType="num">
+                                      <p:cBhvr>
+                                        <p:cTn id="30" dur="750" decel="100000" fill="hold"/>
+                                        <p:tgtEl>
+                                          <p:spTgt spid="3">
+                                            <p:txEl>
+                                              <p:pRg st="3" end="3"/>
+                                            </p:txEl>
+                                          </p:spTgt>
+                                        </p:tgtEl>
+                                        <p:attrNameLst>
+                                          <p:attrName>ppt_x</p:attrName>
+                                        </p:attrNameLst>
+                                      </p:cBhvr>
+                                      <p:tavLst>
+                                        <p:tav tm="0">
+                                          <p:val>
+                                            <p:strVal val="#ppt_x-.1"/>
+                                          </p:val>
+                                        </p:tav>
+                                        <p:tav tm="100000">
+                                          <p:val>
+                                            <p:strVal val="#ppt_x"/>
+                                          </p:val>
+                                        </p:tav>
+                                      </p:tavLst>
+                                    </p:anim>
+                                  </p:childTnLst>
+                                </p:cTn>
+                              </p:par>
+                            </p:childTnLst>
+                          </p:cTn>
+                        </p:par>
+                      </p:childTnLst>
+                    </p:cTn>
+                  </p:par>
+                </p:childTnLst>
+              </p:cTn>
+              <p:prevCondLst>
+                <p:cond evt="onPrev" delay="0">
+                  <p:tgtEl>
+                    <p:sldTgt/>
+                  </p:tgtEl>
+                </p:cond>
+              </p:prevCondLst>
+              <p:nextCondLst>
+                <p:cond evt="onNext" delay="0">
+                  <p:tgtEl>
+                    <p:sldTgt/>
+                  </p:tgtEl>
+                </p:cond>
+              </p:nextCondLst>
+            </p:seq>
+            <p:audio>
+              <p:cMediaNode vol="80000" numSld="999" showWhenStopped="0">
+                <p:cTn id="31" fill="hold" display="0">
+                  <p:stCondLst>
+                    <p:cond delay="indefinite"/>
+                  </p:stCondLst>
+                  <p:endCondLst>
+                    <p:cond evt="onStopAudio" delay="0">
+                      <p:tgtEl>
+                        <p:sldTgt/>
+                      </p:tgtEl>
+                    </p:cond>
+                  </p:endCondLst>
+                </p:cTn>
+                <p:tgtEl>
+                  <p:spTgt spid="5"/>
+                </p:tgtEl>
+              </p:cMediaNode>
+            </p:audio>
+          </p:childTnLst>
+        </p:cTn>
+      </p:par>
+    </p:tnLst>
+    <p:bldLst>
+      <p:bldP spid="2" grpId="0"/>
+      <p:bldP spid="2" grpId="1"/>
+      <p:bldP spid="3" grpId="0" uiExpand="1" build="p"/>
+    </p:bldLst>
+  </p:timing>
+</p:sld>
+</file>
+
+<file path=ppt/slides/slide16.xml><?xml version="1.0" encoding="utf-8"?>
+<p:sld xmlns:a="http://schemas.openxmlformats.org/drawingml/2006/main" xmlns:r="http://schemas.openxmlformats.org/officeDocument/2006/relationships" xmlns:p="http://schemas.openxmlformats.org/presentationml/2006/main">
+  <p:cSld>
+    <p:spTree>
+      <p:nvGrpSpPr>
+        <p:cNvPr id="1" name=""/>
+        <p:cNvGrpSpPr/>
+        <p:nvPr/>
+      </p:nvGrpSpPr>
+      <p:grpSpPr>
+        <a:xfrm>
+          <a:off x="0" y="0"/>
+          <a:ext cx="0" cy="0"/>
+          <a:chOff x="0" y="0"/>
+          <a:chExt cx="0" cy="0"/>
+        </a:xfrm>
+      </p:grpSpPr>
+      <p:sp>
+        <p:nvSpPr>
+          <p:cNvPr id="2" name="MG-标题 1">
+            <a:extLst>
+              <a:ext uri="{FF2B5EF4-FFF2-40B4-BE49-F238E27FC236}">
+                <a16:creationId xmlns:a16="http://schemas.microsoft.com/office/drawing/2014/main" id="{07F6C1DA-3530-5C00-7425-A4A498F78348}"/>
+              </a:ext>
+            </a:extLst>
+          </p:cNvPr>
+          <p:cNvSpPr>
+            <a:spLocks noGrp="1"/>
+          </p:cNvSpPr>
+          <p:nvPr>
+            <p:ph type="title"/>
+            <p:custDataLst>
+              <p:tags r:id="rId1"/>
+            </p:custDataLst>
+          </p:nvPr>
+        </p:nvSpPr>
+        <p:spPr/>
+        <p:txBody>
+          <a:bodyPr/>
+          <a:lstStyle/>
+          <a:p>
+            <a:r>
+              <a:rPr lang="en-US" dirty="0"/>
+              <a:t>Asthma definition: </a:t>
+            </a:r>
+          </a:p>
+        </p:txBody>
+      </p:sp>
+      <p:sp>
+        <p:nvSpPr>
+          <p:cNvPr id="3" name="MG-内容占位符 2">
+            <a:extLst>
+              <a:ext uri="{FF2B5EF4-FFF2-40B4-BE49-F238E27FC236}">
+                <a16:creationId xmlns:a16="http://schemas.microsoft.com/office/drawing/2014/main" id="{D9F7523E-3CC5-17CA-C5CB-1237D3B1CC83}"/>
+              </a:ext>
+            </a:extLst>
+          </p:cNvPr>
+          <p:cNvSpPr>
+            <a:spLocks noGrp="1"/>
+          </p:cNvSpPr>
+          <p:nvPr>
+            <p:ph idx="1"/>
+            <p:custDataLst>
+              <p:tags r:id="rId2"/>
+            </p:custDataLst>
+          </p:nvPr>
+        </p:nvSpPr>
+        <p:spPr/>
+        <p:txBody>
+          <a:bodyPr/>
+          <a:lstStyle/>
+          <a:p>
+            <a:pPr marL="0" indent="0">
+              <a:buNone/>
+            </a:pPr>
+            <a:r>
+              <a:rPr lang="en-US" dirty="0"/>
+              <a:t>Asthma is a common long-term inflammatory disease of the airways of the lungs. Asthma occurs when allergens, pollen, dust, or other particles, are inhaled into the lungs, causing the bronchioles to constrict and produce mucus, which then restricts oxygen flow to the alveoli. It is characterized by variable and recurring symptoms, reversible airflow obstruction, and easily triggered bronchospasms. Symptoms include episodes of wheezing, coughing, chest tightness, and shortness of breath. These may occur a few times a day or a few times per week. Depending on the person, asthma symptoms may become worse at night or with exercise. </a:t>
+            </a:r>
+          </a:p>
+        </p:txBody>
+      </p:sp>
+    </p:spTree>
+    <p:extLst>
+      <p:ext uri="{BB962C8B-B14F-4D97-AF65-F5344CB8AC3E}">
+        <p14:creationId xmlns:p14="http://schemas.microsoft.com/office/powerpoint/2010/main" val="781866630"/>
+      </p:ext>
+    </p:extLst>
+  </p:cSld>
+  <p:clrMapOvr>
+    <a:masterClrMapping/>
+  </p:clrMapOvr>
+  <mc:AlternateContent xmlns:mc="http://schemas.openxmlformats.org/markup-compatibility/2006">
+    <mc:Choice xmlns:p15="http://schemas.microsoft.com/office/powerpoint/2012/main" Requires="p15">
+      <p:transition spd="med">
+        <p15:prstTrans prst="peelOff"/>
+      </p:transition>
+    </mc:Choice>
+    <mc:Fallback>
+      <p:transition spd="med">
+        <p:fade/>
+      </p:transition>
+    </mc:Fallback>
+  </mc:AlternateContent>
+  <p:timing>
+    <p:tnLst>
+      <p:par>
+        <p:cTn id="1" dur="indefinite" restart="never" nodeType="tmRoot">
+          <p:childTnLst>
+            <p:seq concurrent="1" nextAc="seek">
+              <p:cTn id="2" dur="indefinite" nodeType="mainSeq">
+                <p:childTnLst>
+                  <p:par>
+                    <p:cTn id="3" fill="hold">
+                      <p:stCondLst>
+                        <p:cond delay="indefinite"/>
+                        <p:cond evt="onBegin" delay="0">
+                          <p:tn val="2"/>
+                        </p:cond>
+                      </p:stCondLst>
+                      <p:childTnLst>
+                        <p:par>
+                          <p:cTn id="4" fill="hold">
+                            <p:stCondLst>
+                              <p:cond delay="0"/>
+                            </p:stCondLst>
+                            <p:childTnLst>
+                              <p:par>
+                                <p:cTn id="5" presetID="47" presetClass="entr" presetSubtype="0" fill="hold" grpId="0" nodeType="afterEffect">
+                                  <p:stCondLst>
+                                    <p:cond delay="0"/>
+                                  </p:stCondLst>
+                                  <p:childTnLst>
+                                    <p:set>
+                                      <p:cBhvr>
+                                        <p:cTn id="6" dur="1" fill="hold">
+                                          <p:stCondLst>
+                                            <p:cond delay="0"/>
+                                          </p:stCondLst>
+                                        </p:cTn>
+                                        <p:tgtEl>
+                                          <p:spTgt spid="2"/>
+                                        </p:tgtEl>
+                                        <p:attrNameLst>
+                                          <p:attrName>style.visibility</p:attrName>
+                                        </p:attrNameLst>
+                                      </p:cBhvr>
+                                      <p:to>
+                                        <p:strVal val="visible"/>
+                                      </p:to>
+                                    </p:set>
+                                    <p:animEffect transition="in" filter="fade">
+                                      <p:cBhvr>
+                                        <p:cTn id="7" dur="500"/>
+                                        <p:tgtEl>
+                                          <p:spTgt spid="2"/>
+                                        </p:tgtEl>
+                                      </p:cBhvr>
+                                    </p:animEffect>
+                                    <p:anim calcmode="lin" valueType="num">
+                                      <p:cBhvr>
+                                        <p:cTn id="8" dur="500" decel="100000" fill="hold"/>
+                                        <p:tgtEl>
+                                          <p:spTgt spid="2"/>
+                                        </p:tgtEl>
+                                        <p:attrNameLst>
+                                          <p:attrName>ppt_y</p:attrName>
+                                        </p:attrNameLst>
+                                      </p:cBhvr>
+                                      <p:tavLst>
+                                        <p:tav tm="0">
+                                          <p:val>
+                                            <p:strVal val="#ppt_y-.05"/>
+                                          </p:val>
+                                        </p:tav>
+                                        <p:tav tm="100000">
+                                          <p:val>
+                                            <p:strVal val="#ppt_y"/>
+                                          </p:val>
+                                        </p:tav>
+                                      </p:tavLst>
+                                    </p:anim>
+                                  </p:childTnLst>
+                                </p:cTn>
+                              </p:par>
+                              <p:par>
+                                <p:cTn id="9" presetID="42" presetClass="entr" presetSubtype="0" fill="hold" grpId="0" nodeType="withEffect">
+                                  <p:stCondLst>
+                                    <p:cond delay="250"/>
+                                  </p:stCondLst>
+                                  <p:iterate type="lt">
+                                    <p:tmPct val="100"/>
+                                  </p:iterate>
+                                  <p:childTnLst>
+                                    <p:set>
+                                      <p:cBhvr>
+                                        <p:cTn id="10" dur="1" fill="hold">
+                                          <p:stCondLst>
+                                            <p:cond delay="0"/>
+                                          </p:stCondLst>
+                                        </p:cTn>
+                                        <p:tgtEl>
+                                          <p:spTgt spid="3">
+                                            <p:txEl>
+                                              <p:pRg st="0" end="0"/>
+                                            </p:txEl>
+                                          </p:spTgt>
+                                        </p:tgtEl>
+                                        <p:attrNameLst>
+                                          <p:attrName>style.visibility</p:attrName>
+                                        </p:attrNameLst>
+                                      </p:cBhvr>
+                                      <p:to>
+                                        <p:strVal val="visible"/>
+                                      </p:to>
+                                    </p:set>
+                                    <p:animEffect transition="in" filter="fade">
+                                      <p:cBhvr>
+                                        <p:cTn id="11" dur="500"/>
+                                        <p:tgtEl>
+                                          <p:spTgt spid="3">
+                                            <p:txEl>
+                                              <p:pRg st="0" end="0"/>
+                                            </p:txEl>
+                                          </p:spTgt>
+                                        </p:tgtEl>
+                                      </p:cBhvr>
+                                    </p:animEffect>
+                                    <p:anim calcmode="lin" valueType="num">
+                                      <p:cBhvr>
+                                        <p:cTn id="12" dur="500" decel="100000" fill="hold"/>
+                                        <p:tgtEl>
+                                          <p:spTgt spid="3">
+                                            <p:txEl>
+                                              <p:pRg st="0" end="0"/>
+                                            </p:txEl>
+                                          </p:spTgt>
+                                        </p:tgtEl>
+                                        <p:attrNameLst>
+                                          <p:attrName>ppt_x</p:attrName>
+                                        </p:attrNameLst>
+                                      </p:cBhvr>
+                                      <p:tavLst>
+                                        <p:tav tm="0">
+                                          <p:val>
+                                            <p:strVal val="#ppt_x-.02"/>
                                           </p:val>
                                         </p:tav>
                                         <p:tav tm="100000">
@@ -8811,8 +11314,314 @@
     </p:tnLst>
     <p:bldLst>
       <p:bldP spid="2" grpId="0"/>
-      <p:bldP spid="2" grpId="1"/>
-      <p:bldP spid="3" grpId="0" uiExpand="1" build="p"/>
+      <p:bldP spid="3" grpId="0" build="p"/>
+    </p:bldLst>
+  </p:timing>
+</p:sld>
+</file>
+
+<file path=ppt/slides/slide17.xml><?xml version="1.0" encoding="utf-8"?>
+<p:sld xmlns:a="http://schemas.openxmlformats.org/drawingml/2006/main" xmlns:r="http://schemas.openxmlformats.org/officeDocument/2006/relationships" xmlns:p="http://schemas.openxmlformats.org/presentationml/2006/main">
+  <p:cSld>
+    <p:spTree>
+      <p:nvGrpSpPr>
+        <p:cNvPr id="1" name="">
+          <a:extLst>
+            <a:ext uri="{FF2B5EF4-FFF2-40B4-BE49-F238E27FC236}">
+              <a16:creationId xmlns:a16="http://schemas.microsoft.com/office/drawing/2014/main" id="{F00BA195-2D52-C9E8-9C0C-E42CFCD26F78}"/>
+            </a:ext>
+          </a:extLst>
+        </p:cNvPr>
+        <p:cNvGrpSpPr/>
+        <p:nvPr/>
+      </p:nvGrpSpPr>
+      <p:grpSpPr>
+        <a:xfrm>
+          <a:off x="0" y="0"/>
+          <a:ext cx="0" cy="0"/>
+          <a:chOff x="0" y="0"/>
+          <a:chExt cx="0" cy="0"/>
+        </a:xfrm>
+      </p:grpSpPr>
+      <p:sp>
+        <p:nvSpPr>
+          <p:cNvPr id="2" name="MG-标题 1">
+            <a:extLst>
+              <a:ext uri="{FF2B5EF4-FFF2-40B4-BE49-F238E27FC236}">
+                <a16:creationId xmlns:a16="http://schemas.microsoft.com/office/drawing/2014/main" id="{64260BF2-87DD-3164-A296-8BF77BD599EF}"/>
+              </a:ext>
+            </a:extLst>
+          </p:cNvPr>
+          <p:cNvSpPr>
+            <a:spLocks noGrp="1"/>
+          </p:cNvSpPr>
+          <p:nvPr>
+            <p:ph type="title"/>
+            <p:custDataLst>
+              <p:tags r:id="rId1"/>
+            </p:custDataLst>
+          </p:nvPr>
+        </p:nvSpPr>
+        <p:spPr/>
+        <p:txBody>
+          <a:bodyPr/>
+          <a:lstStyle/>
+          <a:p>
+            <a:r>
+              <a:rPr lang="en-US" dirty="0"/>
+              <a:t>What to look for when criticizing literature with the psychological approach? </a:t>
+            </a:r>
+          </a:p>
+        </p:txBody>
+      </p:sp>
+      <p:sp>
+        <p:nvSpPr>
+          <p:cNvPr id="3" name="MG-内容占位符 2">
+            <a:extLst>
+              <a:ext uri="{FF2B5EF4-FFF2-40B4-BE49-F238E27FC236}">
+                <a16:creationId xmlns:a16="http://schemas.microsoft.com/office/drawing/2014/main" id="{98560AD0-8EC0-DAAC-C35C-0D6659B962C7}"/>
+              </a:ext>
+            </a:extLst>
+          </p:cNvPr>
+          <p:cNvSpPr>
+            <a:spLocks noGrp="1"/>
+          </p:cNvSpPr>
+          <p:nvPr>
+            <p:ph idx="1"/>
+            <p:custDataLst>
+              <p:tags r:id="rId2"/>
+            </p:custDataLst>
+          </p:nvPr>
+        </p:nvSpPr>
+        <p:spPr>
+          <a:xfrm>
+            <a:off x="838200" y="2227152"/>
+            <a:ext cx="10515600" cy="3904544"/>
+          </a:xfrm>
+        </p:spPr>
+        <p:txBody>
+          <a:bodyPr/>
+          <a:lstStyle/>
+          <a:p>
+            <a:r>
+              <a:rPr lang="en-US" dirty="0"/>
+              <a:t>Analyze character’s motivations and understand why they behave the way they do</a:t>
+            </a:r>
+          </a:p>
+          <a:p>
+            <a:r>
+              <a:rPr lang="en-US" dirty="0"/>
+              <a:t>Inspect unconscious desires that influence character’s actions</a:t>
+            </a:r>
+          </a:p>
+          <a:p>
+            <a:r>
+              <a:rPr lang="en-US" dirty="0"/>
+              <a:t>Find psychological conflicts</a:t>
+            </a:r>
+          </a:p>
+          <a:p>
+            <a:r>
+              <a:rPr lang="en-US" dirty="0"/>
+              <a:t>Look for symbols that reflect human psyches</a:t>
+            </a:r>
+          </a:p>
+        </p:txBody>
+      </p:sp>
+    </p:spTree>
+    <p:extLst>
+      <p:ext uri="{BB962C8B-B14F-4D97-AF65-F5344CB8AC3E}">
+        <p14:creationId xmlns:p14="http://schemas.microsoft.com/office/powerpoint/2010/main" val="4001655074"/>
+      </p:ext>
+    </p:extLst>
+  </p:cSld>
+  <p:clrMapOvr>
+    <a:masterClrMapping/>
+  </p:clrMapOvr>
+  <mc:AlternateContent xmlns:mc="http://schemas.openxmlformats.org/markup-compatibility/2006">
+    <mc:Choice xmlns:p15="http://schemas.microsoft.com/office/powerpoint/2012/main" Requires="p15">
+      <p:transition spd="med">
+        <p15:prstTrans prst="peelOff"/>
+      </p:transition>
+    </mc:Choice>
+    <mc:Fallback>
+      <p:transition spd="med">
+        <p:fade/>
+      </p:transition>
+    </mc:Fallback>
+  </mc:AlternateContent>
+  <p:timing>
+    <p:tnLst>
+      <p:par>
+        <p:cTn id="1" dur="indefinite" restart="never" nodeType="tmRoot">
+          <p:childTnLst>
+            <p:seq concurrent="1" nextAc="seek">
+              <p:cTn id="2" dur="indefinite" nodeType="mainSeq">
+                <p:childTnLst>
+                  <p:par>
+                    <p:cTn id="3" fill="hold">
+                      <p:stCondLst>
+                        <p:cond delay="indefinite"/>
+                        <p:cond evt="onBegin" delay="0">
+                          <p:tn val="2"/>
+                        </p:cond>
+                      </p:stCondLst>
+                      <p:childTnLst>
+                        <p:par>
+                          <p:cTn id="4" fill="hold">
+                            <p:stCondLst>
+                              <p:cond delay="0"/>
+                            </p:stCondLst>
+                            <p:childTnLst>
+                              <p:par>
+                                <p:cTn id="5" presetID="47" presetClass="entr" presetSubtype="0" fill="hold" grpId="0" nodeType="afterEffect">
+                                  <p:stCondLst>
+                                    <p:cond delay="0"/>
+                                  </p:stCondLst>
+                                  <p:childTnLst>
+                                    <p:set>
+                                      <p:cBhvr>
+                                        <p:cTn id="6" dur="1" fill="hold">
+                                          <p:stCondLst>
+                                            <p:cond delay="0"/>
+                                          </p:stCondLst>
+                                        </p:cTn>
+                                        <p:tgtEl>
+                                          <p:spTgt spid="2"/>
+                                        </p:tgtEl>
+                                        <p:attrNameLst>
+                                          <p:attrName>style.visibility</p:attrName>
+                                        </p:attrNameLst>
+                                      </p:cBhvr>
+                                      <p:to>
+                                        <p:strVal val="visible"/>
+                                      </p:to>
+                                    </p:set>
+                                    <p:animEffect transition="in" filter="fade">
+                                      <p:cBhvr>
+                                        <p:cTn id="7" dur="500"/>
+                                        <p:tgtEl>
+                                          <p:spTgt spid="2"/>
+                                        </p:tgtEl>
+                                      </p:cBhvr>
+                                    </p:animEffect>
+                                    <p:anim calcmode="lin" valueType="num">
+                                      <p:cBhvr>
+                                        <p:cTn id="8" dur="500" decel="100000" fill="hold"/>
+                                        <p:tgtEl>
+                                          <p:spTgt spid="2"/>
+                                        </p:tgtEl>
+                                        <p:attrNameLst>
+                                          <p:attrName>ppt_y</p:attrName>
+                                        </p:attrNameLst>
+                                      </p:cBhvr>
+                                      <p:tavLst>
+                                        <p:tav tm="0">
+                                          <p:val>
+                                            <p:strVal val="#ppt_y-.05"/>
+                                          </p:val>
+                                        </p:tav>
+                                        <p:tav tm="100000">
+                                          <p:val>
+                                            <p:strVal val="#ppt_y"/>
+                                          </p:val>
+                                        </p:tav>
+                                      </p:tavLst>
+                                    </p:anim>
+                                  </p:childTnLst>
+                                </p:cTn>
+                              </p:par>
+                              <p:par>
+                                <p:cTn id="9" presetID="42" presetClass="entr" presetSubtype="0" fill="hold" grpId="0" nodeType="withEffect">
+                                  <p:stCondLst>
+                                    <p:cond delay="250"/>
+                                  </p:stCondLst>
+                                  <p:iterate type="lt">
+                                    <p:tmPct val="100"/>
+                                  </p:iterate>
+                                  <p:childTnLst>
+                                    <p:set>
+                                      <p:cBhvr>
+                                        <p:cTn id="10" dur="1" fill="hold">
+                                          <p:stCondLst>
+                                            <p:cond delay="0"/>
+                                          </p:stCondLst>
+                                        </p:cTn>
+                                        <p:tgtEl>
+                                          <p:spTgt spid="3"/>
+                                        </p:tgtEl>
+                                        <p:attrNameLst>
+                                          <p:attrName>style.visibility</p:attrName>
+                                        </p:attrNameLst>
+                                      </p:cBhvr>
+                                      <p:to>
+                                        <p:strVal val="visible"/>
+                                      </p:to>
+                                    </p:set>
+                                    <p:animEffect transition="in" filter="fade">
+                                      <p:cBhvr>
+                                        <p:cTn id="11" dur="500"/>
+                                        <p:tgtEl>
+                                          <p:spTgt spid="3"/>
+                                        </p:tgtEl>
+                                      </p:cBhvr>
+                                    </p:animEffect>
+                                    <p:anim calcmode="lin" valueType="num">
+                                      <p:cBhvr>
+                                        <p:cTn id="12" dur="500" decel="100000" fill="hold"/>
+                                        <p:tgtEl>
+                                          <p:spTgt spid="3"/>
+                                        </p:tgtEl>
+                                        <p:attrNameLst>
+                                          <p:attrName>ppt_x</p:attrName>
+                                        </p:attrNameLst>
+                                      </p:cBhvr>
+                                      <p:tavLst>
+                                        <p:tav tm="0">
+                                          <p:val>
+                                            <p:strVal val="#ppt_x-.02"/>
+                                          </p:val>
+                                        </p:tav>
+                                        <p:tav tm="100000">
+                                          <p:val>
+                                            <p:strVal val="#ppt_x"/>
+                                          </p:val>
+                                        </p:tav>
+                                      </p:tavLst>
+                                    </p:anim>
+                                  </p:childTnLst>
+                                </p:cTn>
+                              </p:par>
+                            </p:childTnLst>
+                          </p:cTn>
+                        </p:par>
+                      </p:childTnLst>
+                    </p:cTn>
+                  </p:par>
+                </p:childTnLst>
+              </p:cTn>
+              <p:prevCondLst>
+                <p:cond evt="onPrev" delay="0">
+                  <p:tgtEl>
+                    <p:sldTgt/>
+                  </p:tgtEl>
+                </p:cond>
+              </p:prevCondLst>
+              <p:nextCondLst>
+                <p:cond evt="onNext" delay="0">
+                  <p:tgtEl>
+                    <p:sldTgt/>
+                  </p:tgtEl>
+                </p:cond>
+              </p:nextCondLst>
+            </p:seq>
+          </p:childTnLst>
+        </p:cTn>
+      </p:par>
+    </p:tnLst>
+    <p:bldLst>
+      <p:bldP spid="2" grpId="0"/>
+      <p:bldP spid="3" grpId="0"/>
     </p:bldLst>
   </p:timing>
 </p:sld>
@@ -8958,14 +11767,14 @@
   <p:clrMapOvr>
     <a:masterClrMapping/>
   </p:clrMapOvr>
-  <mc:AlternateContent xmlns:mc="http://schemas.openxmlformats.org/markup-compatibility/2006" xmlns:p15="http://schemas.microsoft.com/office/powerpoint/2012/main">
-    <mc:Choice Requires="p15">
-      <p:transition spd="slow">
+  <mc:AlternateContent xmlns:mc="http://schemas.openxmlformats.org/markup-compatibility/2006">
+    <mc:Choice xmlns:p15="http://schemas.microsoft.com/office/powerpoint/2012/main" Requires="p15">
+      <p:transition spd="med">
         <p15:prstTrans prst="peelOff"/>
       </p:transition>
     </mc:Choice>
-    <mc:Fallback xmlns="">
-      <p:transition spd="slow">
+    <mc:Fallback>
+      <p:transition spd="med">
         <p:fade/>
       </p:transition>
     </mc:Fallback>
@@ -9951,13 +12760,13 @@
   <p:clrMapOvr>
     <a:masterClrMapping/>
   </p:clrMapOvr>
-  <mc:AlternateContent xmlns:mc="http://schemas.openxmlformats.org/markup-compatibility/2006" xmlns:p159="http://schemas.microsoft.com/office/powerpoint/2015/09/main">
-    <mc:Choice Requires="p159">
-      <p:transition spd="slow">
+  <mc:AlternateContent xmlns:mc="http://schemas.openxmlformats.org/markup-compatibility/2006">
+    <mc:Choice xmlns:p159="http://schemas.microsoft.com/office/powerpoint/2015/09/main" Requires="p159">
+      <p:transition xmlns:p14="http://schemas.microsoft.com/office/powerpoint/2010/main" spd="slow" p14:dur="2000">
         <p159:morph option="byWord"/>
       </p:transition>
     </mc:Choice>
-    <mc:Fallback xmlns="">
+    <mc:Fallback>
       <p:transition spd="slow">
         <p:fade/>
       </p:transition>
@@ -10786,7 +13595,7 @@
           <a:p>
             <a:r>
               <a:rPr lang="en-US" dirty="0"/>
-              <a:t>The manager leave the house</a:t>
+              <a:t>The manager leaves the house</a:t>
             </a:r>
           </a:p>
           <a:p>
@@ -10915,13 +13724,13 @@
   <p:clrMapOvr>
     <a:masterClrMapping/>
   </p:clrMapOvr>
-  <mc:AlternateContent xmlns:mc="http://schemas.openxmlformats.org/markup-compatibility/2006" xmlns:p159="http://schemas.microsoft.com/office/powerpoint/2015/09/main">
-    <mc:Choice Requires="p159">
-      <p:transition spd="slow">
+  <mc:AlternateContent xmlns:mc="http://schemas.openxmlformats.org/markup-compatibility/2006">
+    <mc:Choice xmlns:p159="http://schemas.microsoft.com/office/powerpoint/2015/09/main" Requires="p159">
+      <p:transition xmlns:p14="http://schemas.microsoft.com/office/powerpoint/2010/main" spd="slow" p14:dur="2000">
         <p159:morph option="byWord"/>
       </p:transition>
     </mc:Choice>
-    <mc:Fallback xmlns="">
+    <mc:Fallback>
       <p:transition spd="slow">
         <p:fade/>
       </p:transition>
@@ -11838,7 +14647,7 @@
           <a:p>
             <a:r>
               <a:rPr lang="en-US" dirty="0"/>
-              <a:t>The manager leave the house</a:t>
+              <a:t>The manager leaves the house</a:t>
             </a:r>
           </a:p>
           <a:p>
@@ -12027,13 +14836,13 @@
   <p:clrMapOvr>
     <a:masterClrMapping/>
   </p:clrMapOvr>
-  <mc:AlternateContent xmlns:mc="http://schemas.openxmlformats.org/markup-compatibility/2006" xmlns:p159="http://schemas.microsoft.com/office/powerpoint/2015/09/main">
-    <mc:Choice Requires="p159">
-      <p:transition spd="slow">
+  <mc:AlternateContent xmlns:mc="http://schemas.openxmlformats.org/markup-compatibility/2006">
+    <mc:Choice xmlns:p159="http://schemas.microsoft.com/office/powerpoint/2015/09/main" Requires="p159">
+      <p:transition xmlns:p14="http://schemas.microsoft.com/office/powerpoint/2010/main" spd="slow" p14:dur="2000">
         <p159:morph option="byWord"/>
       </p:transition>
     </mc:Choice>
-    <mc:Fallback xmlns="">
+    <mc:Fallback>
       <p:transition spd="slow">
         <p:fade/>
       </p:transition>
@@ -13038,7 +15847,7 @@
           <a:p>
             <a:r>
               <a:rPr lang="en-US" dirty="0"/>
-              <a:t>The manager leave the house</a:t>
+              <a:t>The manager leaves the house</a:t>
             </a:r>
           </a:p>
           <a:p>
@@ -13283,7 +16092,7 @@
   </p:clrMapOvr>
   <mc:AlternateContent xmlns:mc="http://schemas.openxmlformats.org/markup-compatibility/2006">
     <mc:Choice xmlns:p159="http://schemas.microsoft.com/office/powerpoint/2015/09/main" Requires="p159">
-      <p:transition spd="slow">
+      <p:transition xmlns:p14="http://schemas.microsoft.com/office/powerpoint/2010/main" spd="slow" p14:dur="2000">
         <p159:morph option="byWord"/>
       </p:transition>
     </mc:Choice>
@@ -14302,14 +17111,14 @@
   <p:clrMapOvr>
     <a:masterClrMapping/>
   </p:clrMapOvr>
-  <mc:AlternateContent xmlns:mc="http://schemas.openxmlformats.org/markup-compatibility/2006" xmlns:p15="http://schemas.microsoft.com/office/powerpoint/2012/main">
-    <mc:Choice Requires="p15">
-      <p:transition spd="slow">
+  <mc:AlternateContent xmlns:mc="http://schemas.openxmlformats.org/markup-compatibility/2006">
+    <mc:Choice xmlns:p15="http://schemas.microsoft.com/office/powerpoint/2012/main" Requires="p15">
+      <p:transition spd="med">
         <p15:prstTrans prst="peelOff"/>
       </p:transition>
     </mc:Choice>
-    <mc:Fallback xmlns="">
-      <p:transition spd="slow">
+    <mc:Fallback>
+      <p:transition spd="med">
         <p:fade/>
       </p:transition>
     </mc:Fallback>
@@ -15582,7 +18391,7 @@
           <a:p>
             <a:r>
               <a:rPr lang="en-US" dirty="0"/>
-              <a:t>Grete Sama</a:t>
+              <a:t>Grete Samsa</a:t>
             </a:r>
           </a:p>
           <a:p>
@@ -15644,65 +18453,6 @@
             <a:r>
               <a:rPr lang="en-US" dirty="0"/>
               <a:t>Gregor’s mother</a:t>
-            </a:r>
-          </a:p>
-          <a:p>
-            <a:pPr lvl="1"/>
-            <a:r>
-              <a:rPr lang="en-US" dirty="0"/>
-              <a:t>Has asthma</a:t>
-            </a:r>
-          </a:p>
-          <a:p>
-            <a:pPr lvl="1"/>
-            <a:r>
-              <a:rPr lang="en-US" dirty="0"/>
-              <a:t>Being overall neutral throughout the story</a:t>
-            </a:r>
-          </a:p>
-          <a:p>
-            <a:pPr lvl="1"/>
-            <a:r>
-              <a:rPr lang="en-US" dirty="0"/>
-              <a:t>The attitude towards Gregor is both horrifying and loving</a:t>
-            </a:r>
-          </a:p>
-          <a:p>
-            <a:r>
-              <a:rPr lang="en-US" dirty="0"/>
-              <a:t>The manager</a:t>
-            </a:r>
-          </a:p>
-          <a:p>
-            <a:pPr lvl="1"/>
-            <a:r>
-              <a:rPr lang="en-US" dirty="0"/>
-              <a:t>Gregor’s boss before the transformation</a:t>
-            </a:r>
-          </a:p>
-          <a:p>
-            <a:pPr lvl="1"/>
-            <a:r>
-              <a:rPr lang="en-US" dirty="0"/>
-              <a:t>Immediately leave Gregor’s house when he discovered that Gregor has transformed</a:t>
-            </a:r>
-          </a:p>
-          <a:p>
-            <a:r>
-              <a:rPr lang="en-US" dirty="0"/>
-              <a:t>The </a:t>
-            </a:r>
-            <a:r>
-              <a:rPr lang="en-US" dirty="0" err="1"/>
-              <a:t>loadgers</a:t>
-            </a:r>
-            <a:endParaRPr lang="en-US" dirty="0"/>
-          </a:p>
-          <a:p>
-            <a:pPr lvl="1"/>
-            <a:r>
-              <a:rPr lang="en-US" dirty="0"/>
-              <a:t>Three people who rent one of the rooms in Gregor’s house</a:t>
             </a:r>
           </a:p>
         </p:txBody>
@@ -15717,14 +18467,14 @@
   <p:clrMapOvr>
     <a:masterClrMapping/>
   </p:clrMapOvr>
-  <mc:AlternateContent xmlns:mc="http://schemas.openxmlformats.org/markup-compatibility/2006" xmlns:p159="http://schemas.microsoft.com/office/powerpoint/2015/09/main">
-    <mc:Choice Requires="p159">
-      <p:transition spd="slow">
+  <mc:AlternateContent xmlns:mc="http://schemas.openxmlformats.org/markup-compatibility/2006">
+    <mc:Choice xmlns:p159="http://schemas.microsoft.com/office/powerpoint/2015/09/main" Requires="p159">
+      <p:transition spd="med">
         <p159:morph option="byWord"/>
       </p:transition>
     </mc:Choice>
-    <mc:Fallback xmlns="">
-      <p:transition spd="slow">
+    <mc:Fallback>
+      <p:transition spd="med">
         <p:fade/>
       </p:transition>
     </mc:Fallback>
@@ -16063,710 +18813,6 @@
                                           <p:spTgt spid="3">
                                             <p:txEl>
                                               <p:pRg st="14" end="14"/>
-                                            </p:txEl>
-                                          </p:spTgt>
-                                        </p:tgtEl>
-                                        <p:attrNameLst>
-                                          <p:attrName>ppt_x</p:attrName>
-                                        </p:attrNameLst>
-                                      </p:cBhvr>
-                                      <p:tavLst>
-                                        <p:tav tm="0">
-                                          <p:val>
-                                            <p:strVal val="#ppt_x-.1"/>
-                                          </p:val>
-                                        </p:tav>
-                                        <p:tav tm="100000">
-                                          <p:val>
-                                            <p:strVal val="#ppt_x"/>
-                                          </p:val>
-                                        </p:tav>
-                                      </p:tavLst>
-                                    </p:anim>
-                                  </p:childTnLst>
-                                </p:cTn>
-                              </p:par>
-                            </p:childTnLst>
-                          </p:cTn>
-                        </p:par>
-                      </p:childTnLst>
-                    </p:cTn>
-                  </p:par>
-                  <p:par>
-                    <p:cTn id="27" fill="hold">
-                      <p:stCondLst>
-                        <p:cond delay="indefinite"/>
-                      </p:stCondLst>
-                      <p:childTnLst>
-                        <p:par>
-                          <p:cTn id="28" fill="hold">
-                            <p:stCondLst>
-                              <p:cond delay="0"/>
-                            </p:stCondLst>
-                            <p:childTnLst>
-                              <p:par>
-                                <p:cTn id="29" presetID="42" presetClass="entr" presetSubtype="0" fill="hold" grpId="0" nodeType="clickEffect">
-                                  <p:stCondLst>
-                                    <p:cond delay="0"/>
-                                  </p:stCondLst>
-                                  <p:childTnLst>
-                                    <p:set>
-                                      <p:cBhvr>
-                                        <p:cTn id="30" dur="1" fill="hold">
-                                          <p:stCondLst>
-                                            <p:cond delay="0"/>
-                                          </p:stCondLst>
-                                        </p:cTn>
-                                        <p:tgtEl>
-                                          <p:spTgt spid="3">
-                                            <p:txEl>
-                                              <p:pRg st="15" end="15"/>
-                                            </p:txEl>
-                                          </p:spTgt>
-                                        </p:tgtEl>
-                                        <p:attrNameLst>
-                                          <p:attrName>style.visibility</p:attrName>
-                                        </p:attrNameLst>
-                                      </p:cBhvr>
-                                      <p:to>
-                                        <p:strVal val="visible"/>
-                                      </p:to>
-                                    </p:set>
-                                    <p:animEffect transition="in" filter="fade">
-                                      <p:cBhvr>
-                                        <p:cTn id="31" dur="750"/>
-                                        <p:tgtEl>
-                                          <p:spTgt spid="3">
-                                            <p:txEl>
-                                              <p:pRg st="15" end="15"/>
-                                            </p:txEl>
-                                          </p:spTgt>
-                                        </p:tgtEl>
-                                      </p:cBhvr>
-                                    </p:animEffect>
-                                    <p:anim calcmode="lin" valueType="num">
-                                      <p:cBhvr>
-                                        <p:cTn id="32" dur="750" decel="100000" fill="hold"/>
-                                        <p:tgtEl>
-                                          <p:spTgt spid="3">
-                                            <p:txEl>
-                                              <p:pRg st="15" end="15"/>
-                                            </p:txEl>
-                                          </p:spTgt>
-                                        </p:tgtEl>
-                                        <p:attrNameLst>
-                                          <p:attrName>ppt_x</p:attrName>
-                                        </p:attrNameLst>
-                                      </p:cBhvr>
-                                      <p:tavLst>
-                                        <p:tav tm="0">
-                                          <p:val>
-                                            <p:strVal val="#ppt_x-.1"/>
-                                          </p:val>
-                                        </p:tav>
-                                        <p:tav tm="100000">
-                                          <p:val>
-                                            <p:strVal val="#ppt_x"/>
-                                          </p:val>
-                                        </p:tav>
-                                      </p:tavLst>
-                                    </p:anim>
-                                  </p:childTnLst>
-                                </p:cTn>
-                              </p:par>
-                            </p:childTnLst>
-                          </p:cTn>
-                        </p:par>
-                      </p:childTnLst>
-                    </p:cTn>
-                  </p:par>
-                  <p:par>
-                    <p:cTn id="33" fill="hold">
-                      <p:stCondLst>
-                        <p:cond delay="indefinite"/>
-                      </p:stCondLst>
-                      <p:childTnLst>
-                        <p:par>
-                          <p:cTn id="34" fill="hold">
-                            <p:stCondLst>
-                              <p:cond delay="0"/>
-                            </p:stCondLst>
-                            <p:childTnLst>
-                              <p:par>
-                                <p:cTn id="35" presetID="42" presetClass="entr" presetSubtype="0" fill="hold" grpId="0" nodeType="clickEffect">
-                                  <p:stCondLst>
-                                    <p:cond delay="0"/>
-                                  </p:stCondLst>
-                                  <p:childTnLst>
-                                    <p:set>
-                                      <p:cBhvr>
-                                        <p:cTn id="36" dur="1" fill="hold">
-                                          <p:stCondLst>
-                                            <p:cond delay="0"/>
-                                          </p:stCondLst>
-                                        </p:cTn>
-                                        <p:tgtEl>
-                                          <p:spTgt spid="3">
-                                            <p:txEl>
-                                              <p:pRg st="16" end="16"/>
-                                            </p:txEl>
-                                          </p:spTgt>
-                                        </p:tgtEl>
-                                        <p:attrNameLst>
-                                          <p:attrName>style.visibility</p:attrName>
-                                        </p:attrNameLst>
-                                      </p:cBhvr>
-                                      <p:to>
-                                        <p:strVal val="visible"/>
-                                      </p:to>
-                                    </p:set>
-                                    <p:animEffect transition="in" filter="fade">
-                                      <p:cBhvr>
-                                        <p:cTn id="37" dur="750"/>
-                                        <p:tgtEl>
-                                          <p:spTgt spid="3">
-                                            <p:txEl>
-                                              <p:pRg st="16" end="16"/>
-                                            </p:txEl>
-                                          </p:spTgt>
-                                        </p:tgtEl>
-                                      </p:cBhvr>
-                                    </p:animEffect>
-                                    <p:anim calcmode="lin" valueType="num">
-                                      <p:cBhvr>
-                                        <p:cTn id="38" dur="750" decel="100000" fill="hold"/>
-                                        <p:tgtEl>
-                                          <p:spTgt spid="3">
-                                            <p:txEl>
-                                              <p:pRg st="16" end="16"/>
-                                            </p:txEl>
-                                          </p:spTgt>
-                                        </p:tgtEl>
-                                        <p:attrNameLst>
-                                          <p:attrName>ppt_x</p:attrName>
-                                        </p:attrNameLst>
-                                      </p:cBhvr>
-                                      <p:tavLst>
-                                        <p:tav tm="0">
-                                          <p:val>
-                                            <p:strVal val="#ppt_x-.1"/>
-                                          </p:val>
-                                        </p:tav>
-                                        <p:tav tm="100000">
-                                          <p:val>
-                                            <p:strVal val="#ppt_x"/>
-                                          </p:val>
-                                        </p:tav>
-                                      </p:tavLst>
-                                    </p:anim>
-                                  </p:childTnLst>
-                                </p:cTn>
-                              </p:par>
-                            </p:childTnLst>
-                          </p:cTn>
-                        </p:par>
-                      </p:childTnLst>
-                    </p:cTn>
-                  </p:par>
-                  <p:par>
-                    <p:cTn id="39" fill="hold">
-                      <p:stCondLst>
-                        <p:cond delay="indefinite"/>
-                      </p:stCondLst>
-                      <p:childTnLst>
-                        <p:par>
-                          <p:cTn id="40" fill="hold">
-                            <p:stCondLst>
-                              <p:cond delay="0"/>
-                            </p:stCondLst>
-                            <p:childTnLst>
-                              <p:par>
-                                <p:cTn id="41" presetID="42" presetClass="entr" presetSubtype="0" fill="hold" grpId="0" nodeType="clickEffect">
-                                  <p:stCondLst>
-                                    <p:cond delay="0"/>
-                                  </p:stCondLst>
-                                  <p:childTnLst>
-                                    <p:set>
-                                      <p:cBhvr>
-                                        <p:cTn id="42" dur="1" fill="hold">
-                                          <p:stCondLst>
-                                            <p:cond delay="0"/>
-                                          </p:stCondLst>
-                                        </p:cTn>
-                                        <p:tgtEl>
-                                          <p:spTgt spid="3">
-                                            <p:txEl>
-                                              <p:pRg st="17" end="17"/>
-                                            </p:txEl>
-                                          </p:spTgt>
-                                        </p:tgtEl>
-                                        <p:attrNameLst>
-                                          <p:attrName>style.visibility</p:attrName>
-                                        </p:attrNameLst>
-                                      </p:cBhvr>
-                                      <p:to>
-                                        <p:strVal val="visible"/>
-                                      </p:to>
-                                    </p:set>
-                                    <p:animEffect transition="in" filter="fade">
-                                      <p:cBhvr>
-                                        <p:cTn id="43" dur="750"/>
-                                        <p:tgtEl>
-                                          <p:spTgt spid="3">
-                                            <p:txEl>
-                                              <p:pRg st="17" end="17"/>
-                                            </p:txEl>
-                                          </p:spTgt>
-                                        </p:tgtEl>
-                                      </p:cBhvr>
-                                    </p:animEffect>
-                                    <p:anim calcmode="lin" valueType="num">
-                                      <p:cBhvr>
-                                        <p:cTn id="44" dur="750" decel="100000" fill="hold"/>
-                                        <p:tgtEl>
-                                          <p:spTgt spid="3">
-                                            <p:txEl>
-                                              <p:pRg st="17" end="17"/>
-                                            </p:txEl>
-                                          </p:spTgt>
-                                        </p:tgtEl>
-                                        <p:attrNameLst>
-                                          <p:attrName>ppt_x</p:attrName>
-                                        </p:attrNameLst>
-                                      </p:cBhvr>
-                                      <p:tavLst>
-                                        <p:tav tm="0">
-                                          <p:val>
-                                            <p:strVal val="#ppt_x-.1"/>
-                                          </p:val>
-                                        </p:tav>
-                                        <p:tav tm="100000">
-                                          <p:val>
-                                            <p:strVal val="#ppt_x"/>
-                                          </p:val>
-                                        </p:tav>
-                                      </p:tavLst>
-                                    </p:anim>
-                                  </p:childTnLst>
-                                </p:cTn>
-                              </p:par>
-                            </p:childTnLst>
-                          </p:cTn>
-                        </p:par>
-                      </p:childTnLst>
-                    </p:cTn>
-                  </p:par>
-                  <p:par>
-                    <p:cTn id="45" fill="hold">
-                      <p:stCondLst>
-                        <p:cond delay="indefinite"/>
-                      </p:stCondLst>
-                      <p:childTnLst>
-                        <p:par>
-                          <p:cTn id="46" fill="hold">
-                            <p:stCondLst>
-                              <p:cond delay="0"/>
-                            </p:stCondLst>
-                            <p:childTnLst>
-                              <p:par>
-                                <p:cTn id="47" presetID="42" presetClass="entr" presetSubtype="0" fill="hold" grpId="0" nodeType="clickEffect">
-                                  <p:stCondLst>
-                                    <p:cond delay="0"/>
-                                  </p:stCondLst>
-                                  <p:childTnLst>
-                                    <p:set>
-                                      <p:cBhvr>
-                                        <p:cTn id="48" dur="1" fill="hold">
-                                          <p:stCondLst>
-                                            <p:cond delay="0"/>
-                                          </p:stCondLst>
-                                        </p:cTn>
-                                        <p:tgtEl>
-                                          <p:spTgt spid="3">
-                                            <p:txEl>
-                                              <p:pRg st="18" end="18"/>
-                                            </p:txEl>
-                                          </p:spTgt>
-                                        </p:tgtEl>
-                                        <p:attrNameLst>
-                                          <p:attrName>style.visibility</p:attrName>
-                                        </p:attrNameLst>
-                                      </p:cBhvr>
-                                      <p:to>
-                                        <p:strVal val="visible"/>
-                                      </p:to>
-                                    </p:set>
-                                    <p:animEffect transition="in" filter="fade">
-                                      <p:cBhvr>
-                                        <p:cTn id="49" dur="750"/>
-                                        <p:tgtEl>
-                                          <p:spTgt spid="3">
-                                            <p:txEl>
-                                              <p:pRg st="18" end="18"/>
-                                            </p:txEl>
-                                          </p:spTgt>
-                                        </p:tgtEl>
-                                      </p:cBhvr>
-                                    </p:animEffect>
-                                    <p:anim calcmode="lin" valueType="num">
-                                      <p:cBhvr>
-                                        <p:cTn id="50" dur="750" decel="100000" fill="hold"/>
-                                        <p:tgtEl>
-                                          <p:spTgt spid="3">
-                                            <p:txEl>
-                                              <p:pRg st="18" end="18"/>
-                                            </p:txEl>
-                                          </p:spTgt>
-                                        </p:tgtEl>
-                                        <p:attrNameLst>
-                                          <p:attrName>ppt_x</p:attrName>
-                                        </p:attrNameLst>
-                                      </p:cBhvr>
-                                      <p:tavLst>
-                                        <p:tav tm="0">
-                                          <p:val>
-                                            <p:strVal val="#ppt_x-.1"/>
-                                          </p:val>
-                                        </p:tav>
-                                        <p:tav tm="100000">
-                                          <p:val>
-                                            <p:strVal val="#ppt_x"/>
-                                          </p:val>
-                                        </p:tav>
-                                      </p:tavLst>
-                                    </p:anim>
-                                  </p:childTnLst>
-                                </p:cTn>
-                              </p:par>
-                            </p:childTnLst>
-                          </p:cTn>
-                        </p:par>
-                      </p:childTnLst>
-                    </p:cTn>
-                  </p:par>
-                  <p:par>
-                    <p:cTn id="51" fill="hold">
-                      <p:stCondLst>
-                        <p:cond delay="indefinite"/>
-                      </p:stCondLst>
-                      <p:childTnLst>
-                        <p:par>
-                          <p:cTn id="52" fill="hold">
-                            <p:stCondLst>
-                              <p:cond delay="0"/>
-                            </p:stCondLst>
-                            <p:childTnLst>
-                              <p:par>
-                                <p:cTn id="53" presetID="42" presetClass="entr" presetSubtype="0" fill="hold" grpId="0" nodeType="clickEffect">
-                                  <p:stCondLst>
-                                    <p:cond delay="0"/>
-                                  </p:stCondLst>
-                                  <p:childTnLst>
-                                    <p:set>
-                                      <p:cBhvr>
-                                        <p:cTn id="54" dur="1" fill="hold">
-                                          <p:stCondLst>
-                                            <p:cond delay="0"/>
-                                          </p:stCondLst>
-                                        </p:cTn>
-                                        <p:tgtEl>
-                                          <p:spTgt spid="3">
-                                            <p:txEl>
-                                              <p:pRg st="19" end="19"/>
-                                            </p:txEl>
-                                          </p:spTgt>
-                                        </p:tgtEl>
-                                        <p:attrNameLst>
-                                          <p:attrName>style.visibility</p:attrName>
-                                        </p:attrNameLst>
-                                      </p:cBhvr>
-                                      <p:to>
-                                        <p:strVal val="visible"/>
-                                      </p:to>
-                                    </p:set>
-                                    <p:animEffect transition="in" filter="fade">
-                                      <p:cBhvr>
-                                        <p:cTn id="55" dur="750"/>
-                                        <p:tgtEl>
-                                          <p:spTgt spid="3">
-                                            <p:txEl>
-                                              <p:pRg st="19" end="19"/>
-                                            </p:txEl>
-                                          </p:spTgt>
-                                        </p:tgtEl>
-                                      </p:cBhvr>
-                                    </p:animEffect>
-                                    <p:anim calcmode="lin" valueType="num">
-                                      <p:cBhvr>
-                                        <p:cTn id="56" dur="750" decel="100000" fill="hold"/>
-                                        <p:tgtEl>
-                                          <p:spTgt spid="3">
-                                            <p:txEl>
-                                              <p:pRg st="19" end="19"/>
-                                            </p:txEl>
-                                          </p:spTgt>
-                                        </p:tgtEl>
-                                        <p:attrNameLst>
-                                          <p:attrName>ppt_x</p:attrName>
-                                        </p:attrNameLst>
-                                      </p:cBhvr>
-                                      <p:tavLst>
-                                        <p:tav tm="0">
-                                          <p:val>
-                                            <p:strVal val="#ppt_x-.1"/>
-                                          </p:val>
-                                        </p:tav>
-                                        <p:tav tm="100000">
-                                          <p:val>
-                                            <p:strVal val="#ppt_x"/>
-                                          </p:val>
-                                        </p:tav>
-                                      </p:tavLst>
-                                    </p:anim>
-                                  </p:childTnLst>
-                                </p:cTn>
-                              </p:par>
-                            </p:childTnLst>
-                          </p:cTn>
-                        </p:par>
-                      </p:childTnLst>
-                    </p:cTn>
-                  </p:par>
-                  <p:par>
-                    <p:cTn id="57" fill="hold">
-                      <p:stCondLst>
-                        <p:cond delay="indefinite"/>
-                      </p:stCondLst>
-                      <p:childTnLst>
-                        <p:par>
-                          <p:cTn id="58" fill="hold">
-                            <p:stCondLst>
-                              <p:cond delay="0"/>
-                            </p:stCondLst>
-                            <p:childTnLst>
-                              <p:par>
-                                <p:cTn id="59" presetID="42" presetClass="entr" presetSubtype="0" fill="hold" grpId="0" nodeType="clickEffect">
-                                  <p:stCondLst>
-                                    <p:cond delay="0"/>
-                                  </p:stCondLst>
-                                  <p:childTnLst>
-                                    <p:set>
-                                      <p:cBhvr>
-                                        <p:cTn id="60" dur="1" fill="hold">
-                                          <p:stCondLst>
-                                            <p:cond delay="0"/>
-                                          </p:stCondLst>
-                                        </p:cTn>
-                                        <p:tgtEl>
-                                          <p:spTgt spid="3">
-                                            <p:txEl>
-                                              <p:pRg st="20" end="20"/>
-                                            </p:txEl>
-                                          </p:spTgt>
-                                        </p:tgtEl>
-                                        <p:attrNameLst>
-                                          <p:attrName>style.visibility</p:attrName>
-                                        </p:attrNameLst>
-                                      </p:cBhvr>
-                                      <p:to>
-                                        <p:strVal val="visible"/>
-                                      </p:to>
-                                    </p:set>
-                                    <p:animEffect transition="in" filter="fade">
-                                      <p:cBhvr>
-                                        <p:cTn id="61" dur="750"/>
-                                        <p:tgtEl>
-                                          <p:spTgt spid="3">
-                                            <p:txEl>
-                                              <p:pRg st="20" end="20"/>
-                                            </p:txEl>
-                                          </p:spTgt>
-                                        </p:tgtEl>
-                                      </p:cBhvr>
-                                    </p:animEffect>
-                                    <p:anim calcmode="lin" valueType="num">
-                                      <p:cBhvr>
-                                        <p:cTn id="62" dur="750" decel="100000" fill="hold"/>
-                                        <p:tgtEl>
-                                          <p:spTgt spid="3">
-                                            <p:txEl>
-                                              <p:pRg st="20" end="20"/>
-                                            </p:txEl>
-                                          </p:spTgt>
-                                        </p:tgtEl>
-                                        <p:attrNameLst>
-                                          <p:attrName>ppt_x</p:attrName>
-                                        </p:attrNameLst>
-                                      </p:cBhvr>
-                                      <p:tavLst>
-                                        <p:tav tm="0">
-                                          <p:val>
-                                            <p:strVal val="#ppt_x-.1"/>
-                                          </p:val>
-                                        </p:tav>
-                                        <p:tav tm="100000">
-                                          <p:val>
-                                            <p:strVal val="#ppt_x"/>
-                                          </p:val>
-                                        </p:tav>
-                                      </p:tavLst>
-                                    </p:anim>
-                                  </p:childTnLst>
-                                </p:cTn>
-                              </p:par>
-                            </p:childTnLst>
-                          </p:cTn>
-                        </p:par>
-                      </p:childTnLst>
-                    </p:cTn>
-                  </p:par>
-                  <p:par>
-                    <p:cTn id="63" fill="hold">
-                      <p:stCondLst>
-                        <p:cond delay="indefinite"/>
-                      </p:stCondLst>
-                      <p:childTnLst>
-                        <p:par>
-                          <p:cTn id="64" fill="hold">
-                            <p:stCondLst>
-                              <p:cond delay="0"/>
-                            </p:stCondLst>
-                            <p:childTnLst>
-                              <p:par>
-                                <p:cTn id="65" presetID="42" presetClass="entr" presetSubtype="0" fill="hold" grpId="0" nodeType="clickEffect">
-                                  <p:stCondLst>
-                                    <p:cond delay="0"/>
-                                  </p:stCondLst>
-                                  <p:childTnLst>
-                                    <p:set>
-                                      <p:cBhvr>
-                                        <p:cTn id="66" dur="1" fill="hold">
-                                          <p:stCondLst>
-                                            <p:cond delay="0"/>
-                                          </p:stCondLst>
-                                        </p:cTn>
-                                        <p:tgtEl>
-                                          <p:spTgt spid="3">
-                                            <p:txEl>
-                                              <p:pRg st="21" end="21"/>
-                                            </p:txEl>
-                                          </p:spTgt>
-                                        </p:tgtEl>
-                                        <p:attrNameLst>
-                                          <p:attrName>style.visibility</p:attrName>
-                                        </p:attrNameLst>
-                                      </p:cBhvr>
-                                      <p:to>
-                                        <p:strVal val="visible"/>
-                                      </p:to>
-                                    </p:set>
-                                    <p:animEffect transition="in" filter="fade">
-                                      <p:cBhvr>
-                                        <p:cTn id="67" dur="750"/>
-                                        <p:tgtEl>
-                                          <p:spTgt spid="3">
-                                            <p:txEl>
-                                              <p:pRg st="21" end="21"/>
-                                            </p:txEl>
-                                          </p:spTgt>
-                                        </p:tgtEl>
-                                      </p:cBhvr>
-                                    </p:animEffect>
-                                    <p:anim calcmode="lin" valueType="num">
-                                      <p:cBhvr>
-                                        <p:cTn id="68" dur="750" decel="100000" fill="hold"/>
-                                        <p:tgtEl>
-                                          <p:spTgt spid="3">
-                                            <p:txEl>
-                                              <p:pRg st="21" end="21"/>
-                                            </p:txEl>
-                                          </p:spTgt>
-                                        </p:tgtEl>
-                                        <p:attrNameLst>
-                                          <p:attrName>ppt_x</p:attrName>
-                                        </p:attrNameLst>
-                                      </p:cBhvr>
-                                      <p:tavLst>
-                                        <p:tav tm="0">
-                                          <p:val>
-                                            <p:strVal val="#ppt_x-.1"/>
-                                          </p:val>
-                                        </p:tav>
-                                        <p:tav tm="100000">
-                                          <p:val>
-                                            <p:strVal val="#ppt_x"/>
-                                          </p:val>
-                                        </p:tav>
-                                      </p:tavLst>
-                                    </p:anim>
-                                  </p:childTnLst>
-                                </p:cTn>
-                              </p:par>
-                            </p:childTnLst>
-                          </p:cTn>
-                        </p:par>
-                      </p:childTnLst>
-                    </p:cTn>
-                  </p:par>
-                  <p:par>
-                    <p:cTn id="69" fill="hold">
-                      <p:stCondLst>
-                        <p:cond delay="indefinite"/>
-                      </p:stCondLst>
-                      <p:childTnLst>
-                        <p:par>
-                          <p:cTn id="70" fill="hold">
-                            <p:stCondLst>
-                              <p:cond delay="0"/>
-                            </p:stCondLst>
-                            <p:childTnLst>
-                              <p:par>
-                                <p:cTn id="71" presetID="42" presetClass="entr" presetSubtype="0" fill="hold" grpId="0" nodeType="clickEffect">
-                                  <p:stCondLst>
-                                    <p:cond delay="0"/>
-                                  </p:stCondLst>
-                                  <p:childTnLst>
-                                    <p:set>
-                                      <p:cBhvr>
-                                        <p:cTn id="72" dur="1" fill="hold">
-                                          <p:stCondLst>
-                                            <p:cond delay="0"/>
-                                          </p:stCondLst>
-                                        </p:cTn>
-                                        <p:tgtEl>
-                                          <p:spTgt spid="3">
-                                            <p:txEl>
-                                              <p:pRg st="22" end="22"/>
-                                            </p:txEl>
-                                          </p:spTgt>
-                                        </p:tgtEl>
-                                        <p:attrNameLst>
-                                          <p:attrName>style.visibility</p:attrName>
-                                        </p:attrNameLst>
-                                      </p:cBhvr>
-                                      <p:to>
-                                        <p:strVal val="visible"/>
-                                      </p:to>
-                                    </p:set>
-                                    <p:animEffect transition="in" filter="fade">
-                                      <p:cBhvr>
-                                        <p:cTn id="73" dur="750"/>
-                                        <p:tgtEl>
-                                          <p:spTgt spid="3">
-                                            <p:txEl>
-                                              <p:pRg st="22" end="22"/>
-                                            </p:txEl>
-                                          </p:spTgt>
-                                        </p:tgtEl>
-                                      </p:cBhvr>
-                                    </p:animEffect>
-                                    <p:anim calcmode="lin" valueType="num">
-                                      <p:cBhvr>
-                                        <p:cTn id="74" dur="750" decel="100000" fill="hold"/>
-                                        <p:tgtEl>
-                                          <p:spTgt spid="3">
-                                            <p:txEl>
-                                              <p:pRg st="22" end="22"/>
                                             </p:txEl>
                                           </p:spTgt>
                                         </p:tgtEl>
@@ -16832,7 +18878,7 @@
         <p:cNvPr id="1" name="">
           <a:extLst>
             <a:ext uri="{FF2B5EF4-FFF2-40B4-BE49-F238E27FC236}">
-              <a16:creationId xmlns:a16="http://schemas.microsoft.com/office/drawing/2014/main" id="{598E7476-50BE-9485-2DF5-52D3B4BACF09}"/>
+              <a16:creationId xmlns:a16="http://schemas.microsoft.com/office/drawing/2014/main" id="{EF84B9BE-3C1A-7B9A-5E3E-E940084CA44B}"/>
             </a:ext>
           </a:extLst>
         </p:cNvPr>
@@ -16852,7 +18898,7 @@
           <p:cNvPr id="3" name="MG-内容占位符 2">
             <a:extLst>
               <a:ext uri="{FF2B5EF4-FFF2-40B4-BE49-F238E27FC236}">
-                <a16:creationId xmlns:a16="http://schemas.microsoft.com/office/drawing/2014/main" id="{040E246E-8F81-DA6B-552B-EEA420A10BA0}"/>
+                <a16:creationId xmlns:a16="http://schemas.microsoft.com/office/drawing/2014/main" id="{3CA01F61-0F48-BC7D-2B1D-50E7F2BC788B}"/>
               </a:ext>
             </a:extLst>
           </p:cNvPr>
@@ -16868,12 +18914,12 @@
         </p:nvSpPr>
         <p:spPr>
           <a:xfrm>
-            <a:off x="838200" y="-10633076"/>
-            <a:ext cx="10515600" cy="17491076"/>
+            <a:off x="838200" y="-4498976"/>
+            <a:ext cx="10515600" cy="11356976"/>
           </a:xfrm>
         </p:spPr>
         <p:txBody>
-          <a:bodyPr wrap="square">
+          <a:bodyPr>
             <a:noAutofit/>
           </a:bodyPr>
           <a:lstStyle/>
@@ -16914,7 +18960,7 @@
           <a:p>
             <a:r>
               <a:rPr lang="en-US" dirty="0"/>
-              <a:t>Grete Sama</a:t>
+              <a:t>Grete Samsa</a:t>
             </a:r>
           </a:p>
           <a:p>
@@ -16982,7 +19028,7 @@
             <a:pPr lvl="1"/>
             <a:r>
               <a:rPr lang="en-US" dirty="0"/>
-              <a:t>Has asthma</a:t>
+              <a:t>Is suffering from asthma</a:t>
             </a:r>
           </a:p>
           <a:p>
@@ -17037,63 +19083,127 @@
               <a:t>Three people who rent one of the rooms in Gregor’s house</a:t>
             </a:r>
           </a:p>
-          <a:p>
-            <a:pPr lvl="1"/>
-            <a:r>
-              <a:rPr lang="en-US" dirty="0"/>
-              <a:t>Immediately declares that he won't pay for the </a:t>
-            </a:r>
-            <a:r>
-              <a:rPr lang="en-US" dirty="0" err="1"/>
-              <a:t>Samsas'</a:t>
-            </a:r>
-            <a:r>
-              <a:rPr lang="en-US" dirty="0"/>
-              <a:t> services after seeing the insect (Gregor)</a:t>
-            </a:r>
-          </a:p>
-          <a:p>
-            <a:r>
-              <a:rPr lang="en-US" dirty="0"/>
-              <a:t>Charwoman</a:t>
-            </a:r>
-          </a:p>
-          <a:p>
-            <a:pPr lvl="1"/>
-            <a:r>
-              <a:rPr lang="en-US" dirty="0"/>
-              <a:t>Hired by the family few months after Gregor’s transformation to replace the servant girl and the cook</a:t>
-            </a:r>
-          </a:p>
-          <a:p>
-            <a:pPr lvl="1"/>
-            <a:r>
-              <a:rPr lang="en-US" dirty="0"/>
-              <a:t>The least disgusted and frightened by Gregor</a:t>
-            </a:r>
-          </a:p>
         </p:txBody>
       </p:sp>
+      <mc:AlternateContent xmlns:mc="http://schemas.openxmlformats.org/markup-compatibility/2006">
+        <mc:Choice xmlns:pslz="http://schemas.microsoft.com/office/powerpoint/2016/slidezoom" Requires="pslz">
+          <p:graphicFrame>
+            <p:nvGraphicFramePr>
+              <p:cNvPr id="7" name="Slide Zoom 6">
+                <a:extLst>
+                  <a:ext uri="{FF2B5EF4-FFF2-40B4-BE49-F238E27FC236}">
+                    <a16:creationId xmlns:a16="http://schemas.microsoft.com/office/drawing/2014/main" id="{327F1D93-2E6C-263E-B8CC-67C6AD87AEBA}"/>
+                  </a:ext>
+                </a:extLst>
+              </p:cNvPr>
+              <p:cNvGraphicFramePr>
+                <a:graphicFrameLocks noChangeAspect="1"/>
+              </p:cNvGraphicFramePr>
+              <p:nvPr/>
+            </p:nvGraphicFramePr>
+            <p:xfrm>
+              <a:off x="3846136" y="2828041"/>
+              <a:ext cx="1027522" cy="332670"/>
+            </p:xfrm>
+            <a:graphic>
+              <a:graphicData uri="http://schemas.microsoft.com/office/powerpoint/2016/slidezoom">
+                <pslz:sldZm>
+                  <pslz:sldZmObj sldId="270" cId="781866630">
+                    <pslz:zmPr id="{528AFD41-D74B-429E-9B4D-4DB9D4C3006F}" imageType="cover" transitionDur="500">
+                      <p166:blipFill xmlns:p166="http://schemas.microsoft.com/office/powerpoint/2016/6/main">
+                        <a:blip r:embed="rId4">
+                          <a:extLst>
+                            <a:ext uri="{28A0092B-C50C-407E-A947-70E740481C1C}">
+                              <a14:useLocalDpi xmlns:a14="http://schemas.microsoft.com/office/drawing/2010/main" val="0"/>
+                            </a:ext>
+                          </a:extLst>
+                        </a:blip>
+                        <a:stretch>
+                          <a:fillRect/>
+                        </a:stretch>
+                      </p166:blipFill>
+                      <p166:spPr xmlns:p166="http://schemas.microsoft.com/office/powerpoint/2016/6/main">
+                        <a:xfrm>
+                          <a:off x="0" y="0"/>
+                          <a:ext cx="1027522" cy="332670"/>
+                        </a:xfrm>
+                        <a:prstGeom prst="rect">
+                          <a:avLst/>
+                        </a:prstGeom>
+                        <a:ln w="12700">
+                          <a:solidFill>
+                            <a:schemeClr val="bg1"/>
+                          </a:solidFill>
+                        </a:ln>
+                      </p166:spPr>
+                    </pslz:zmPr>
+                  </pslz:sldZmObj>
+                </pslz:sldZm>
+              </a:graphicData>
+            </a:graphic>
+          </p:graphicFrame>
+        </mc:Choice>
+        <mc:Fallback>
+          <p:pic>
+            <p:nvPicPr>
+              <p:cNvPr id="7" name="Slide Zoom 6">
+                <a:hlinkClick r:id="rId5" action="ppaction://hlinksldjump"/>
+                <a:extLst>
+                  <a:ext uri="{FF2B5EF4-FFF2-40B4-BE49-F238E27FC236}">
+                    <a16:creationId xmlns:a16="http://schemas.microsoft.com/office/drawing/2014/main" id="{327F1D93-2E6C-263E-B8CC-67C6AD87AEBA}"/>
+                  </a:ext>
+                </a:extLst>
+              </p:cNvPr>
+              <p:cNvPicPr>
+                <a:picLocks noGrp="1" noRot="1" noChangeAspect="1" noMove="1" noResize="1" noEditPoints="1" noAdjustHandles="1" noChangeArrowheads="1" noChangeShapeType="1"/>
+              </p:cNvPicPr>
+              <p:nvPr/>
+            </p:nvPicPr>
+            <p:blipFill>
+              <a:blip r:embed="rId4">
+                <a:extLst>
+                  <a:ext uri="{28A0092B-C50C-407E-A947-70E740481C1C}">
+                    <a14:useLocalDpi xmlns:a14="http://schemas.microsoft.com/office/drawing/2010/main" val="0"/>
+                  </a:ext>
+                </a:extLst>
+              </a:blip>
+              <a:stretch>
+                <a:fillRect/>
+              </a:stretch>
+            </p:blipFill>
+            <p:spPr>
+              <a:xfrm>
+                <a:off x="3846136" y="2828041"/>
+                <a:ext cx="1027522" cy="332670"/>
+              </a:xfrm>
+              <a:prstGeom prst="rect">
+                <a:avLst/>
+              </a:prstGeom>
+              <a:ln w="12700">
+                <a:solidFill>
+                  <a:schemeClr val="bg1"/>
+                </a:solidFill>
+              </a:ln>
+            </p:spPr>
+          </p:pic>
+        </mc:Fallback>
+      </mc:AlternateContent>
     </p:spTree>
     <p:extLst>
       <p:ext uri="{BB962C8B-B14F-4D97-AF65-F5344CB8AC3E}">
-        <p14:creationId xmlns:p14="http://schemas.microsoft.com/office/powerpoint/2010/main" val="2880207696"/>
+        <p14:creationId xmlns:p14="http://schemas.microsoft.com/office/powerpoint/2010/main" val="2422872718"/>
       </p:ext>
     </p:extLst>
   </p:cSld>
   <p:clrMapOvr>
     <a:masterClrMapping/>
   </p:clrMapOvr>
-  <mc:AlternateContent xmlns:mc="http://schemas.openxmlformats.org/markup-compatibility/2006" xmlns:p159="http://schemas.microsoft.com/office/powerpoint/2015/09/main">
-    <mc:Choice Requires="p159">
-      <p:transition spd="slow">
-        <p159:morph option="byWord"/>
-      </p:transition>
+  <mc:AlternateContent xmlns:mc="http://schemas.openxmlformats.org/markup-compatibility/2006">
+    <mc:Choice xmlns:p14="http://schemas.microsoft.com/office/powerpoint/2010/main" Requires="p14">
+      <p:transition p14:dur="0"/>
     </mc:Choice>
-    <mc:Fallback xmlns="">
-      <p:transition spd="slow">
-        <p:fade/>
-      </p:transition>
+    <mc:Fallback>
+      <p:transition/>
     </mc:Fallback>
   </mc:AlternateContent>
   <p:timing>
@@ -17120,7 +19230,7 @@
                             </p:stCondLst>
                             <p:childTnLst>
                               <p:par>
-                                <p:cTn id="5" presetID="42" presetClass="entr" presetSubtype="0" fill="hold" grpId="0" nodeType="afterEffect">
+                                <p:cTn id="5" presetID="42" presetClass="entr" presetSubtype="0" fill="hold" grpId="0" nodeType="withEffect">
                                   <p:stCondLst>
                                     <p:cond delay="0"/>
                                   </p:stCondLst>
@@ -17135,7 +19245,7 @@
                                         <p:tgtEl>
                                           <p:spTgt spid="3">
                                             <p:txEl>
-                                              <p:pRg st="23" end="23"/>
+                                              <p:pRg st="15" end="15"/>
                                             </p:txEl>
                                           </p:spTgt>
                                         </p:tgtEl>
@@ -17153,7 +19263,7 @@
                                         <p:tgtEl>
                                           <p:spTgt spid="3">
                                             <p:txEl>
-                                              <p:pRg st="23" end="23"/>
+                                              <p:pRg st="15" end="15"/>
                                             </p:txEl>
                                           </p:spTgt>
                                         </p:tgtEl>
@@ -17165,7 +19275,131 @@
                                         <p:tgtEl>
                                           <p:spTgt spid="3">
                                             <p:txEl>
-                                              <p:pRg st="23" end="23"/>
+                                              <p:pRg st="15" end="15"/>
+                                            </p:txEl>
+                                          </p:spTgt>
+                                        </p:tgtEl>
+                                        <p:attrNameLst>
+                                          <p:attrName>ppt_x</p:attrName>
+                                        </p:attrNameLst>
+                                      </p:cBhvr>
+                                      <p:tavLst>
+                                        <p:tav tm="0">
+                                          <p:val>
+                                            <p:strVal val="#ppt_x-.1"/>
+                                          </p:val>
+                                        </p:tav>
+                                        <p:tav tm="100000">
+                                          <p:val>
+                                            <p:strVal val="#ppt_x"/>
+                                          </p:val>
+                                        </p:tav>
+                                      </p:tavLst>
+                                    </p:anim>
+                                  </p:childTnLst>
+                                </p:cTn>
+                              </p:par>
+                            </p:childTnLst>
+                          </p:cTn>
+                        </p:par>
+                        <p:par>
+                          <p:cTn id="9" fill="hold">
+                            <p:stCondLst>
+                              <p:cond delay="750"/>
+                            </p:stCondLst>
+                            <p:childTnLst>
+                              <p:par>
+                                <p:cTn id="10" presetID="1" presetClass="entr" presetSubtype="0" fill="hold" nodeType="afterEffect">
+                                  <p:stCondLst>
+                                    <p:cond delay="0"/>
+                                  </p:stCondLst>
+                                  <p:childTnLst>
+                                    <p:set>
+                                      <p:cBhvr>
+                                        <p:cTn id="11" dur="1" fill="hold">
+                                          <p:stCondLst>
+                                            <p:cond delay="0"/>
+                                          </p:stCondLst>
+                                        </p:cTn>
+                                        <p:tgtEl>
+                                          <p:spTgt spid="7"/>
+                                        </p:tgtEl>
+                                        <p:attrNameLst>
+                                          <p:attrName>style.visibility</p:attrName>
+                                        </p:attrNameLst>
+                                      </p:cBhvr>
+                                      <p:to>
+                                        <p:strVal val="visible"/>
+                                      </p:to>
+                                    </p:set>
+                                  </p:childTnLst>
+                                </p:cTn>
+                              </p:par>
+                            </p:childTnLst>
+                          </p:cTn>
+                        </p:par>
+                      </p:childTnLst>
+                    </p:cTn>
+                  </p:par>
+                  <p:par>
+                    <p:cTn id="12" fill="hold">
+                      <p:stCondLst>
+                        <p:cond delay="indefinite"/>
+                      </p:stCondLst>
+                      <p:childTnLst>
+                        <p:par>
+                          <p:cTn id="13" fill="hold">
+                            <p:stCondLst>
+                              <p:cond delay="0"/>
+                            </p:stCondLst>
+                            <p:childTnLst>
+                              <p:par>
+                                <p:cTn id="14" presetID="42" presetClass="entr" presetSubtype="0" fill="hold" grpId="0" nodeType="clickEffect">
+                                  <p:stCondLst>
+                                    <p:cond delay="0"/>
+                                  </p:stCondLst>
+                                  <p:childTnLst>
+                                    <p:set>
+                                      <p:cBhvr>
+                                        <p:cTn id="15" dur="1" fill="hold">
+                                          <p:stCondLst>
+                                            <p:cond delay="0"/>
+                                          </p:stCondLst>
+                                        </p:cTn>
+                                        <p:tgtEl>
+                                          <p:spTgt spid="3">
+                                            <p:txEl>
+                                              <p:pRg st="16" end="16"/>
+                                            </p:txEl>
+                                          </p:spTgt>
+                                        </p:tgtEl>
+                                        <p:attrNameLst>
+                                          <p:attrName>style.visibility</p:attrName>
+                                        </p:attrNameLst>
+                                      </p:cBhvr>
+                                      <p:to>
+                                        <p:strVal val="visible"/>
+                                      </p:to>
+                                    </p:set>
+                                    <p:animEffect transition="in" filter="fade">
+                                      <p:cBhvr>
+                                        <p:cTn id="16" dur="750"/>
+                                        <p:tgtEl>
+                                          <p:spTgt spid="3">
+                                            <p:txEl>
+                                              <p:pRg st="16" end="16"/>
+                                            </p:txEl>
+                                          </p:spTgt>
+                                        </p:tgtEl>
+                                      </p:cBhvr>
+                                    </p:animEffect>
+                                    <p:anim calcmode="lin" valueType="num">
+                                      <p:cBhvr>
+                                        <p:cTn id="17" dur="750" decel="100000" fill="hold"/>
+                                        <p:tgtEl>
+                                          <p:spTgt spid="3">
+                                            <p:txEl>
+                                              <p:pRg st="16" end="16"/>
                                             </p:txEl>
                                           </p:spTgt>
                                         </p:tgtEl>
@@ -17196,26 +19430,26 @@
                     </p:cTn>
                   </p:par>
                   <p:par>
-                    <p:cTn id="9" fill="hold">
+                    <p:cTn id="18" fill="hold">
                       <p:stCondLst>
                         <p:cond delay="indefinite"/>
                       </p:stCondLst>
                       <p:childTnLst>
                         <p:par>
-                          <p:cTn id="10" fill="hold">
+                          <p:cTn id="19" fill="hold">
                             <p:stCondLst>
                               <p:cond delay="0"/>
                             </p:stCondLst>
                             <p:childTnLst>
                               <p:par>
-                                <p:cTn id="11" presetID="42" presetClass="entr" presetSubtype="0" fill="hold" grpId="0" nodeType="clickEffect">
+                                <p:cTn id="20" presetID="42" presetClass="entr" presetSubtype="0" fill="hold" grpId="0" nodeType="clickEffect">
                                   <p:stCondLst>
                                     <p:cond delay="0"/>
                                   </p:stCondLst>
                                   <p:childTnLst>
                                     <p:set>
                                       <p:cBhvr>
-                                        <p:cTn id="12" dur="1" fill="hold">
+                                        <p:cTn id="21" dur="1" fill="hold">
                                           <p:stCondLst>
                                             <p:cond delay="0"/>
                                           </p:stCondLst>
@@ -17223,7 +19457,7 @@
                                         <p:tgtEl>
                                           <p:spTgt spid="3">
                                             <p:txEl>
-                                              <p:pRg st="24" end="24"/>
+                                              <p:pRg st="17" end="17"/>
                                             </p:txEl>
                                           </p:spTgt>
                                         </p:tgtEl>
@@ -17237,11 +19471,11 @@
                                     </p:set>
                                     <p:animEffect transition="in" filter="fade">
                                       <p:cBhvr>
-                                        <p:cTn id="13" dur="750"/>
-                                        <p:tgtEl>
-                                          <p:spTgt spid="3">
-                                            <p:txEl>
-                                              <p:pRg st="24" end="24"/>
+                                        <p:cTn id="22" dur="750"/>
+                                        <p:tgtEl>
+                                          <p:spTgt spid="3">
+                                            <p:txEl>
+                                              <p:pRg st="17" end="17"/>
                                             </p:txEl>
                                           </p:spTgt>
                                         </p:tgtEl>
@@ -17249,11 +19483,11 @@
                                     </p:animEffect>
                                     <p:anim calcmode="lin" valueType="num">
                                       <p:cBhvr>
-                                        <p:cTn id="14" dur="750" decel="100000" fill="hold"/>
-                                        <p:tgtEl>
-                                          <p:spTgt spid="3">
-                                            <p:txEl>
-                                              <p:pRg st="24" end="24"/>
+                                        <p:cTn id="23" dur="750" decel="100000" fill="hold"/>
+                                        <p:tgtEl>
+                                          <p:spTgt spid="3">
+                                            <p:txEl>
+                                              <p:pRg st="17" end="17"/>
                                             </p:txEl>
                                           </p:spTgt>
                                         </p:tgtEl>
@@ -17284,26 +19518,26 @@
                     </p:cTn>
                   </p:par>
                   <p:par>
-                    <p:cTn id="15" fill="hold">
+                    <p:cTn id="24" fill="hold">
                       <p:stCondLst>
                         <p:cond delay="indefinite"/>
                       </p:stCondLst>
                       <p:childTnLst>
                         <p:par>
-                          <p:cTn id="16" fill="hold">
+                          <p:cTn id="25" fill="hold">
                             <p:stCondLst>
                               <p:cond delay="0"/>
                             </p:stCondLst>
                             <p:childTnLst>
                               <p:par>
-                                <p:cTn id="17" presetID="42" presetClass="entr" presetSubtype="0" fill="hold" grpId="0" nodeType="clickEffect">
+                                <p:cTn id="26" presetID="42" presetClass="entr" presetSubtype="0" fill="hold" grpId="0" nodeType="clickEffect">
                                   <p:stCondLst>
                                     <p:cond delay="0"/>
                                   </p:stCondLst>
                                   <p:childTnLst>
                                     <p:set>
                                       <p:cBhvr>
-                                        <p:cTn id="18" dur="1" fill="hold">
+                                        <p:cTn id="27" dur="1" fill="hold">
                                           <p:stCondLst>
                                             <p:cond delay="0"/>
                                           </p:stCondLst>
@@ -17311,7 +19545,7 @@
                                         <p:tgtEl>
                                           <p:spTgt spid="3">
                                             <p:txEl>
-                                              <p:pRg st="25" end="25"/>
+                                              <p:pRg st="18" end="18"/>
                                             </p:txEl>
                                           </p:spTgt>
                                         </p:tgtEl>
@@ -17325,11 +19559,11 @@
                                     </p:set>
                                     <p:animEffect transition="in" filter="fade">
                                       <p:cBhvr>
-                                        <p:cTn id="19" dur="750"/>
-                                        <p:tgtEl>
-                                          <p:spTgt spid="3">
-                                            <p:txEl>
-                                              <p:pRg st="25" end="25"/>
+                                        <p:cTn id="28" dur="750"/>
+                                        <p:tgtEl>
+                                          <p:spTgt spid="3">
+                                            <p:txEl>
+                                              <p:pRg st="18" end="18"/>
                                             </p:txEl>
                                           </p:spTgt>
                                         </p:tgtEl>
@@ -17337,11 +19571,11 @@
                                     </p:animEffect>
                                     <p:anim calcmode="lin" valueType="num">
                                       <p:cBhvr>
-                                        <p:cTn id="20" dur="750" decel="100000" fill="hold"/>
-                                        <p:tgtEl>
-                                          <p:spTgt spid="3">
-                                            <p:txEl>
-                                              <p:pRg st="25" end="25"/>
+                                        <p:cTn id="29" dur="750" decel="100000" fill="hold"/>
+                                        <p:tgtEl>
+                                          <p:spTgt spid="3">
+                                            <p:txEl>
+                                              <p:pRg st="18" end="18"/>
                                             </p:txEl>
                                           </p:spTgt>
                                         </p:tgtEl>
@@ -17372,26 +19606,26 @@
                     </p:cTn>
                   </p:par>
                   <p:par>
-                    <p:cTn id="21" fill="hold">
+                    <p:cTn id="30" fill="hold">
                       <p:stCondLst>
                         <p:cond delay="indefinite"/>
                       </p:stCondLst>
                       <p:childTnLst>
                         <p:par>
-                          <p:cTn id="22" fill="hold">
+                          <p:cTn id="31" fill="hold">
                             <p:stCondLst>
                               <p:cond delay="0"/>
                             </p:stCondLst>
                             <p:childTnLst>
                               <p:par>
-                                <p:cTn id="23" presetID="42" presetClass="entr" presetSubtype="0" fill="hold" grpId="0" nodeType="clickEffect">
+                                <p:cTn id="32" presetID="42" presetClass="entr" presetSubtype="0" fill="hold" grpId="0" nodeType="clickEffect">
                                   <p:stCondLst>
                                     <p:cond delay="0"/>
                                   </p:stCondLst>
                                   <p:childTnLst>
                                     <p:set>
                                       <p:cBhvr>
-                                        <p:cTn id="24" dur="1" fill="hold">
+                                        <p:cTn id="33" dur="1" fill="hold">
                                           <p:stCondLst>
                                             <p:cond delay="0"/>
                                           </p:stCondLst>
@@ -17399,7 +19633,7 @@
                                         <p:tgtEl>
                                           <p:spTgt spid="3">
                                             <p:txEl>
-                                              <p:pRg st="26" end="26"/>
+                                              <p:pRg st="19" end="19"/>
                                             </p:txEl>
                                           </p:spTgt>
                                         </p:tgtEl>
@@ -17413,11 +19647,11 @@
                                     </p:set>
                                     <p:animEffect transition="in" filter="fade">
                                       <p:cBhvr>
-                                        <p:cTn id="25" dur="750"/>
-                                        <p:tgtEl>
-                                          <p:spTgt spid="3">
-                                            <p:txEl>
-                                              <p:pRg st="26" end="26"/>
+                                        <p:cTn id="34" dur="750"/>
+                                        <p:tgtEl>
+                                          <p:spTgt spid="3">
+                                            <p:txEl>
+                                              <p:pRg st="19" end="19"/>
                                             </p:txEl>
                                           </p:spTgt>
                                         </p:tgtEl>
@@ -17425,11 +19659,275 @@
                                     </p:animEffect>
                                     <p:anim calcmode="lin" valueType="num">
                                       <p:cBhvr>
-                                        <p:cTn id="26" dur="750" decel="100000" fill="hold"/>
-                                        <p:tgtEl>
-                                          <p:spTgt spid="3">
-                                            <p:txEl>
-                                              <p:pRg st="26" end="26"/>
+                                        <p:cTn id="35" dur="750" decel="100000" fill="hold"/>
+                                        <p:tgtEl>
+                                          <p:spTgt spid="3">
+                                            <p:txEl>
+                                              <p:pRg st="19" end="19"/>
+                                            </p:txEl>
+                                          </p:spTgt>
+                                        </p:tgtEl>
+                                        <p:attrNameLst>
+                                          <p:attrName>ppt_x</p:attrName>
+                                        </p:attrNameLst>
+                                      </p:cBhvr>
+                                      <p:tavLst>
+                                        <p:tav tm="0">
+                                          <p:val>
+                                            <p:strVal val="#ppt_x-.1"/>
+                                          </p:val>
+                                        </p:tav>
+                                        <p:tav tm="100000">
+                                          <p:val>
+                                            <p:strVal val="#ppt_x"/>
+                                          </p:val>
+                                        </p:tav>
+                                      </p:tavLst>
+                                    </p:anim>
+                                  </p:childTnLst>
+                                </p:cTn>
+                              </p:par>
+                            </p:childTnLst>
+                          </p:cTn>
+                        </p:par>
+                      </p:childTnLst>
+                    </p:cTn>
+                  </p:par>
+                  <p:par>
+                    <p:cTn id="36" fill="hold">
+                      <p:stCondLst>
+                        <p:cond delay="indefinite"/>
+                      </p:stCondLst>
+                      <p:childTnLst>
+                        <p:par>
+                          <p:cTn id="37" fill="hold">
+                            <p:stCondLst>
+                              <p:cond delay="0"/>
+                            </p:stCondLst>
+                            <p:childTnLst>
+                              <p:par>
+                                <p:cTn id="38" presetID="42" presetClass="entr" presetSubtype="0" fill="hold" grpId="0" nodeType="clickEffect">
+                                  <p:stCondLst>
+                                    <p:cond delay="0"/>
+                                  </p:stCondLst>
+                                  <p:childTnLst>
+                                    <p:set>
+                                      <p:cBhvr>
+                                        <p:cTn id="39" dur="1" fill="hold">
+                                          <p:stCondLst>
+                                            <p:cond delay="0"/>
+                                          </p:stCondLst>
+                                        </p:cTn>
+                                        <p:tgtEl>
+                                          <p:spTgt spid="3">
+                                            <p:txEl>
+                                              <p:pRg st="20" end="20"/>
+                                            </p:txEl>
+                                          </p:spTgt>
+                                        </p:tgtEl>
+                                        <p:attrNameLst>
+                                          <p:attrName>style.visibility</p:attrName>
+                                        </p:attrNameLst>
+                                      </p:cBhvr>
+                                      <p:to>
+                                        <p:strVal val="visible"/>
+                                      </p:to>
+                                    </p:set>
+                                    <p:animEffect transition="in" filter="fade">
+                                      <p:cBhvr>
+                                        <p:cTn id="40" dur="750"/>
+                                        <p:tgtEl>
+                                          <p:spTgt spid="3">
+                                            <p:txEl>
+                                              <p:pRg st="20" end="20"/>
+                                            </p:txEl>
+                                          </p:spTgt>
+                                        </p:tgtEl>
+                                      </p:cBhvr>
+                                    </p:animEffect>
+                                    <p:anim calcmode="lin" valueType="num">
+                                      <p:cBhvr>
+                                        <p:cTn id="41" dur="750" decel="100000" fill="hold"/>
+                                        <p:tgtEl>
+                                          <p:spTgt spid="3">
+                                            <p:txEl>
+                                              <p:pRg st="20" end="20"/>
+                                            </p:txEl>
+                                          </p:spTgt>
+                                        </p:tgtEl>
+                                        <p:attrNameLst>
+                                          <p:attrName>ppt_x</p:attrName>
+                                        </p:attrNameLst>
+                                      </p:cBhvr>
+                                      <p:tavLst>
+                                        <p:tav tm="0">
+                                          <p:val>
+                                            <p:strVal val="#ppt_x-.1"/>
+                                          </p:val>
+                                        </p:tav>
+                                        <p:tav tm="100000">
+                                          <p:val>
+                                            <p:strVal val="#ppt_x"/>
+                                          </p:val>
+                                        </p:tav>
+                                      </p:tavLst>
+                                    </p:anim>
+                                  </p:childTnLst>
+                                </p:cTn>
+                              </p:par>
+                            </p:childTnLst>
+                          </p:cTn>
+                        </p:par>
+                      </p:childTnLst>
+                    </p:cTn>
+                  </p:par>
+                  <p:par>
+                    <p:cTn id="42" fill="hold">
+                      <p:stCondLst>
+                        <p:cond delay="indefinite"/>
+                      </p:stCondLst>
+                      <p:childTnLst>
+                        <p:par>
+                          <p:cTn id="43" fill="hold">
+                            <p:stCondLst>
+                              <p:cond delay="0"/>
+                            </p:stCondLst>
+                            <p:childTnLst>
+                              <p:par>
+                                <p:cTn id="44" presetID="42" presetClass="entr" presetSubtype="0" fill="hold" grpId="0" nodeType="clickEffect">
+                                  <p:stCondLst>
+                                    <p:cond delay="0"/>
+                                  </p:stCondLst>
+                                  <p:childTnLst>
+                                    <p:set>
+                                      <p:cBhvr>
+                                        <p:cTn id="45" dur="1" fill="hold">
+                                          <p:stCondLst>
+                                            <p:cond delay="0"/>
+                                          </p:stCondLst>
+                                        </p:cTn>
+                                        <p:tgtEl>
+                                          <p:spTgt spid="3">
+                                            <p:txEl>
+                                              <p:pRg st="21" end="21"/>
+                                            </p:txEl>
+                                          </p:spTgt>
+                                        </p:tgtEl>
+                                        <p:attrNameLst>
+                                          <p:attrName>style.visibility</p:attrName>
+                                        </p:attrNameLst>
+                                      </p:cBhvr>
+                                      <p:to>
+                                        <p:strVal val="visible"/>
+                                      </p:to>
+                                    </p:set>
+                                    <p:animEffect transition="in" filter="fade">
+                                      <p:cBhvr>
+                                        <p:cTn id="46" dur="750"/>
+                                        <p:tgtEl>
+                                          <p:spTgt spid="3">
+                                            <p:txEl>
+                                              <p:pRg st="21" end="21"/>
+                                            </p:txEl>
+                                          </p:spTgt>
+                                        </p:tgtEl>
+                                      </p:cBhvr>
+                                    </p:animEffect>
+                                    <p:anim calcmode="lin" valueType="num">
+                                      <p:cBhvr>
+                                        <p:cTn id="47" dur="750" decel="100000" fill="hold"/>
+                                        <p:tgtEl>
+                                          <p:spTgt spid="3">
+                                            <p:txEl>
+                                              <p:pRg st="21" end="21"/>
+                                            </p:txEl>
+                                          </p:spTgt>
+                                        </p:tgtEl>
+                                        <p:attrNameLst>
+                                          <p:attrName>ppt_x</p:attrName>
+                                        </p:attrNameLst>
+                                      </p:cBhvr>
+                                      <p:tavLst>
+                                        <p:tav tm="0">
+                                          <p:val>
+                                            <p:strVal val="#ppt_x-.1"/>
+                                          </p:val>
+                                        </p:tav>
+                                        <p:tav tm="100000">
+                                          <p:val>
+                                            <p:strVal val="#ppt_x"/>
+                                          </p:val>
+                                        </p:tav>
+                                      </p:tavLst>
+                                    </p:anim>
+                                  </p:childTnLst>
+                                </p:cTn>
+                              </p:par>
+                            </p:childTnLst>
+                          </p:cTn>
+                        </p:par>
+                      </p:childTnLst>
+                    </p:cTn>
+                  </p:par>
+                  <p:par>
+                    <p:cTn id="48" fill="hold">
+                      <p:stCondLst>
+                        <p:cond delay="indefinite"/>
+                      </p:stCondLst>
+                      <p:childTnLst>
+                        <p:par>
+                          <p:cTn id="49" fill="hold">
+                            <p:stCondLst>
+                              <p:cond delay="0"/>
+                            </p:stCondLst>
+                            <p:childTnLst>
+                              <p:par>
+                                <p:cTn id="50" presetID="42" presetClass="entr" presetSubtype="0" fill="hold" grpId="0" nodeType="clickEffect">
+                                  <p:stCondLst>
+                                    <p:cond delay="0"/>
+                                  </p:stCondLst>
+                                  <p:childTnLst>
+                                    <p:set>
+                                      <p:cBhvr>
+                                        <p:cTn id="51" dur="1" fill="hold">
+                                          <p:stCondLst>
+                                            <p:cond delay="0"/>
+                                          </p:stCondLst>
+                                        </p:cTn>
+                                        <p:tgtEl>
+                                          <p:spTgt spid="3">
+                                            <p:txEl>
+                                              <p:pRg st="22" end="22"/>
+                                            </p:txEl>
+                                          </p:spTgt>
+                                        </p:tgtEl>
+                                        <p:attrNameLst>
+                                          <p:attrName>style.visibility</p:attrName>
+                                        </p:attrNameLst>
+                                      </p:cBhvr>
+                                      <p:to>
+                                        <p:strVal val="visible"/>
+                                      </p:to>
+                                    </p:set>
+                                    <p:animEffect transition="in" filter="fade">
+                                      <p:cBhvr>
+                                        <p:cTn id="52" dur="750"/>
+                                        <p:tgtEl>
+                                          <p:spTgt spid="3">
+                                            <p:txEl>
+                                              <p:pRg st="22" end="22"/>
+                                            </p:txEl>
+                                          </p:spTgt>
+                                        </p:tgtEl>
+                                      </p:cBhvr>
+                                    </p:animEffect>
+                                    <p:anim calcmode="lin" valueType="num">
+                                      <p:cBhvr>
+                                        <p:cTn id="53" dur="750" decel="100000" fill="hold"/>
+                                        <p:tgtEl>
+                                          <p:spTgt spid="3">
+                                            <p:txEl>
+                                              <p:pRg st="22" end="22"/>
                                             </p:txEl>
                                           </p:spTgt>
                                         </p:tgtEl>
@@ -17661,7 +20159,49 @@
 </p:tagLst>
 </file>
 
+<file path=ppt/tags/tag36.xml><?xml version="1.0" encoding="utf-8"?>
+<p:tagLst xmlns:a="http://schemas.openxmlformats.org/drawingml/2006/main" xmlns:r="http://schemas.openxmlformats.org/officeDocument/2006/relationships" xmlns:p="http://schemas.openxmlformats.org/presentationml/2006/main">
+  <p:tag name="MD-PA" val="v1.0.0"/>
+</p:tagLst>
+</file>
+
+<file path=ppt/tags/tag37.xml><?xml version="1.0" encoding="utf-8"?>
+<p:tagLst xmlns:a="http://schemas.openxmlformats.org/drawingml/2006/main" xmlns:r="http://schemas.openxmlformats.org/officeDocument/2006/relationships" xmlns:p="http://schemas.openxmlformats.org/presentationml/2006/main">
+  <p:tag name="MD-PA" val="v1.0.0"/>
+</p:tagLst>
+</file>
+
+<file path=ppt/tags/tag38.xml><?xml version="1.0" encoding="utf-8"?>
+<p:tagLst xmlns:a="http://schemas.openxmlformats.org/drawingml/2006/main" xmlns:r="http://schemas.openxmlformats.org/officeDocument/2006/relationships" xmlns:p="http://schemas.openxmlformats.org/presentationml/2006/main">
+  <p:tag name="MD-PA" val="v1.0.0"/>
+</p:tagLst>
+</file>
+
+<file path=ppt/tags/tag39.xml><?xml version="1.0" encoding="utf-8"?>
+<p:tagLst xmlns:a="http://schemas.openxmlformats.org/drawingml/2006/main" xmlns:r="http://schemas.openxmlformats.org/officeDocument/2006/relationships" xmlns:p="http://schemas.openxmlformats.org/presentationml/2006/main">
+  <p:tag name="MD-PA" val="v1.0.0"/>
+</p:tagLst>
+</file>
+
 <file path=ppt/tags/tag4.xml><?xml version="1.0" encoding="utf-8"?>
+<p:tagLst xmlns:a="http://schemas.openxmlformats.org/drawingml/2006/main" xmlns:r="http://schemas.openxmlformats.org/officeDocument/2006/relationships" xmlns:p="http://schemas.openxmlformats.org/presentationml/2006/main">
+  <p:tag name="MD-PA" val="v1.0.0"/>
+</p:tagLst>
+</file>
+
+<file path=ppt/tags/tag40.xml><?xml version="1.0" encoding="utf-8"?>
+<p:tagLst xmlns:a="http://schemas.openxmlformats.org/drawingml/2006/main" xmlns:r="http://schemas.openxmlformats.org/officeDocument/2006/relationships" xmlns:p="http://schemas.openxmlformats.org/presentationml/2006/main">
+  <p:tag name="MD-PA" val="v1.0.0"/>
+</p:tagLst>
+</file>
+
+<file path=ppt/tags/tag41.xml><?xml version="1.0" encoding="utf-8"?>
+<p:tagLst xmlns:a="http://schemas.openxmlformats.org/drawingml/2006/main" xmlns:r="http://schemas.openxmlformats.org/officeDocument/2006/relationships" xmlns:p="http://schemas.openxmlformats.org/presentationml/2006/main">
+  <p:tag name="MD-PA" val="v1.0.0"/>
+</p:tagLst>
+</file>
+
+<file path=ppt/tags/tag42.xml><?xml version="1.0" encoding="utf-8"?>
 <p:tagLst xmlns:a="http://schemas.openxmlformats.org/drawingml/2006/main" xmlns:r="http://schemas.openxmlformats.org/officeDocument/2006/relationships" xmlns:p="http://schemas.openxmlformats.org/presentationml/2006/main">
   <p:tag name="MD-PA" val="v1.0.0"/>
 </p:tagLst>
@@ -17990,4 +20530,299 @@
     </a:ext>
   </a:extLst>
 </a:theme>
+</file>
+
+<file path=ppt/theme/theme2.xml><?xml version="1.0" encoding="utf-8"?>
+<a:theme xmlns:a="http://schemas.openxmlformats.org/drawingml/2006/main" name="Office Theme">
+  <a:themeElements>
+    <a:clrScheme name="Office">
+      <a:dk1>
+        <a:sysClr val="windowText" lastClr="000000"/>
+      </a:dk1>
+      <a:lt1>
+        <a:sysClr val="window" lastClr="FFFFFF"/>
+      </a:lt1>
+      <a:dk2>
+        <a:srgbClr val="44546A"/>
+      </a:dk2>
+      <a:lt2>
+        <a:srgbClr val="E7E6E6"/>
+      </a:lt2>
+      <a:accent1>
+        <a:srgbClr val="4472C4"/>
+      </a:accent1>
+      <a:accent2>
+        <a:srgbClr val="ED7D31"/>
+      </a:accent2>
+      <a:accent3>
+        <a:srgbClr val="A5A5A5"/>
+      </a:accent3>
+      <a:accent4>
+        <a:srgbClr val="FFC000"/>
+      </a:accent4>
+      <a:accent5>
+        <a:srgbClr val="5B9BD5"/>
+      </a:accent5>
+      <a:accent6>
+        <a:srgbClr val="70AD47"/>
+      </a:accent6>
+      <a:hlink>
+        <a:srgbClr val="0563C1"/>
+      </a:hlink>
+      <a:folHlink>
+        <a:srgbClr val="954F72"/>
+      </a:folHlink>
+    </a:clrScheme>
+    <a:fontScheme name="Office">
+      <a:majorFont>
+        <a:latin typeface="Calibri Light" panose="020F0302020204030204"/>
+        <a:ea typeface=""/>
+        <a:cs typeface=""/>
+        <a:font script="Jpan" typeface="游ゴシック Light"/>
+        <a:font script="Hang" typeface="맑은 고딕"/>
+        <a:font script="Hans" typeface="等线 Light"/>
+        <a:font script="Hant" typeface="新細明體"/>
+        <a:font script="Arab" typeface="Times New Roman"/>
+        <a:font script="Hebr" typeface="Times New Roman"/>
+        <a:font script="Thai" typeface="Angsana New"/>
+        <a:font script="Ethi" typeface="Nyala"/>
+        <a:font script="Beng" typeface="Vrinda"/>
+        <a:font script="Gujr" typeface="Shruti"/>
+        <a:font script="Khmr" typeface="MoolBoran"/>
+        <a:font script="Knda" typeface="Tunga"/>
+        <a:font script="Guru" typeface="Raavi"/>
+        <a:font script="Cans" typeface="Euphemia"/>
+        <a:font script="Cher" typeface="Plantagenet Cherokee"/>
+        <a:font script="Yiii" typeface="Microsoft Yi Baiti"/>
+        <a:font script="Tibt" typeface="Microsoft Himalaya"/>
+        <a:font script="Thaa" typeface="MV Boli"/>
+        <a:font script="Deva" typeface="Mangal"/>
+        <a:font script="Telu" typeface="Gautami"/>
+        <a:font script="Taml" typeface="Latha"/>
+        <a:font script="Syrc" typeface="Estrangelo Edessa"/>
+        <a:font script="Orya" typeface="Kalinga"/>
+        <a:font script="Mlym" typeface="Kartika"/>
+        <a:font script="Laoo" typeface="DokChampa"/>
+        <a:font script="Sinh" typeface="Iskoola Pota"/>
+        <a:font script="Mong" typeface="Mongolian Baiti"/>
+        <a:font script="Viet" typeface="Times New Roman"/>
+        <a:font script="Uigh" typeface="Microsoft Uighur"/>
+        <a:font script="Geor" typeface="Sylfaen"/>
+        <a:font script="Armn" typeface="Arial"/>
+        <a:font script="Bugi" typeface="Leelawadee UI"/>
+        <a:font script="Bopo" typeface="Microsoft JhengHei"/>
+        <a:font script="Java" typeface="Javanese Text"/>
+        <a:font script="Lisu" typeface="Segoe UI"/>
+        <a:font script="Mymr" typeface="Myanmar Text"/>
+        <a:font script="Nkoo" typeface="Ebrima"/>
+        <a:font script="Olck" typeface="Nirmala UI"/>
+        <a:font script="Osma" typeface="Ebrima"/>
+        <a:font script="Phag" typeface="Phagspa"/>
+        <a:font script="Syrn" typeface="Estrangelo Edessa"/>
+        <a:font script="Syrj" typeface="Estrangelo Edessa"/>
+        <a:font script="Syre" typeface="Estrangelo Edessa"/>
+        <a:font script="Sora" typeface="Nirmala UI"/>
+        <a:font script="Tale" typeface="Microsoft Tai Le"/>
+        <a:font script="Talu" typeface="Microsoft New Tai Lue"/>
+        <a:font script="Tfng" typeface="Ebrima"/>
+      </a:majorFont>
+      <a:minorFont>
+        <a:latin typeface="Calibri" panose="020F0502020204030204"/>
+        <a:ea typeface=""/>
+        <a:cs typeface=""/>
+        <a:font script="Jpan" typeface="游ゴシック"/>
+        <a:font script="Hang" typeface="맑은 고딕"/>
+        <a:font script="Hans" typeface="等线"/>
+        <a:font script="Hant" typeface="新細明體"/>
+        <a:font script="Arab" typeface="Arial"/>
+        <a:font script="Hebr" typeface="Arial"/>
+        <a:font script="Thai" typeface="Cordia New"/>
+        <a:font script="Ethi" typeface="Nyala"/>
+        <a:font script="Beng" typeface="Vrinda"/>
+        <a:font script="Gujr" typeface="Shruti"/>
+        <a:font script="Khmr" typeface="DaunPenh"/>
+        <a:font script="Knda" typeface="Tunga"/>
+        <a:font script="Guru" typeface="Raavi"/>
+        <a:font script="Cans" typeface="Euphemia"/>
+        <a:font script="Cher" typeface="Plantagenet Cherokee"/>
+        <a:font script="Yiii" typeface="Microsoft Yi Baiti"/>
+        <a:font script="Tibt" typeface="Microsoft Himalaya"/>
+        <a:font script="Thaa" typeface="MV Boli"/>
+        <a:font script="Deva" typeface="Mangal"/>
+        <a:font script="Telu" typeface="Gautami"/>
+        <a:font script="Taml" typeface="Latha"/>
+        <a:font script="Syrc" typeface="Estrangelo Edessa"/>
+        <a:font script="Orya" typeface="Kalinga"/>
+        <a:font script="Mlym" typeface="Kartika"/>
+        <a:font script="Laoo" typeface="DokChampa"/>
+        <a:font script="Sinh" typeface="Iskoola Pota"/>
+        <a:font script="Mong" typeface="Mongolian Baiti"/>
+        <a:font script="Viet" typeface="Arial"/>
+        <a:font script="Uigh" typeface="Microsoft Uighur"/>
+        <a:font script="Geor" typeface="Sylfaen"/>
+        <a:font script="Armn" typeface="Arial"/>
+        <a:font script="Bugi" typeface="Leelawadee UI"/>
+        <a:font script="Bopo" typeface="Microsoft JhengHei"/>
+        <a:font script="Java" typeface="Javanese Text"/>
+        <a:font script="Lisu" typeface="Segoe UI"/>
+        <a:font script="Mymr" typeface="Myanmar Text"/>
+        <a:font script="Nkoo" typeface="Ebrima"/>
+        <a:font script="Olck" typeface="Nirmala UI"/>
+        <a:font script="Osma" typeface="Ebrima"/>
+        <a:font script="Phag" typeface="Phagspa"/>
+        <a:font script="Syrn" typeface="Estrangelo Edessa"/>
+        <a:font script="Syrj" typeface="Estrangelo Edessa"/>
+        <a:font script="Syre" typeface="Estrangelo Edessa"/>
+        <a:font script="Sora" typeface="Nirmala UI"/>
+        <a:font script="Tale" typeface="Microsoft Tai Le"/>
+        <a:font script="Talu" typeface="Microsoft New Tai Lue"/>
+        <a:font script="Tfng" typeface="Ebrima"/>
+      </a:minorFont>
+    </a:fontScheme>
+    <a:fmtScheme name="Office">
+      <a:fillStyleLst>
+        <a:solidFill>
+          <a:schemeClr val="phClr"/>
+        </a:solidFill>
+        <a:gradFill rotWithShape="1">
+          <a:gsLst>
+            <a:gs pos="0">
+              <a:schemeClr val="phClr">
+                <a:lumMod val="110000"/>
+                <a:satMod val="105000"/>
+                <a:tint val="67000"/>
+              </a:schemeClr>
+            </a:gs>
+            <a:gs pos="50000">
+              <a:schemeClr val="phClr">
+                <a:lumMod val="105000"/>
+                <a:satMod val="103000"/>
+                <a:tint val="73000"/>
+              </a:schemeClr>
+            </a:gs>
+            <a:gs pos="100000">
+              <a:schemeClr val="phClr">
+                <a:lumMod val="105000"/>
+                <a:satMod val="109000"/>
+                <a:tint val="81000"/>
+              </a:schemeClr>
+            </a:gs>
+          </a:gsLst>
+          <a:lin ang="5400000" scaled="0"/>
+        </a:gradFill>
+        <a:gradFill rotWithShape="1">
+          <a:gsLst>
+            <a:gs pos="0">
+              <a:schemeClr val="phClr">
+                <a:satMod val="103000"/>
+                <a:lumMod val="102000"/>
+                <a:tint val="94000"/>
+              </a:schemeClr>
+            </a:gs>
+            <a:gs pos="50000">
+              <a:schemeClr val="phClr">
+                <a:satMod val="110000"/>
+                <a:lumMod val="100000"/>
+                <a:shade val="100000"/>
+              </a:schemeClr>
+            </a:gs>
+            <a:gs pos="100000">
+              <a:schemeClr val="phClr">
+                <a:lumMod val="99000"/>
+                <a:satMod val="120000"/>
+                <a:shade val="78000"/>
+              </a:schemeClr>
+            </a:gs>
+          </a:gsLst>
+          <a:lin ang="5400000" scaled="0"/>
+        </a:gradFill>
+      </a:fillStyleLst>
+      <a:lnStyleLst>
+        <a:ln w="6350" cap="flat" cmpd="sng" algn="ctr">
+          <a:solidFill>
+            <a:schemeClr val="phClr"/>
+          </a:solidFill>
+          <a:prstDash val="solid"/>
+          <a:miter lim="800000"/>
+        </a:ln>
+        <a:ln w="12700" cap="flat" cmpd="sng" algn="ctr">
+          <a:solidFill>
+            <a:schemeClr val="phClr"/>
+          </a:solidFill>
+          <a:prstDash val="solid"/>
+          <a:miter lim="800000"/>
+        </a:ln>
+        <a:ln w="19050" cap="flat" cmpd="sng" algn="ctr">
+          <a:solidFill>
+            <a:schemeClr val="phClr"/>
+          </a:solidFill>
+          <a:prstDash val="solid"/>
+          <a:miter lim="800000"/>
+        </a:ln>
+      </a:lnStyleLst>
+      <a:effectStyleLst>
+        <a:effectStyle>
+          <a:effectLst/>
+        </a:effectStyle>
+        <a:effectStyle>
+          <a:effectLst/>
+        </a:effectStyle>
+        <a:effectStyle>
+          <a:effectLst>
+            <a:outerShdw blurRad="57150" dist="19050" dir="5400000" algn="ctr" rotWithShape="0">
+              <a:srgbClr val="000000">
+                <a:alpha val="63000"/>
+              </a:srgbClr>
+            </a:outerShdw>
+          </a:effectLst>
+        </a:effectStyle>
+      </a:effectStyleLst>
+      <a:bgFillStyleLst>
+        <a:solidFill>
+          <a:schemeClr val="phClr"/>
+        </a:solidFill>
+        <a:solidFill>
+          <a:schemeClr val="phClr">
+            <a:tint val="95000"/>
+            <a:satMod val="170000"/>
+          </a:schemeClr>
+        </a:solidFill>
+        <a:gradFill rotWithShape="1">
+          <a:gsLst>
+            <a:gs pos="0">
+              <a:schemeClr val="phClr">
+                <a:tint val="93000"/>
+                <a:satMod val="150000"/>
+                <a:shade val="98000"/>
+                <a:lumMod val="102000"/>
+              </a:schemeClr>
+            </a:gs>
+            <a:gs pos="50000">
+              <a:schemeClr val="phClr">
+                <a:tint val="98000"/>
+                <a:satMod val="130000"/>
+                <a:shade val="90000"/>
+                <a:lumMod val="103000"/>
+              </a:schemeClr>
+            </a:gs>
+            <a:gs pos="100000">
+              <a:schemeClr val="phClr">
+                <a:shade val="63000"/>
+                <a:satMod val="120000"/>
+              </a:schemeClr>
+            </a:gs>
+          </a:gsLst>
+          <a:lin ang="5400000" scaled="0"/>
+        </a:gradFill>
+      </a:bgFillStyleLst>
+    </a:fmtScheme>
+  </a:themeElements>
+  <a:objectDefaults/>
+  <a:extraClrSchemeLst/>
+  <a:extLst>
+    <a:ext uri="{05A4C25C-085E-4340-85A3-A5531E510DB2}">
+      <thm15:themeFamily xmlns:thm15="http://schemas.microsoft.com/office/thememl/2012/main" name="Office Theme" id="{62F939B6-93AF-4DB8-9C6B-D6C7DFDC589F}" vid="{4A3C46E8-61CC-4603-A589-7422A47A8E4A}"/>
+    </a:ext>
+  </a:extLst>
+</a:theme>
 </file>
--- a/Metamorphosis.pptx
+++ b/Metamorphosis.pptx
@@ -213,7 +213,7 @@
           <a:p>
             <a:fld id="{4DCF616F-5CE8-4DDD-ACCC-703D09B28319}" type="datetimeFigureOut">
               <a:rPr lang="en-US" smtClean="0"/>
-              <a:t>2/24/2025</a:t>
+              <a:t>2/25/2025</a:t>
             </a:fld>
             <a:endParaRPr lang="en-US"/>
           </a:p>
@@ -819,7 +819,7 @@
           <a:p>
             <a:fld id="{7B4EC670-3CFC-4AB7-9DCA-0F924835C35C}" type="datetimeFigureOut">
               <a:rPr lang="en-US" smtClean="0"/>
-              <a:t>2/24/2025</a:t>
+              <a:t>2/25/2025</a:t>
             </a:fld>
             <a:endParaRPr lang="en-US"/>
           </a:p>
@@ -889,13 +889,13 @@
   <p:clrMapOvr>
     <a:masterClrMapping/>
   </p:clrMapOvr>
-  <mc:AlternateContent xmlns:mc="http://schemas.openxmlformats.org/markup-compatibility/2006">
-    <mc:Choice xmlns:p15="http://schemas.microsoft.com/office/powerpoint/2012/main" Requires="p15">
+  <mc:AlternateContent xmlns:mc="http://schemas.openxmlformats.org/markup-compatibility/2006" xmlns:p15="http://schemas.microsoft.com/office/powerpoint/2012/main">
+    <mc:Choice Requires="p15">
       <p:transition spd="med">
         <p15:prstTrans prst="peelOff"/>
       </p:transition>
     </mc:Choice>
-    <mc:Fallback>
+    <mc:Fallback xmlns="">
       <p:transition spd="med">
         <p:fade/>
       </p:transition>
@@ -1029,7 +1029,7 @@
           <a:p>
             <a:fld id="{7B4EC670-3CFC-4AB7-9DCA-0F924835C35C}" type="datetimeFigureOut">
               <a:rPr lang="en-US" smtClean="0"/>
-              <a:t>2/24/2025</a:t>
+              <a:t>2/25/2025</a:t>
             </a:fld>
             <a:endParaRPr lang="en-US"/>
           </a:p>
@@ -1099,13 +1099,13 @@
   <p:clrMapOvr>
     <a:masterClrMapping/>
   </p:clrMapOvr>
-  <mc:AlternateContent xmlns:mc="http://schemas.openxmlformats.org/markup-compatibility/2006">
-    <mc:Choice xmlns:p15="http://schemas.microsoft.com/office/powerpoint/2012/main" Requires="p15">
+  <mc:AlternateContent xmlns:mc="http://schemas.openxmlformats.org/markup-compatibility/2006" xmlns:p15="http://schemas.microsoft.com/office/powerpoint/2012/main">
+    <mc:Choice Requires="p15">
       <p:transition spd="med">
         <p15:prstTrans prst="peelOff"/>
       </p:transition>
     </mc:Choice>
-    <mc:Fallback>
+    <mc:Fallback xmlns="">
       <p:transition spd="med">
         <p:fade/>
       </p:transition>
@@ -1249,7 +1249,7 @@
           <a:p>
             <a:fld id="{7B4EC670-3CFC-4AB7-9DCA-0F924835C35C}" type="datetimeFigureOut">
               <a:rPr lang="en-US" smtClean="0"/>
-              <a:t>2/24/2025</a:t>
+              <a:t>2/25/2025</a:t>
             </a:fld>
             <a:endParaRPr lang="en-US"/>
           </a:p>
@@ -1319,13 +1319,13 @@
   <p:clrMapOvr>
     <a:masterClrMapping/>
   </p:clrMapOvr>
-  <mc:AlternateContent xmlns:mc="http://schemas.openxmlformats.org/markup-compatibility/2006">
-    <mc:Choice xmlns:p15="http://schemas.microsoft.com/office/powerpoint/2012/main" Requires="p15">
+  <mc:AlternateContent xmlns:mc="http://schemas.openxmlformats.org/markup-compatibility/2006" xmlns:p15="http://schemas.microsoft.com/office/powerpoint/2012/main">
+    <mc:Choice Requires="p15">
       <p:transition spd="med">
         <p15:prstTrans prst="peelOff"/>
       </p:transition>
     </mc:Choice>
-    <mc:Fallback>
+    <mc:Fallback xmlns="">
       <p:transition spd="med">
         <p:fade/>
       </p:transition>
@@ -1459,7 +1459,7 @@
           <a:p>
             <a:fld id="{7B4EC670-3CFC-4AB7-9DCA-0F924835C35C}" type="datetimeFigureOut">
               <a:rPr lang="en-US" smtClean="0"/>
-              <a:t>2/24/2025</a:t>
+              <a:t>2/25/2025</a:t>
             </a:fld>
             <a:endParaRPr lang="en-US"/>
           </a:p>
@@ -1529,13 +1529,13 @@
   <p:clrMapOvr>
     <a:masterClrMapping/>
   </p:clrMapOvr>
-  <mc:AlternateContent xmlns:mc="http://schemas.openxmlformats.org/markup-compatibility/2006">
-    <mc:Choice xmlns:p15="http://schemas.microsoft.com/office/powerpoint/2012/main" Requires="p15">
+  <mc:AlternateContent xmlns:mc="http://schemas.openxmlformats.org/markup-compatibility/2006" xmlns:p15="http://schemas.microsoft.com/office/powerpoint/2012/main">
+    <mc:Choice Requires="p15">
       <p:transition spd="med">
         <p15:prstTrans prst="peelOff"/>
       </p:transition>
     </mc:Choice>
-    <mc:Fallback>
+    <mc:Fallback xmlns="">
       <p:transition spd="med">
         <p:fade/>
       </p:transition>
@@ -1746,7 +1746,7 @@
           <a:p>
             <a:fld id="{7B4EC670-3CFC-4AB7-9DCA-0F924835C35C}" type="datetimeFigureOut">
               <a:rPr lang="en-US" smtClean="0"/>
-              <a:t>2/24/2025</a:t>
+              <a:t>2/25/2025</a:t>
             </a:fld>
             <a:endParaRPr lang="en-US"/>
           </a:p>
@@ -1816,13 +1816,13 @@
   <p:clrMapOvr>
     <a:masterClrMapping/>
   </p:clrMapOvr>
-  <mc:AlternateContent xmlns:mc="http://schemas.openxmlformats.org/markup-compatibility/2006">
-    <mc:Choice xmlns:p15="http://schemas.microsoft.com/office/powerpoint/2012/main" Requires="p15">
+  <mc:AlternateContent xmlns:mc="http://schemas.openxmlformats.org/markup-compatibility/2006" xmlns:p15="http://schemas.microsoft.com/office/powerpoint/2012/main">
+    <mc:Choice Requires="p15">
       <p:transition spd="med">
         <p15:prstTrans prst="peelOff"/>
       </p:transition>
     </mc:Choice>
-    <mc:Fallback>
+    <mc:Fallback xmlns="">
       <p:transition spd="med">
         <p:fade/>
       </p:transition>
@@ -2023,7 +2023,7 @@
           <a:p>
             <a:fld id="{7B4EC670-3CFC-4AB7-9DCA-0F924835C35C}" type="datetimeFigureOut">
               <a:rPr lang="en-US" smtClean="0"/>
-              <a:t>2/24/2025</a:t>
+              <a:t>2/25/2025</a:t>
             </a:fld>
             <a:endParaRPr lang="en-US"/>
           </a:p>
@@ -2093,13 +2093,13 @@
   <p:clrMapOvr>
     <a:masterClrMapping/>
   </p:clrMapOvr>
-  <mc:AlternateContent xmlns:mc="http://schemas.openxmlformats.org/markup-compatibility/2006">
-    <mc:Choice xmlns:p15="http://schemas.microsoft.com/office/powerpoint/2012/main" Requires="p15">
+  <mc:AlternateContent xmlns:mc="http://schemas.openxmlformats.org/markup-compatibility/2006" xmlns:p15="http://schemas.microsoft.com/office/powerpoint/2012/main">
+    <mc:Choice Requires="p15">
       <p:transition spd="med">
         <p15:prstTrans prst="peelOff"/>
       </p:transition>
     </mc:Choice>
-    <mc:Fallback>
+    <mc:Fallback xmlns="">
       <p:transition spd="med">
         <p:fade/>
       </p:transition>
@@ -2447,7 +2447,7 @@
           <a:p>
             <a:fld id="{7B4EC670-3CFC-4AB7-9DCA-0F924835C35C}" type="datetimeFigureOut">
               <a:rPr lang="en-US" smtClean="0"/>
-              <a:t>2/24/2025</a:t>
+              <a:t>2/25/2025</a:t>
             </a:fld>
             <a:endParaRPr lang="en-US"/>
           </a:p>
@@ -2517,13 +2517,13 @@
   <p:clrMapOvr>
     <a:masterClrMapping/>
   </p:clrMapOvr>
-  <mc:AlternateContent xmlns:mc="http://schemas.openxmlformats.org/markup-compatibility/2006">
-    <mc:Choice xmlns:p15="http://schemas.microsoft.com/office/powerpoint/2012/main" Requires="p15">
+  <mc:AlternateContent xmlns:mc="http://schemas.openxmlformats.org/markup-compatibility/2006" xmlns:p15="http://schemas.microsoft.com/office/powerpoint/2012/main">
+    <mc:Choice Requires="p15">
       <p:transition spd="med">
         <p15:prstTrans prst="peelOff"/>
       </p:transition>
     </mc:Choice>
-    <mc:Fallback>
+    <mc:Fallback xmlns="">
       <p:transition spd="med">
         <p:fade/>
       </p:transition>
@@ -2600,7 +2600,7 @@
           <a:p>
             <a:fld id="{7B4EC670-3CFC-4AB7-9DCA-0F924835C35C}" type="datetimeFigureOut">
               <a:rPr lang="en-US" smtClean="0"/>
-              <a:t>2/24/2025</a:t>
+              <a:t>2/25/2025</a:t>
             </a:fld>
             <a:endParaRPr lang="en-US"/>
           </a:p>
@@ -2670,13 +2670,13 @@
   <p:clrMapOvr>
     <a:masterClrMapping/>
   </p:clrMapOvr>
-  <mc:AlternateContent xmlns:mc="http://schemas.openxmlformats.org/markup-compatibility/2006">
-    <mc:Choice xmlns:p15="http://schemas.microsoft.com/office/powerpoint/2012/main" Requires="p15">
+  <mc:AlternateContent xmlns:mc="http://schemas.openxmlformats.org/markup-compatibility/2006" xmlns:p15="http://schemas.microsoft.com/office/powerpoint/2012/main">
+    <mc:Choice Requires="p15">
       <p:transition spd="med">
         <p15:prstTrans prst="peelOff"/>
       </p:transition>
     </mc:Choice>
-    <mc:Fallback>
+    <mc:Fallback xmlns="">
       <p:transition spd="med">
         <p:fade/>
       </p:transition>
@@ -2725,7 +2725,7 @@
           <a:p>
             <a:fld id="{7B4EC670-3CFC-4AB7-9DCA-0F924835C35C}" type="datetimeFigureOut">
               <a:rPr lang="en-US" smtClean="0"/>
-              <a:t>2/24/2025</a:t>
+              <a:t>2/25/2025</a:t>
             </a:fld>
             <a:endParaRPr lang="en-US"/>
           </a:p>
@@ -2795,13 +2795,13 @@
   <p:clrMapOvr>
     <a:masterClrMapping/>
   </p:clrMapOvr>
-  <mc:AlternateContent xmlns:mc="http://schemas.openxmlformats.org/markup-compatibility/2006">
-    <mc:Choice xmlns:p15="http://schemas.microsoft.com/office/powerpoint/2012/main" Requires="p15">
+  <mc:AlternateContent xmlns:mc="http://schemas.openxmlformats.org/markup-compatibility/2006" xmlns:p15="http://schemas.microsoft.com/office/powerpoint/2012/main">
+    <mc:Choice Requires="p15">
       <p:transition spd="med">
         <p15:prstTrans prst="peelOff"/>
       </p:transition>
     </mc:Choice>
-    <mc:Fallback>
+    <mc:Fallback xmlns="">
       <p:transition spd="med">
         <p:fade/>
       </p:transition>
@@ -3048,7 +3048,7 @@
           <a:p>
             <a:fld id="{7B4EC670-3CFC-4AB7-9DCA-0F924835C35C}" type="datetimeFigureOut">
               <a:rPr lang="en-US" smtClean="0"/>
-              <a:t>2/24/2025</a:t>
+              <a:t>2/25/2025</a:t>
             </a:fld>
             <a:endParaRPr lang="en-US"/>
           </a:p>
@@ -3118,13 +3118,13 @@
   <p:clrMapOvr>
     <a:masterClrMapping/>
   </p:clrMapOvr>
-  <mc:AlternateContent xmlns:mc="http://schemas.openxmlformats.org/markup-compatibility/2006">
-    <mc:Choice xmlns:p15="http://schemas.microsoft.com/office/powerpoint/2012/main" Requires="p15">
+  <mc:AlternateContent xmlns:mc="http://schemas.openxmlformats.org/markup-compatibility/2006" xmlns:p15="http://schemas.microsoft.com/office/powerpoint/2012/main">
+    <mc:Choice Requires="p15">
       <p:transition spd="med">
         <p15:prstTrans prst="peelOff"/>
       </p:transition>
     </mc:Choice>
-    <mc:Fallback>
+    <mc:Fallback xmlns="">
       <p:transition spd="med">
         <p:fade/>
       </p:transition>
@@ -3348,7 +3348,7 @@
           <a:p>
             <a:fld id="{7B4EC670-3CFC-4AB7-9DCA-0F924835C35C}" type="datetimeFigureOut">
               <a:rPr lang="en-US" smtClean="0"/>
-              <a:t>2/24/2025</a:t>
+              <a:t>2/25/2025</a:t>
             </a:fld>
             <a:endParaRPr lang="en-US"/>
           </a:p>
@@ -3418,13 +3418,13 @@
   <p:clrMapOvr>
     <a:masterClrMapping/>
   </p:clrMapOvr>
-  <mc:AlternateContent xmlns:mc="http://schemas.openxmlformats.org/markup-compatibility/2006">
-    <mc:Choice xmlns:p15="http://schemas.microsoft.com/office/powerpoint/2012/main" Requires="p15">
+  <mc:AlternateContent xmlns:mc="http://schemas.openxmlformats.org/markup-compatibility/2006" xmlns:p15="http://schemas.microsoft.com/office/powerpoint/2012/main">
+    <mc:Choice Requires="p15">
       <p:transition spd="med">
         <p15:prstTrans prst="peelOff"/>
       </p:transition>
     </mc:Choice>
-    <mc:Fallback>
+    <mc:Fallback xmlns="">
       <p:transition spd="med">
         <p:fade/>
       </p:transition>
@@ -3636,7 +3636,7 @@
             <a:fld id="{7B4EC670-3CFC-4AB7-9DCA-0F924835C35C}" type="datetimeFigureOut">
               <a:rPr lang="en-US" smtClean="0"/>
               <a:pPr/>
-              <a:t>2/24/2025</a:t>
+              <a:t>2/25/2025</a:t>
             </a:fld>
             <a:endParaRPr lang="en-US"/>
           </a:p>
@@ -3766,13 +3766,13 @@
     <p:sldLayoutId id="2147483658" r:id="rId10"/>
     <p:sldLayoutId id="2147483659" r:id="rId11"/>
   </p:sldLayoutIdLst>
-  <mc:AlternateContent xmlns:mc="http://schemas.openxmlformats.org/markup-compatibility/2006">
-    <mc:Choice xmlns:p15="http://schemas.microsoft.com/office/powerpoint/2012/main" Requires="p15">
+  <mc:AlternateContent xmlns:mc="http://schemas.openxmlformats.org/markup-compatibility/2006" xmlns:p15="http://schemas.microsoft.com/office/powerpoint/2012/main">
+    <mc:Choice Requires="p15">
       <p:transition spd="med">
         <p15:prstTrans prst="peelOff"/>
       </p:transition>
     </mc:Choice>
-    <mc:Fallback>
+    <mc:Fallback xmlns="">
       <p:transition spd="med">
         <p:fade/>
       </p:transition>
@@ -5042,18 +5042,9 @@
   <p:clrMapOvr>
     <a:masterClrMapping/>
   </p:clrMapOvr>
-  <mc:AlternateContent xmlns:mc="http://schemas.openxmlformats.org/markup-compatibility/2006">
-    <mc:Choice xmlns:p15="http://schemas.microsoft.com/office/powerpoint/2012/main" Requires="p15">
-      <p:transition spd="med">
-        <p15:prstTrans prst="peelOff"/>
-      </p:transition>
-    </mc:Choice>
-    <mc:Fallback>
-      <p:transition spd="med">
-        <p:fade/>
-      </p:transition>
-    </mc:Fallback>
-  </mc:AlternateContent>
+  <p:transition spd="med">
+    <p:circle/>
+  </p:transition>
   <p:timing>
     <p:tnLst>
       <p:par>
@@ -5106,7 +5097,7 @@
                               <p:par>
                                 <p:cTn id="8" presetID="50" presetClass="entr" presetSubtype="0" decel="100000" fill="hold" grpId="0" nodeType="afterEffect">
                                   <p:stCondLst>
-                                    <p:cond delay="500"/>
+                                    <p:cond delay="250"/>
                                   </p:stCondLst>
                                   <p:childTnLst>
                                     <p:set>
@@ -5190,7 +5181,7 @@
                         <p:par>
                           <p:cTn id="13" fill="hold">
                             <p:stCondLst>
-                              <p:cond delay="1000"/>
+                              <p:cond delay="750"/>
                             </p:stCondLst>
                             <p:childTnLst>
                               <p:par>
@@ -5257,7 +5248,7 @@
                         <p:par>
                           <p:cTn id="18" fill="hold">
                             <p:stCondLst>
-                              <p:cond delay="1500"/>
+                              <p:cond delay="1250"/>
                             </p:stCondLst>
                             <p:childTnLst>
                               <p:par>
@@ -5321,7 +5312,7 @@
                         <p:par>
                           <p:cTn id="23" fill="hold">
                             <p:stCondLst>
-                              <p:cond delay="2041"/>
+                              <p:cond delay="1791"/>
                             </p:stCondLst>
                             <p:childTnLst>
                               <p:par>
@@ -5698,13 +5689,13 @@
   <p:clrMapOvr>
     <a:masterClrMapping/>
   </p:clrMapOvr>
-  <mc:AlternateContent xmlns:mc="http://schemas.openxmlformats.org/markup-compatibility/2006">
-    <mc:Choice xmlns:p159="http://schemas.microsoft.com/office/powerpoint/2015/09/main" Requires="p159">
+  <mc:AlternateContent xmlns:mc="http://schemas.openxmlformats.org/markup-compatibility/2006" xmlns:p159="http://schemas.microsoft.com/office/powerpoint/2015/09/main">
+    <mc:Choice Requires="p159">
       <p:transition spd="med">
         <p159:morph option="byWord"/>
       </p:transition>
     </mc:Choice>
-    <mc:Fallback>
+    <mc:Fallback xmlns="">
       <p:transition spd="med">
         <p:fade/>
       </p:transition>
@@ -6281,13 +6272,13 @@
   <p:clrMapOvr>
     <a:masterClrMapping/>
   </p:clrMapOvr>
-  <mc:AlternateContent xmlns:mc="http://schemas.openxmlformats.org/markup-compatibility/2006">
-    <mc:Choice xmlns:p15="http://schemas.microsoft.com/office/powerpoint/2012/main" Requires="p15">
+  <mc:AlternateContent xmlns:mc="http://schemas.openxmlformats.org/markup-compatibility/2006" xmlns:p15="http://schemas.microsoft.com/office/powerpoint/2012/main">
+    <mc:Choice Requires="p15">
       <p:transition spd="med">
         <p15:prstTrans prst="peelOff"/>
       </p:transition>
     </mc:Choice>
-    <mc:Fallback>
+    <mc:Fallback xmlns="">
       <p:transition spd="med">
         <p:fade/>
       </p:transition>
@@ -7420,13 +7411,13 @@
   <p:clrMapOvr>
     <a:masterClrMapping/>
   </p:clrMapOvr>
-  <mc:AlternateContent xmlns:mc="http://schemas.openxmlformats.org/markup-compatibility/2006">
-    <mc:Choice xmlns:p15="http://schemas.microsoft.com/office/powerpoint/2012/main" Requires="p15">
+  <mc:AlternateContent xmlns:mc="http://schemas.openxmlformats.org/markup-compatibility/2006" xmlns:p15="http://schemas.microsoft.com/office/powerpoint/2012/main">
+    <mc:Choice Requires="p15">
       <p:transition spd="med">
         <p15:prstTrans prst="peelOff"/>
       </p:transition>
     </mc:Choice>
-    <mc:Fallback>
+    <mc:Fallback xmlns="">
       <p:transition spd="med">
         <p:fade/>
       </p:transition>
@@ -8556,8 +8547,8 @@
           </a:p>
         </p:txBody>
       </p:sp>
-      <mc:AlternateContent xmlns:mc="http://schemas.openxmlformats.org/markup-compatibility/2006">
-        <mc:Choice xmlns:pslz="http://schemas.microsoft.com/office/powerpoint/2016/slidezoom" Requires="pslz">
+      <mc:AlternateContent xmlns:mc="http://schemas.openxmlformats.org/markup-compatibility/2006" xmlns:pslz="http://schemas.microsoft.com/office/powerpoint/2016/slidezoom">
+        <mc:Choice Requires="pslz">
           <p:graphicFrame>
             <p:nvGraphicFramePr>
               <p:cNvPr id="5" name="Slide Zoom 4">
@@ -8620,7 +8611,7 @@
             </a:graphic>
           </p:graphicFrame>
         </mc:Choice>
-        <mc:Fallback>
+        <mc:Fallback xmlns="">
           <p:pic>
             <p:nvPicPr>
               <p:cNvPr id="5" name="Slide Zoom 4">
@@ -8637,7 +8628,7 @@
               <p:nvPr/>
             </p:nvPicPr>
             <p:blipFill>
-              <a:blip r:embed="rId4">
+              <a:blip r:embed="rId6">
                 <a:extLst>
                   <a:ext uri="{28A0092B-C50C-407E-A947-70E740481C1C}">
                     <a14:useLocalDpi xmlns:a14="http://schemas.microsoft.com/office/drawing/2010/main" val="0"/>
@@ -8675,13 +8666,13 @@
   <p:clrMapOvr>
     <a:masterClrMapping/>
   </p:clrMapOvr>
-  <mc:AlternateContent xmlns:mc="http://schemas.openxmlformats.org/markup-compatibility/2006">
-    <mc:Choice xmlns:p15="http://schemas.microsoft.com/office/powerpoint/2012/main" Requires="p15">
+  <mc:AlternateContent xmlns:mc="http://schemas.openxmlformats.org/markup-compatibility/2006" xmlns:p15="http://schemas.microsoft.com/office/powerpoint/2012/main">
+    <mc:Choice Requires="p15">
       <p:transition spd="med">
         <p15:prstTrans prst="peelOff"/>
       </p:transition>
     </mc:Choice>
-    <mc:Fallback>
+    <mc:Fallback xmlns="">
       <p:transition spd="med">
         <p:fade/>
       </p:transition>
@@ -10000,13 +9991,13 @@
   <p:clrMapOvr>
     <a:masterClrMapping/>
   </p:clrMapOvr>
-  <mc:AlternateContent xmlns:mc="http://schemas.openxmlformats.org/markup-compatibility/2006">
-    <mc:Choice xmlns:p159="http://schemas.microsoft.com/office/powerpoint/2015/09/main" Requires="p159">
+  <mc:AlternateContent xmlns:mc="http://schemas.openxmlformats.org/markup-compatibility/2006" xmlns:p159="http://schemas.microsoft.com/office/powerpoint/2015/09/main">
+    <mc:Choice Requires="p159">
       <p:transition xmlns:p14="http://schemas.microsoft.com/office/powerpoint/2010/main" spd="slow" p14:dur="2000">
         <p159:morph option="byWord"/>
       </p:transition>
     </mc:Choice>
-    <mc:Fallback>
+    <mc:Fallback xmlns="">
       <p:transition spd="slow">
         <p:fade/>
       </p:transition>
@@ -10528,13 +10519,13 @@
   <p:clrMapOvr>
     <a:masterClrMapping/>
   </p:clrMapOvr>
-  <mc:AlternateContent xmlns:mc="http://schemas.openxmlformats.org/markup-compatibility/2006">
-    <mc:Choice xmlns:p15="http://schemas.microsoft.com/office/powerpoint/2012/main" Requires="p15">
+  <mc:AlternateContent xmlns:mc="http://schemas.openxmlformats.org/markup-compatibility/2006" xmlns:p15="http://schemas.microsoft.com/office/powerpoint/2012/main">
+    <mc:Choice Requires="p15">
       <p:transition spd="med">
         <p15:prstTrans prst="peelOff"/>
       </p:transition>
     </mc:Choice>
-    <mc:Fallback>
+    <mc:Fallback xmlns="">
       <p:transition spd="med">
         <p:fade/>
       </p:transition>
@@ -11119,13 +11110,13 @@
   <p:clrMapOvr>
     <a:masterClrMapping/>
   </p:clrMapOvr>
-  <mc:AlternateContent xmlns:mc="http://schemas.openxmlformats.org/markup-compatibility/2006">
-    <mc:Choice xmlns:p15="http://schemas.microsoft.com/office/powerpoint/2012/main" Requires="p15">
+  <mc:AlternateContent xmlns:mc="http://schemas.openxmlformats.org/markup-compatibility/2006" xmlns:p15="http://schemas.microsoft.com/office/powerpoint/2012/main">
+    <mc:Choice Requires="p15">
       <p:transition spd="med">
         <p15:prstTrans prst="peelOff"/>
       </p:transition>
     </mc:Choice>
-    <mc:Fallback>
+    <mc:Fallback xmlns="">
       <p:transition spd="med">
         <p:fade/>
       </p:transition>
@@ -11438,13 +11429,13 @@
   <p:clrMapOvr>
     <a:masterClrMapping/>
   </p:clrMapOvr>
-  <mc:AlternateContent xmlns:mc="http://schemas.openxmlformats.org/markup-compatibility/2006">
-    <mc:Choice xmlns:p15="http://schemas.microsoft.com/office/powerpoint/2012/main" Requires="p15">
+  <mc:AlternateContent xmlns:mc="http://schemas.openxmlformats.org/markup-compatibility/2006" xmlns:p15="http://schemas.microsoft.com/office/powerpoint/2012/main">
+    <mc:Choice Requires="p15">
       <p:transition spd="med">
         <p15:prstTrans prst="peelOff"/>
       </p:transition>
     </mc:Choice>
-    <mc:Fallback>
+    <mc:Fallback xmlns="">
       <p:transition spd="med">
         <p:fade/>
       </p:transition>
@@ -11767,13 +11758,13 @@
   <p:clrMapOvr>
     <a:masterClrMapping/>
   </p:clrMapOvr>
-  <mc:AlternateContent xmlns:mc="http://schemas.openxmlformats.org/markup-compatibility/2006">
-    <mc:Choice xmlns:p15="http://schemas.microsoft.com/office/powerpoint/2012/main" Requires="p15">
+  <mc:AlternateContent xmlns:mc="http://schemas.openxmlformats.org/markup-compatibility/2006" xmlns:p15="http://schemas.microsoft.com/office/powerpoint/2012/main">
+    <mc:Choice Requires="p15">
       <p:transition spd="med">
         <p15:prstTrans prst="peelOff"/>
       </p:transition>
     </mc:Choice>
-    <mc:Fallback>
+    <mc:Fallback xmlns="">
       <p:transition spd="med">
         <p:fade/>
       </p:transition>
@@ -12760,13 +12751,13 @@
   <p:clrMapOvr>
     <a:masterClrMapping/>
   </p:clrMapOvr>
-  <mc:AlternateContent xmlns:mc="http://schemas.openxmlformats.org/markup-compatibility/2006">
-    <mc:Choice xmlns:p159="http://schemas.microsoft.com/office/powerpoint/2015/09/main" Requires="p159">
+  <mc:AlternateContent xmlns:mc="http://schemas.openxmlformats.org/markup-compatibility/2006" xmlns:p159="http://schemas.microsoft.com/office/powerpoint/2015/09/main">
+    <mc:Choice Requires="p159">
       <p:transition xmlns:p14="http://schemas.microsoft.com/office/powerpoint/2010/main" spd="slow" p14:dur="2000">
         <p159:morph option="byWord"/>
       </p:transition>
     </mc:Choice>
-    <mc:Fallback>
+    <mc:Fallback xmlns="">
       <p:transition spd="slow">
         <p:fade/>
       </p:transition>
@@ -13724,13 +13715,13 @@
   <p:clrMapOvr>
     <a:masterClrMapping/>
   </p:clrMapOvr>
-  <mc:AlternateContent xmlns:mc="http://schemas.openxmlformats.org/markup-compatibility/2006">
-    <mc:Choice xmlns:p159="http://schemas.microsoft.com/office/powerpoint/2015/09/main" Requires="p159">
+  <mc:AlternateContent xmlns:mc="http://schemas.openxmlformats.org/markup-compatibility/2006" xmlns:p159="http://schemas.microsoft.com/office/powerpoint/2015/09/main">
+    <mc:Choice Requires="p159">
       <p:transition xmlns:p14="http://schemas.microsoft.com/office/powerpoint/2010/main" spd="slow" p14:dur="2000">
         <p159:morph option="byWord"/>
       </p:transition>
     </mc:Choice>
-    <mc:Fallback>
+    <mc:Fallback xmlns="">
       <p:transition spd="slow">
         <p:fade/>
       </p:transition>
@@ -14836,13 +14827,13 @@
   <p:clrMapOvr>
     <a:masterClrMapping/>
   </p:clrMapOvr>
-  <mc:AlternateContent xmlns:mc="http://schemas.openxmlformats.org/markup-compatibility/2006">
-    <mc:Choice xmlns:p159="http://schemas.microsoft.com/office/powerpoint/2015/09/main" Requires="p159">
+  <mc:AlternateContent xmlns:mc="http://schemas.openxmlformats.org/markup-compatibility/2006" xmlns:p159="http://schemas.microsoft.com/office/powerpoint/2015/09/main">
+    <mc:Choice Requires="p159">
       <p:transition xmlns:p14="http://schemas.microsoft.com/office/powerpoint/2010/main" spd="slow" p14:dur="2000">
         <p159:morph option="byWord"/>
       </p:transition>
     </mc:Choice>
-    <mc:Fallback>
+    <mc:Fallback xmlns="">
       <p:transition spd="slow">
         <p:fade/>
       </p:transition>
@@ -16090,13 +16081,13 @@
   <p:clrMapOvr>
     <a:masterClrMapping/>
   </p:clrMapOvr>
-  <mc:AlternateContent xmlns:mc="http://schemas.openxmlformats.org/markup-compatibility/2006">
-    <mc:Choice xmlns:p159="http://schemas.microsoft.com/office/powerpoint/2015/09/main" Requires="p159">
+  <mc:AlternateContent xmlns:mc="http://schemas.openxmlformats.org/markup-compatibility/2006" xmlns:p159="http://schemas.microsoft.com/office/powerpoint/2015/09/main">
+    <mc:Choice Requires="p159">
       <p:transition xmlns:p14="http://schemas.microsoft.com/office/powerpoint/2010/main" spd="slow" p14:dur="2000">
         <p159:morph option="byWord"/>
       </p:transition>
     </mc:Choice>
-    <mc:Fallback>
+    <mc:Fallback xmlns="">
       <p:transition spd="slow">
         <p:fade/>
       </p:transition>
@@ -17111,13 +17102,13 @@
   <p:clrMapOvr>
     <a:masterClrMapping/>
   </p:clrMapOvr>
-  <mc:AlternateContent xmlns:mc="http://schemas.openxmlformats.org/markup-compatibility/2006">
-    <mc:Choice xmlns:p15="http://schemas.microsoft.com/office/powerpoint/2012/main" Requires="p15">
+  <mc:AlternateContent xmlns:mc="http://schemas.openxmlformats.org/markup-compatibility/2006" xmlns:p15="http://schemas.microsoft.com/office/powerpoint/2012/main">
+    <mc:Choice Requires="p15">
       <p:transition spd="med">
         <p15:prstTrans prst="peelOff"/>
       </p:transition>
     </mc:Choice>
-    <mc:Fallback>
+    <mc:Fallback xmlns="">
       <p:transition spd="med">
         <p:fade/>
       </p:transition>
@@ -18467,13 +18458,13 @@
   <p:clrMapOvr>
     <a:masterClrMapping/>
   </p:clrMapOvr>
-  <mc:AlternateContent xmlns:mc="http://schemas.openxmlformats.org/markup-compatibility/2006">
-    <mc:Choice xmlns:p159="http://schemas.microsoft.com/office/powerpoint/2015/09/main" Requires="p159">
+  <mc:AlternateContent xmlns:mc="http://schemas.openxmlformats.org/markup-compatibility/2006" xmlns:p159="http://schemas.microsoft.com/office/powerpoint/2015/09/main">
+    <mc:Choice Requires="p159">
       <p:transition spd="med">
         <p159:morph option="byWord"/>
       </p:transition>
     </mc:Choice>
-    <mc:Fallback>
+    <mc:Fallback xmlns="">
       <p:transition spd="med">
         <p:fade/>
       </p:transition>
@@ -19085,8 +19076,8 @@
           </a:p>
         </p:txBody>
       </p:sp>
-      <mc:AlternateContent xmlns:mc="http://schemas.openxmlformats.org/markup-compatibility/2006">
-        <mc:Choice xmlns:pslz="http://schemas.microsoft.com/office/powerpoint/2016/slidezoom" Requires="pslz">
+      <mc:AlternateContent xmlns:mc="http://schemas.openxmlformats.org/markup-compatibility/2006" xmlns:pslz="http://schemas.microsoft.com/office/powerpoint/2016/slidezoom">
+        <mc:Choice Requires="pslz">
           <p:graphicFrame>
             <p:nvGraphicFramePr>
               <p:cNvPr id="7" name="Slide Zoom 6">
@@ -19143,7 +19134,7 @@
             </a:graphic>
           </p:graphicFrame>
         </mc:Choice>
-        <mc:Fallback>
+        <mc:Fallback xmlns="">
           <p:pic>
             <p:nvPicPr>
               <p:cNvPr id="7" name="Slide Zoom 6">
@@ -19160,7 +19151,7 @@
               <p:nvPr/>
             </p:nvPicPr>
             <p:blipFill>
-              <a:blip r:embed="rId4">
+              <a:blip r:embed="rId6">
                 <a:extLst>
                   <a:ext uri="{28A0092B-C50C-407E-A947-70E740481C1C}">
                     <a14:useLocalDpi xmlns:a14="http://schemas.microsoft.com/office/drawing/2010/main" val="0"/>
@@ -19198,11 +19189,11 @@
   <p:clrMapOvr>
     <a:masterClrMapping/>
   </p:clrMapOvr>
-  <mc:AlternateContent xmlns:mc="http://schemas.openxmlformats.org/markup-compatibility/2006">
-    <mc:Choice xmlns:p14="http://schemas.microsoft.com/office/powerpoint/2010/main" Requires="p14">
+  <mc:AlternateContent xmlns:mc="http://schemas.openxmlformats.org/markup-compatibility/2006" xmlns:p14="http://schemas.microsoft.com/office/powerpoint/2010/main">
+    <mc:Choice Requires="p14">
       <p:transition p14:dur="0"/>
     </mc:Choice>
-    <mc:Fallback>
+    <mc:Fallback xmlns="">
       <p:transition/>
     </mc:Fallback>
   </mc:AlternateContent>
